--- a/documentos/Apresentação Março.pptx
+++ b/documentos/Apresentação Março.pptx
@@ -1,31 +1,44 @@
 
 <file path=ppt/presentation.xml><?xml version="1.0" encoding="utf-8"?>
-<p:presentation xmlns:a="http://schemas.openxmlformats.org/drawingml/2006/main" xmlns:r="http://schemas.openxmlformats.org/officeDocument/2006/relationships" xmlns:p="http://schemas.openxmlformats.org/presentationml/2006/main" strictFirstAndLastChars="0" saveSubsetFonts="1">
+<p:presentation xmlns:a="http://schemas.openxmlformats.org/drawingml/2006/main" xmlns:r="http://schemas.openxmlformats.org/officeDocument/2006/relationships" xmlns:p="http://schemas.openxmlformats.org/presentationml/2006/main" showSpecialPlsOnTitleSld="0" strictFirstAndLastChars="0" saveSubsetFonts="1">
   <p:sldMasterIdLst>
     <p:sldMasterId id="2147483648" r:id="rId1"/>
     <p:sldMasterId id="2147483649" r:id="rId2"/>
   </p:sldMasterIdLst>
   <p:notesMasterIdLst>
-    <p:notesMasterId r:id="rId20"/>
+    <p:notesMasterId r:id="rId30"/>
   </p:notesMasterIdLst>
+  <p:handoutMasterIdLst>
+    <p:handoutMasterId r:id="rId31"/>
+  </p:handoutMasterIdLst>
   <p:sldIdLst>
     <p:sldId id="256" r:id="rId3"/>
-    <p:sldId id="280" r:id="rId4"/>
+    <p:sldId id="311" r:id="rId4"/>
     <p:sldId id="295" r:id="rId5"/>
     <p:sldId id="297" r:id="rId6"/>
     <p:sldId id="296" r:id="rId7"/>
     <p:sldId id="298" r:id="rId8"/>
-    <p:sldId id="282" r:id="rId9"/>
-    <p:sldId id="283" r:id="rId10"/>
-    <p:sldId id="284" r:id="rId11"/>
-    <p:sldId id="285" r:id="rId12"/>
-    <p:sldId id="286" r:id="rId13"/>
-    <p:sldId id="287" r:id="rId14"/>
-    <p:sldId id="288" r:id="rId15"/>
-    <p:sldId id="293" r:id="rId16"/>
-    <p:sldId id="294" r:id="rId17"/>
-    <p:sldId id="291" r:id="rId18"/>
-    <p:sldId id="292" r:id="rId19"/>
+    <p:sldId id="299" r:id="rId9"/>
+    <p:sldId id="302" r:id="rId10"/>
+    <p:sldId id="304" r:id="rId11"/>
+    <p:sldId id="303" r:id="rId12"/>
+    <p:sldId id="305" r:id="rId13"/>
+    <p:sldId id="308" r:id="rId14"/>
+    <p:sldId id="307" r:id="rId15"/>
+    <p:sldId id="309" r:id="rId16"/>
+    <p:sldId id="310" r:id="rId17"/>
+    <p:sldId id="301" r:id="rId18"/>
+    <p:sldId id="300" r:id="rId19"/>
+    <p:sldId id="283" r:id="rId20"/>
+    <p:sldId id="284" r:id="rId21"/>
+    <p:sldId id="285" r:id="rId22"/>
+    <p:sldId id="286" r:id="rId23"/>
+    <p:sldId id="287" r:id="rId24"/>
+    <p:sldId id="288" r:id="rId25"/>
+    <p:sldId id="293" r:id="rId26"/>
+    <p:sldId id="294" r:id="rId27"/>
+    <p:sldId id="291" r:id="rId28"/>
+    <p:sldId id="292" r:id="rId29"/>
   </p:sldIdLst>
   <p:sldSz cx="9144000" cy="6858000" type="screen4x3"/>
   <p:notesSz cx="6858000" cy="9144000"/>
@@ -180,6 +193,168 @@
     </a:lvl9pPr>
   </p:defaultTextStyle>
 </p:presentation>
+</file>
+
+<file path=ppt/handoutMasters/handoutMaster1.xml><?xml version="1.0" encoding="utf-8"?>
+<p:handoutMaster xmlns:a="http://schemas.openxmlformats.org/drawingml/2006/main" xmlns:r="http://schemas.openxmlformats.org/officeDocument/2006/relationships" xmlns:p="http://schemas.openxmlformats.org/presentationml/2006/main">
+  <p:cSld>
+    <p:bg>
+      <p:bgRef idx="1001">
+        <a:schemeClr val="bg1"/>
+      </p:bgRef>
+    </p:bg>
+    <p:spTree>
+      <p:nvGrpSpPr>
+        <p:cNvPr id="1" name=""/>
+        <p:cNvGrpSpPr/>
+        <p:nvPr/>
+      </p:nvGrpSpPr>
+      <p:grpSpPr>
+        <a:xfrm>
+          <a:off x="0" y="0"/>
+          <a:ext cx="0" cy="0"/>
+          <a:chOff x="0" y="0"/>
+          <a:chExt cx="0" cy="0"/>
+        </a:xfrm>
+      </p:grpSpPr>
+      <p:sp>
+        <p:nvSpPr>
+          <p:cNvPr id="2" name="Espaço Reservado para Cabeçalho 1"/>
+          <p:cNvSpPr>
+            <a:spLocks noGrp="1"/>
+          </p:cNvSpPr>
+          <p:nvPr>
+            <p:ph type="hdr" sz="quarter"/>
+          </p:nvPr>
+        </p:nvSpPr>
+        <p:spPr>
+          <a:xfrm>
+            <a:off x="0" y="0"/>
+            <a:ext cx="2971800" cy="457200"/>
+          </a:xfrm>
+          <a:prstGeom prst="rect">
+            <a:avLst/>
+          </a:prstGeom>
+        </p:spPr>
+        <p:txBody>
+          <a:bodyPr vert="horz" lIns="91440" tIns="45720" rIns="91440" bIns="45720" rtlCol="0"/>
+          <a:lstStyle>
+            <a:lvl1pPr algn="l">
+              <a:defRPr sz="1200"/>
+            </a:lvl1pPr>
+          </a:lstStyle>
+          <a:p>
+            <a:endParaRPr lang="pt-BR"/>
+          </a:p>
+        </p:txBody>
+      </p:sp>
+      <p:sp>
+        <p:nvSpPr>
+          <p:cNvPr id="3" name="Espaço Reservado para Data 2"/>
+          <p:cNvSpPr>
+            <a:spLocks noGrp="1"/>
+          </p:cNvSpPr>
+          <p:nvPr>
+            <p:ph type="dt" sz="quarter" idx="1"/>
+          </p:nvPr>
+        </p:nvSpPr>
+        <p:spPr>
+          <a:xfrm>
+            <a:off x="3884613" y="0"/>
+            <a:ext cx="2971800" cy="457200"/>
+          </a:xfrm>
+          <a:prstGeom prst="rect">
+            <a:avLst/>
+          </a:prstGeom>
+        </p:spPr>
+        <p:txBody>
+          <a:bodyPr vert="horz" lIns="91440" tIns="45720" rIns="91440" bIns="45720" rtlCol="0"/>
+          <a:lstStyle>
+            <a:lvl1pPr algn="r">
+              <a:defRPr sz="1200"/>
+            </a:lvl1pPr>
+          </a:lstStyle>
+          <a:p>
+            <a:fld id="{49C5135E-E75A-4093-B747-6CD3BA9E37A5}" type="datetimeFigureOut">
+              <a:rPr lang="pt-BR" smtClean="0"/>
+              <a:pPr/>
+              <a:t>13/3/2009</a:t>
+            </a:fld>
+            <a:endParaRPr lang="pt-BR"/>
+          </a:p>
+        </p:txBody>
+      </p:sp>
+      <p:sp>
+        <p:nvSpPr>
+          <p:cNvPr id="4" name="Espaço Reservado para Rodapé 3"/>
+          <p:cNvSpPr>
+            <a:spLocks noGrp="1"/>
+          </p:cNvSpPr>
+          <p:nvPr>
+            <p:ph type="ftr" sz="quarter" idx="2"/>
+          </p:nvPr>
+        </p:nvSpPr>
+        <p:spPr>
+          <a:xfrm>
+            <a:off x="0" y="8685213"/>
+            <a:ext cx="2971800" cy="457200"/>
+          </a:xfrm>
+          <a:prstGeom prst="rect">
+            <a:avLst/>
+          </a:prstGeom>
+        </p:spPr>
+        <p:txBody>
+          <a:bodyPr vert="horz" lIns="91440" tIns="45720" rIns="91440" bIns="45720" rtlCol="0" anchor="b"/>
+          <a:lstStyle>
+            <a:lvl1pPr algn="l">
+              <a:defRPr sz="1200"/>
+            </a:lvl1pPr>
+          </a:lstStyle>
+          <a:p>
+            <a:endParaRPr lang="pt-BR"/>
+          </a:p>
+        </p:txBody>
+      </p:sp>
+      <p:sp>
+        <p:nvSpPr>
+          <p:cNvPr id="5" name="Espaço Reservado para Número de Slide 4"/>
+          <p:cNvSpPr>
+            <a:spLocks noGrp="1"/>
+          </p:cNvSpPr>
+          <p:nvPr>
+            <p:ph type="sldNum" sz="quarter" idx="3"/>
+          </p:nvPr>
+        </p:nvSpPr>
+        <p:spPr>
+          <a:xfrm>
+            <a:off x="3884613" y="8685213"/>
+            <a:ext cx="2971800" cy="457200"/>
+          </a:xfrm>
+          <a:prstGeom prst="rect">
+            <a:avLst/>
+          </a:prstGeom>
+        </p:spPr>
+        <p:txBody>
+          <a:bodyPr vert="horz" lIns="91440" tIns="45720" rIns="91440" bIns="45720" rtlCol="0" anchor="b"/>
+          <a:lstStyle>
+            <a:lvl1pPr algn="r">
+              <a:defRPr sz="1200"/>
+            </a:lvl1pPr>
+          </a:lstStyle>
+          <a:p>
+            <a:fld id="{0A8E0A9D-86D0-4B9C-9C13-1268201F201F}" type="slidenum">
+              <a:rPr lang="pt-BR" smtClean="0"/>
+              <a:pPr/>
+              <a:t>‹nº›</a:t>
+            </a:fld>
+            <a:endParaRPr lang="pt-BR"/>
+          </a:p>
+        </p:txBody>
+      </p:sp>
+    </p:spTree>
+  </p:cSld>
+  <p:clrMap bg1="lt1" tx1="dk1" bg2="lt2" tx2="dk2" accent1="accent1" accent2="accent2" accent3="accent3" accent4="accent4" accent5="accent5" accent6="accent6" hlink="hlink" folHlink="folHlink"/>
+</p:handoutMaster>
 </file>
 
 <file path=ppt/notesMasters/notesMaster1.xml><?xml version="1.0" encoding="utf-8"?>
@@ -1638,6 +1813,180 @@
 </p:notes>
 </file>
 
+<file path=ppt/notesSlides/notesSlide18.xml><?xml version="1.0" encoding="utf-8"?>
+<p:notes xmlns:a="http://schemas.openxmlformats.org/drawingml/2006/main" xmlns:r="http://schemas.openxmlformats.org/officeDocument/2006/relationships" xmlns:p="http://schemas.openxmlformats.org/presentationml/2006/main">
+  <p:cSld>
+    <p:spTree>
+      <p:nvGrpSpPr>
+        <p:cNvPr id="1" name=""/>
+        <p:cNvGrpSpPr/>
+        <p:nvPr/>
+      </p:nvGrpSpPr>
+      <p:grpSpPr>
+        <a:xfrm>
+          <a:off x="0" y="0"/>
+          <a:ext cx="0" cy="0"/>
+          <a:chOff x="0" y="0"/>
+          <a:chExt cx="0" cy="0"/>
+        </a:xfrm>
+      </p:grpSpPr>
+      <p:sp>
+        <p:nvSpPr>
+          <p:cNvPr id="2" name="Espaço Reservado para Imagem de Slide 1"/>
+          <p:cNvSpPr>
+            <a:spLocks noGrp="1" noRot="1" noChangeAspect="1"/>
+          </p:cNvSpPr>
+          <p:nvPr>
+            <p:ph type="sldImg"/>
+          </p:nvPr>
+        </p:nvSpPr>
+        <p:spPr>
+          <a:xfrm>
+            <a:off x="1144588" y="685800"/>
+            <a:ext cx="4562475" cy="3422650"/>
+          </a:xfrm>
+        </p:spPr>
+      </p:sp>
+      <p:sp>
+        <p:nvSpPr>
+          <p:cNvPr id="3" name="Espaço Reservado para Anotações 2"/>
+          <p:cNvSpPr>
+            <a:spLocks noGrp="1"/>
+          </p:cNvSpPr>
+          <p:nvPr>
+            <p:ph type="body" idx="1"/>
+          </p:nvPr>
+        </p:nvSpPr>
+        <p:spPr/>
+        <p:txBody>
+          <a:bodyPr>
+            <a:normAutofit/>
+          </a:bodyPr>
+          <a:lstStyle/>
+          <a:p>
+            <a:endParaRPr lang="pt-BR"/>
+          </a:p>
+        </p:txBody>
+      </p:sp>
+      <p:sp>
+        <p:nvSpPr>
+          <p:cNvPr id="4" name="Espaço Reservado para Número de Slide 3"/>
+          <p:cNvSpPr>
+            <a:spLocks noGrp="1"/>
+          </p:cNvSpPr>
+          <p:nvPr>
+            <p:ph type="sldNum" idx="10"/>
+          </p:nvPr>
+        </p:nvSpPr>
+        <p:spPr/>
+        <p:txBody>
+          <a:bodyPr/>
+          <a:lstStyle/>
+          <a:p>
+            <a:fld id="{DF92680C-B850-4000-9DFE-8BD8A3C7E027}" type="slidenum">
+              <a:rPr lang="en-US" smtClean="0"/>
+              <a:pPr/>
+              <a:t>18</a:t>
+            </a:fld>
+            <a:endParaRPr lang="en-US"/>
+          </a:p>
+        </p:txBody>
+      </p:sp>
+    </p:spTree>
+  </p:cSld>
+  <p:clrMapOvr>
+    <a:masterClrMapping/>
+  </p:clrMapOvr>
+</p:notes>
+</file>
+
+<file path=ppt/notesSlides/notesSlide19.xml><?xml version="1.0" encoding="utf-8"?>
+<p:notes xmlns:a="http://schemas.openxmlformats.org/drawingml/2006/main" xmlns:r="http://schemas.openxmlformats.org/officeDocument/2006/relationships" xmlns:p="http://schemas.openxmlformats.org/presentationml/2006/main">
+  <p:cSld>
+    <p:spTree>
+      <p:nvGrpSpPr>
+        <p:cNvPr id="1" name=""/>
+        <p:cNvGrpSpPr/>
+        <p:nvPr/>
+      </p:nvGrpSpPr>
+      <p:grpSpPr>
+        <a:xfrm>
+          <a:off x="0" y="0"/>
+          <a:ext cx="0" cy="0"/>
+          <a:chOff x="0" y="0"/>
+          <a:chExt cx="0" cy="0"/>
+        </a:xfrm>
+      </p:grpSpPr>
+      <p:sp>
+        <p:nvSpPr>
+          <p:cNvPr id="2" name="Espaço Reservado para Imagem de Slide 1"/>
+          <p:cNvSpPr>
+            <a:spLocks noGrp="1" noRot="1" noChangeAspect="1"/>
+          </p:cNvSpPr>
+          <p:nvPr>
+            <p:ph type="sldImg"/>
+          </p:nvPr>
+        </p:nvSpPr>
+        <p:spPr>
+          <a:xfrm>
+            <a:off x="1144588" y="685800"/>
+            <a:ext cx="4562475" cy="3422650"/>
+          </a:xfrm>
+        </p:spPr>
+      </p:sp>
+      <p:sp>
+        <p:nvSpPr>
+          <p:cNvPr id="3" name="Espaço Reservado para Anotações 2"/>
+          <p:cNvSpPr>
+            <a:spLocks noGrp="1"/>
+          </p:cNvSpPr>
+          <p:nvPr>
+            <p:ph type="body" idx="1"/>
+          </p:nvPr>
+        </p:nvSpPr>
+        <p:spPr/>
+        <p:txBody>
+          <a:bodyPr>
+            <a:normAutofit/>
+          </a:bodyPr>
+          <a:lstStyle/>
+          <a:p>
+            <a:endParaRPr lang="pt-BR"/>
+          </a:p>
+        </p:txBody>
+      </p:sp>
+      <p:sp>
+        <p:nvSpPr>
+          <p:cNvPr id="4" name="Espaço Reservado para Número de Slide 3"/>
+          <p:cNvSpPr>
+            <a:spLocks noGrp="1"/>
+          </p:cNvSpPr>
+          <p:nvPr>
+            <p:ph type="sldNum" idx="10"/>
+          </p:nvPr>
+        </p:nvSpPr>
+        <p:spPr/>
+        <p:txBody>
+          <a:bodyPr/>
+          <a:lstStyle/>
+          <a:p>
+            <a:fld id="{DF92680C-B850-4000-9DFE-8BD8A3C7E027}" type="slidenum">
+              <a:rPr lang="en-US" smtClean="0"/>
+              <a:pPr/>
+              <a:t>19</a:t>
+            </a:fld>
+            <a:endParaRPr lang="en-US"/>
+          </a:p>
+        </p:txBody>
+      </p:sp>
+    </p:spTree>
+  </p:cSld>
+  <p:clrMapOvr>
+    <a:masterClrMapping/>
+  </p:clrMapOvr>
+</p:notes>
+</file>
+
 <file path=ppt/notesSlides/notesSlide2.xml><?xml version="1.0" encoding="utf-8"?>
 <p:notes xmlns:a="http://schemas.openxmlformats.org/drawingml/2006/main" xmlns:r="http://schemas.openxmlformats.org/officeDocument/2006/relationships" xmlns:p="http://schemas.openxmlformats.org/presentationml/2006/main">
   <p:cSld>
@@ -1689,9 +2038,6 @@
           </a:bodyPr>
           <a:lstStyle/>
           <a:p>
-            <a:endParaRPr lang="pt-BR" smtClean="0"/>
-          </a:p>
-          <a:p>
             <a:endParaRPr lang="pt-BR"/>
           </a:p>
         </p:txBody>
@@ -1715,6 +2061,702 @@
               <a:rPr lang="en-US" smtClean="0"/>
               <a:pPr/>
               <a:t>2</a:t>
+            </a:fld>
+            <a:endParaRPr lang="en-US"/>
+          </a:p>
+        </p:txBody>
+      </p:sp>
+    </p:spTree>
+  </p:cSld>
+  <p:clrMapOvr>
+    <a:masterClrMapping/>
+  </p:clrMapOvr>
+</p:notes>
+</file>
+
+<file path=ppt/notesSlides/notesSlide20.xml><?xml version="1.0" encoding="utf-8"?>
+<p:notes xmlns:a="http://schemas.openxmlformats.org/drawingml/2006/main" xmlns:r="http://schemas.openxmlformats.org/officeDocument/2006/relationships" xmlns:p="http://schemas.openxmlformats.org/presentationml/2006/main">
+  <p:cSld>
+    <p:spTree>
+      <p:nvGrpSpPr>
+        <p:cNvPr id="1" name=""/>
+        <p:cNvGrpSpPr/>
+        <p:nvPr/>
+      </p:nvGrpSpPr>
+      <p:grpSpPr>
+        <a:xfrm>
+          <a:off x="0" y="0"/>
+          <a:ext cx="0" cy="0"/>
+          <a:chOff x="0" y="0"/>
+          <a:chExt cx="0" cy="0"/>
+        </a:xfrm>
+      </p:grpSpPr>
+      <p:sp>
+        <p:nvSpPr>
+          <p:cNvPr id="2" name="Espaço Reservado para Imagem de Slide 1"/>
+          <p:cNvSpPr>
+            <a:spLocks noGrp="1" noRot="1" noChangeAspect="1"/>
+          </p:cNvSpPr>
+          <p:nvPr>
+            <p:ph type="sldImg"/>
+          </p:nvPr>
+        </p:nvSpPr>
+        <p:spPr>
+          <a:xfrm>
+            <a:off x="1144588" y="685800"/>
+            <a:ext cx="4562475" cy="3422650"/>
+          </a:xfrm>
+        </p:spPr>
+      </p:sp>
+      <p:sp>
+        <p:nvSpPr>
+          <p:cNvPr id="3" name="Espaço Reservado para Anotações 2"/>
+          <p:cNvSpPr>
+            <a:spLocks noGrp="1"/>
+          </p:cNvSpPr>
+          <p:nvPr>
+            <p:ph type="body" idx="1"/>
+          </p:nvPr>
+        </p:nvSpPr>
+        <p:spPr/>
+        <p:txBody>
+          <a:bodyPr>
+            <a:normAutofit/>
+          </a:bodyPr>
+          <a:lstStyle/>
+          <a:p>
+            <a:endParaRPr lang="pt-BR"/>
+          </a:p>
+        </p:txBody>
+      </p:sp>
+      <p:sp>
+        <p:nvSpPr>
+          <p:cNvPr id="4" name="Espaço Reservado para Número de Slide 3"/>
+          <p:cNvSpPr>
+            <a:spLocks noGrp="1"/>
+          </p:cNvSpPr>
+          <p:nvPr>
+            <p:ph type="sldNum" idx="10"/>
+          </p:nvPr>
+        </p:nvSpPr>
+        <p:spPr/>
+        <p:txBody>
+          <a:bodyPr/>
+          <a:lstStyle/>
+          <a:p>
+            <a:fld id="{DF92680C-B850-4000-9DFE-8BD8A3C7E027}" type="slidenum">
+              <a:rPr lang="en-US" smtClean="0"/>
+              <a:pPr/>
+              <a:t>20</a:t>
+            </a:fld>
+            <a:endParaRPr lang="en-US"/>
+          </a:p>
+        </p:txBody>
+      </p:sp>
+    </p:spTree>
+  </p:cSld>
+  <p:clrMapOvr>
+    <a:masterClrMapping/>
+  </p:clrMapOvr>
+</p:notes>
+</file>
+
+<file path=ppt/notesSlides/notesSlide21.xml><?xml version="1.0" encoding="utf-8"?>
+<p:notes xmlns:a="http://schemas.openxmlformats.org/drawingml/2006/main" xmlns:r="http://schemas.openxmlformats.org/officeDocument/2006/relationships" xmlns:p="http://schemas.openxmlformats.org/presentationml/2006/main">
+  <p:cSld>
+    <p:spTree>
+      <p:nvGrpSpPr>
+        <p:cNvPr id="1" name=""/>
+        <p:cNvGrpSpPr/>
+        <p:nvPr/>
+      </p:nvGrpSpPr>
+      <p:grpSpPr>
+        <a:xfrm>
+          <a:off x="0" y="0"/>
+          <a:ext cx="0" cy="0"/>
+          <a:chOff x="0" y="0"/>
+          <a:chExt cx="0" cy="0"/>
+        </a:xfrm>
+      </p:grpSpPr>
+      <p:sp>
+        <p:nvSpPr>
+          <p:cNvPr id="2" name="Espaço Reservado para Imagem de Slide 1"/>
+          <p:cNvSpPr>
+            <a:spLocks noGrp="1" noRot="1" noChangeAspect="1"/>
+          </p:cNvSpPr>
+          <p:nvPr>
+            <p:ph type="sldImg"/>
+          </p:nvPr>
+        </p:nvSpPr>
+        <p:spPr>
+          <a:xfrm>
+            <a:off x="1144588" y="685800"/>
+            <a:ext cx="4562475" cy="3422650"/>
+          </a:xfrm>
+        </p:spPr>
+      </p:sp>
+      <p:sp>
+        <p:nvSpPr>
+          <p:cNvPr id="3" name="Espaço Reservado para Anotações 2"/>
+          <p:cNvSpPr>
+            <a:spLocks noGrp="1"/>
+          </p:cNvSpPr>
+          <p:nvPr>
+            <p:ph type="body" idx="1"/>
+          </p:nvPr>
+        </p:nvSpPr>
+        <p:spPr/>
+        <p:txBody>
+          <a:bodyPr>
+            <a:normAutofit/>
+          </a:bodyPr>
+          <a:lstStyle/>
+          <a:p>
+            <a:endParaRPr lang="pt-BR"/>
+          </a:p>
+        </p:txBody>
+      </p:sp>
+      <p:sp>
+        <p:nvSpPr>
+          <p:cNvPr id="4" name="Espaço Reservado para Número de Slide 3"/>
+          <p:cNvSpPr>
+            <a:spLocks noGrp="1"/>
+          </p:cNvSpPr>
+          <p:nvPr>
+            <p:ph type="sldNum" idx="10"/>
+          </p:nvPr>
+        </p:nvSpPr>
+        <p:spPr/>
+        <p:txBody>
+          <a:bodyPr/>
+          <a:lstStyle/>
+          <a:p>
+            <a:fld id="{DF92680C-B850-4000-9DFE-8BD8A3C7E027}" type="slidenum">
+              <a:rPr lang="en-US" smtClean="0"/>
+              <a:pPr/>
+              <a:t>21</a:t>
+            </a:fld>
+            <a:endParaRPr lang="en-US"/>
+          </a:p>
+        </p:txBody>
+      </p:sp>
+    </p:spTree>
+  </p:cSld>
+  <p:clrMapOvr>
+    <a:masterClrMapping/>
+  </p:clrMapOvr>
+</p:notes>
+</file>
+
+<file path=ppt/notesSlides/notesSlide22.xml><?xml version="1.0" encoding="utf-8"?>
+<p:notes xmlns:a="http://schemas.openxmlformats.org/drawingml/2006/main" xmlns:r="http://schemas.openxmlformats.org/officeDocument/2006/relationships" xmlns:p="http://schemas.openxmlformats.org/presentationml/2006/main">
+  <p:cSld>
+    <p:spTree>
+      <p:nvGrpSpPr>
+        <p:cNvPr id="1" name=""/>
+        <p:cNvGrpSpPr/>
+        <p:nvPr/>
+      </p:nvGrpSpPr>
+      <p:grpSpPr>
+        <a:xfrm>
+          <a:off x="0" y="0"/>
+          <a:ext cx="0" cy="0"/>
+          <a:chOff x="0" y="0"/>
+          <a:chExt cx="0" cy="0"/>
+        </a:xfrm>
+      </p:grpSpPr>
+      <p:sp>
+        <p:nvSpPr>
+          <p:cNvPr id="2" name="Espaço Reservado para Imagem de Slide 1"/>
+          <p:cNvSpPr>
+            <a:spLocks noGrp="1" noRot="1" noChangeAspect="1"/>
+          </p:cNvSpPr>
+          <p:nvPr>
+            <p:ph type="sldImg"/>
+          </p:nvPr>
+        </p:nvSpPr>
+        <p:spPr>
+          <a:xfrm>
+            <a:off x="1144588" y="685800"/>
+            <a:ext cx="4562475" cy="3422650"/>
+          </a:xfrm>
+        </p:spPr>
+      </p:sp>
+      <p:sp>
+        <p:nvSpPr>
+          <p:cNvPr id="3" name="Espaço Reservado para Anotações 2"/>
+          <p:cNvSpPr>
+            <a:spLocks noGrp="1"/>
+          </p:cNvSpPr>
+          <p:nvPr>
+            <p:ph type="body" idx="1"/>
+          </p:nvPr>
+        </p:nvSpPr>
+        <p:spPr/>
+        <p:txBody>
+          <a:bodyPr>
+            <a:normAutofit/>
+          </a:bodyPr>
+          <a:lstStyle/>
+          <a:p>
+            <a:endParaRPr lang="pt-BR"/>
+          </a:p>
+        </p:txBody>
+      </p:sp>
+      <p:sp>
+        <p:nvSpPr>
+          <p:cNvPr id="4" name="Espaço Reservado para Número de Slide 3"/>
+          <p:cNvSpPr>
+            <a:spLocks noGrp="1"/>
+          </p:cNvSpPr>
+          <p:nvPr>
+            <p:ph type="sldNum" idx="10"/>
+          </p:nvPr>
+        </p:nvSpPr>
+        <p:spPr/>
+        <p:txBody>
+          <a:bodyPr/>
+          <a:lstStyle/>
+          <a:p>
+            <a:fld id="{DF92680C-B850-4000-9DFE-8BD8A3C7E027}" type="slidenum">
+              <a:rPr lang="en-US" smtClean="0"/>
+              <a:pPr/>
+              <a:t>22</a:t>
+            </a:fld>
+            <a:endParaRPr lang="en-US"/>
+          </a:p>
+        </p:txBody>
+      </p:sp>
+    </p:spTree>
+  </p:cSld>
+  <p:clrMapOvr>
+    <a:masterClrMapping/>
+  </p:clrMapOvr>
+</p:notes>
+</file>
+
+<file path=ppt/notesSlides/notesSlide23.xml><?xml version="1.0" encoding="utf-8"?>
+<p:notes xmlns:a="http://schemas.openxmlformats.org/drawingml/2006/main" xmlns:r="http://schemas.openxmlformats.org/officeDocument/2006/relationships" xmlns:p="http://schemas.openxmlformats.org/presentationml/2006/main">
+  <p:cSld>
+    <p:spTree>
+      <p:nvGrpSpPr>
+        <p:cNvPr id="1" name=""/>
+        <p:cNvGrpSpPr/>
+        <p:nvPr/>
+      </p:nvGrpSpPr>
+      <p:grpSpPr>
+        <a:xfrm>
+          <a:off x="0" y="0"/>
+          <a:ext cx="0" cy="0"/>
+          <a:chOff x="0" y="0"/>
+          <a:chExt cx="0" cy="0"/>
+        </a:xfrm>
+      </p:grpSpPr>
+      <p:sp>
+        <p:nvSpPr>
+          <p:cNvPr id="2" name="Espaço Reservado para Imagem de Slide 1"/>
+          <p:cNvSpPr>
+            <a:spLocks noGrp="1" noRot="1" noChangeAspect="1"/>
+          </p:cNvSpPr>
+          <p:nvPr>
+            <p:ph type="sldImg"/>
+          </p:nvPr>
+        </p:nvSpPr>
+        <p:spPr>
+          <a:xfrm>
+            <a:off x="1144588" y="685800"/>
+            <a:ext cx="4562475" cy="3422650"/>
+          </a:xfrm>
+        </p:spPr>
+      </p:sp>
+      <p:sp>
+        <p:nvSpPr>
+          <p:cNvPr id="3" name="Espaço Reservado para Anotações 2"/>
+          <p:cNvSpPr>
+            <a:spLocks noGrp="1"/>
+          </p:cNvSpPr>
+          <p:nvPr>
+            <p:ph type="body" idx="1"/>
+          </p:nvPr>
+        </p:nvSpPr>
+        <p:spPr/>
+        <p:txBody>
+          <a:bodyPr>
+            <a:normAutofit/>
+          </a:bodyPr>
+          <a:lstStyle/>
+          <a:p>
+            <a:endParaRPr lang="pt-BR"/>
+          </a:p>
+        </p:txBody>
+      </p:sp>
+      <p:sp>
+        <p:nvSpPr>
+          <p:cNvPr id="4" name="Espaço Reservado para Número de Slide 3"/>
+          <p:cNvSpPr>
+            <a:spLocks noGrp="1"/>
+          </p:cNvSpPr>
+          <p:nvPr>
+            <p:ph type="sldNum" idx="10"/>
+          </p:nvPr>
+        </p:nvSpPr>
+        <p:spPr/>
+        <p:txBody>
+          <a:bodyPr/>
+          <a:lstStyle/>
+          <a:p>
+            <a:fld id="{DF92680C-B850-4000-9DFE-8BD8A3C7E027}" type="slidenum">
+              <a:rPr lang="en-US" smtClean="0"/>
+              <a:pPr/>
+              <a:t>23</a:t>
+            </a:fld>
+            <a:endParaRPr lang="en-US"/>
+          </a:p>
+        </p:txBody>
+      </p:sp>
+    </p:spTree>
+  </p:cSld>
+  <p:clrMapOvr>
+    <a:masterClrMapping/>
+  </p:clrMapOvr>
+</p:notes>
+</file>
+
+<file path=ppt/notesSlides/notesSlide24.xml><?xml version="1.0" encoding="utf-8"?>
+<p:notes xmlns:a="http://schemas.openxmlformats.org/drawingml/2006/main" xmlns:r="http://schemas.openxmlformats.org/officeDocument/2006/relationships" xmlns:p="http://schemas.openxmlformats.org/presentationml/2006/main">
+  <p:cSld>
+    <p:spTree>
+      <p:nvGrpSpPr>
+        <p:cNvPr id="1" name=""/>
+        <p:cNvGrpSpPr/>
+        <p:nvPr/>
+      </p:nvGrpSpPr>
+      <p:grpSpPr>
+        <a:xfrm>
+          <a:off x="0" y="0"/>
+          <a:ext cx="0" cy="0"/>
+          <a:chOff x="0" y="0"/>
+          <a:chExt cx="0" cy="0"/>
+        </a:xfrm>
+      </p:grpSpPr>
+      <p:sp>
+        <p:nvSpPr>
+          <p:cNvPr id="2" name="Espaço Reservado para Imagem de Slide 1"/>
+          <p:cNvSpPr>
+            <a:spLocks noGrp="1" noRot="1" noChangeAspect="1"/>
+          </p:cNvSpPr>
+          <p:nvPr>
+            <p:ph type="sldImg"/>
+          </p:nvPr>
+        </p:nvSpPr>
+        <p:spPr>
+          <a:xfrm>
+            <a:off x="1144588" y="685800"/>
+            <a:ext cx="4562475" cy="3422650"/>
+          </a:xfrm>
+        </p:spPr>
+      </p:sp>
+      <p:sp>
+        <p:nvSpPr>
+          <p:cNvPr id="3" name="Espaço Reservado para Anotações 2"/>
+          <p:cNvSpPr>
+            <a:spLocks noGrp="1"/>
+          </p:cNvSpPr>
+          <p:nvPr>
+            <p:ph type="body" idx="1"/>
+          </p:nvPr>
+        </p:nvSpPr>
+        <p:spPr/>
+        <p:txBody>
+          <a:bodyPr>
+            <a:normAutofit/>
+          </a:bodyPr>
+          <a:lstStyle/>
+          <a:p>
+            <a:endParaRPr lang="pt-BR"/>
+          </a:p>
+        </p:txBody>
+      </p:sp>
+      <p:sp>
+        <p:nvSpPr>
+          <p:cNvPr id="4" name="Espaço Reservado para Número de Slide 3"/>
+          <p:cNvSpPr>
+            <a:spLocks noGrp="1"/>
+          </p:cNvSpPr>
+          <p:nvPr>
+            <p:ph type="sldNum" idx="10"/>
+          </p:nvPr>
+        </p:nvSpPr>
+        <p:spPr/>
+        <p:txBody>
+          <a:bodyPr/>
+          <a:lstStyle/>
+          <a:p>
+            <a:fld id="{DF92680C-B850-4000-9DFE-8BD8A3C7E027}" type="slidenum">
+              <a:rPr lang="en-US" smtClean="0"/>
+              <a:pPr/>
+              <a:t>24</a:t>
+            </a:fld>
+            <a:endParaRPr lang="en-US"/>
+          </a:p>
+        </p:txBody>
+      </p:sp>
+    </p:spTree>
+  </p:cSld>
+  <p:clrMapOvr>
+    <a:masterClrMapping/>
+  </p:clrMapOvr>
+</p:notes>
+</file>
+
+<file path=ppt/notesSlides/notesSlide25.xml><?xml version="1.0" encoding="utf-8"?>
+<p:notes xmlns:a="http://schemas.openxmlformats.org/drawingml/2006/main" xmlns:r="http://schemas.openxmlformats.org/officeDocument/2006/relationships" xmlns:p="http://schemas.openxmlformats.org/presentationml/2006/main">
+  <p:cSld>
+    <p:spTree>
+      <p:nvGrpSpPr>
+        <p:cNvPr id="1" name=""/>
+        <p:cNvGrpSpPr/>
+        <p:nvPr/>
+      </p:nvGrpSpPr>
+      <p:grpSpPr>
+        <a:xfrm>
+          <a:off x="0" y="0"/>
+          <a:ext cx="0" cy="0"/>
+          <a:chOff x="0" y="0"/>
+          <a:chExt cx="0" cy="0"/>
+        </a:xfrm>
+      </p:grpSpPr>
+      <p:sp>
+        <p:nvSpPr>
+          <p:cNvPr id="2" name="Espaço Reservado para Imagem de Slide 1"/>
+          <p:cNvSpPr>
+            <a:spLocks noGrp="1" noRot="1" noChangeAspect="1"/>
+          </p:cNvSpPr>
+          <p:nvPr>
+            <p:ph type="sldImg"/>
+          </p:nvPr>
+        </p:nvSpPr>
+        <p:spPr>
+          <a:xfrm>
+            <a:off x="1144588" y="685800"/>
+            <a:ext cx="4562475" cy="3422650"/>
+          </a:xfrm>
+        </p:spPr>
+      </p:sp>
+      <p:sp>
+        <p:nvSpPr>
+          <p:cNvPr id="3" name="Espaço Reservado para Anotações 2"/>
+          <p:cNvSpPr>
+            <a:spLocks noGrp="1"/>
+          </p:cNvSpPr>
+          <p:nvPr>
+            <p:ph type="body" idx="1"/>
+          </p:nvPr>
+        </p:nvSpPr>
+        <p:spPr/>
+        <p:txBody>
+          <a:bodyPr>
+            <a:normAutofit/>
+          </a:bodyPr>
+          <a:lstStyle/>
+          <a:p>
+            <a:endParaRPr lang="pt-BR"/>
+          </a:p>
+        </p:txBody>
+      </p:sp>
+      <p:sp>
+        <p:nvSpPr>
+          <p:cNvPr id="4" name="Espaço Reservado para Número de Slide 3"/>
+          <p:cNvSpPr>
+            <a:spLocks noGrp="1"/>
+          </p:cNvSpPr>
+          <p:nvPr>
+            <p:ph type="sldNum" idx="10"/>
+          </p:nvPr>
+        </p:nvSpPr>
+        <p:spPr/>
+        <p:txBody>
+          <a:bodyPr/>
+          <a:lstStyle/>
+          <a:p>
+            <a:fld id="{DF92680C-B850-4000-9DFE-8BD8A3C7E027}" type="slidenum">
+              <a:rPr lang="en-US" smtClean="0"/>
+              <a:pPr/>
+              <a:t>25</a:t>
+            </a:fld>
+            <a:endParaRPr lang="en-US"/>
+          </a:p>
+        </p:txBody>
+      </p:sp>
+    </p:spTree>
+  </p:cSld>
+  <p:clrMapOvr>
+    <a:masterClrMapping/>
+  </p:clrMapOvr>
+</p:notes>
+</file>
+
+<file path=ppt/notesSlides/notesSlide26.xml><?xml version="1.0" encoding="utf-8"?>
+<p:notes xmlns:a="http://schemas.openxmlformats.org/drawingml/2006/main" xmlns:r="http://schemas.openxmlformats.org/officeDocument/2006/relationships" xmlns:p="http://schemas.openxmlformats.org/presentationml/2006/main">
+  <p:cSld>
+    <p:spTree>
+      <p:nvGrpSpPr>
+        <p:cNvPr id="1" name=""/>
+        <p:cNvGrpSpPr/>
+        <p:nvPr/>
+      </p:nvGrpSpPr>
+      <p:grpSpPr>
+        <a:xfrm>
+          <a:off x="0" y="0"/>
+          <a:ext cx="0" cy="0"/>
+          <a:chOff x="0" y="0"/>
+          <a:chExt cx="0" cy="0"/>
+        </a:xfrm>
+      </p:grpSpPr>
+      <p:sp>
+        <p:nvSpPr>
+          <p:cNvPr id="2" name="Espaço Reservado para Imagem de Slide 1"/>
+          <p:cNvSpPr>
+            <a:spLocks noGrp="1" noRot="1" noChangeAspect="1"/>
+          </p:cNvSpPr>
+          <p:nvPr>
+            <p:ph type="sldImg"/>
+          </p:nvPr>
+        </p:nvSpPr>
+        <p:spPr>
+          <a:xfrm>
+            <a:off x="1144588" y="685800"/>
+            <a:ext cx="4562475" cy="3422650"/>
+          </a:xfrm>
+        </p:spPr>
+      </p:sp>
+      <p:sp>
+        <p:nvSpPr>
+          <p:cNvPr id="3" name="Espaço Reservado para Anotações 2"/>
+          <p:cNvSpPr>
+            <a:spLocks noGrp="1"/>
+          </p:cNvSpPr>
+          <p:nvPr>
+            <p:ph type="body" idx="1"/>
+          </p:nvPr>
+        </p:nvSpPr>
+        <p:spPr/>
+        <p:txBody>
+          <a:bodyPr>
+            <a:normAutofit/>
+          </a:bodyPr>
+          <a:lstStyle/>
+          <a:p>
+            <a:endParaRPr lang="pt-BR"/>
+          </a:p>
+        </p:txBody>
+      </p:sp>
+      <p:sp>
+        <p:nvSpPr>
+          <p:cNvPr id="4" name="Espaço Reservado para Número de Slide 3"/>
+          <p:cNvSpPr>
+            <a:spLocks noGrp="1"/>
+          </p:cNvSpPr>
+          <p:nvPr>
+            <p:ph type="sldNum" idx="10"/>
+          </p:nvPr>
+        </p:nvSpPr>
+        <p:spPr/>
+        <p:txBody>
+          <a:bodyPr/>
+          <a:lstStyle/>
+          <a:p>
+            <a:fld id="{DF92680C-B850-4000-9DFE-8BD8A3C7E027}" type="slidenum">
+              <a:rPr lang="en-US" smtClean="0"/>
+              <a:pPr/>
+              <a:t>26</a:t>
+            </a:fld>
+            <a:endParaRPr lang="en-US"/>
+          </a:p>
+        </p:txBody>
+      </p:sp>
+    </p:spTree>
+  </p:cSld>
+  <p:clrMapOvr>
+    <a:masterClrMapping/>
+  </p:clrMapOvr>
+</p:notes>
+</file>
+
+<file path=ppt/notesSlides/notesSlide27.xml><?xml version="1.0" encoding="utf-8"?>
+<p:notes xmlns:a="http://schemas.openxmlformats.org/drawingml/2006/main" xmlns:r="http://schemas.openxmlformats.org/officeDocument/2006/relationships" xmlns:p="http://schemas.openxmlformats.org/presentationml/2006/main">
+  <p:cSld>
+    <p:spTree>
+      <p:nvGrpSpPr>
+        <p:cNvPr id="1" name=""/>
+        <p:cNvGrpSpPr/>
+        <p:nvPr/>
+      </p:nvGrpSpPr>
+      <p:grpSpPr>
+        <a:xfrm>
+          <a:off x="0" y="0"/>
+          <a:ext cx="0" cy="0"/>
+          <a:chOff x="0" y="0"/>
+          <a:chExt cx="0" cy="0"/>
+        </a:xfrm>
+      </p:grpSpPr>
+      <p:sp>
+        <p:nvSpPr>
+          <p:cNvPr id="2" name="Espaço Reservado para Imagem de Slide 1"/>
+          <p:cNvSpPr>
+            <a:spLocks noGrp="1" noRot="1" noChangeAspect="1"/>
+          </p:cNvSpPr>
+          <p:nvPr>
+            <p:ph type="sldImg"/>
+          </p:nvPr>
+        </p:nvSpPr>
+        <p:spPr>
+          <a:xfrm>
+            <a:off x="1144588" y="685800"/>
+            <a:ext cx="4562475" cy="3422650"/>
+          </a:xfrm>
+        </p:spPr>
+      </p:sp>
+      <p:sp>
+        <p:nvSpPr>
+          <p:cNvPr id="3" name="Espaço Reservado para Anotações 2"/>
+          <p:cNvSpPr>
+            <a:spLocks noGrp="1"/>
+          </p:cNvSpPr>
+          <p:nvPr>
+            <p:ph type="body" idx="1"/>
+          </p:nvPr>
+        </p:nvSpPr>
+        <p:spPr/>
+        <p:txBody>
+          <a:bodyPr>
+            <a:normAutofit/>
+          </a:bodyPr>
+          <a:lstStyle/>
+          <a:p>
+            <a:endParaRPr lang="pt-BR"/>
+          </a:p>
+        </p:txBody>
+      </p:sp>
+      <p:sp>
+        <p:nvSpPr>
+          <p:cNvPr id="4" name="Espaço Reservado para Número de Slide 3"/>
+          <p:cNvSpPr>
+            <a:spLocks noGrp="1"/>
+          </p:cNvSpPr>
+          <p:nvPr>
+            <p:ph type="sldNum" idx="10"/>
+          </p:nvPr>
+        </p:nvSpPr>
+        <p:spPr/>
+        <p:txBody>
+          <a:bodyPr/>
+          <a:lstStyle/>
+          <a:p>
+            <a:fld id="{DF92680C-B850-4000-9DFE-8BD8A3C7E027}" type="slidenum">
+              <a:rPr lang="en-US" smtClean="0"/>
+              <a:pPr/>
+              <a:t>27</a:t>
             </a:fld>
             <a:endParaRPr lang="en-US"/>
           </a:p>
@@ -6990,6 +8032,46 @@
           </p:spPr>
         </p:pic>
       </p:grpSp>
+      <p:sp>
+        <p:nvSpPr>
+          <p:cNvPr id="11" name="CaixaDeTexto 10"/>
+          <p:cNvSpPr txBox="1"/>
+          <p:nvPr userDrawn="1"/>
+        </p:nvSpPr>
+        <p:spPr>
+          <a:xfrm>
+            <a:off x="7286645" y="6409329"/>
+            <a:ext cx="666376" cy="369332"/>
+          </a:xfrm>
+          <a:prstGeom prst="rect">
+            <a:avLst/>
+          </a:prstGeom>
+          <a:noFill/>
+        </p:spPr>
+        <p:txBody>
+          <a:bodyPr wrap="square" rtlCol="0">
+            <a:spAutoFit/>
+          </a:bodyPr>
+          <a:lstStyle/>
+          <a:p>
+            <a:pPr algn="r"/>
+            <a:fld id="{294FC709-9F4C-4A03-AEE4-EC7A946C04FD}" type="slidenum">
+              <a:rPr lang="pt-BR" smtClean="0">
+                <a:solidFill>
+                  <a:schemeClr val="tx1"/>
+                </a:solidFill>
+              </a:rPr>
+              <a:pPr algn="r"/>
+              <a:t>‹nº›</a:t>
+            </a:fld>
+            <a:endParaRPr lang="pt-BR">
+              <a:solidFill>
+                <a:schemeClr val="tx1"/>
+              </a:solidFill>
+            </a:endParaRPr>
+          </a:p>
+        </p:txBody>
+      </p:sp>
     </p:spTree>
   </p:cSld>
   <p:clrMap bg1="lt1" tx1="dk1" bg2="lt2" tx2="dk2" accent1="accent1" accent2="accent2" accent3="accent3" accent4="accent4" accent5="accent5" accent6="accent6" hlink="hlink" folHlink="folHlink"/>
@@ -7009,6 +8091,7 @@
     <p:sldLayoutId id="2147483674" r:id="rId13"/>
     <p:sldLayoutId id="2147483675" r:id="rId14"/>
   </p:sldLayoutIdLst>
+  <p:hf hdr="0" dt="0"/>
   <p:txStyles>
     <p:titleStyle>
       <a:lvl1pPr algn="l" defTabSz="457200" rtl="0" fontAlgn="base">
@@ -7601,8 +8684,8 @@
         </p:nvSpPr>
         <p:spPr bwMode="auto">
           <a:xfrm>
-            <a:off x="3851275" y="692150"/>
-            <a:ext cx="3384550" cy="825500"/>
+            <a:off x="3851274" y="692150"/>
+            <a:ext cx="4864129" cy="1025538"/>
           </a:xfrm>
           <a:prstGeom prst="rect">
             <a:avLst/>
@@ -7617,7 +8700,7 @@
           <a:effectLst/>
         </p:spPr>
         <p:txBody>
-          <a:bodyPr lIns="90000" tIns="46800" rIns="90000" bIns="46800">
+          <a:bodyPr wrap="square" lIns="90000" tIns="46800" rIns="90000" bIns="46800">
             <a:spAutoFit/>
           </a:bodyPr>
           <a:lstStyle/>
@@ -7659,8 +8742,62 @@
                   <a:srgbClr val="FFFFFF"/>
                 </a:solidFill>
               </a:rPr>
-              <a:t>Laboratório de Robótica Móvel</a:t>
-            </a:r>
+              <a:t>Laboratório de Robótica </a:t>
+            </a:r>
+            <a:r>
+              <a:rPr lang="pt-BR" sz="2400" b="1" smtClean="0">
+                <a:solidFill>
+                  <a:srgbClr val="FFFFFF"/>
+                </a:solidFill>
+              </a:rPr>
+              <a:t>Móvel</a:t>
+            </a:r>
+          </a:p>
+          <a:p>
+            <a:pPr>
+              <a:spcBef>
+                <a:spcPts val="1500"/>
+              </a:spcBef>
+              <a:buClr>
+                <a:srgbClr val="FFFFFF"/>
+              </a:buClr>
+              <a:tabLst>
+                <a:tab pos="0" algn="l"/>
+                <a:tab pos="457200" algn="l"/>
+                <a:tab pos="914400" algn="l"/>
+                <a:tab pos="1371600" algn="l"/>
+                <a:tab pos="1828800" algn="l"/>
+                <a:tab pos="2286000" algn="l"/>
+                <a:tab pos="2743200" algn="l"/>
+                <a:tab pos="3200400" algn="l"/>
+                <a:tab pos="3657600" algn="l"/>
+                <a:tab pos="4114800" algn="l"/>
+                <a:tab pos="4572000" algn="l"/>
+                <a:tab pos="5029200" algn="l"/>
+                <a:tab pos="5486400" algn="l"/>
+                <a:tab pos="5943600" algn="l"/>
+                <a:tab pos="6400800" algn="l"/>
+                <a:tab pos="6858000" algn="l"/>
+                <a:tab pos="7315200" algn="l"/>
+                <a:tab pos="7772400" algn="l"/>
+                <a:tab pos="8229600" algn="l"/>
+                <a:tab pos="8686800" algn="l"/>
+                <a:tab pos="9144000" algn="l"/>
+              </a:tabLst>
+            </a:pPr>
+            <a:r>
+              <a:rPr lang="pt-BR" sz="2400" b="1" smtClean="0">
+                <a:solidFill>
+                  <a:srgbClr val="FFFFFF"/>
+                </a:solidFill>
+              </a:rPr>
+              <a:t>http://www.icmc.usp.br/~lrm/</a:t>
+            </a:r>
+            <a:endParaRPr lang="pt-BR" sz="2400" b="1">
+              <a:solidFill>
+                <a:srgbClr val="FFFFFF"/>
+              </a:solidFill>
+            </a:endParaRPr>
           </a:p>
         </p:txBody>
       </p:sp>
@@ -7919,6 +9056,7 @@
     <p:sldLayoutId id="2147483671" r:id="rId11"/>
     <p:sldLayoutId id="2147483672" r:id="rId12"/>
   </p:sldLayoutIdLst>
+  <p:hf hdr="0" dt="0"/>
   <p:txStyles>
     <p:titleStyle>
       <a:lvl1pPr algn="l" defTabSz="457200" rtl="0" fontAlgn="base">
@@ -8688,6 +9826,1611 @@
           <a:p>
             <a:r>
               <a:rPr lang="pt-BR" smtClean="0"/>
+              <a:t>Projeto - Aplicações</a:t>
+            </a:r>
+            <a:r>
+              <a:rPr lang="pt-BR" smtClean="0"/>
+              <a:t>	</a:t>
+            </a:r>
+            <a:endParaRPr lang="pt-BR"/>
+          </a:p>
+        </p:txBody>
+      </p:sp>
+      <p:sp>
+        <p:nvSpPr>
+          <p:cNvPr id="3" name="Espaço Reservado para Conteúdo 2"/>
+          <p:cNvSpPr>
+            <a:spLocks noGrp="1"/>
+          </p:cNvSpPr>
+          <p:nvPr>
+            <p:ph idx="1"/>
+          </p:nvPr>
+        </p:nvSpPr>
+        <p:spPr>
+          <a:xfrm>
+            <a:off x="457200" y="1600200"/>
+            <a:ext cx="4043362" cy="4519613"/>
+          </a:xfrm>
+        </p:spPr>
+        <p:txBody>
+          <a:bodyPr/>
+          <a:lstStyle/>
+          <a:p>
+            <a:r>
+              <a:rPr lang="pt-BR" smtClean="0"/>
+              <a:t>Segurança</a:t>
+            </a:r>
+            <a:endParaRPr lang="pt-BR"/>
+          </a:p>
+        </p:txBody>
+      </p:sp>
+      <p:sp>
+        <p:nvSpPr>
+          <p:cNvPr id="6" name="Espaço Reservado para Rodapé 5"/>
+          <p:cNvSpPr>
+            <a:spLocks noGrp="1"/>
+          </p:cNvSpPr>
+          <p:nvPr>
+            <p:ph type="ftr" idx="10"/>
+          </p:nvPr>
+        </p:nvSpPr>
+        <p:spPr/>
+        <p:txBody>
+          <a:bodyPr/>
+          <a:lstStyle/>
+          <a:p>
+            <a:endParaRPr lang="en-US"/>
+          </a:p>
+        </p:txBody>
+      </p:sp>
+      <p:pic>
+        <p:nvPicPr>
+          <p:cNvPr id="8" name="Imagem 7" descr="mobilerobots.gif"/>
+          <p:cNvPicPr>
+            <a:picLocks noChangeAspect="1"/>
+          </p:cNvPicPr>
+          <p:nvPr/>
+        </p:nvPicPr>
+        <p:blipFill>
+          <a:blip r:embed="rId3"/>
+          <a:stretch>
+            <a:fillRect/>
+          </a:stretch>
+        </p:blipFill>
+        <p:spPr>
+          <a:xfrm>
+            <a:off x="6286512" y="1928802"/>
+            <a:ext cx="1712794" cy="2499752"/>
+          </a:xfrm>
+          <a:prstGeom prst="rect">
+            <a:avLst/>
+          </a:prstGeom>
+          <a:ln>
+            <a:noFill/>
+          </a:ln>
+          <a:effectLst>
+            <a:outerShdw blurRad="190500" algn="tl" rotWithShape="0">
+              <a:srgbClr val="000000">
+                <a:alpha val="70000"/>
+              </a:srgbClr>
+            </a:outerShdw>
+          </a:effectLst>
+        </p:spPr>
+      </p:pic>
+      <p:pic>
+        <p:nvPicPr>
+          <p:cNvPr id="9" name="Imagem 8" descr="planta.gif"/>
+          <p:cNvPicPr>
+            <a:picLocks noChangeAspect="1"/>
+          </p:cNvPicPr>
+          <p:nvPr/>
+        </p:nvPicPr>
+        <p:blipFill>
+          <a:blip r:embed="rId4"/>
+          <a:stretch>
+            <a:fillRect/>
+          </a:stretch>
+        </p:blipFill>
+        <p:spPr>
+          <a:xfrm>
+            <a:off x="857224" y="2500306"/>
+            <a:ext cx="4357717" cy="3486173"/>
+          </a:xfrm>
+          <a:prstGeom prst="rect">
+            <a:avLst/>
+          </a:prstGeom>
+          <a:ln>
+            <a:noFill/>
+          </a:ln>
+          <a:effectLst>
+            <a:outerShdw blurRad="190500" algn="tl" rotWithShape="0">
+              <a:srgbClr val="000000">
+                <a:alpha val="70000"/>
+              </a:srgbClr>
+            </a:outerShdw>
+          </a:effectLst>
+        </p:spPr>
+      </p:pic>
+    </p:spTree>
+  </p:cSld>
+  <p:clrMapOvr>
+    <a:masterClrMapping/>
+  </p:clrMapOvr>
+  <p:timing>
+    <p:tnLst>
+      <p:par>
+        <p:cTn id="1" dur="indefinite" restart="never" nodeType="tmRoot"/>
+      </p:par>
+    </p:tnLst>
+  </p:timing>
+</p:sld>
+</file>
+
+<file path=ppt/slides/slide11.xml><?xml version="1.0" encoding="utf-8"?>
+<p:sld xmlns:a="http://schemas.openxmlformats.org/drawingml/2006/main" xmlns:r="http://schemas.openxmlformats.org/officeDocument/2006/relationships" xmlns:p="http://schemas.openxmlformats.org/presentationml/2006/main">
+  <p:cSld>
+    <p:spTree>
+      <p:nvGrpSpPr>
+        <p:cNvPr id="1" name=""/>
+        <p:cNvGrpSpPr/>
+        <p:nvPr/>
+      </p:nvGrpSpPr>
+      <p:grpSpPr>
+        <a:xfrm>
+          <a:off x="0" y="0"/>
+          <a:ext cx="0" cy="0"/>
+          <a:chOff x="0" y="0"/>
+          <a:chExt cx="0" cy="0"/>
+        </a:xfrm>
+      </p:grpSpPr>
+      <p:sp>
+        <p:nvSpPr>
+          <p:cNvPr id="2" name="Título 1"/>
+          <p:cNvSpPr>
+            <a:spLocks noGrp="1"/>
+          </p:cNvSpPr>
+          <p:nvPr>
+            <p:ph type="title"/>
+          </p:nvPr>
+        </p:nvSpPr>
+        <p:spPr/>
+        <p:txBody>
+          <a:bodyPr/>
+          <a:lstStyle/>
+          <a:p>
+            <a:r>
+              <a:rPr lang="pt-BR" smtClean="0"/>
+              <a:t>Projeto - Aplicações</a:t>
+            </a:r>
+            <a:r>
+              <a:rPr lang="pt-BR" smtClean="0"/>
+              <a:t>	</a:t>
+            </a:r>
+            <a:endParaRPr lang="pt-BR"/>
+          </a:p>
+        </p:txBody>
+      </p:sp>
+      <p:sp>
+        <p:nvSpPr>
+          <p:cNvPr id="3" name="Espaço Reservado para Conteúdo 2"/>
+          <p:cNvSpPr>
+            <a:spLocks noGrp="1"/>
+          </p:cNvSpPr>
+          <p:nvPr>
+            <p:ph idx="1"/>
+          </p:nvPr>
+        </p:nvSpPr>
+        <p:spPr>
+          <a:xfrm>
+            <a:off x="457200" y="1600200"/>
+            <a:ext cx="4043362" cy="4519613"/>
+          </a:xfrm>
+        </p:spPr>
+        <p:txBody>
+          <a:bodyPr/>
+          <a:lstStyle/>
+          <a:p>
+            <a:r>
+              <a:rPr lang="pt-BR" smtClean="0"/>
+              <a:t>Monitoramento</a:t>
+            </a:r>
+          </a:p>
+          <a:p>
+            <a:pPr lvl="1"/>
+            <a:r>
+              <a:rPr lang="pt-BR" smtClean="0"/>
+              <a:t>Climatização</a:t>
+            </a:r>
+            <a:endParaRPr lang="pt-BR"/>
+          </a:p>
+        </p:txBody>
+      </p:sp>
+      <p:sp>
+        <p:nvSpPr>
+          <p:cNvPr id="6" name="Espaço Reservado para Rodapé 5"/>
+          <p:cNvSpPr>
+            <a:spLocks noGrp="1"/>
+          </p:cNvSpPr>
+          <p:nvPr>
+            <p:ph type="ftr" idx="10"/>
+          </p:nvPr>
+        </p:nvSpPr>
+        <p:spPr/>
+        <p:txBody>
+          <a:bodyPr/>
+          <a:lstStyle/>
+          <a:p>
+            <a:endParaRPr lang="en-US"/>
+          </a:p>
+        </p:txBody>
+      </p:sp>
+      <p:pic>
+        <p:nvPicPr>
+          <p:cNvPr id="8" name="Imagem 7" descr="mobilerobots.gif"/>
+          <p:cNvPicPr>
+            <a:picLocks noChangeAspect="1"/>
+          </p:cNvPicPr>
+          <p:nvPr/>
+        </p:nvPicPr>
+        <p:blipFill>
+          <a:blip r:embed="rId3" cstate="print"/>
+          <a:stretch>
+            <a:fillRect/>
+          </a:stretch>
+        </p:blipFill>
+        <p:spPr>
+          <a:xfrm>
+            <a:off x="4357686" y="1357297"/>
+            <a:ext cx="4170305" cy="4945285"/>
+          </a:xfrm>
+          <a:prstGeom prst="rect">
+            <a:avLst/>
+          </a:prstGeom>
+          <a:ln>
+            <a:noFill/>
+          </a:ln>
+          <a:effectLst>
+            <a:outerShdw blurRad="190500" algn="tl" rotWithShape="0">
+              <a:srgbClr val="000000">
+                <a:alpha val="70000"/>
+              </a:srgbClr>
+            </a:outerShdw>
+          </a:effectLst>
+        </p:spPr>
+      </p:pic>
+      <p:pic>
+        <p:nvPicPr>
+          <p:cNvPr id="9" name="Imagem 8" descr="planta.gif"/>
+          <p:cNvPicPr>
+            <a:picLocks noChangeAspect="1"/>
+          </p:cNvPicPr>
+          <p:nvPr/>
+        </p:nvPicPr>
+        <p:blipFill>
+          <a:blip r:embed="rId4"/>
+          <a:stretch>
+            <a:fillRect/>
+          </a:stretch>
+        </p:blipFill>
+        <p:spPr>
+          <a:xfrm>
+            <a:off x="1500166" y="3000372"/>
+            <a:ext cx="1223315" cy="3128983"/>
+          </a:xfrm>
+          <a:prstGeom prst="rect">
+            <a:avLst/>
+          </a:prstGeom>
+          <a:ln>
+            <a:noFill/>
+          </a:ln>
+          <a:effectLst>
+            <a:outerShdw blurRad="190500" algn="tl" rotWithShape="0">
+              <a:srgbClr val="000000">
+                <a:alpha val="70000"/>
+              </a:srgbClr>
+            </a:outerShdw>
+          </a:effectLst>
+        </p:spPr>
+      </p:pic>
+    </p:spTree>
+  </p:cSld>
+  <p:clrMapOvr>
+    <a:masterClrMapping/>
+  </p:clrMapOvr>
+  <p:timing>
+    <p:tnLst>
+      <p:par>
+        <p:cTn id="1" dur="indefinite" restart="never" nodeType="tmRoot"/>
+      </p:par>
+    </p:tnLst>
+  </p:timing>
+</p:sld>
+</file>
+
+<file path=ppt/slides/slide12.xml><?xml version="1.0" encoding="utf-8"?>
+<p:sld xmlns:a="http://schemas.openxmlformats.org/drawingml/2006/main" xmlns:r="http://schemas.openxmlformats.org/officeDocument/2006/relationships" xmlns:p="http://schemas.openxmlformats.org/presentationml/2006/main">
+  <p:cSld>
+    <p:spTree>
+      <p:nvGrpSpPr>
+        <p:cNvPr id="1" name=""/>
+        <p:cNvGrpSpPr/>
+        <p:nvPr/>
+      </p:nvGrpSpPr>
+      <p:grpSpPr>
+        <a:xfrm>
+          <a:off x="0" y="0"/>
+          <a:ext cx="0" cy="0"/>
+          <a:chOff x="0" y="0"/>
+          <a:chExt cx="0" cy="0"/>
+        </a:xfrm>
+      </p:grpSpPr>
+      <p:sp>
+        <p:nvSpPr>
+          <p:cNvPr id="2" name="Título 1"/>
+          <p:cNvSpPr>
+            <a:spLocks noGrp="1"/>
+          </p:cNvSpPr>
+          <p:nvPr>
+            <p:ph type="title"/>
+          </p:nvPr>
+        </p:nvSpPr>
+        <p:spPr/>
+        <p:txBody>
+          <a:bodyPr/>
+          <a:lstStyle/>
+          <a:p>
+            <a:r>
+              <a:rPr lang="pt-BR" smtClean="0"/>
+              <a:t>Projeto - Aplicações</a:t>
+            </a:r>
+            <a:r>
+              <a:rPr lang="pt-BR" smtClean="0"/>
+              <a:t>	</a:t>
+            </a:r>
+            <a:endParaRPr lang="pt-BR"/>
+          </a:p>
+        </p:txBody>
+      </p:sp>
+      <p:sp>
+        <p:nvSpPr>
+          <p:cNvPr id="3" name="Espaço Reservado para Conteúdo 2"/>
+          <p:cNvSpPr>
+            <a:spLocks noGrp="1"/>
+          </p:cNvSpPr>
+          <p:nvPr>
+            <p:ph idx="1"/>
+          </p:nvPr>
+        </p:nvSpPr>
+        <p:spPr>
+          <a:xfrm>
+            <a:off x="457200" y="1600200"/>
+            <a:ext cx="8472518" cy="4519613"/>
+          </a:xfrm>
+        </p:spPr>
+        <p:txBody>
+          <a:bodyPr/>
+          <a:lstStyle/>
+          <a:p>
+            <a:r>
+              <a:rPr lang="pt-BR" smtClean="0"/>
+              <a:t>Jardinagem (em desenvolvimento pelo MIT)</a:t>
+            </a:r>
+          </a:p>
+          <a:p>
+            <a:pPr lvl="1"/>
+            <a:r>
+              <a:rPr lang="pt-BR" smtClean="0"/>
+              <a:t>Regagem</a:t>
+            </a:r>
+          </a:p>
+          <a:p>
+            <a:pPr lvl="1"/>
+            <a:r>
+              <a:rPr lang="pt-BR" smtClean="0"/>
+              <a:t>Colheita</a:t>
+            </a:r>
+            <a:endParaRPr lang="pt-BR"/>
+          </a:p>
+        </p:txBody>
+      </p:sp>
+      <p:sp>
+        <p:nvSpPr>
+          <p:cNvPr id="6" name="Espaço Reservado para Rodapé 5"/>
+          <p:cNvSpPr>
+            <a:spLocks noGrp="1"/>
+          </p:cNvSpPr>
+          <p:nvPr>
+            <p:ph type="ftr" idx="10"/>
+          </p:nvPr>
+        </p:nvSpPr>
+        <p:spPr/>
+        <p:txBody>
+          <a:bodyPr/>
+          <a:lstStyle/>
+          <a:p>
+            <a:endParaRPr lang="en-US"/>
+          </a:p>
+        </p:txBody>
+      </p:sp>
+      <p:pic>
+        <p:nvPicPr>
+          <p:cNvPr id="8" name="Imagem 7" descr="mobilerobots.gif"/>
+          <p:cNvPicPr>
+            <a:picLocks noChangeAspect="1"/>
+          </p:cNvPicPr>
+          <p:nvPr/>
+        </p:nvPicPr>
+        <p:blipFill>
+          <a:blip r:embed="rId3"/>
+          <a:stretch>
+            <a:fillRect/>
+          </a:stretch>
+        </p:blipFill>
+        <p:spPr>
+          <a:xfrm>
+            <a:off x="4357686" y="2428868"/>
+            <a:ext cx="4170305" cy="2777421"/>
+          </a:xfrm>
+          <a:prstGeom prst="rect">
+            <a:avLst/>
+          </a:prstGeom>
+          <a:ln>
+            <a:noFill/>
+          </a:ln>
+          <a:effectLst>
+            <a:outerShdw blurRad="190500" algn="tl" rotWithShape="0">
+              <a:srgbClr val="000000">
+                <a:alpha val="70000"/>
+              </a:srgbClr>
+            </a:outerShdw>
+          </a:effectLst>
+        </p:spPr>
+      </p:pic>
+      <p:pic>
+        <p:nvPicPr>
+          <p:cNvPr id="7" name="Imagem 6" descr="drg_031.jpg"/>
+          <p:cNvPicPr>
+            <a:picLocks noChangeAspect="1"/>
+          </p:cNvPicPr>
+          <p:nvPr/>
+        </p:nvPicPr>
+        <p:blipFill>
+          <a:blip r:embed="rId4"/>
+          <a:stretch>
+            <a:fillRect/>
+          </a:stretch>
+        </p:blipFill>
+        <p:spPr>
+          <a:xfrm>
+            <a:off x="357158" y="3286124"/>
+            <a:ext cx="3479800" cy="2908300"/>
+          </a:xfrm>
+          <a:prstGeom prst="rect">
+            <a:avLst/>
+          </a:prstGeom>
+          <a:ln>
+            <a:noFill/>
+          </a:ln>
+          <a:effectLst>
+            <a:outerShdw blurRad="190500" algn="tl" rotWithShape="0">
+              <a:srgbClr val="000000">
+                <a:alpha val="70000"/>
+              </a:srgbClr>
+            </a:outerShdw>
+          </a:effectLst>
+        </p:spPr>
+      </p:pic>
+    </p:spTree>
+  </p:cSld>
+  <p:clrMapOvr>
+    <a:masterClrMapping/>
+  </p:clrMapOvr>
+  <p:timing>
+    <p:tnLst>
+      <p:par>
+        <p:cTn id="1" dur="indefinite" restart="never" nodeType="tmRoot"/>
+      </p:par>
+    </p:tnLst>
+  </p:timing>
+</p:sld>
+</file>
+
+<file path=ppt/slides/slide13.xml><?xml version="1.0" encoding="utf-8"?>
+<p:sld xmlns:a="http://schemas.openxmlformats.org/drawingml/2006/main" xmlns:r="http://schemas.openxmlformats.org/officeDocument/2006/relationships" xmlns:p="http://schemas.openxmlformats.org/presentationml/2006/main">
+  <p:cSld>
+    <p:spTree>
+      <p:nvGrpSpPr>
+        <p:cNvPr id="1" name=""/>
+        <p:cNvGrpSpPr/>
+        <p:nvPr/>
+      </p:nvGrpSpPr>
+      <p:grpSpPr>
+        <a:xfrm>
+          <a:off x="0" y="0"/>
+          <a:ext cx="0" cy="0"/>
+          <a:chOff x="0" y="0"/>
+          <a:chExt cx="0" cy="0"/>
+        </a:xfrm>
+      </p:grpSpPr>
+      <p:sp>
+        <p:nvSpPr>
+          <p:cNvPr id="2" name="Título 1"/>
+          <p:cNvSpPr>
+            <a:spLocks noGrp="1"/>
+          </p:cNvSpPr>
+          <p:nvPr>
+            <p:ph type="title"/>
+          </p:nvPr>
+        </p:nvSpPr>
+        <p:spPr/>
+        <p:txBody>
+          <a:bodyPr/>
+          <a:lstStyle/>
+          <a:p>
+            <a:r>
+              <a:rPr lang="pt-BR" smtClean="0"/>
+              <a:t>Problemas Relacionados</a:t>
+            </a:r>
+            <a:endParaRPr lang="pt-BR"/>
+          </a:p>
+        </p:txBody>
+      </p:sp>
+      <p:sp>
+        <p:nvSpPr>
+          <p:cNvPr id="3" name="Espaço Reservado para Conteúdo 2"/>
+          <p:cNvSpPr>
+            <a:spLocks noGrp="1"/>
+          </p:cNvSpPr>
+          <p:nvPr>
+            <p:ph idx="1"/>
+          </p:nvPr>
+        </p:nvSpPr>
+        <p:spPr>
+          <a:xfrm>
+            <a:off x="457200" y="1600200"/>
+            <a:ext cx="6329378" cy="4519613"/>
+          </a:xfrm>
+        </p:spPr>
+        <p:txBody>
+          <a:bodyPr/>
+          <a:lstStyle/>
+          <a:p>
+            <a:endParaRPr lang="pt-BR" smtClean="0"/>
+          </a:p>
+          <a:p>
+            <a:r>
+              <a:rPr lang="pt-BR" smtClean="0"/>
+              <a:t>Caixeiro-Viajante</a:t>
+            </a:r>
+          </a:p>
+          <a:p>
+            <a:endParaRPr lang="pt-BR" smtClean="0"/>
+          </a:p>
+          <a:p>
+            <a:r>
+              <a:rPr lang="pt-BR" smtClean="0"/>
+              <a:t>Roteamento de Veículos (VRP)</a:t>
+            </a:r>
+            <a:endParaRPr lang="pt-BR" smtClean="0"/>
+          </a:p>
+          <a:p>
+            <a:endParaRPr lang="pt-BR"/>
+          </a:p>
+        </p:txBody>
+      </p:sp>
+      <p:sp>
+        <p:nvSpPr>
+          <p:cNvPr id="6" name="Espaço Reservado para Rodapé 5"/>
+          <p:cNvSpPr>
+            <a:spLocks noGrp="1"/>
+          </p:cNvSpPr>
+          <p:nvPr>
+            <p:ph type="ftr" idx="10"/>
+          </p:nvPr>
+        </p:nvSpPr>
+        <p:spPr/>
+        <p:txBody>
+          <a:bodyPr/>
+          <a:lstStyle/>
+          <a:p>
+            <a:endParaRPr lang="en-US"/>
+          </a:p>
+        </p:txBody>
+      </p:sp>
+    </p:spTree>
+  </p:cSld>
+  <p:clrMapOvr>
+    <a:masterClrMapping/>
+  </p:clrMapOvr>
+  <p:timing>
+    <p:tnLst>
+      <p:par>
+        <p:cTn id="1" dur="indefinite" restart="never" nodeType="tmRoot"/>
+      </p:par>
+    </p:tnLst>
+  </p:timing>
+</p:sld>
+</file>
+
+<file path=ppt/slides/slide14.xml><?xml version="1.0" encoding="utf-8"?>
+<p:sld xmlns:a="http://schemas.openxmlformats.org/drawingml/2006/main" xmlns:r="http://schemas.openxmlformats.org/officeDocument/2006/relationships" xmlns:p="http://schemas.openxmlformats.org/presentationml/2006/main">
+  <p:cSld>
+    <p:spTree>
+      <p:nvGrpSpPr>
+        <p:cNvPr id="1" name=""/>
+        <p:cNvGrpSpPr/>
+        <p:nvPr/>
+      </p:nvGrpSpPr>
+      <p:grpSpPr>
+        <a:xfrm>
+          <a:off x="0" y="0"/>
+          <a:ext cx="0" cy="0"/>
+          <a:chOff x="0" y="0"/>
+          <a:chExt cx="0" cy="0"/>
+        </a:xfrm>
+      </p:grpSpPr>
+      <p:sp>
+        <p:nvSpPr>
+          <p:cNvPr id="2" name="Título 1"/>
+          <p:cNvSpPr>
+            <a:spLocks noGrp="1"/>
+          </p:cNvSpPr>
+          <p:nvPr>
+            <p:ph type="title"/>
+          </p:nvPr>
+        </p:nvSpPr>
+        <p:spPr/>
+        <p:txBody>
+          <a:bodyPr/>
+          <a:lstStyle/>
+          <a:p>
+            <a:r>
+              <a:rPr lang="pt-BR" smtClean="0"/>
+              <a:t>Caixeiro Viajante</a:t>
+            </a:r>
+            <a:endParaRPr lang="pt-BR"/>
+          </a:p>
+        </p:txBody>
+      </p:sp>
+      <p:sp>
+        <p:nvSpPr>
+          <p:cNvPr id="3" name="Espaço Reservado para Conteúdo 2"/>
+          <p:cNvSpPr>
+            <a:spLocks noGrp="1"/>
+          </p:cNvSpPr>
+          <p:nvPr>
+            <p:ph idx="1"/>
+          </p:nvPr>
+        </p:nvSpPr>
+        <p:spPr>
+          <a:xfrm>
+            <a:off x="457200" y="1600200"/>
+            <a:ext cx="6329378" cy="4519613"/>
+          </a:xfrm>
+        </p:spPr>
+        <p:txBody>
+          <a:bodyPr/>
+          <a:lstStyle/>
+          <a:p>
+            <a:endParaRPr lang="pt-BR"/>
+          </a:p>
+        </p:txBody>
+      </p:sp>
+      <p:sp>
+        <p:nvSpPr>
+          <p:cNvPr id="6" name="Espaço Reservado para Rodapé 5"/>
+          <p:cNvSpPr>
+            <a:spLocks noGrp="1"/>
+          </p:cNvSpPr>
+          <p:nvPr>
+            <p:ph type="ftr" idx="10"/>
+          </p:nvPr>
+        </p:nvSpPr>
+        <p:spPr/>
+        <p:txBody>
+          <a:bodyPr/>
+          <a:lstStyle/>
+          <a:p>
+            <a:endParaRPr lang="en-US"/>
+          </a:p>
+        </p:txBody>
+      </p:sp>
+    </p:spTree>
+  </p:cSld>
+  <p:clrMapOvr>
+    <a:masterClrMapping/>
+  </p:clrMapOvr>
+  <p:timing>
+    <p:tnLst>
+      <p:par>
+        <p:cTn id="1" dur="indefinite" restart="never" nodeType="tmRoot"/>
+      </p:par>
+    </p:tnLst>
+  </p:timing>
+</p:sld>
+</file>
+
+<file path=ppt/slides/slide15.xml><?xml version="1.0" encoding="utf-8"?>
+<p:sld xmlns:a="http://schemas.openxmlformats.org/drawingml/2006/main" xmlns:r="http://schemas.openxmlformats.org/officeDocument/2006/relationships" xmlns:p="http://schemas.openxmlformats.org/presentationml/2006/main">
+  <p:cSld>
+    <p:spTree>
+      <p:nvGrpSpPr>
+        <p:cNvPr id="1" name=""/>
+        <p:cNvGrpSpPr/>
+        <p:nvPr/>
+      </p:nvGrpSpPr>
+      <p:grpSpPr>
+        <a:xfrm>
+          <a:off x="0" y="0"/>
+          <a:ext cx="0" cy="0"/>
+          <a:chOff x="0" y="0"/>
+          <a:chExt cx="0" cy="0"/>
+        </a:xfrm>
+      </p:grpSpPr>
+      <p:sp>
+        <p:nvSpPr>
+          <p:cNvPr id="2" name="Título 1"/>
+          <p:cNvSpPr>
+            <a:spLocks noGrp="1"/>
+          </p:cNvSpPr>
+          <p:nvPr>
+            <p:ph type="title"/>
+          </p:nvPr>
+        </p:nvSpPr>
+        <p:spPr/>
+        <p:txBody>
+          <a:bodyPr/>
+          <a:lstStyle/>
+          <a:p>
+            <a:r>
+              <a:rPr lang="pt-BR" smtClean="0"/>
+              <a:t>Roteamento de Veículos</a:t>
+            </a:r>
+            <a:endParaRPr lang="pt-BR"/>
+          </a:p>
+        </p:txBody>
+      </p:sp>
+      <p:sp>
+        <p:nvSpPr>
+          <p:cNvPr id="3" name="Espaço Reservado para Conteúdo 2"/>
+          <p:cNvSpPr>
+            <a:spLocks noGrp="1"/>
+          </p:cNvSpPr>
+          <p:nvPr>
+            <p:ph idx="1"/>
+          </p:nvPr>
+        </p:nvSpPr>
+        <p:spPr>
+          <a:xfrm>
+            <a:off x="457200" y="1600200"/>
+            <a:ext cx="6329378" cy="4519613"/>
+          </a:xfrm>
+        </p:spPr>
+        <p:txBody>
+          <a:bodyPr/>
+          <a:lstStyle/>
+          <a:p>
+            <a:endParaRPr lang="pt-BR"/>
+          </a:p>
+        </p:txBody>
+      </p:sp>
+      <p:sp>
+        <p:nvSpPr>
+          <p:cNvPr id="6" name="Espaço Reservado para Rodapé 5"/>
+          <p:cNvSpPr>
+            <a:spLocks noGrp="1"/>
+          </p:cNvSpPr>
+          <p:nvPr>
+            <p:ph type="ftr" idx="10"/>
+          </p:nvPr>
+        </p:nvSpPr>
+        <p:spPr/>
+        <p:txBody>
+          <a:bodyPr/>
+          <a:lstStyle/>
+          <a:p>
+            <a:endParaRPr lang="en-US"/>
+          </a:p>
+        </p:txBody>
+      </p:sp>
+    </p:spTree>
+  </p:cSld>
+  <p:clrMapOvr>
+    <a:masterClrMapping/>
+  </p:clrMapOvr>
+  <p:timing>
+    <p:tnLst>
+      <p:par>
+        <p:cTn id="1" dur="indefinite" restart="never" nodeType="tmRoot"/>
+      </p:par>
+    </p:tnLst>
+  </p:timing>
+</p:sld>
+</file>
+
+<file path=ppt/slides/slide16.xml><?xml version="1.0" encoding="utf-8"?>
+<p:sld xmlns:a="http://schemas.openxmlformats.org/drawingml/2006/main" xmlns:r="http://schemas.openxmlformats.org/officeDocument/2006/relationships" xmlns:p="http://schemas.openxmlformats.org/presentationml/2006/main">
+  <p:cSld>
+    <p:spTree>
+      <p:nvGrpSpPr>
+        <p:cNvPr id="1" name=""/>
+        <p:cNvGrpSpPr/>
+        <p:nvPr/>
+      </p:nvGrpSpPr>
+      <p:grpSpPr>
+        <a:xfrm>
+          <a:off x="0" y="0"/>
+          <a:ext cx="0" cy="0"/>
+          <a:chOff x="0" y="0"/>
+          <a:chExt cx="0" cy="0"/>
+        </a:xfrm>
+      </p:grpSpPr>
+      <p:sp>
+        <p:nvSpPr>
+          <p:cNvPr id="2" name="Título 1"/>
+          <p:cNvSpPr>
+            <a:spLocks noGrp="1"/>
+          </p:cNvSpPr>
+          <p:nvPr>
+            <p:ph type="title"/>
+          </p:nvPr>
+        </p:nvSpPr>
+        <p:spPr/>
+        <p:txBody>
+          <a:bodyPr/>
+          <a:lstStyle/>
+          <a:p>
+            <a:r>
+              <a:rPr lang="pt-BR" smtClean="0"/>
+              <a:t>Projeto</a:t>
+            </a:r>
+            <a:endParaRPr lang="pt-BR"/>
+          </a:p>
+        </p:txBody>
+      </p:sp>
+      <p:sp>
+        <p:nvSpPr>
+          <p:cNvPr id="3" name="Espaço Reservado para Conteúdo 2"/>
+          <p:cNvSpPr>
+            <a:spLocks noGrp="1"/>
+          </p:cNvSpPr>
+          <p:nvPr>
+            <p:ph idx="1"/>
+          </p:nvPr>
+        </p:nvSpPr>
+        <p:spPr/>
+        <p:txBody>
+          <a:bodyPr/>
+          <a:lstStyle/>
+          <a:p>
+            <a:r>
+              <a:rPr lang="pt-BR" smtClean="0"/>
+              <a:t>Mapas</a:t>
+            </a:r>
+          </a:p>
+          <a:p>
+            <a:pPr lvl="1"/>
+            <a:r>
+              <a:rPr lang="pt-BR" smtClean="0"/>
+              <a:t>Mapas Topológicos</a:t>
+            </a:r>
+          </a:p>
+          <a:p>
+            <a:r>
+              <a:rPr lang="pt-BR" smtClean="0"/>
+              <a:t>Buscas em grafo</a:t>
+            </a:r>
+          </a:p>
+          <a:p>
+            <a:pPr lvl="1"/>
+            <a:r>
+              <a:rPr lang="pt-BR" smtClean="0"/>
+              <a:t>Menor caminho</a:t>
+            </a:r>
+          </a:p>
+          <a:p>
+            <a:r>
+              <a:rPr lang="pt-BR" smtClean="0"/>
+              <a:t>Desvio de osbstáculos</a:t>
+            </a:r>
+          </a:p>
+          <a:p>
+            <a:pPr lvl="1"/>
+            <a:r>
+              <a:rPr lang="pt-BR" i="1" smtClean="0"/>
+              <a:t>Vector Field Histogram </a:t>
+            </a:r>
+            <a:r>
+              <a:rPr lang="pt-BR" smtClean="0"/>
+              <a:t>(</a:t>
+            </a:r>
+            <a:r>
+              <a:rPr lang="pt-BR" smtClean="0"/>
+              <a:t>VFH)</a:t>
+            </a:r>
+          </a:p>
+        </p:txBody>
+      </p:sp>
+      <p:sp>
+        <p:nvSpPr>
+          <p:cNvPr id="4" name="Espaço Reservado para Rodapé 3"/>
+          <p:cNvSpPr>
+            <a:spLocks noGrp="1"/>
+          </p:cNvSpPr>
+          <p:nvPr>
+            <p:ph type="ftr" idx="10"/>
+          </p:nvPr>
+        </p:nvSpPr>
+        <p:spPr/>
+        <p:txBody>
+          <a:bodyPr/>
+          <a:lstStyle/>
+          <a:p>
+            <a:endParaRPr lang="en-US"/>
+          </a:p>
+        </p:txBody>
+      </p:sp>
+      <p:pic>
+        <p:nvPicPr>
+          <p:cNvPr id="5" name="Picture 9" descr="mapa_andar"/>
+          <p:cNvPicPr>
+            <a:picLocks noChangeAspect="1" noChangeArrowheads="1"/>
+          </p:cNvPicPr>
+          <p:nvPr/>
+        </p:nvPicPr>
+        <p:blipFill>
+          <a:blip r:embed="rId3"/>
+          <a:srcRect/>
+          <a:stretch>
+            <a:fillRect/>
+          </a:stretch>
+        </p:blipFill>
+        <p:spPr>
+          <a:xfrm>
+            <a:off x="5857884" y="1643050"/>
+            <a:ext cx="2641600" cy="2641600"/>
+          </a:xfrm>
+          <a:prstGeom prst="rect">
+            <a:avLst/>
+          </a:prstGeom>
+          <a:ln>
+            <a:noFill/>
+          </a:ln>
+          <a:effectLst>
+            <a:outerShdw blurRad="190500" algn="tl" rotWithShape="0">
+              <a:srgbClr val="000000">
+                <a:alpha val="70000"/>
+              </a:srgbClr>
+            </a:outerShdw>
+          </a:effectLst>
+        </p:spPr>
+      </p:pic>
+    </p:spTree>
+  </p:cSld>
+  <p:clrMapOvr>
+    <a:masterClrMapping/>
+  </p:clrMapOvr>
+</p:sld>
+</file>
+
+<file path=ppt/slides/slide17.xml><?xml version="1.0" encoding="utf-8"?>
+<p:sld xmlns:a="http://schemas.openxmlformats.org/drawingml/2006/main" xmlns:r="http://schemas.openxmlformats.org/officeDocument/2006/relationships" xmlns:p="http://schemas.openxmlformats.org/presentationml/2006/main">
+  <p:cSld>
+    <p:spTree>
+      <p:nvGrpSpPr>
+        <p:cNvPr id="1" name=""/>
+        <p:cNvGrpSpPr/>
+        <p:nvPr/>
+      </p:nvGrpSpPr>
+      <p:grpSpPr>
+        <a:xfrm>
+          <a:off x="0" y="0"/>
+          <a:ext cx="0" cy="0"/>
+          <a:chOff x="0" y="0"/>
+          <a:chExt cx="0" cy="0"/>
+        </a:xfrm>
+      </p:grpSpPr>
+      <p:sp>
+        <p:nvSpPr>
+          <p:cNvPr id="2" name="Título 1"/>
+          <p:cNvSpPr>
+            <a:spLocks noGrp="1"/>
+          </p:cNvSpPr>
+          <p:nvPr>
+            <p:ph type="title"/>
+          </p:nvPr>
+        </p:nvSpPr>
+        <p:spPr/>
+        <p:txBody>
+          <a:bodyPr/>
+          <a:lstStyle/>
+          <a:p>
+            <a:endParaRPr lang="pt-BR"/>
+          </a:p>
+        </p:txBody>
+      </p:sp>
+      <p:sp>
+        <p:nvSpPr>
+          <p:cNvPr id="3" name="Espaço Reservado para Conteúdo 2"/>
+          <p:cNvSpPr>
+            <a:spLocks noGrp="1"/>
+          </p:cNvSpPr>
+          <p:nvPr>
+            <p:ph idx="1"/>
+          </p:nvPr>
+        </p:nvSpPr>
+        <p:spPr/>
+        <p:txBody>
+          <a:bodyPr/>
+          <a:lstStyle/>
+          <a:p>
+            <a:endParaRPr lang="pt-BR" smtClean="0"/>
+          </a:p>
+          <a:p>
+            <a:r>
+              <a:rPr lang="pt-BR" sz="4000" b="1" smtClean="0"/>
+              <a:t>Novo</a:t>
+            </a:r>
+            <a:endParaRPr lang="pt-BR" sz="4000" b="1" smtClean="0"/>
+          </a:p>
+          <a:p>
+            <a:endParaRPr lang="pt-BR" sz="4000" b="1" smtClean="0"/>
+          </a:p>
+          <a:p>
+            <a:r>
+              <a:rPr lang="pt-BR" sz="4000" b="1" smtClean="0"/>
+              <a:t>=========================</a:t>
+            </a:r>
+          </a:p>
+          <a:p>
+            <a:endParaRPr lang="pt-BR" sz="4000" b="1" smtClean="0"/>
+          </a:p>
+          <a:p>
+            <a:r>
+              <a:rPr lang="pt-BR" sz="4000" b="1" smtClean="0"/>
+              <a:t>Velho</a:t>
+            </a:r>
+            <a:endParaRPr lang="pt-BR" sz="4000" b="1"/>
+          </a:p>
+        </p:txBody>
+      </p:sp>
+      <p:sp>
+        <p:nvSpPr>
+          <p:cNvPr id="4" name="Espaço Reservado para Rodapé 3"/>
+          <p:cNvSpPr>
+            <a:spLocks noGrp="1"/>
+          </p:cNvSpPr>
+          <p:nvPr>
+            <p:ph type="ftr" idx="10"/>
+          </p:nvPr>
+        </p:nvSpPr>
+        <p:spPr/>
+        <p:txBody>
+          <a:bodyPr/>
+          <a:lstStyle/>
+          <a:p>
+            <a:endParaRPr lang="en-US"/>
+          </a:p>
+        </p:txBody>
+      </p:sp>
+    </p:spTree>
+  </p:cSld>
+  <p:clrMapOvr>
+    <a:masterClrMapping/>
+  </p:clrMapOvr>
+</p:sld>
+</file>
+
+<file path=ppt/slides/slide18.xml><?xml version="1.0" encoding="utf-8"?>
+<p:sld xmlns:a="http://schemas.openxmlformats.org/drawingml/2006/main" xmlns:r="http://schemas.openxmlformats.org/officeDocument/2006/relationships" xmlns:p="http://schemas.openxmlformats.org/presentationml/2006/main">
+  <p:cSld>
+    <p:spTree>
+      <p:nvGrpSpPr>
+        <p:cNvPr id="1" name=""/>
+        <p:cNvGrpSpPr/>
+        <p:nvPr/>
+      </p:nvGrpSpPr>
+      <p:grpSpPr>
+        <a:xfrm>
+          <a:off x="0" y="0"/>
+          <a:ext cx="0" cy="0"/>
+          <a:chOff x="0" y="0"/>
+          <a:chExt cx="0" cy="0"/>
+        </a:xfrm>
+      </p:grpSpPr>
+      <p:sp>
+        <p:nvSpPr>
+          <p:cNvPr id="2" name="Título 1"/>
+          <p:cNvSpPr>
+            <a:spLocks noGrp="1"/>
+          </p:cNvSpPr>
+          <p:nvPr>
+            <p:ph type="title"/>
+          </p:nvPr>
+        </p:nvSpPr>
+        <p:spPr/>
+        <p:txBody>
+          <a:bodyPr/>
+          <a:lstStyle/>
+          <a:p>
+            <a:r>
+              <a:rPr lang="pt-BR" smtClean="0"/>
+              <a:t>Projeto</a:t>
+            </a:r>
+            <a:endParaRPr lang="pt-BR"/>
+          </a:p>
+        </p:txBody>
+      </p:sp>
+      <p:sp>
+        <p:nvSpPr>
+          <p:cNvPr id="3" name="Espaço Reservado para Conteúdo 2"/>
+          <p:cNvSpPr>
+            <a:spLocks noGrp="1"/>
+          </p:cNvSpPr>
+          <p:nvPr>
+            <p:ph idx="1"/>
+          </p:nvPr>
+        </p:nvSpPr>
+        <p:spPr>
+          <a:xfrm>
+            <a:off x="457200" y="1571612"/>
+            <a:ext cx="8223250" cy="4519613"/>
+          </a:xfrm>
+        </p:spPr>
+        <p:txBody>
+          <a:bodyPr/>
+          <a:lstStyle/>
+          <a:p>
+            <a:r>
+              <a:rPr lang="pt-BR" smtClean="0"/>
+              <a:t>Critérios de avaliação</a:t>
+            </a:r>
+          </a:p>
+          <a:p>
+            <a:pPr lvl="1"/>
+            <a:r>
+              <a:rPr lang="pt-BR" smtClean="0"/>
+              <a:t>Freqüência relativa</a:t>
+            </a:r>
+          </a:p>
+          <a:p>
+            <a:pPr lvl="1"/>
+            <a:endParaRPr lang="pt-BR" smtClean="0"/>
+          </a:p>
+          <a:p>
+            <a:pPr lvl="1"/>
+            <a:endParaRPr lang="pt-BR" smtClean="0"/>
+          </a:p>
+          <a:p>
+            <a:pPr lvl="1"/>
+            <a:r>
+              <a:rPr lang="pt-BR" smtClean="0"/>
+              <a:t>Gráfico de Urgência total</a:t>
+            </a:r>
+          </a:p>
+          <a:p>
+            <a:pPr lvl="1">
+              <a:buNone/>
+            </a:pPr>
+            <a:endParaRPr lang="pt-BR"/>
+          </a:p>
+        </p:txBody>
+      </p:sp>
+      <p:pic>
+        <p:nvPicPr>
+          <p:cNvPr id="4" name="Imagem 3" descr="freq_relativa.gif"/>
+          <p:cNvPicPr>
+            <a:picLocks noChangeAspect="1"/>
+          </p:cNvPicPr>
+          <p:nvPr/>
+        </p:nvPicPr>
+        <p:blipFill>
+          <a:blip r:embed="rId3"/>
+          <a:stretch>
+            <a:fillRect/>
+          </a:stretch>
+        </p:blipFill>
+        <p:spPr>
+          <a:xfrm>
+            <a:off x="2786050" y="2714620"/>
+            <a:ext cx="1643074" cy="821537"/>
+          </a:xfrm>
+          <a:prstGeom prst="rect">
+            <a:avLst/>
+          </a:prstGeom>
+        </p:spPr>
+      </p:pic>
+      <p:pic>
+        <p:nvPicPr>
+          <p:cNvPr id="5" name="Imagem 4" descr="grau_de_urgencia.gif"/>
+          <p:cNvPicPr>
+            <a:picLocks noChangeAspect="1"/>
+          </p:cNvPicPr>
+          <p:nvPr/>
+        </p:nvPicPr>
+        <p:blipFill>
+          <a:blip r:embed="rId4"/>
+          <a:stretch>
+            <a:fillRect/>
+          </a:stretch>
+        </p:blipFill>
+        <p:spPr>
+          <a:xfrm>
+            <a:off x="3357554" y="4714884"/>
+            <a:ext cx="1905013" cy="357190"/>
+          </a:xfrm>
+          <a:prstGeom prst="rect">
+            <a:avLst/>
+          </a:prstGeom>
+        </p:spPr>
+      </p:pic>
+      <p:pic>
+        <p:nvPicPr>
+          <p:cNvPr id="6" name="Imagem 5" descr="urgencia_total.gif"/>
+          <p:cNvPicPr>
+            <a:picLocks noChangeAspect="1"/>
+          </p:cNvPicPr>
+          <p:nvPr/>
+        </p:nvPicPr>
+        <p:blipFill>
+          <a:blip r:embed="rId5"/>
+          <a:stretch>
+            <a:fillRect/>
+          </a:stretch>
+        </p:blipFill>
+        <p:spPr>
+          <a:xfrm>
+            <a:off x="1357290" y="4500570"/>
+            <a:ext cx="1143008" cy="900119"/>
+          </a:xfrm>
+          <a:prstGeom prst="rect">
+            <a:avLst/>
+          </a:prstGeom>
+        </p:spPr>
+      </p:pic>
+      <p:sp>
+        <p:nvSpPr>
+          <p:cNvPr id="7" name="Espaço Reservado para Rodapé 6"/>
+          <p:cNvSpPr>
+            <a:spLocks noGrp="1"/>
+          </p:cNvSpPr>
+          <p:nvPr>
+            <p:ph type="ftr" idx="10"/>
+          </p:nvPr>
+        </p:nvSpPr>
+        <p:spPr/>
+        <p:txBody>
+          <a:bodyPr/>
+          <a:lstStyle/>
+          <a:p>
+            <a:endParaRPr lang="en-US"/>
+          </a:p>
+        </p:txBody>
+      </p:sp>
+    </p:spTree>
+  </p:cSld>
+  <p:clrMapOvr>
+    <a:masterClrMapping/>
+  </p:clrMapOvr>
+  <p:timing>
+    <p:tnLst>
+      <p:par>
+        <p:cTn id="1" dur="indefinite" restart="never" nodeType="tmRoot"/>
+      </p:par>
+    </p:tnLst>
+  </p:timing>
+</p:sld>
+</file>
+
+<file path=ppt/slides/slide19.xml><?xml version="1.0" encoding="utf-8"?>
+<p:sld xmlns:a="http://schemas.openxmlformats.org/drawingml/2006/main" xmlns:r="http://schemas.openxmlformats.org/officeDocument/2006/relationships" xmlns:p="http://schemas.openxmlformats.org/presentationml/2006/main">
+  <p:cSld>
+    <p:spTree>
+      <p:nvGrpSpPr>
+        <p:cNvPr id="1" name=""/>
+        <p:cNvGrpSpPr/>
+        <p:nvPr/>
+      </p:nvGrpSpPr>
+      <p:grpSpPr>
+        <a:xfrm>
+          <a:off x="0" y="0"/>
+          <a:ext cx="0" cy="0"/>
+          <a:chOff x="0" y="0"/>
+          <a:chExt cx="0" cy="0"/>
+        </a:xfrm>
+      </p:grpSpPr>
+      <p:sp>
+        <p:nvSpPr>
+          <p:cNvPr id="2" name="Título 1"/>
+          <p:cNvSpPr>
+            <a:spLocks noGrp="1"/>
+          </p:cNvSpPr>
+          <p:nvPr>
+            <p:ph type="title"/>
+          </p:nvPr>
+        </p:nvSpPr>
+        <p:spPr/>
+        <p:txBody>
+          <a:bodyPr/>
+          <a:lstStyle/>
+          <a:p>
+            <a:r>
+              <a:rPr lang="pt-BR" smtClean="0"/>
+              <a:t>Projeto	</a:t>
+            </a:r>
+            <a:endParaRPr lang="pt-BR"/>
+          </a:p>
+        </p:txBody>
+      </p:sp>
+      <p:sp>
+        <p:nvSpPr>
+          <p:cNvPr id="3" name="Espaço Reservado para Conteúdo 2"/>
+          <p:cNvSpPr>
+            <a:spLocks noGrp="1"/>
+          </p:cNvSpPr>
+          <p:nvPr>
+            <p:ph idx="1"/>
+          </p:nvPr>
+        </p:nvSpPr>
+        <p:spPr/>
+        <p:txBody>
+          <a:bodyPr/>
+          <a:lstStyle/>
+          <a:p>
+            <a:r>
+              <a:rPr lang="pt-BR" smtClean="0"/>
+              <a:t>Metodologia</a:t>
+            </a:r>
+          </a:p>
+          <a:p>
+            <a:pPr lvl="1"/>
+            <a:r>
+              <a:rPr lang="pt-BR" smtClean="0"/>
+              <a:t>Mapa topológico</a:t>
+            </a:r>
+          </a:p>
+          <a:p>
+            <a:pPr lvl="2"/>
+            <a:r>
+              <a:rPr lang="pt-BR" smtClean="0"/>
+              <a:t>Diagrama de Voronoi</a:t>
+            </a:r>
+          </a:p>
+          <a:p>
+            <a:pPr lvl="2"/>
+            <a:r>
+              <a:rPr lang="pt-BR" smtClean="0"/>
+              <a:t>Dijkstra</a:t>
+            </a:r>
+          </a:p>
+          <a:p>
+            <a:pPr lvl="2"/>
+            <a:endParaRPr lang="pt-BR" smtClean="0"/>
+          </a:p>
+          <a:p>
+            <a:pPr lvl="1"/>
+            <a:r>
+              <a:rPr lang="pt-BR" smtClean="0"/>
+              <a:t>Grafo auxiliar</a:t>
+            </a:r>
+          </a:p>
+          <a:p>
+            <a:pPr lvl="2"/>
+            <a:r>
+              <a:rPr lang="pt-BR" smtClean="0"/>
+              <a:t>Somenta Salas</a:t>
+            </a:r>
+          </a:p>
+          <a:p>
+            <a:pPr lvl="2"/>
+            <a:r>
+              <a:rPr lang="pt-BR" smtClean="0"/>
+              <a:t>Grafo Completo</a:t>
+            </a:r>
+            <a:endParaRPr lang="pt-BR"/>
+          </a:p>
+        </p:txBody>
+      </p:sp>
+      <p:pic>
+        <p:nvPicPr>
+          <p:cNvPr id="4" name="Imagem 3" descr="exemplo_voronoi.jpg"/>
+          <p:cNvPicPr>
+            <a:picLocks noChangeAspect="1"/>
+          </p:cNvPicPr>
+          <p:nvPr/>
+        </p:nvPicPr>
+        <p:blipFill>
+          <a:blip r:embed="rId3"/>
+          <a:stretch>
+            <a:fillRect/>
+          </a:stretch>
+        </p:blipFill>
+        <p:spPr>
+          <a:xfrm>
+            <a:off x="4572000" y="3500438"/>
+            <a:ext cx="3538539" cy="2402962"/>
+          </a:xfrm>
+          <a:prstGeom prst="rect">
+            <a:avLst/>
+          </a:prstGeom>
+        </p:spPr>
+      </p:pic>
+      <p:sp>
+        <p:nvSpPr>
+          <p:cNvPr id="5" name="Espaço Reservado para Rodapé 4"/>
+          <p:cNvSpPr>
+            <a:spLocks noGrp="1"/>
+          </p:cNvSpPr>
+          <p:nvPr>
+            <p:ph type="ftr" idx="10"/>
+          </p:nvPr>
+        </p:nvSpPr>
+        <p:spPr/>
+        <p:txBody>
+          <a:bodyPr/>
+          <a:lstStyle/>
+          <a:p>
+            <a:endParaRPr lang="en-US"/>
+          </a:p>
+        </p:txBody>
+      </p:sp>
+    </p:spTree>
+  </p:cSld>
+  <p:clrMapOvr>
+    <a:masterClrMapping/>
+  </p:clrMapOvr>
+  <p:timing>
+    <p:tnLst>
+      <p:par>
+        <p:cTn id="1" dur="indefinite" restart="never" nodeType="tmRoot"/>
+      </p:par>
+    </p:tnLst>
+  </p:timing>
+</p:sld>
+</file>
+
+<file path=ppt/slides/slide2.xml><?xml version="1.0" encoding="utf-8"?>
+<p:sld xmlns:a="http://schemas.openxmlformats.org/drawingml/2006/main" xmlns:r="http://schemas.openxmlformats.org/officeDocument/2006/relationships" xmlns:p="http://schemas.openxmlformats.org/presentationml/2006/main">
+  <p:cSld>
+    <p:spTree>
+      <p:nvGrpSpPr>
+        <p:cNvPr id="1" name=""/>
+        <p:cNvGrpSpPr/>
+        <p:nvPr/>
+      </p:nvGrpSpPr>
+      <p:grpSpPr>
+        <a:xfrm>
+          <a:off x="0" y="0"/>
+          <a:ext cx="0" cy="0"/>
+          <a:chOff x="0" y="0"/>
+          <a:chExt cx="0" cy="0"/>
+        </a:xfrm>
+      </p:grpSpPr>
+      <p:sp>
+        <p:nvSpPr>
+          <p:cNvPr id="2" name="Título 1"/>
+          <p:cNvSpPr>
+            <a:spLocks noGrp="1"/>
+          </p:cNvSpPr>
+          <p:nvPr>
+            <p:ph type="title"/>
+          </p:nvPr>
+        </p:nvSpPr>
+        <p:spPr/>
+        <p:txBody>
+          <a:bodyPr/>
+          <a:lstStyle/>
+          <a:p>
+            <a:r>
+              <a:rPr lang="pt-BR" smtClean="0"/>
+              <a:t>Sumário</a:t>
+            </a:r>
+            <a:endParaRPr lang="pt-BR"/>
+          </a:p>
+        </p:txBody>
+      </p:sp>
+      <p:sp>
+        <p:nvSpPr>
+          <p:cNvPr id="3" name="Espaço Reservado para Conteúdo 2"/>
+          <p:cNvSpPr>
+            <a:spLocks noGrp="1"/>
+          </p:cNvSpPr>
+          <p:nvPr>
+            <p:ph idx="1"/>
+          </p:nvPr>
+        </p:nvSpPr>
+        <p:spPr/>
+        <p:txBody>
+          <a:bodyPr/>
+          <a:lstStyle/>
+          <a:p>
+            <a:r>
+              <a:rPr lang="pt-BR" smtClean="0"/>
+              <a:t>Introdução</a:t>
+            </a:r>
+          </a:p>
+          <a:p>
+            <a:r>
+              <a:rPr lang="pt-BR" smtClean="0"/>
+              <a:t>Projeto</a:t>
+            </a:r>
+          </a:p>
+          <a:p>
+            <a:r>
+              <a:rPr lang="pt-BR" smtClean="0"/>
+              <a:t>Aplicações</a:t>
+            </a:r>
+          </a:p>
+          <a:p>
+            <a:r>
+              <a:rPr lang="pt-BR" smtClean="0"/>
+              <a:t>Problemas Relacionados</a:t>
+            </a:r>
+            <a:endParaRPr lang="pt-BR"/>
+          </a:p>
+        </p:txBody>
+      </p:sp>
+      <p:sp>
+        <p:nvSpPr>
+          <p:cNvPr id="4" name="Espaço Reservado para Rodapé 3"/>
+          <p:cNvSpPr>
+            <a:spLocks noGrp="1"/>
+          </p:cNvSpPr>
+          <p:nvPr>
+            <p:ph type="ftr" idx="10"/>
+          </p:nvPr>
+        </p:nvSpPr>
+        <p:spPr/>
+        <p:txBody>
+          <a:bodyPr/>
+          <a:lstStyle/>
+          <a:p>
+            <a:endParaRPr lang="en-US"/>
+          </a:p>
+        </p:txBody>
+      </p:sp>
+    </p:spTree>
+  </p:cSld>
+  <p:clrMapOvr>
+    <a:masterClrMapping/>
+  </p:clrMapOvr>
+</p:sld>
+</file>
+
+<file path=ppt/slides/slide20.xml><?xml version="1.0" encoding="utf-8"?>
+<p:sld xmlns:a="http://schemas.openxmlformats.org/drawingml/2006/main" xmlns:r="http://schemas.openxmlformats.org/officeDocument/2006/relationships" xmlns:p="http://schemas.openxmlformats.org/presentationml/2006/main">
+  <p:cSld>
+    <p:spTree>
+      <p:nvGrpSpPr>
+        <p:cNvPr id="1" name=""/>
+        <p:cNvGrpSpPr/>
+        <p:nvPr/>
+      </p:nvGrpSpPr>
+      <p:grpSpPr>
+        <a:xfrm>
+          <a:off x="0" y="0"/>
+          <a:ext cx="0" cy="0"/>
+          <a:chOff x="0" y="0"/>
+          <a:chExt cx="0" cy="0"/>
+        </a:xfrm>
+      </p:grpSpPr>
+      <p:sp>
+        <p:nvSpPr>
+          <p:cNvPr id="2" name="Título 1"/>
+          <p:cNvSpPr>
+            <a:spLocks noGrp="1"/>
+          </p:cNvSpPr>
+          <p:nvPr>
+            <p:ph type="title"/>
+          </p:nvPr>
+        </p:nvSpPr>
+        <p:spPr/>
+        <p:txBody>
+          <a:bodyPr/>
+          <a:lstStyle/>
+          <a:p>
+            <a:r>
+              <a:rPr lang="pt-BR" smtClean="0"/>
               <a:t>Projeto	</a:t>
             </a:r>
             <a:endParaRPr lang="pt-BR"/>
@@ -8913,6 +11656,25 @@
           </a:prstGeom>
         </p:spPr>
       </p:pic>
+      <p:sp>
+        <p:nvSpPr>
+          <p:cNvPr id="5" name="Espaço Reservado para Rodapé 4"/>
+          <p:cNvSpPr>
+            <a:spLocks noGrp="1"/>
+          </p:cNvSpPr>
+          <p:nvPr>
+            <p:ph type="ftr" idx="10"/>
+          </p:nvPr>
+        </p:nvSpPr>
+        <p:spPr/>
+        <p:txBody>
+          <a:bodyPr/>
+          <a:lstStyle/>
+          <a:p>
+            <a:endParaRPr lang="en-US"/>
+          </a:p>
+        </p:txBody>
+      </p:sp>
     </p:spTree>
   </p:cSld>
   <p:clrMapOvr>
@@ -8928,7 +11690,7 @@
 </p:sld>
 </file>
 
-<file path=ppt/slides/slide11.xml><?xml version="1.0" encoding="utf-8"?>
+<file path=ppt/slides/slide21.xml><?xml version="1.0" encoding="utf-8"?>
 <p:sld xmlns:a="http://schemas.openxmlformats.org/drawingml/2006/main" xmlns:r="http://schemas.openxmlformats.org/officeDocument/2006/relationships" xmlns:p="http://schemas.openxmlformats.org/presentationml/2006/main">
   <p:cSld>
     <p:spTree>
@@ -9119,6 +11881,25 @@
           </a:prstGeom>
         </p:spPr>
       </p:pic>
+      <p:sp>
+        <p:nvSpPr>
+          <p:cNvPr id="7" name="Espaço Reservado para Rodapé 6"/>
+          <p:cNvSpPr>
+            <a:spLocks noGrp="1"/>
+          </p:cNvSpPr>
+          <p:nvPr>
+            <p:ph type="ftr" idx="10"/>
+          </p:nvPr>
+        </p:nvSpPr>
+        <p:spPr/>
+        <p:txBody>
+          <a:bodyPr/>
+          <a:lstStyle/>
+          <a:p>
+            <a:endParaRPr lang="en-US"/>
+          </a:p>
+        </p:txBody>
+      </p:sp>
     </p:spTree>
   </p:cSld>
   <p:clrMapOvr>
@@ -9134,7 +11915,7 @@
 </p:sld>
 </file>
 
-<file path=ppt/slides/slide12.xml><?xml version="1.0" encoding="utf-8"?>
+<file path=ppt/slides/slide22.xml><?xml version="1.0" encoding="utf-8"?>
 <p:sld xmlns:a="http://schemas.openxmlformats.org/drawingml/2006/main" xmlns:r="http://schemas.openxmlformats.org/officeDocument/2006/relationships" xmlns:p="http://schemas.openxmlformats.org/presentationml/2006/main">
   <p:cSld>
     <p:spTree>
@@ -9302,6 +12083,25 @@
           </a:prstGeom>
         </p:spPr>
       </p:pic>
+      <p:sp>
+        <p:nvSpPr>
+          <p:cNvPr id="8" name="Espaço Reservado para Rodapé 7"/>
+          <p:cNvSpPr>
+            <a:spLocks noGrp="1"/>
+          </p:cNvSpPr>
+          <p:nvPr>
+            <p:ph type="ftr" idx="10"/>
+          </p:nvPr>
+        </p:nvSpPr>
+        <p:spPr/>
+        <p:txBody>
+          <a:bodyPr/>
+          <a:lstStyle/>
+          <a:p>
+            <a:endParaRPr lang="en-US"/>
+          </a:p>
+        </p:txBody>
+      </p:sp>
     </p:spTree>
   </p:cSld>
   <p:clrMapOvr>
@@ -9317,7 +12117,7 @@
 </p:sld>
 </file>
 
-<file path=ppt/slides/slide13.xml><?xml version="1.0" encoding="utf-8"?>
+<file path=ppt/slides/slide23.xml><?xml version="1.0" encoding="utf-8"?>
 <p:sld xmlns:a="http://schemas.openxmlformats.org/drawingml/2006/main" xmlns:r="http://schemas.openxmlformats.org/officeDocument/2006/relationships" xmlns:p="http://schemas.openxmlformats.org/presentationml/2006/main">
   <p:cSld>
     <p:spTree>
@@ -9441,6 +12241,25 @@
           </a:prstGeom>
         </p:spPr>
       </p:pic>
+      <p:sp>
+        <p:nvSpPr>
+          <p:cNvPr id="7" name="Espaço Reservado para Rodapé 6"/>
+          <p:cNvSpPr>
+            <a:spLocks noGrp="1"/>
+          </p:cNvSpPr>
+          <p:nvPr>
+            <p:ph type="ftr" idx="10"/>
+          </p:nvPr>
+        </p:nvSpPr>
+        <p:spPr/>
+        <p:txBody>
+          <a:bodyPr/>
+          <a:lstStyle/>
+          <a:p>
+            <a:endParaRPr lang="en-US"/>
+          </a:p>
+        </p:txBody>
+      </p:sp>
     </p:spTree>
   </p:cSld>
   <p:clrMapOvr>
@@ -9456,7 +12275,7 @@
 </p:sld>
 </file>
 
-<file path=ppt/slides/slide14.xml><?xml version="1.0" encoding="utf-8"?>
+<file path=ppt/slides/slide24.xml><?xml version="1.0" encoding="utf-8"?>
 <p:sld xmlns:a="http://schemas.openxmlformats.org/drawingml/2006/main" xmlns:r="http://schemas.openxmlformats.org/officeDocument/2006/relationships" xmlns:p="http://schemas.openxmlformats.org/presentationml/2006/main">
   <p:cSld>
     <p:spTree>
@@ -9543,6 +12362,25 @@
           </a:prstGeom>
         </p:spPr>
       </p:pic>
+      <p:sp>
+        <p:nvSpPr>
+          <p:cNvPr id="5" name="Espaço Reservado para Rodapé 4"/>
+          <p:cNvSpPr>
+            <a:spLocks noGrp="1"/>
+          </p:cNvSpPr>
+          <p:nvPr>
+            <p:ph type="ftr" idx="10"/>
+          </p:nvPr>
+        </p:nvSpPr>
+        <p:spPr/>
+        <p:txBody>
+          <a:bodyPr/>
+          <a:lstStyle/>
+          <a:p>
+            <a:endParaRPr lang="en-US"/>
+          </a:p>
+        </p:txBody>
+      </p:sp>
     </p:spTree>
   </p:cSld>
   <p:clrMapOvr>
@@ -9558,7 +12396,7 @@
 </p:sld>
 </file>
 
-<file path=ppt/slides/slide15.xml><?xml version="1.0" encoding="utf-8"?>
+<file path=ppt/slides/slide25.xml><?xml version="1.0" encoding="utf-8"?>
 <p:sld xmlns:a="http://schemas.openxmlformats.org/drawingml/2006/main" xmlns:r="http://schemas.openxmlformats.org/officeDocument/2006/relationships" xmlns:p="http://schemas.openxmlformats.org/presentationml/2006/main">
   <p:cSld>
     <p:spTree>
@@ -9669,6 +12507,25 @@
           </a:prstGeom>
         </p:spPr>
       </p:pic>
+      <p:sp>
+        <p:nvSpPr>
+          <p:cNvPr id="7" name="Espaço Reservado para Rodapé 6"/>
+          <p:cNvSpPr>
+            <a:spLocks noGrp="1"/>
+          </p:cNvSpPr>
+          <p:nvPr>
+            <p:ph type="ftr" idx="10"/>
+          </p:nvPr>
+        </p:nvSpPr>
+        <p:spPr/>
+        <p:txBody>
+          <a:bodyPr/>
+          <a:lstStyle/>
+          <a:p>
+            <a:endParaRPr lang="en-US"/>
+          </a:p>
+        </p:txBody>
+      </p:sp>
     </p:spTree>
   </p:cSld>
   <p:clrMapOvr>
@@ -9684,7 +12541,7 @@
 </p:sld>
 </file>
 
-<file path=ppt/slides/slide16.xml><?xml version="1.0" encoding="utf-8"?>
+<file path=ppt/slides/slide26.xml><?xml version="1.0" encoding="utf-8"?>
 <p:sld xmlns:a="http://schemas.openxmlformats.org/drawingml/2006/main" xmlns:r="http://schemas.openxmlformats.org/officeDocument/2006/relationships" xmlns:p="http://schemas.openxmlformats.org/presentationml/2006/main">
   <p:cSld>
     <p:spTree>
@@ -9770,6 +12627,25 @@
           </a:prstGeom>
         </p:spPr>
       </p:pic>
+      <p:sp>
+        <p:nvSpPr>
+          <p:cNvPr id="5" name="Espaço Reservado para Rodapé 4"/>
+          <p:cNvSpPr>
+            <a:spLocks noGrp="1"/>
+          </p:cNvSpPr>
+          <p:nvPr>
+            <p:ph type="ftr" idx="10"/>
+          </p:nvPr>
+        </p:nvSpPr>
+        <p:spPr/>
+        <p:txBody>
+          <a:bodyPr/>
+          <a:lstStyle/>
+          <a:p>
+            <a:endParaRPr lang="en-US"/>
+          </a:p>
+        </p:txBody>
+      </p:sp>
     </p:spTree>
   </p:cSld>
   <p:clrMapOvr>
@@ -9785,7 +12661,7 @@
 </p:sld>
 </file>
 
-<file path=ppt/slides/slide17.xml><?xml version="1.0" encoding="utf-8"?>
+<file path=ppt/slides/slide27.xml><?xml version="1.0" encoding="utf-8"?>
 <p:sld xmlns:a="http://schemas.openxmlformats.org/drawingml/2006/main" xmlns:r="http://schemas.openxmlformats.org/officeDocument/2006/relationships" xmlns:p="http://schemas.openxmlformats.org/presentationml/2006/main">
   <p:cSld>
     <p:spTree>
@@ -9876,204 +12752,30 @@
           </a:p>
         </p:txBody>
       </p:sp>
+      <p:sp>
+        <p:nvSpPr>
+          <p:cNvPr id="4" name="Espaço Reservado para Rodapé 3"/>
+          <p:cNvSpPr>
+            <a:spLocks noGrp="1"/>
+          </p:cNvSpPr>
+          <p:nvPr>
+            <p:ph type="ftr" idx="10"/>
+          </p:nvPr>
+        </p:nvSpPr>
+        <p:spPr/>
+        <p:txBody>
+          <a:bodyPr/>
+          <a:lstStyle/>
+          <a:p>
+            <a:endParaRPr lang="en-US"/>
+          </a:p>
+        </p:txBody>
+      </p:sp>
     </p:spTree>
   </p:cSld>
   <p:clrMapOvr>
     <a:masterClrMapping/>
   </p:clrMapOvr>
-  <p:timing>
-    <p:tnLst>
-      <p:par>
-        <p:cTn id="1" dur="indefinite" restart="never" nodeType="tmRoot"/>
-      </p:par>
-    </p:tnLst>
-  </p:timing>
-</p:sld>
-</file>
-
-<file path=ppt/slides/slide2.xml><?xml version="1.0" encoding="utf-8"?>
-<p:sld xmlns:a="http://schemas.openxmlformats.org/drawingml/2006/main" xmlns:r="http://schemas.openxmlformats.org/officeDocument/2006/relationships" xmlns:p="http://schemas.openxmlformats.org/presentationml/2006/main" show="0">
-  <p:cSld>
-    <p:spTree>
-      <p:nvGrpSpPr>
-        <p:cNvPr id="1" name=""/>
-        <p:cNvGrpSpPr/>
-        <p:nvPr/>
-      </p:nvGrpSpPr>
-      <p:grpSpPr>
-        <a:xfrm>
-          <a:off x="0" y="0"/>
-          <a:ext cx="0" cy="0"/>
-          <a:chOff x="0" y="0"/>
-          <a:chExt cx="0" cy="0"/>
-        </a:xfrm>
-      </p:grpSpPr>
-      <p:sp>
-        <p:nvSpPr>
-          <p:cNvPr id="2" name="Título 1"/>
-          <p:cNvSpPr>
-            <a:spLocks noGrp="1"/>
-          </p:cNvSpPr>
-          <p:nvPr>
-            <p:ph type="title"/>
-          </p:nvPr>
-        </p:nvSpPr>
-        <p:spPr/>
-        <p:txBody>
-          <a:bodyPr/>
-          <a:lstStyle/>
-          <a:p>
-            <a:r>
-              <a:rPr lang="pt-BR" smtClean="0"/>
-              <a:t>Introdução</a:t>
-            </a:r>
-            <a:endParaRPr lang="pt-BR"/>
-          </a:p>
-        </p:txBody>
-      </p:sp>
-      <p:sp>
-        <p:nvSpPr>
-          <p:cNvPr id="3" name="Espaço Reservado para Conteúdo 2"/>
-          <p:cNvSpPr>
-            <a:spLocks noGrp="1"/>
-          </p:cNvSpPr>
-          <p:nvPr>
-            <p:ph idx="1"/>
-          </p:nvPr>
-        </p:nvSpPr>
-        <p:spPr/>
-        <p:txBody>
-          <a:bodyPr/>
-          <a:lstStyle/>
-          <a:p>
-            <a:r>
-              <a:rPr lang="pt-BR" smtClean="0"/>
-              <a:t>Robótica</a:t>
-            </a:r>
-          </a:p>
-          <a:p>
-            <a:r>
-              <a:rPr lang="pt-BR" smtClean="0"/>
-              <a:t>Robótica Móvel</a:t>
-            </a:r>
-          </a:p>
-          <a:p>
-            <a:r>
-              <a:rPr lang="pt-BR" smtClean="0"/>
-              <a:t>Navegação</a:t>
-            </a:r>
-          </a:p>
-          <a:p>
-            <a:r>
-              <a:rPr lang="pt-BR" smtClean="0"/>
-              <a:t>Proposta</a:t>
-            </a:r>
-            <a:endParaRPr lang="pt-BR"/>
-          </a:p>
-        </p:txBody>
-      </p:sp>
-      <p:pic>
-        <p:nvPicPr>
-          <p:cNvPr id="4" name="Imagem 3" descr="sojourner.jpg"/>
-          <p:cNvPicPr>
-            <a:picLocks noChangeAspect="1"/>
-          </p:cNvPicPr>
-          <p:nvPr/>
-        </p:nvPicPr>
-        <p:blipFill>
-          <a:blip r:embed="rId3"/>
-          <a:stretch>
-            <a:fillRect/>
-          </a:stretch>
-        </p:blipFill>
-        <p:spPr>
-          <a:xfrm>
-            <a:off x="428596" y="4104510"/>
-            <a:ext cx="2071702" cy="1934322"/>
-          </a:xfrm>
-          <a:prstGeom prst="rect">
-            <a:avLst/>
-          </a:prstGeom>
-        </p:spPr>
-      </p:pic>
-      <p:pic>
-        <p:nvPicPr>
-          <p:cNvPr id="5" name="Imagem 4" descr="robomow.jpg"/>
-          <p:cNvPicPr>
-            <a:picLocks noChangeAspect="1"/>
-          </p:cNvPicPr>
-          <p:nvPr/>
-        </p:nvPicPr>
-        <p:blipFill>
-          <a:blip r:embed="rId4"/>
-          <a:stretch>
-            <a:fillRect/>
-          </a:stretch>
-        </p:blipFill>
-        <p:spPr>
-          <a:xfrm>
-            <a:off x="5786446" y="4214818"/>
-            <a:ext cx="2447925" cy="1834717"/>
-          </a:xfrm>
-          <a:prstGeom prst="rect">
-            <a:avLst/>
-          </a:prstGeom>
-        </p:spPr>
-      </p:pic>
-      <p:pic>
-        <p:nvPicPr>
-          <p:cNvPr id="6" name="Imagem 5" descr="roomba.jpg"/>
-          <p:cNvPicPr>
-            <a:picLocks noChangeAspect="1"/>
-          </p:cNvPicPr>
-          <p:nvPr/>
-        </p:nvPicPr>
-        <p:blipFill>
-          <a:blip r:embed="rId5"/>
-          <a:stretch>
-            <a:fillRect/>
-          </a:stretch>
-        </p:blipFill>
-        <p:spPr>
-          <a:xfrm>
-            <a:off x="3041350" y="4357694"/>
-            <a:ext cx="2194068" cy="1704974"/>
-          </a:xfrm>
-          <a:prstGeom prst="rect">
-            <a:avLst/>
-          </a:prstGeom>
-        </p:spPr>
-      </p:pic>
-      <p:pic>
-        <p:nvPicPr>
-          <p:cNvPr id="7" name="Imagem 6" descr="pioneer.jpg"/>
-          <p:cNvPicPr>
-            <a:picLocks noChangeAspect="1"/>
-          </p:cNvPicPr>
-          <p:nvPr/>
-        </p:nvPicPr>
-        <p:blipFill>
-          <a:blip r:embed="rId6"/>
-          <a:stretch>
-            <a:fillRect/>
-          </a:stretch>
-        </p:blipFill>
-        <p:spPr>
-          <a:xfrm>
-            <a:off x="5857884" y="1428736"/>
-            <a:ext cx="1838325" cy="2438400"/>
-          </a:xfrm>
-          <a:prstGeom prst="rect">
-            <a:avLst/>
-          </a:prstGeom>
-        </p:spPr>
-      </p:pic>
-    </p:spTree>
-  </p:cSld>
-  <p:clrMapOvr>
-    <a:masterClrMapping/>
-  </p:clrMapOvr>
-  <p:transition/>
   <p:timing>
     <p:tnLst>
       <p:par>
@@ -10193,6 +12895,25 @@
               <a:t>Tarefaz sem valor intelectual</a:t>
             </a:r>
             <a:endParaRPr lang="pt-BR"/>
+          </a:p>
+        </p:txBody>
+      </p:sp>
+      <p:sp>
+        <p:nvSpPr>
+          <p:cNvPr id="4" name="Espaço Reservado para Rodapé 3"/>
+          <p:cNvSpPr>
+            <a:spLocks noGrp="1"/>
+          </p:cNvSpPr>
+          <p:nvPr>
+            <p:ph type="ftr" idx="10"/>
+          </p:nvPr>
+        </p:nvSpPr>
+        <p:spPr/>
+        <p:txBody>
+          <a:bodyPr/>
+          <a:lstStyle/>
+          <a:p>
+            <a:endParaRPr lang="en-US"/>
           </a:p>
         </p:txBody>
       </p:sp>
@@ -10261,57 +12982,94 @@
             <p:ph idx="1"/>
           </p:nvPr>
         </p:nvSpPr>
+        <p:spPr>
+          <a:xfrm>
+            <a:off x="457200" y="1600201"/>
+            <a:ext cx="8223250" cy="4400568"/>
+          </a:xfrm>
+        </p:spPr>
+        <p:txBody>
+          <a:bodyPr/>
+          <a:lstStyle/>
+          <a:p>
+            <a:r>
+              <a:rPr lang="pt-BR" smtClean="0"/>
+              <a:t>Inicialmente na Automação Industrial</a:t>
+            </a:r>
+          </a:p>
+          <a:p>
+            <a:pPr lvl="1"/>
+            <a:r>
+              <a:rPr lang="pt-BR" smtClean="0"/>
+              <a:t>Desvantagem: Falta de mobilidade</a:t>
+            </a:r>
+          </a:p>
+          <a:p>
+            <a:r>
+              <a:rPr lang="pt-BR" smtClean="0"/>
+              <a:t>Robôs Móveis</a:t>
+            </a:r>
+          </a:p>
+          <a:p>
+            <a:pPr lvl="1"/>
+            <a:r>
+              <a:rPr lang="pt-BR" smtClean="0"/>
+              <a:t>Capazes de locomoverem-se pela fábrica</a:t>
+            </a:r>
+          </a:p>
+          <a:p>
+            <a:r>
+              <a:rPr lang="pt-BR" smtClean="0"/>
+              <a:t>Navegação</a:t>
+            </a:r>
+          </a:p>
+          <a:p>
+            <a:pPr lvl="1"/>
+            <a:r>
+              <a:rPr lang="pt-BR" smtClean="0"/>
+              <a:t>Normalmente a principal tarefa.</a:t>
+            </a:r>
+          </a:p>
+          <a:p>
+            <a:pPr lvl="1"/>
+            <a:r>
+              <a:rPr lang="pt-BR" smtClean="0"/>
+              <a:t>Localização</a:t>
+            </a:r>
+          </a:p>
+          <a:p>
+            <a:pPr lvl="1"/>
+            <a:r>
+              <a:rPr lang="pt-BR" smtClean="0"/>
+              <a:t>Planejamento de caminho</a:t>
+            </a:r>
+          </a:p>
+          <a:p>
+            <a:pPr lvl="1"/>
+            <a:r>
+              <a:rPr lang="pt-BR" smtClean="0"/>
+              <a:t>Execução</a:t>
+            </a:r>
+            <a:endParaRPr lang="pt-BR" smtClean="0"/>
+          </a:p>
+        </p:txBody>
+      </p:sp>
+      <p:sp>
+        <p:nvSpPr>
+          <p:cNvPr id="4" name="Espaço Reservado para Rodapé 3"/>
+          <p:cNvSpPr>
+            <a:spLocks noGrp="1"/>
+          </p:cNvSpPr>
+          <p:nvPr>
+            <p:ph type="ftr" idx="10"/>
+          </p:nvPr>
+        </p:nvSpPr>
         <p:spPr/>
         <p:txBody>
           <a:bodyPr/>
           <a:lstStyle/>
           <a:p>
-            <a:r>
-              <a:rPr lang="pt-BR" smtClean="0"/>
-              <a:t>Inicialmente na Automação Industrial</a:t>
-            </a:r>
-          </a:p>
-          <a:p>
-            <a:pPr lvl="1"/>
-            <a:r>
-              <a:rPr lang="pt-BR" smtClean="0"/>
-              <a:t>Desvantagem: Falta de mobilidade</a:t>
-            </a:r>
-          </a:p>
-          <a:p>
-            <a:pPr lvl="1"/>
-            <a:endParaRPr lang="pt-BR" smtClean="0"/>
-          </a:p>
-          <a:p>
-            <a:r>
-              <a:rPr lang="pt-BR" smtClean="0"/>
-              <a:t>Robôs Móveis</a:t>
-            </a:r>
-          </a:p>
-          <a:p>
-            <a:pPr lvl="1"/>
-            <a:r>
-              <a:rPr lang="pt-BR" smtClean="0"/>
-              <a:t>Capazes de locomoverem-se pela fábrica</a:t>
-            </a:r>
-          </a:p>
-          <a:p>
-            <a:pPr lvl="1"/>
-            <a:endParaRPr lang="pt-BR" smtClean="0"/>
-          </a:p>
-          <a:p>
-            <a:r>
-              <a:rPr lang="pt-BR" smtClean="0"/>
-              <a:t>Outras áreas de interesse</a:t>
-            </a:r>
-          </a:p>
-          <a:p>
-            <a:pPr lvl="1"/>
-            <a:r>
-              <a:rPr lang="pt-BR" smtClean="0"/>
-              <a:t>Medicina, entretenimento, serviços domésticos...</a:t>
-            </a:r>
-            <a:endParaRPr lang="pt-BR"/>
+            <a:endParaRPr lang="en-US"/>
           </a:p>
         </p:txBody>
       </p:sp>
@@ -10394,13 +13152,54 @@
               <a:rPr lang="pt-BR" smtClean="0"/>
               <a:t>Aplicações</a:t>
             </a:r>
+            <a:endParaRPr lang="pt-BR" smtClean="0"/>
+          </a:p>
+          <a:p>
+            <a:pPr lvl="1"/>
+            <a:r>
+              <a:rPr lang="pt-BR" smtClean="0"/>
+              <a:t>Segurança</a:t>
+            </a:r>
+          </a:p>
+          <a:p>
+            <a:pPr lvl="1"/>
+            <a:r>
+              <a:rPr lang="pt-BR" smtClean="0"/>
+              <a:t>Hospitais</a:t>
+            </a:r>
+          </a:p>
+          <a:p>
+            <a:pPr lvl="1"/>
+            <a:r>
+              <a:rPr lang="pt-BR" smtClean="0"/>
+              <a:t>...</a:t>
+            </a:r>
             <a:endParaRPr lang="pt-BR"/>
+          </a:p>
+        </p:txBody>
+      </p:sp>
+      <p:sp>
+        <p:nvSpPr>
+          <p:cNvPr id="8" name="Espaço Reservado para Rodapé 7"/>
+          <p:cNvSpPr>
+            <a:spLocks noGrp="1"/>
+          </p:cNvSpPr>
+          <p:nvPr>
+            <p:ph type="ftr" idx="10"/>
+          </p:nvPr>
+        </p:nvSpPr>
+        <p:spPr/>
+        <p:txBody>
+          <a:bodyPr/>
+          <a:lstStyle/>
+          <a:p>
+            <a:endParaRPr lang="en-US"/>
           </a:p>
         </p:txBody>
       </p:sp>
       <p:pic>
         <p:nvPicPr>
-          <p:cNvPr id="4" name="Imagem 3" descr="sojourner.jpg"/>
+          <p:cNvPr id="10" name="Imagem 9" descr="hitachi.jpg"/>
           <p:cNvPicPr>
             <a:picLocks noChangeAspect="1"/>
           </p:cNvPicPr>
@@ -10414,17 +13213,27 @@
         </p:blipFill>
         <p:spPr>
           <a:xfrm>
-            <a:off x="428596" y="4104510"/>
-            <a:ext cx="2071702" cy="1934322"/>
+            <a:off x="5286380" y="1428736"/>
+            <a:ext cx="3556000" cy="2362200"/>
           </a:xfrm>
           <a:prstGeom prst="rect">
             <a:avLst/>
           </a:prstGeom>
+          <a:ln>
+            <a:noFill/>
+          </a:ln>
+          <a:effectLst>
+            <a:outerShdw blurRad="190500" algn="tl" rotWithShape="0">
+              <a:srgbClr val="000000">
+                <a:alpha val="70000"/>
+              </a:srgbClr>
+            </a:outerShdw>
+          </a:effectLst>
         </p:spPr>
       </p:pic>
       <p:pic>
         <p:nvPicPr>
-          <p:cNvPr id="5" name="Imagem 4" descr="robomow.jpg"/>
+          <p:cNvPr id="11" name="Imagem 10" descr="mobilerobots.gif"/>
           <p:cNvPicPr>
             <a:picLocks noChangeAspect="1"/>
           </p:cNvPicPr>
@@ -10438,12 +13247,22 @@
         </p:blipFill>
         <p:spPr>
           <a:xfrm>
-            <a:off x="5786446" y="4214818"/>
-            <a:ext cx="2447925" cy="1834717"/>
+            <a:off x="2571736" y="3286124"/>
+            <a:ext cx="1222915" cy="2928958"/>
           </a:xfrm>
           <a:prstGeom prst="rect">
             <a:avLst/>
           </a:prstGeom>
+          <a:ln>
+            <a:noFill/>
+          </a:ln>
+          <a:effectLst>
+            <a:outerShdw blurRad="190500" algn="tl" rotWithShape="0">
+              <a:srgbClr val="000000">
+                <a:alpha val="70000"/>
+              </a:srgbClr>
+            </a:outerShdw>
+          </a:effectLst>
         </p:spPr>
       </p:pic>
       <p:pic>
@@ -10462,12 +13281,22 @@
         </p:blipFill>
         <p:spPr>
           <a:xfrm>
-            <a:off x="3041350" y="4357694"/>
-            <a:ext cx="2194068" cy="1704974"/>
+            <a:off x="3500430" y="1500174"/>
+            <a:ext cx="2010206" cy="1562098"/>
           </a:xfrm>
           <a:prstGeom prst="rect">
             <a:avLst/>
           </a:prstGeom>
+          <a:ln>
+            <a:noFill/>
+          </a:ln>
+          <a:effectLst>
+            <a:outerShdw blurRad="190500" algn="tl" rotWithShape="0">
+              <a:srgbClr val="000000">
+                <a:alpha val="70000"/>
+              </a:srgbClr>
+            </a:outerShdw>
+          </a:effectLst>
         </p:spPr>
       </p:pic>
       <p:pic>
@@ -10486,12 +13315,90 @@
         </p:blipFill>
         <p:spPr>
           <a:xfrm>
-            <a:off x="5857884" y="1428736"/>
+            <a:off x="357158" y="3714752"/>
             <a:ext cx="1838325" cy="2438400"/>
           </a:xfrm>
           <a:prstGeom prst="rect">
             <a:avLst/>
           </a:prstGeom>
+          <a:ln>
+            <a:noFill/>
+          </a:ln>
+          <a:effectLst>
+            <a:outerShdw blurRad="190500" algn="tl" rotWithShape="0">
+              <a:srgbClr val="000000">
+                <a:alpha val="70000"/>
+              </a:srgbClr>
+            </a:outerShdw>
+          </a:effectLst>
+        </p:spPr>
+      </p:pic>
+      <p:pic>
+        <p:nvPicPr>
+          <p:cNvPr id="9" name="Imagem 8" descr="Helpmate.jpg"/>
+          <p:cNvPicPr>
+            <a:picLocks noChangeAspect="1"/>
+          </p:cNvPicPr>
+          <p:nvPr/>
+        </p:nvPicPr>
+        <p:blipFill>
+          <a:blip r:embed="rId7"/>
+          <a:stretch>
+            <a:fillRect/>
+          </a:stretch>
+        </p:blipFill>
+        <p:spPr>
+          <a:xfrm>
+            <a:off x="4143372" y="3500438"/>
+            <a:ext cx="2344494" cy="2674926"/>
+          </a:xfrm>
+          <a:prstGeom prst="rect">
+            <a:avLst/>
+          </a:prstGeom>
+          <a:ln>
+            <a:noFill/>
+          </a:ln>
+          <a:effectLst>
+            <a:outerShdw blurRad="190500" algn="tl" rotWithShape="0">
+              <a:srgbClr val="000000">
+                <a:alpha val="70000"/>
+              </a:srgbClr>
+            </a:outerShdw>
+          </a:effectLst>
+        </p:spPr>
+      </p:pic>
+      <p:pic>
+        <p:nvPicPr>
+          <p:cNvPr id="5" name="Imagem 4" descr="robomow.jpg"/>
+          <p:cNvPicPr>
+            <a:picLocks noChangeAspect="1"/>
+          </p:cNvPicPr>
+          <p:nvPr/>
+        </p:nvPicPr>
+        <p:blipFill>
+          <a:blip r:embed="rId8"/>
+          <a:stretch>
+            <a:fillRect/>
+          </a:stretch>
+        </p:blipFill>
+        <p:spPr>
+          <a:xfrm>
+            <a:off x="6357950" y="4286256"/>
+            <a:ext cx="2424240" cy="1816965"/>
+          </a:xfrm>
+          <a:prstGeom prst="rect">
+            <a:avLst/>
+          </a:prstGeom>
+          <a:ln>
+            <a:noFill/>
+          </a:ln>
+          <a:effectLst>
+            <a:outerShdw blurRad="190500" algn="tl" rotWithShape="0">
+              <a:srgbClr val="000000">
+                <a:alpha val="70000"/>
+              </a:srgbClr>
+            </a:outerShdw>
+          </a:effectLst>
         </p:spPr>
       </p:pic>
     </p:spTree>
@@ -10543,7 +13450,7 @@
           <a:p>
             <a:r>
               <a:rPr lang="pt-BR" smtClean="0"/>
-              <a:t>Introdução - Navegação</a:t>
+              <a:t>Projeto - Proposta</a:t>
             </a:r>
             <a:endParaRPr lang="pt-BR"/>
           </a:p>
@@ -10559,74 +13466,100 @@
             <p:ph idx="1"/>
           </p:nvPr>
         </p:nvSpPr>
+        <p:spPr>
+          <a:xfrm>
+            <a:off x="457200" y="1600200"/>
+            <a:ext cx="4114800" cy="4519613"/>
+          </a:xfrm>
+        </p:spPr>
+        <p:txBody>
+          <a:bodyPr/>
+          <a:lstStyle/>
+          <a:p>
+            <a:r>
+              <a:rPr lang="pt-BR" smtClean="0"/>
+              <a:t>Monitorar </a:t>
+            </a:r>
+            <a:r>
+              <a:rPr lang="pt-BR" smtClean="0"/>
+              <a:t>ambientes internos</a:t>
+            </a:r>
+          </a:p>
+          <a:p>
+            <a:pPr lvl="1"/>
+            <a:r>
+              <a:rPr lang="pt-BR" smtClean="0"/>
+              <a:t>Regiões críticas</a:t>
+            </a:r>
+          </a:p>
+          <a:p>
+            <a:pPr lvl="1"/>
+            <a:r>
+              <a:rPr lang="pt-BR" smtClean="0"/>
+              <a:t>Prioridade</a:t>
+            </a:r>
+          </a:p>
+          <a:p>
+            <a:pPr lvl="2">
+              <a:buNone/>
+            </a:pPr>
+            <a:endParaRPr lang="pt-BR"/>
+          </a:p>
+        </p:txBody>
+      </p:sp>
+      <p:sp>
+        <p:nvSpPr>
+          <p:cNvPr id="4" name="Espaço Reservado para Rodapé 3"/>
+          <p:cNvSpPr>
+            <a:spLocks noGrp="1"/>
+          </p:cNvSpPr>
+          <p:nvPr>
+            <p:ph type="ftr" idx="10"/>
+          </p:nvPr>
+        </p:nvSpPr>
         <p:spPr/>
         <p:txBody>
           <a:bodyPr/>
           <a:lstStyle/>
           <a:p>
-            <a:r>
-              <a:rPr lang="pt-BR" smtClean="0"/>
-              <a:t>Normalmente a principal tarefa.</a:t>
-            </a:r>
-          </a:p>
-          <a:p>
-            <a:pPr lvl="1"/>
-            <a:r>
-              <a:rPr lang="pt-BR" smtClean="0"/>
-              <a:t>Localização</a:t>
-            </a:r>
-          </a:p>
-          <a:p>
-            <a:pPr lvl="1"/>
-            <a:r>
-              <a:rPr lang="pt-BR" smtClean="0"/>
-              <a:t>Planejamento de caminho</a:t>
-            </a:r>
-          </a:p>
-          <a:p>
-            <a:pPr lvl="1"/>
-            <a:r>
-              <a:rPr lang="pt-BR" smtClean="0"/>
-              <a:t>Execução</a:t>
-            </a:r>
-          </a:p>
-          <a:p>
-            <a:r>
-              <a:rPr lang="pt-BR" smtClean="0"/>
-              <a:t>Proposta</a:t>
-            </a:r>
-          </a:p>
-          <a:p>
-            <a:pPr lvl="1"/>
-            <a:r>
-              <a:rPr lang="pt-BR" smtClean="0"/>
-              <a:t>Monitorar ambientes internos</a:t>
-            </a:r>
-          </a:p>
-          <a:p>
-            <a:pPr lvl="2"/>
-            <a:r>
-              <a:rPr lang="pt-BR" smtClean="0"/>
-              <a:t>Regiões críticas</a:t>
-            </a:r>
-          </a:p>
-          <a:p>
-            <a:pPr lvl="2"/>
-            <a:r>
-              <a:rPr lang="pt-BR" smtClean="0"/>
-              <a:t>Prioridade</a:t>
-            </a:r>
-          </a:p>
-          <a:p>
-            <a:pPr lvl="2"/>
-            <a:r>
-              <a:rPr lang="pt-BR" smtClean="0"/>
-              <a:t>Grau de urgência</a:t>
-            </a:r>
-            <a:endParaRPr lang="pt-BR"/>
-          </a:p>
-        </p:txBody>
-      </p:sp>
+            <a:endParaRPr lang="en-US"/>
+          </a:p>
+        </p:txBody>
+      </p:sp>
+      <p:pic>
+        <p:nvPicPr>
+          <p:cNvPr id="6" name="Imagem 5" descr="planta.gif"/>
+          <p:cNvPicPr>
+            <a:picLocks noChangeAspect="1"/>
+          </p:cNvPicPr>
+          <p:nvPr/>
+        </p:nvPicPr>
+        <p:blipFill>
+          <a:blip r:embed="rId3"/>
+          <a:stretch>
+            <a:fillRect/>
+          </a:stretch>
+        </p:blipFill>
+        <p:spPr>
+          <a:xfrm>
+            <a:off x="4572000" y="1500174"/>
+            <a:ext cx="4357717" cy="3486173"/>
+          </a:xfrm>
+          <a:prstGeom prst="rect">
+            <a:avLst/>
+          </a:prstGeom>
+          <a:ln>
+            <a:noFill/>
+          </a:ln>
+          <a:effectLst>
+            <a:outerShdw blurRad="190500" algn="tl" rotWithShape="0">
+              <a:srgbClr val="000000">
+                <a:alpha val="70000"/>
+              </a:srgbClr>
+            </a:outerShdw>
+          </a:effectLst>
+        </p:spPr>
+      </p:pic>
     </p:spTree>
   </p:cSld>
   <p:clrMapOvr>
@@ -10676,7 +13609,11 @@
           <a:p>
             <a:r>
               <a:rPr lang="pt-BR" smtClean="0"/>
-              <a:t>Projeto	</a:t>
+              <a:t>Projeto - Objetivo</a:t>
+            </a:r>
+            <a:r>
+              <a:rPr lang="pt-BR" smtClean="0"/>
+              <a:t>	</a:t>
             </a:r>
             <a:endParaRPr lang="pt-BR"/>
           </a:p>
@@ -10695,7 +13632,7 @@
         <p:spPr>
           <a:xfrm>
             <a:off x="457200" y="1600200"/>
-            <a:ext cx="4114800" cy="4519613"/>
+            <a:ext cx="4043362" cy="4519613"/>
           </a:xfrm>
         </p:spPr>
         <p:txBody>
@@ -10704,43 +13641,12 @@
           <a:p>
             <a:r>
               <a:rPr lang="pt-BR" smtClean="0"/>
-              <a:t>Objetivo</a:t>
-            </a:r>
-          </a:p>
-          <a:p>
-            <a:pPr lvl="1"/>
-            <a:r>
-              <a:rPr lang="pt-BR" smtClean="0"/>
               <a:t>Estratégia eficiente para determinar uma seqüência de áreas a serem visitadas em ambientes internos</a:t>
             </a:r>
             <a:endParaRPr lang="pt-BR"/>
           </a:p>
         </p:txBody>
       </p:sp>
-      <p:pic>
-        <p:nvPicPr>
-          <p:cNvPr id="4" name="Imagem 3" descr="dodecaedro_de_hamilton.jpg"/>
-          <p:cNvPicPr>
-            <a:picLocks noChangeAspect="1"/>
-          </p:cNvPicPr>
-          <p:nvPr/>
-        </p:nvPicPr>
-        <p:blipFill>
-          <a:blip r:embed="rId3"/>
-          <a:stretch>
-            <a:fillRect/>
-          </a:stretch>
-        </p:blipFill>
-        <p:spPr>
-          <a:xfrm>
-            <a:off x="5214942" y="1500174"/>
-            <a:ext cx="2902072" cy="3441488"/>
-          </a:xfrm>
-          <a:prstGeom prst="rect">
-            <a:avLst/>
-          </a:prstGeom>
-        </p:spPr>
-      </p:pic>
       <p:graphicFrame>
         <p:nvGraphicFramePr>
           <p:cNvPr id="5" name="Tabela 4"/>
@@ -10750,26 +13656,30 @@
           <p:nvPr/>
         </p:nvGraphicFramePr>
         <p:xfrm>
-          <a:off x="3428992" y="5072074"/>
-          <a:ext cx="4935220" cy="741680"/>
+          <a:off x="1571604" y="5286388"/>
+          <a:ext cx="6593062" cy="741680"/>
         </p:xfrm>
         <a:graphic>
           <a:graphicData uri="http://schemas.openxmlformats.org/drawingml/2006/table">
             <a:tbl>
               <a:tblPr firstRow="1" bandRow="1">
-                <a:tableStyleId>{5C22544A-7EE6-4342-B048-85BDC9FD1C3A}</a:tableStyleId>
+                <a:tableStyleId>{68D230F3-CF80-4859-8CE7-A43EE81993B5}</a:tableStyleId>
               </a:tblPr>
               <a:tblGrid>
                 <a:gridCol w="1287780"/>
                 <a:gridCol w="373380"/>
-                <a:gridCol w="386080"/>
-                <a:gridCol w="373380"/>
-                <a:gridCol w="386080"/>
-                <a:gridCol w="373380"/>
-                <a:gridCol w="373380"/>
-                <a:gridCol w="386080"/>
-                <a:gridCol w="386080"/>
-                <a:gridCol w="609600"/>
+                <a:gridCol w="363139"/>
+                <a:gridCol w="351194"/>
+                <a:gridCol w="363139"/>
+                <a:gridCol w="351194"/>
+                <a:gridCol w="351194"/>
+                <a:gridCol w="363139"/>
+                <a:gridCol w="363139"/>
+                <a:gridCol w="436880"/>
+                <a:gridCol w="500380"/>
+                <a:gridCol w="487744"/>
+                <a:gridCol w="500380"/>
+                <a:gridCol w="500380"/>
               </a:tblGrid>
               <a:tr h="370840">
                 <a:tc>
@@ -10791,9 +13701,10 @@
                     <a:bodyPr/>
                     <a:lstStyle/>
                     <a:p>
+                      <a:pPr algn="ctr"/>
                       <a:r>
                         <a:rPr lang="pt-BR" smtClean="0"/>
-                        <a:t>a</a:t>
+                        <a:t>1</a:t>
                       </a:r>
                       <a:endParaRPr lang="pt-BR"/>
                     </a:p>
@@ -10805,9 +13716,10 @@
                     <a:bodyPr/>
                     <a:lstStyle/>
                     <a:p>
+                      <a:pPr algn="ctr"/>
                       <a:r>
                         <a:rPr lang="pt-BR" smtClean="0"/>
-                        <a:t>b</a:t>
+                        <a:t>2</a:t>
                       </a:r>
                       <a:endParaRPr lang="pt-BR"/>
                     </a:p>
@@ -10819,9 +13731,10 @@
                     <a:bodyPr/>
                     <a:lstStyle/>
                     <a:p>
+                      <a:pPr algn="ctr"/>
                       <a:r>
                         <a:rPr lang="pt-BR" smtClean="0"/>
-                        <a:t>c</a:t>
+                        <a:t>3</a:t>
                       </a:r>
                       <a:endParaRPr lang="pt-BR"/>
                     </a:p>
@@ -10833,9 +13746,10 @@
                     <a:bodyPr/>
                     <a:lstStyle/>
                     <a:p>
+                      <a:pPr algn="ctr"/>
                       <a:r>
                         <a:rPr lang="pt-BR" smtClean="0"/>
-                        <a:t>d</a:t>
+                        <a:t>4</a:t>
                       </a:r>
                       <a:endParaRPr lang="pt-BR"/>
                     </a:p>
@@ -10847,9 +13761,10 @@
                     <a:bodyPr/>
                     <a:lstStyle/>
                     <a:p>
+                      <a:pPr algn="ctr"/>
                       <a:r>
                         <a:rPr lang="pt-BR" smtClean="0"/>
-                        <a:t>e</a:t>
+                        <a:t>5</a:t>
                       </a:r>
                       <a:endParaRPr lang="pt-BR"/>
                     </a:p>
@@ -10861,9 +13776,10 @@
                     <a:bodyPr/>
                     <a:lstStyle/>
                     <a:p>
+                      <a:pPr algn="ctr"/>
                       <a:r>
                         <a:rPr lang="pt-BR" smtClean="0"/>
-                        <a:t>f</a:t>
+                        <a:t>6</a:t>
                       </a:r>
                       <a:endParaRPr lang="pt-BR"/>
                     </a:p>
@@ -10875,9 +13791,10 @@
                     <a:bodyPr/>
                     <a:lstStyle/>
                     <a:p>
+                      <a:pPr algn="ctr"/>
                       <a:r>
                         <a:rPr lang="pt-BR" smtClean="0"/>
-                        <a:t>g</a:t>
+                        <a:t>7</a:t>
                       </a:r>
                       <a:endParaRPr lang="pt-BR"/>
                     </a:p>
@@ -10889,9 +13806,10 @@
                     <a:bodyPr/>
                     <a:lstStyle/>
                     <a:p>
+                      <a:pPr algn="ctr"/>
                       <a:r>
                         <a:rPr lang="pt-BR" smtClean="0"/>
-                        <a:t>h</a:t>
+                        <a:t>8</a:t>
                       </a:r>
                       <a:endParaRPr lang="pt-BR"/>
                     </a:p>
@@ -10903,9 +13821,70 @@
                     <a:bodyPr/>
                     <a:lstStyle/>
                     <a:p>
+                      <a:pPr algn="ctr"/>
                       <a:r>
                         <a:rPr lang="pt-BR" smtClean="0"/>
-                        <a:t>...</a:t>
+                        <a:t>9</a:t>
+                      </a:r>
+                      <a:endParaRPr lang="pt-BR"/>
+                    </a:p>
+                  </a:txBody>
+                  <a:tcPr/>
+                </a:tc>
+                <a:tc>
+                  <a:txBody>
+                    <a:bodyPr/>
+                    <a:lstStyle/>
+                    <a:p>
+                      <a:pPr algn="ctr"/>
+                      <a:r>
+                        <a:rPr lang="pt-BR" smtClean="0"/>
+                        <a:t>10</a:t>
+                      </a:r>
+                      <a:endParaRPr lang="pt-BR"/>
+                    </a:p>
+                  </a:txBody>
+                  <a:tcPr/>
+                </a:tc>
+                <a:tc>
+                  <a:txBody>
+                    <a:bodyPr/>
+                    <a:lstStyle/>
+                    <a:p>
+                      <a:pPr algn="ctr"/>
+                      <a:r>
+                        <a:rPr lang="pt-BR" smtClean="0"/>
+                        <a:t>11</a:t>
+                      </a:r>
+                      <a:endParaRPr lang="pt-BR"/>
+                    </a:p>
+                  </a:txBody>
+                  <a:tcPr/>
+                </a:tc>
+                <a:tc>
+                  <a:txBody>
+                    <a:bodyPr/>
+                    <a:lstStyle/>
+                    <a:p>
+                      <a:pPr algn="ctr"/>
+                      <a:r>
+                        <a:rPr lang="pt-BR" smtClean="0"/>
+                        <a:t>12</a:t>
+                      </a:r>
+                      <a:endParaRPr lang="pt-BR"/>
+                    </a:p>
+                  </a:txBody>
+                  <a:tcPr/>
+                </a:tc>
+                <a:tc>
+                  <a:txBody>
+                    <a:bodyPr/>
+                    <a:lstStyle/>
+                    <a:p>
+                      <a:pPr algn="ctr"/>
+                      <a:r>
+                        <a:rPr lang="pt-BR" smtClean="0"/>
+                        <a:t>13</a:t>
                       </a:r>
                       <a:endParaRPr lang="pt-BR"/>
                     </a:p>
@@ -10933,6 +13912,7 @@
                     <a:bodyPr/>
                     <a:lstStyle/>
                     <a:p>
+                      <a:pPr algn="ctr"/>
                       <a:r>
                         <a:rPr lang="pt-BR" smtClean="0"/>
                         <a:t>5</a:t>
@@ -10947,6 +13927,7 @@
                     <a:bodyPr/>
                     <a:lstStyle/>
                     <a:p>
+                      <a:pPr algn="ctr"/>
                       <a:r>
                         <a:rPr lang="pt-BR" smtClean="0"/>
                         <a:t>5</a:t>
@@ -10961,6 +13942,7 @@
                     <a:bodyPr/>
                     <a:lstStyle/>
                     <a:p>
+                      <a:pPr algn="ctr"/>
                       <a:r>
                         <a:rPr lang="pt-BR" smtClean="0"/>
                         <a:t>2</a:t>
@@ -10975,6 +13957,7 @@
                     <a:bodyPr/>
                     <a:lstStyle/>
                     <a:p>
+                      <a:pPr algn="ctr"/>
                       <a:r>
                         <a:rPr lang="pt-BR" smtClean="0"/>
                         <a:t>1</a:t>
@@ -10989,6 +13972,7 @@
                     <a:bodyPr/>
                     <a:lstStyle/>
                     <a:p>
+                      <a:pPr algn="ctr"/>
                       <a:r>
                         <a:rPr lang="pt-BR" smtClean="0"/>
                         <a:t>3</a:t>
@@ -11003,6 +13987,7 @@
                     <a:bodyPr/>
                     <a:lstStyle/>
                     <a:p>
+                      <a:pPr algn="ctr"/>
                       <a:r>
                         <a:rPr lang="pt-BR" smtClean="0"/>
                         <a:t>2</a:t>
@@ -11017,6 +14002,7 @@
                     <a:bodyPr/>
                     <a:lstStyle/>
                     <a:p>
+                      <a:pPr algn="ctr"/>
                       <a:r>
                         <a:rPr lang="pt-BR" smtClean="0"/>
                         <a:t>1</a:t>
@@ -11031,6 +14017,7 @@
                     <a:bodyPr/>
                     <a:lstStyle/>
                     <a:p>
+                      <a:pPr algn="ctr"/>
                       <a:r>
                         <a:rPr lang="pt-BR" smtClean="0"/>
                         <a:t>2</a:t>
@@ -11045,9 +14032,70 @@
                     <a:bodyPr/>
                     <a:lstStyle/>
                     <a:p>
+                      <a:pPr algn="ctr"/>
                       <a:r>
                         <a:rPr lang="pt-BR" smtClean="0"/>
-                        <a:t>...</a:t>
+                        <a:t>1</a:t>
+                      </a:r>
+                      <a:endParaRPr lang="pt-BR"/>
+                    </a:p>
+                  </a:txBody>
+                  <a:tcPr/>
+                </a:tc>
+                <a:tc>
+                  <a:txBody>
+                    <a:bodyPr/>
+                    <a:lstStyle/>
+                    <a:p>
+                      <a:pPr algn="ctr"/>
+                      <a:r>
+                        <a:rPr lang="pt-BR" smtClean="0"/>
+                        <a:t>4</a:t>
+                      </a:r>
+                      <a:endParaRPr lang="pt-BR"/>
+                    </a:p>
+                  </a:txBody>
+                  <a:tcPr/>
+                </a:tc>
+                <a:tc>
+                  <a:txBody>
+                    <a:bodyPr/>
+                    <a:lstStyle/>
+                    <a:p>
+                      <a:pPr algn="ctr"/>
+                      <a:r>
+                        <a:rPr lang="pt-BR" smtClean="0"/>
+                        <a:t>4</a:t>
+                      </a:r>
+                      <a:endParaRPr lang="pt-BR"/>
+                    </a:p>
+                  </a:txBody>
+                  <a:tcPr/>
+                </a:tc>
+                <a:tc>
+                  <a:txBody>
+                    <a:bodyPr/>
+                    <a:lstStyle/>
+                    <a:p>
+                      <a:pPr algn="ctr"/>
+                      <a:r>
+                        <a:rPr lang="pt-BR" smtClean="0"/>
+                        <a:t>2</a:t>
+                      </a:r>
+                      <a:endParaRPr lang="pt-BR"/>
+                    </a:p>
+                  </a:txBody>
+                  <a:tcPr/>
+                </a:tc>
+                <a:tc>
+                  <a:txBody>
+                    <a:bodyPr/>
+                    <a:lstStyle/>
+                    <a:p>
+                      <a:pPr algn="ctr"/>
+                      <a:r>
+                        <a:rPr lang="pt-BR" smtClean="0"/>
+                        <a:t>3</a:t>
                       </a:r>
                       <a:endParaRPr lang="pt-BR"/>
                     </a:p>
@@ -11059,6 +14107,59 @@
           </a:graphicData>
         </a:graphic>
       </p:graphicFrame>
+      <p:sp>
+        <p:nvSpPr>
+          <p:cNvPr id="6" name="Espaço Reservado para Rodapé 5"/>
+          <p:cNvSpPr>
+            <a:spLocks noGrp="1"/>
+          </p:cNvSpPr>
+          <p:nvPr>
+            <p:ph type="ftr" idx="10"/>
+          </p:nvPr>
+        </p:nvSpPr>
+        <p:spPr/>
+        <p:txBody>
+          <a:bodyPr/>
+          <a:lstStyle/>
+          <a:p>
+            <a:endParaRPr lang="en-US"/>
+          </a:p>
+        </p:txBody>
+      </p:sp>
+      <p:pic>
+        <p:nvPicPr>
+          <p:cNvPr id="7" name="Imagem 6" descr="planta.gif"/>
+          <p:cNvPicPr>
+            <a:picLocks noChangeAspect="1"/>
+          </p:cNvPicPr>
+          <p:nvPr/>
+        </p:nvPicPr>
+        <p:blipFill>
+          <a:blip r:embed="rId3"/>
+          <a:stretch>
+            <a:fillRect/>
+          </a:stretch>
+        </p:blipFill>
+        <p:spPr>
+          <a:xfrm>
+            <a:off x="4572000" y="1500174"/>
+            <a:ext cx="4357717" cy="3486174"/>
+          </a:xfrm>
+          <a:prstGeom prst="rect">
+            <a:avLst/>
+          </a:prstGeom>
+          <a:ln>
+            <a:noFill/>
+          </a:ln>
+          <a:effectLst>
+            <a:outerShdw blurRad="190500" algn="tl" rotWithShape="0">
+              <a:srgbClr val="000000">
+                <a:alpha val="70000"/>
+              </a:srgbClr>
+            </a:outerShdw>
+          </a:effectLst>
+        </p:spPr>
+      </p:pic>
     </p:spTree>
   </p:cSld>
   <p:clrMapOvr>
@@ -11108,7 +14209,11 @@
           <a:p>
             <a:r>
               <a:rPr lang="pt-BR" smtClean="0"/>
-              <a:t>Projeto</a:t>
+              <a:t>Projeto - Aplicações</a:t>
+            </a:r>
+            <a:r>
+              <a:rPr lang="pt-BR" smtClean="0"/>
+              <a:t>	</a:t>
             </a:r>
             <a:endParaRPr lang="pt-BR"/>
           </a:p>
@@ -11126,8 +14231,8 @@
         </p:nvSpPr>
         <p:spPr>
           <a:xfrm>
-            <a:off x="457200" y="1571612"/>
-            <a:ext cx="8223250" cy="4519613"/>
+            <a:off x="457200" y="1600200"/>
+            <a:ext cx="6186502" cy="4519613"/>
           </a:xfrm>
         </p:spPr>
         <p:txBody>
@@ -11136,42 +14241,41 @@
           <a:p>
             <a:r>
               <a:rPr lang="pt-BR" smtClean="0"/>
-              <a:t>Critérios de avaliação</a:t>
+              <a:t>Zoológico</a:t>
             </a:r>
           </a:p>
           <a:p>
             <a:pPr lvl="1"/>
             <a:r>
               <a:rPr lang="pt-BR" smtClean="0"/>
-              <a:t>Freqüência relativa</a:t>
-            </a:r>
-          </a:p>
-          <a:p>
-            <a:pPr lvl="1"/>
-            <a:endParaRPr lang="pt-BR" smtClean="0"/>
-          </a:p>
-          <a:p>
-            <a:pPr lvl="1"/>
-            <a:endParaRPr lang="pt-BR" smtClean="0"/>
-          </a:p>
-          <a:p>
-            <a:pPr lvl="1"/>
-            <a:r>
-              <a:rPr lang="pt-BR" smtClean="0"/>
-              <a:t>Gráfico de Urgência total</a:t>
-            </a:r>
-          </a:p>
-          <a:p>
-            <a:pPr lvl="1">
-              <a:buNone/>
-            </a:pPr>
+              <a:t>Refeições</a:t>
+            </a:r>
             <a:endParaRPr lang="pt-BR"/>
+          </a:p>
+        </p:txBody>
+      </p:sp>
+      <p:sp>
+        <p:nvSpPr>
+          <p:cNvPr id="6" name="Espaço Reservado para Rodapé 5"/>
+          <p:cNvSpPr>
+            <a:spLocks noGrp="1"/>
+          </p:cNvSpPr>
+          <p:nvPr>
+            <p:ph type="ftr" idx="10"/>
+          </p:nvPr>
+        </p:nvSpPr>
+        <p:spPr/>
+        <p:txBody>
+          <a:bodyPr/>
+          <a:lstStyle/>
+          <a:p>
+            <a:endParaRPr lang="en-US"/>
           </a:p>
         </p:txBody>
       </p:sp>
       <p:pic>
         <p:nvPicPr>
-          <p:cNvPr id="4" name="Imagem 3" descr="freq_relativa.gif"/>
+          <p:cNvPr id="9" name="Imagem 8" descr="planta.gif"/>
           <p:cNvPicPr>
             <a:picLocks noChangeAspect="1"/>
           </p:cNvPicPr>
@@ -11185,17 +14289,27 @@
         </p:blipFill>
         <p:spPr>
           <a:xfrm>
-            <a:off x="2786050" y="2714620"/>
-            <a:ext cx="1643074" cy="821537"/>
+            <a:off x="642911" y="2991084"/>
+            <a:ext cx="3000396" cy="3295436"/>
           </a:xfrm>
           <a:prstGeom prst="rect">
             <a:avLst/>
           </a:prstGeom>
+          <a:ln>
+            <a:noFill/>
+          </a:ln>
+          <a:effectLst>
+            <a:outerShdw blurRad="190500" algn="tl" rotWithShape="0">
+              <a:srgbClr val="000000">
+                <a:alpha val="70000"/>
+              </a:srgbClr>
+            </a:outerShdw>
+          </a:effectLst>
         </p:spPr>
       </p:pic>
       <p:pic>
         <p:nvPicPr>
-          <p:cNvPr id="5" name="Imagem 4" descr="grau_de_urgencia.gif"/>
+          <p:cNvPr id="10" name="Imagem 9" descr="Helpmate.jpg"/>
           <p:cNvPicPr>
             <a:picLocks noChangeAspect="1"/>
           </p:cNvPicPr>
@@ -11209,36 +14323,22 @@
         </p:blipFill>
         <p:spPr>
           <a:xfrm>
-            <a:off x="3357554" y="4714884"/>
-            <a:ext cx="1905013" cy="357190"/>
+            <a:off x="6000760" y="2928934"/>
+            <a:ext cx="2344494" cy="2166312"/>
           </a:xfrm>
           <a:prstGeom prst="rect">
             <a:avLst/>
           </a:prstGeom>
-        </p:spPr>
-      </p:pic>
-      <p:pic>
-        <p:nvPicPr>
-          <p:cNvPr id="6" name="Imagem 5" descr="urgencia_total.gif"/>
-          <p:cNvPicPr>
-            <a:picLocks noChangeAspect="1"/>
-          </p:cNvPicPr>
-          <p:nvPr/>
-        </p:nvPicPr>
-        <p:blipFill>
-          <a:blip r:embed="rId5"/>
-          <a:stretch>
-            <a:fillRect/>
-          </a:stretch>
-        </p:blipFill>
-        <p:spPr>
-          <a:xfrm>
-            <a:off x="1357290" y="4500570"/>
-            <a:ext cx="1143008" cy="900119"/>
-          </a:xfrm>
-          <a:prstGeom prst="rect">
-            <a:avLst/>
-          </a:prstGeom>
+          <a:ln>
+            <a:noFill/>
+          </a:ln>
+          <a:effectLst>
+            <a:outerShdw blurRad="190500" algn="tl" rotWithShape="0">
+              <a:srgbClr val="000000">
+                <a:alpha val="70000"/>
+              </a:srgbClr>
+            </a:outerShdw>
+          </a:effectLst>
         </p:spPr>
       </p:pic>
     </p:spTree>
@@ -11290,7 +14390,11 @@
           <a:p>
             <a:r>
               <a:rPr lang="pt-BR" smtClean="0"/>
-              <a:t>Projeto	</a:t>
+              <a:t>Projeto - Aplicações</a:t>
+            </a:r>
+            <a:r>
+              <a:rPr lang="pt-BR" smtClean="0"/>
+              <a:t>	</a:t>
             </a:r>
             <a:endParaRPr lang="pt-BR"/>
           </a:p>
@@ -11306,68 +14410,60 @@
             <p:ph idx="1"/>
           </p:nvPr>
         </p:nvSpPr>
+        <p:spPr>
+          <a:xfrm>
+            <a:off x="457200" y="1600200"/>
+            <a:ext cx="4043362" cy="4519613"/>
+          </a:xfrm>
+        </p:spPr>
+        <p:txBody>
+          <a:bodyPr/>
+          <a:lstStyle/>
+          <a:p>
+            <a:r>
+              <a:rPr lang="pt-BR" smtClean="0"/>
+              <a:t>Hospitais</a:t>
+            </a:r>
+          </a:p>
+          <a:p>
+            <a:pPr lvl="1"/>
+            <a:r>
+              <a:rPr lang="pt-BR" smtClean="0"/>
+              <a:t>Refeições</a:t>
+            </a:r>
+          </a:p>
+          <a:p>
+            <a:pPr lvl="1"/>
+            <a:r>
+              <a:rPr lang="pt-BR" smtClean="0"/>
+              <a:t>Remédios</a:t>
+            </a:r>
+            <a:endParaRPr lang="pt-BR"/>
+          </a:p>
+        </p:txBody>
+      </p:sp>
+      <p:sp>
+        <p:nvSpPr>
+          <p:cNvPr id="6" name="Espaço Reservado para Rodapé 5"/>
+          <p:cNvSpPr>
+            <a:spLocks noGrp="1"/>
+          </p:cNvSpPr>
+          <p:nvPr>
+            <p:ph type="ftr" idx="10"/>
+          </p:nvPr>
+        </p:nvSpPr>
         <p:spPr/>
         <p:txBody>
           <a:bodyPr/>
           <a:lstStyle/>
           <a:p>
-            <a:r>
-              <a:rPr lang="pt-BR" smtClean="0"/>
-              <a:t>Metodologia</a:t>
-            </a:r>
-          </a:p>
-          <a:p>
-            <a:pPr lvl="1"/>
-            <a:r>
-              <a:rPr lang="pt-BR" smtClean="0"/>
-              <a:t>Mapa topológico</a:t>
-            </a:r>
-          </a:p>
-          <a:p>
-            <a:pPr lvl="2"/>
-            <a:r>
-              <a:rPr lang="pt-BR" smtClean="0"/>
-              <a:t>Diagrama de Voronoi</a:t>
-            </a:r>
-          </a:p>
-          <a:p>
-            <a:pPr lvl="2"/>
-            <a:r>
-              <a:rPr lang="pt-BR" smtClean="0"/>
-              <a:t>Dijkstra</a:t>
-            </a:r>
-          </a:p>
-          <a:p>
-            <a:pPr lvl="2"/>
-            <a:endParaRPr lang="pt-BR" smtClean="0"/>
-          </a:p>
-          <a:p>
-            <a:pPr lvl="1"/>
-            <a:r>
-              <a:rPr lang="pt-BR" smtClean="0"/>
-              <a:t>Grafo auxiliar</a:t>
-            </a:r>
-          </a:p>
-          <a:p>
-            <a:pPr lvl="2"/>
-            <a:r>
-              <a:rPr lang="pt-BR" smtClean="0"/>
-              <a:t>Somenta Salas</a:t>
-            </a:r>
-          </a:p>
-          <a:p>
-            <a:pPr lvl="2"/>
-            <a:r>
-              <a:rPr lang="pt-BR" smtClean="0"/>
-              <a:t>Grafo Completo</a:t>
-            </a:r>
-            <a:endParaRPr lang="pt-BR"/>
+            <a:endParaRPr lang="en-US"/>
           </a:p>
         </p:txBody>
       </p:sp>
       <p:pic>
         <p:nvPicPr>
-          <p:cNvPr id="4" name="Imagem 3" descr="exemplo_voronoi.jpg"/>
+          <p:cNvPr id="9" name="Imagem 8" descr="planta.gif"/>
           <p:cNvPicPr>
             <a:picLocks noChangeAspect="1"/>
           </p:cNvPicPr>
@@ -11381,12 +14477,56 @@
         </p:blipFill>
         <p:spPr>
           <a:xfrm>
-            <a:off x="4572000" y="3500438"/>
-            <a:ext cx="3538539" cy="2402962"/>
+            <a:off x="3143240" y="1857364"/>
+            <a:ext cx="5558147" cy="2976905"/>
           </a:xfrm>
           <a:prstGeom prst="rect">
             <a:avLst/>
           </a:prstGeom>
+          <a:ln>
+            <a:noFill/>
+          </a:ln>
+          <a:effectLst>
+            <a:outerShdw blurRad="190500" algn="tl" rotWithShape="0">
+              <a:srgbClr val="000000">
+                <a:alpha val="70000"/>
+              </a:srgbClr>
+            </a:outerShdw>
+          </a:effectLst>
+        </p:spPr>
+      </p:pic>
+      <p:pic>
+        <p:nvPicPr>
+          <p:cNvPr id="7" name="Imagem 6" descr="Helpmate.jpg"/>
+          <p:cNvPicPr>
+            <a:picLocks noChangeAspect="1"/>
+          </p:cNvPicPr>
+          <p:nvPr/>
+        </p:nvPicPr>
+        <p:blipFill>
+          <a:blip r:embed="rId4"/>
+          <a:stretch>
+            <a:fillRect/>
+          </a:stretch>
+        </p:blipFill>
+        <p:spPr>
+          <a:xfrm>
+            <a:off x="571472" y="3357562"/>
+            <a:ext cx="2004016" cy="2674926"/>
+          </a:xfrm>
+          <a:prstGeom prst="rect">
+            <a:avLst/>
+          </a:prstGeom>
+          <a:ln>
+            <a:noFill/>
+          </a:ln>
+          <a:effectLst>
+            <a:outerShdw blurRad="190500" algn="tl" rotWithShape="0">
+              <a:srgbClr val="000000">
+                <a:alpha val="70000"/>
+              </a:srgbClr>
+            </a:outerShdw>
+          </a:effectLst>
         </p:spPr>
       </p:pic>
     </p:spTree>
@@ -12973,4 +16113,287 @@
   <a:objectDefaults/>
   <a:extraClrSchemeLst/>
 </a:theme>
+</file>
+
+<file path=ppt/theme/theme4.xml><?xml version="1.0" encoding="utf-8"?>
+<a:theme xmlns:a="http://schemas.openxmlformats.org/drawingml/2006/main" name="Tema do Office">
+  <a:themeElements>
+    <a:clrScheme name="Escritório">
+      <a:dk1>
+        <a:sysClr val="windowText" lastClr="000000"/>
+      </a:dk1>
+      <a:lt1>
+        <a:sysClr val="window" lastClr="FFFFFF"/>
+      </a:lt1>
+      <a:dk2>
+        <a:srgbClr val="1F497D"/>
+      </a:dk2>
+      <a:lt2>
+        <a:srgbClr val="EEECE1"/>
+      </a:lt2>
+      <a:accent1>
+        <a:srgbClr val="4F81BD"/>
+      </a:accent1>
+      <a:accent2>
+        <a:srgbClr val="C0504D"/>
+      </a:accent2>
+      <a:accent3>
+        <a:srgbClr val="9BBB59"/>
+      </a:accent3>
+      <a:accent4>
+        <a:srgbClr val="8064A2"/>
+      </a:accent4>
+      <a:accent5>
+        <a:srgbClr val="4BACC6"/>
+      </a:accent5>
+      <a:accent6>
+        <a:srgbClr val="F79646"/>
+      </a:accent6>
+      <a:hlink>
+        <a:srgbClr val="0000FF"/>
+      </a:hlink>
+      <a:folHlink>
+        <a:srgbClr val="800080"/>
+      </a:folHlink>
+    </a:clrScheme>
+    <a:fontScheme name="Escritório">
+      <a:majorFont>
+        <a:latin typeface="Calibri"/>
+        <a:ea typeface=""/>
+        <a:cs typeface=""/>
+        <a:font script="Jpan" typeface="ＭＳ Ｐゴシック"/>
+        <a:font script="Hang" typeface="맑은 고딕"/>
+        <a:font script="Hans" typeface="宋体"/>
+        <a:font script="Hant" typeface="新細明體"/>
+        <a:font script="Arab" typeface="Times New Roman"/>
+        <a:font script="Hebr" typeface="Times New Roman"/>
+        <a:font script="Thai" typeface="Angsana New"/>
+        <a:font script="Ethi" typeface="Nyala"/>
+        <a:font script="Beng" typeface="Vrinda"/>
+        <a:font script="Gujr" typeface="Shruti"/>
+        <a:font script="Khmr" typeface="MoolBoran"/>
+        <a:font script="Knda" typeface="Tunga"/>
+        <a:font script="Guru" typeface="Raavi"/>
+        <a:font script="Cans" typeface="Euphemia"/>
+        <a:font script="Cher" typeface="Plantagenet Cherokee"/>
+        <a:font script="Yiii" typeface="Microsoft Yi Baiti"/>
+        <a:font script="Tibt" typeface="Microsoft Himalaya"/>
+        <a:font script="Thaa" typeface="MV Boli"/>
+        <a:font script="Deva" typeface="Mangal"/>
+        <a:font script="Telu" typeface="Gautami"/>
+        <a:font script="Taml" typeface="Latha"/>
+        <a:font script="Syrc" typeface="Estrangelo Edessa"/>
+        <a:font script="Orya" typeface="Kalinga"/>
+        <a:font script="Mlym" typeface="Kartika"/>
+        <a:font script="Laoo" typeface="DokChampa"/>
+        <a:font script="Sinh" typeface="Iskoola Pota"/>
+        <a:font script="Mong" typeface="Mongolian Baiti"/>
+        <a:font script="Viet" typeface="Times New Roman"/>
+        <a:font script="Uigh" typeface="Microsoft Uighur"/>
+      </a:majorFont>
+      <a:minorFont>
+        <a:latin typeface="Calibri"/>
+        <a:ea typeface=""/>
+        <a:cs typeface=""/>
+        <a:font script="Jpan" typeface="ＭＳ Ｐゴシック"/>
+        <a:font script="Hang" typeface="맑은 고딕"/>
+        <a:font script="Hans" typeface="宋体"/>
+        <a:font script="Hant" typeface="新細明體"/>
+        <a:font script="Arab" typeface="Arial"/>
+        <a:font script="Hebr" typeface="Arial"/>
+        <a:font script="Thai" typeface="Cordia New"/>
+        <a:font script="Ethi" typeface="Nyala"/>
+        <a:font script="Beng" typeface="Vrinda"/>
+        <a:font script="Gujr" typeface="Shruti"/>
+        <a:font script="Khmr" typeface="DaunPenh"/>
+        <a:font script="Knda" typeface="Tunga"/>
+        <a:font script="Guru" typeface="Raavi"/>
+        <a:font script="Cans" typeface="Euphemia"/>
+        <a:font script="Cher" typeface="Plantagenet Cherokee"/>
+        <a:font script="Yiii" typeface="Microsoft Yi Baiti"/>
+        <a:font script="Tibt" typeface="Microsoft Himalaya"/>
+        <a:font script="Thaa" typeface="MV Boli"/>
+        <a:font script="Deva" typeface="Mangal"/>
+        <a:font script="Telu" typeface="Gautami"/>
+        <a:font script="Taml" typeface="Latha"/>
+        <a:font script="Syrc" typeface="Estrangelo Edessa"/>
+        <a:font script="Orya" typeface="Kalinga"/>
+        <a:font script="Mlym" typeface="Kartika"/>
+        <a:font script="Laoo" typeface="DokChampa"/>
+        <a:font script="Sinh" typeface="Iskoola Pota"/>
+        <a:font script="Mong" typeface="Mongolian Baiti"/>
+        <a:font script="Viet" typeface="Arial"/>
+        <a:font script="Uigh" typeface="Microsoft Uighur"/>
+      </a:minorFont>
+    </a:fontScheme>
+    <a:fmtScheme name="Escritório">
+      <a:fillStyleLst>
+        <a:solidFill>
+          <a:schemeClr val="phClr"/>
+        </a:solidFill>
+        <a:gradFill rotWithShape="1">
+          <a:gsLst>
+            <a:gs pos="0">
+              <a:schemeClr val="phClr">
+                <a:tint val="50000"/>
+                <a:satMod val="300000"/>
+              </a:schemeClr>
+            </a:gs>
+            <a:gs pos="35000">
+              <a:schemeClr val="phClr">
+                <a:tint val="37000"/>
+                <a:satMod val="300000"/>
+              </a:schemeClr>
+            </a:gs>
+            <a:gs pos="100000">
+              <a:schemeClr val="phClr">
+                <a:tint val="15000"/>
+                <a:satMod val="350000"/>
+              </a:schemeClr>
+            </a:gs>
+          </a:gsLst>
+          <a:lin ang="16200000" scaled="1"/>
+        </a:gradFill>
+        <a:gradFill rotWithShape="1">
+          <a:gsLst>
+            <a:gs pos="0">
+              <a:schemeClr val="phClr">
+                <a:shade val="51000"/>
+                <a:satMod val="130000"/>
+              </a:schemeClr>
+            </a:gs>
+            <a:gs pos="80000">
+              <a:schemeClr val="phClr">
+                <a:shade val="93000"/>
+                <a:satMod val="130000"/>
+              </a:schemeClr>
+            </a:gs>
+            <a:gs pos="100000">
+              <a:schemeClr val="phClr">
+                <a:shade val="94000"/>
+                <a:satMod val="135000"/>
+              </a:schemeClr>
+            </a:gs>
+          </a:gsLst>
+          <a:lin ang="16200000" scaled="0"/>
+        </a:gradFill>
+      </a:fillStyleLst>
+      <a:lnStyleLst>
+        <a:ln w="9525" cap="flat" cmpd="sng" algn="ctr">
+          <a:solidFill>
+            <a:schemeClr val="phClr">
+              <a:shade val="95000"/>
+              <a:satMod val="105000"/>
+            </a:schemeClr>
+          </a:solidFill>
+          <a:prstDash val="solid"/>
+        </a:ln>
+        <a:ln w="25400" cap="flat" cmpd="sng" algn="ctr">
+          <a:solidFill>
+            <a:schemeClr val="phClr"/>
+          </a:solidFill>
+          <a:prstDash val="solid"/>
+        </a:ln>
+        <a:ln w="38100" cap="flat" cmpd="sng" algn="ctr">
+          <a:solidFill>
+            <a:schemeClr val="phClr"/>
+          </a:solidFill>
+          <a:prstDash val="solid"/>
+        </a:ln>
+      </a:lnStyleLst>
+      <a:effectStyleLst>
+        <a:effectStyle>
+          <a:effectLst>
+            <a:outerShdw blurRad="40000" dist="20000" dir="5400000" rotWithShape="0">
+              <a:srgbClr val="000000">
+                <a:alpha val="38000"/>
+              </a:srgbClr>
+            </a:outerShdw>
+          </a:effectLst>
+        </a:effectStyle>
+        <a:effectStyle>
+          <a:effectLst>
+            <a:outerShdw blurRad="40000" dist="23000" dir="5400000" rotWithShape="0">
+              <a:srgbClr val="000000">
+                <a:alpha val="35000"/>
+              </a:srgbClr>
+            </a:outerShdw>
+          </a:effectLst>
+        </a:effectStyle>
+        <a:effectStyle>
+          <a:effectLst>
+            <a:outerShdw blurRad="40000" dist="23000" dir="5400000" rotWithShape="0">
+              <a:srgbClr val="000000">
+                <a:alpha val="35000"/>
+              </a:srgbClr>
+            </a:outerShdw>
+          </a:effectLst>
+          <a:scene3d>
+            <a:camera prst="orthographicFront">
+              <a:rot lat="0" lon="0" rev="0"/>
+            </a:camera>
+            <a:lightRig rig="threePt" dir="t">
+              <a:rot lat="0" lon="0" rev="1200000"/>
+            </a:lightRig>
+          </a:scene3d>
+          <a:sp3d>
+            <a:bevelT w="63500" h="25400"/>
+          </a:sp3d>
+        </a:effectStyle>
+      </a:effectStyleLst>
+      <a:bgFillStyleLst>
+        <a:solidFill>
+          <a:schemeClr val="phClr"/>
+        </a:solidFill>
+        <a:gradFill rotWithShape="1">
+          <a:gsLst>
+            <a:gs pos="0">
+              <a:schemeClr val="phClr">
+                <a:tint val="40000"/>
+                <a:satMod val="350000"/>
+              </a:schemeClr>
+            </a:gs>
+            <a:gs pos="40000">
+              <a:schemeClr val="phClr">
+                <a:tint val="45000"/>
+                <a:shade val="99000"/>
+                <a:satMod val="350000"/>
+              </a:schemeClr>
+            </a:gs>
+            <a:gs pos="100000">
+              <a:schemeClr val="phClr">
+                <a:shade val="20000"/>
+                <a:satMod val="255000"/>
+              </a:schemeClr>
+            </a:gs>
+          </a:gsLst>
+          <a:path path="circle">
+            <a:fillToRect l="50000" t="-80000" r="50000" b="180000"/>
+          </a:path>
+        </a:gradFill>
+        <a:gradFill rotWithShape="1">
+          <a:gsLst>
+            <a:gs pos="0">
+              <a:schemeClr val="phClr">
+                <a:tint val="80000"/>
+                <a:satMod val="300000"/>
+              </a:schemeClr>
+            </a:gs>
+            <a:gs pos="100000">
+              <a:schemeClr val="phClr">
+                <a:shade val="30000"/>
+                <a:satMod val="200000"/>
+              </a:schemeClr>
+            </a:gs>
+          </a:gsLst>
+          <a:path path="circle">
+            <a:fillToRect l="50000" t="50000" r="50000" b="50000"/>
+          </a:path>
+        </a:gradFill>
+      </a:bgFillStyleLst>
+    </a:fmtScheme>
+  </a:themeElements>
+  <a:objectDefaults/>
+  <a:extraClrSchemeLst/>
+</a:theme>
 </file>
--- a/documentos/Apresentação Março.pptx
+++ b/documentos/Apresentação Março.pptx
@@ -6,10 +6,10 @@
     <p:sldMasterId id="2147483649" r:id="rId2"/>
   </p:sldMasterIdLst>
   <p:notesMasterIdLst>
-    <p:notesMasterId r:id="rId30"/>
+    <p:notesMasterId r:id="rId32"/>
   </p:notesMasterIdLst>
   <p:handoutMasterIdLst>
-    <p:handoutMasterId r:id="rId31"/>
+    <p:handoutMasterId r:id="rId33"/>
   </p:handoutMasterIdLst>
   <p:sldIdLst>
     <p:sldId id="256" r:id="rId3"/>
@@ -19,26 +19,28 @@
     <p:sldId id="296" r:id="rId7"/>
     <p:sldId id="298" r:id="rId8"/>
     <p:sldId id="299" r:id="rId9"/>
-    <p:sldId id="302" r:id="rId10"/>
-    <p:sldId id="304" r:id="rId11"/>
-    <p:sldId id="303" r:id="rId12"/>
-    <p:sldId id="305" r:id="rId13"/>
-    <p:sldId id="308" r:id="rId14"/>
-    <p:sldId id="307" r:id="rId15"/>
-    <p:sldId id="309" r:id="rId16"/>
-    <p:sldId id="310" r:id="rId17"/>
-    <p:sldId id="301" r:id="rId18"/>
-    <p:sldId id="300" r:id="rId19"/>
-    <p:sldId id="283" r:id="rId20"/>
-    <p:sldId id="284" r:id="rId21"/>
-    <p:sldId id="285" r:id="rId22"/>
-    <p:sldId id="286" r:id="rId23"/>
-    <p:sldId id="287" r:id="rId24"/>
-    <p:sldId id="288" r:id="rId25"/>
-    <p:sldId id="293" r:id="rId26"/>
-    <p:sldId id="294" r:id="rId27"/>
-    <p:sldId id="291" r:id="rId28"/>
-    <p:sldId id="292" r:id="rId29"/>
+    <p:sldId id="283" r:id="rId10"/>
+    <p:sldId id="312" r:id="rId11"/>
+    <p:sldId id="302" r:id="rId12"/>
+    <p:sldId id="304" r:id="rId13"/>
+    <p:sldId id="303" r:id="rId14"/>
+    <p:sldId id="305" r:id="rId15"/>
+    <p:sldId id="308" r:id="rId16"/>
+    <p:sldId id="307" r:id="rId17"/>
+    <p:sldId id="309" r:id="rId18"/>
+    <p:sldId id="313" r:id="rId19"/>
+    <p:sldId id="310" r:id="rId20"/>
+    <p:sldId id="301" r:id="rId21"/>
+    <p:sldId id="300" r:id="rId22"/>
+    <p:sldId id="284" r:id="rId23"/>
+    <p:sldId id="285" r:id="rId24"/>
+    <p:sldId id="286" r:id="rId25"/>
+    <p:sldId id="287" r:id="rId26"/>
+    <p:sldId id="288" r:id="rId27"/>
+    <p:sldId id="293" r:id="rId28"/>
+    <p:sldId id="294" r:id="rId29"/>
+    <p:sldId id="291" r:id="rId30"/>
+    <p:sldId id="292" r:id="rId31"/>
   </p:sldIdLst>
   <p:sldSz cx="9144000" cy="6858000" type="screen4x3"/>
   <p:notesSz cx="6858000" cy="9144000"/>
@@ -2757,6 +2759,180 @@
               <a:rPr lang="en-US" smtClean="0"/>
               <a:pPr/>
               <a:t>27</a:t>
+            </a:fld>
+            <a:endParaRPr lang="en-US"/>
+          </a:p>
+        </p:txBody>
+      </p:sp>
+    </p:spTree>
+  </p:cSld>
+  <p:clrMapOvr>
+    <a:masterClrMapping/>
+  </p:clrMapOvr>
+</p:notes>
+</file>
+
+<file path=ppt/notesSlides/notesSlide28.xml><?xml version="1.0" encoding="utf-8"?>
+<p:notes xmlns:a="http://schemas.openxmlformats.org/drawingml/2006/main" xmlns:r="http://schemas.openxmlformats.org/officeDocument/2006/relationships" xmlns:p="http://schemas.openxmlformats.org/presentationml/2006/main">
+  <p:cSld>
+    <p:spTree>
+      <p:nvGrpSpPr>
+        <p:cNvPr id="1" name=""/>
+        <p:cNvGrpSpPr/>
+        <p:nvPr/>
+      </p:nvGrpSpPr>
+      <p:grpSpPr>
+        <a:xfrm>
+          <a:off x="0" y="0"/>
+          <a:ext cx="0" cy="0"/>
+          <a:chOff x="0" y="0"/>
+          <a:chExt cx="0" cy="0"/>
+        </a:xfrm>
+      </p:grpSpPr>
+      <p:sp>
+        <p:nvSpPr>
+          <p:cNvPr id="2" name="Espaço Reservado para Imagem de Slide 1"/>
+          <p:cNvSpPr>
+            <a:spLocks noGrp="1" noRot="1" noChangeAspect="1"/>
+          </p:cNvSpPr>
+          <p:nvPr>
+            <p:ph type="sldImg"/>
+          </p:nvPr>
+        </p:nvSpPr>
+        <p:spPr>
+          <a:xfrm>
+            <a:off x="1144588" y="685800"/>
+            <a:ext cx="4562475" cy="3422650"/>
+          </a:xfrm>
+        </p:spPr>
+      </p:sp>
+      <p:sp>
+        <p:nvSpPr>
+          <p:cNvPr id="3" name="Espaço Reservado para Anotações 2"/>
+          <p:cNvSpPr>
+            <a:spLocks noGrp="1"/>
+          </p:cNvSpPr>
+          <p:nvPr>
+            <p:ph type="body" idx="1"/>
+          </p:nvPr>
+        </p:nvSpPr>
+        <p:spPr/>
+        <p:txBody>
+          <a:bodyPr>
+            <a:normAutofit/>
+          </a:bodyPr>
+          <a:lstStyle/>
+          <a:p>
+            <a:endParaRPr lang="pt-BR"/>
+          </a:p>
+        </p:txBody>
+      </p:sp>
+      <p:sp>
+        <p:nvSpPr>
+          <p:cNvPr id="4" name="Espaço Reservado para Número de Slide 3"/>
+          <p:cNvSpPr>
+            <a:spLocks noGrp="1"/>
+          </p:cNvSpPr>
+          <p:nvPr>
+            <p:ph type="sldNum" idx="10"/>
+          </p:nvPr>
+        </p:nvSpPr>
+        <p:spPr/>
+        <p:txBody>
+          <a:bodyPr/>
+          <a:lstStyle/>
+          <a:p>
+            <a:fld id="{DF92680C-B850-4000-9DFE-8BD8A3C7E027}" type="slidenum">
+              <a:rPr lang="en-US" smtClean="0"/>
+              <a:pPr/>
+              <a:t>28</a:t>
+            </a:fld>
+            <a:endParaRPr lang="en-US"/>
+          </a:p>
+        </p:txBody>
+      </p:sp>
+    </p:spTree>
+  </p:cSld>
+  <p:clrMapOvr>
+    <a:masterClrMapping/>
+  </p:clrMapOvr>
+</p:notes>
+</file>
+
+<file path=ppt/notesSlides/notesSlide29.xml><?xml version="1.0" encoding="utf-8"?>
+<p:notes xmlns:a="http://schemas.openxmlformats.org/drawingml/2006/main" xmlns:r="http://schemas.openxmlformats.org/officeDocument/2006/relationships" xmlns:p="http://schemas.openxmlformats.org/presentationml/2006/main">
+  <p:cSld>
+    <p:spTree>
+      <p:nvGrpSpPr>
+        <p:cNvPr id="1" name=""/>
+        <p:cNvGrpSpPr/>
+        <p:nvPr/>
+      </p:nvGrpSpPr>
+      <p:grpSpPr>
+        <a:xfrm>
+          <a:off x="0" y="0"/>
+          <a:ext cx="0" cy="0"/>
+          <a:chOff x="0" y="0"/>
+          <a:chExt cx="0" cy="0"/>
+        </a:xfrm>
+      </p:grpSpPr>
+      <p:sp>
+        <p:nvSpPr>
+          <p:cNvPr id="2" name="Espaço Reservado para Imagem de Slide 1"/>
+          <p:cNvSpPr>
+            <a:spLocks noGrp="1" noRot="1" noChangeAspect="1"/>
+          </p:cNvSpPr>
+          <p:nvPr>
+            <p:ph type="sldImg"/>
+          </p:nvPr>
+        </p:nvSpPr>
+        <p:spPr>
+          <a:xfrm>
+            <a:off x="1144588" y="685800"/>
+            <a:ext cx="4562475" cy="3422650"/>
+          </a:xfrm>
+        </p:spPr>
+      </p:sp>
+      <p:sp>
+        <p:nvSpPr>
+          <p:cNvPr id="3" name="Espaço Reservado para Anotações 2"/>
+          <p:cNvSpPr>
+            <a:spLocks noGrp="1"/>
+          </p:cNvSpPr>
+          <p:nvPr>
+            <p:ph type="body" idx="1"/>
+          </p:nvPr>
+        </p:nvSpPr>
+        <p:spPr/>
+        <p:txBody>
+          <a:bodyPr>
+            <a:normAutofit/>
+          </a:bodyPr>
+          <a:lstStyle/>
+          <a:p>
+            <a:endParaRPr lang="pt-BR"/>
+          </a:p>
+        </p:txBody>
+      </p:sp>
+      <p:sp>
+        <p:nvSpPr>
+          <p:cNvPr id="4" name="Espaço Reservado para Número de Slide 3"/>
+          <p:cNvSpPr>
+            <a:spLocks noGrp="1"/>
+          </p:cNvSpPr>
+          <p:nvPr>
+            <p:ph type="sldNum" idx="10"/>
+          </p:nvPr>
+        </p:nvSpPr>
+        <p:spPr/>
+        <p:txBody>
+          <a:bodyPr/>
+          <a:lstStyle/>
+          <a:p>
+            <a:fld id="{DF92680C-B850-4000-9DFE-8BD8A3C7E027}" type="slidenum">
+              <a:rPr lang="en-US" smtClean="0"/>
+              <a:pPr/>
+              <a:t>29</a:t>
             </a:fld>
             <a:endParaRPr lang="en-US"/>
           </a:p>
@@ -9826,11 +10002,368 @@
           <a:p>
             <a:r>
               <a:rPr lang="pt-BR" smtClean="0"/>
-              <a:t>Projeto - Aplicações</a:t>
-            </a:r>
-            <a:r>
-              <a:rPr lang="pt-BR" smtClean="0"/>
-              <a:t>	</a:t>
+              <a:t>Projeto - Aplicações	</a:t>
+            </a:r>
+            <a:endParaRPr lang="pt-BR"/>
+          </a:p>
+        </p:txBody>
+      </p:sp>
+      <p:sp>
+        <p:nvSpPr>
+          <p:cNvPr id="3" name="Espaço Reservado para Conteúdo 2"/>
+          <p:cNvSpPr>
+            <a:spLocks noGrp="1"/>
+          </p:cNvSpPr>
+          <p:nvPr>
+            <p:ph idx="1"/>
+          </p:nvPr>
+        </p:nvSpPr>
+        <p:spPr>
+          <a:xfrm>
+            <a:off x="457200" y="1600200"/>
+            <a:ext cx="6186502" cy="4519613"/>
+          </a:xfrm>
+        </p:spPr>
+        <p:txBody>
+          <a:bodyPr/>
+          <a:lstStyle/>
+          <a:p>
+            <a:r>
+              <a:rPr lang="pt-BR" smtClean="0"/>
+              <a:t>Zoológico</a:t>
+            </a:r>
+          </a:p>
+          <a:p>
+            <a:pPr lvl="1"/>
+            <a:r>
+              <a:rPr lang="pt-BR" smtClean="0"/>
+              <a:t>Refeições</a:t>
+            </a:r>
+            <a:endParaRPr lang="pt-BR"/>
+          </a:p>
+        </p:txBody>
+      </p:sp>
+      <p:sp>
+        <p:nvSpPr>
+          <p:cNvPr id="6" name="Espaço Reservado para Rodapé 5"/>
+          <p:cNvSpPr>
+            <a:spLocks noGrp="1"/>
+          </p:cNvSpPr>
+          <p:nvPr>
+            <p:ph type="ftr" idx="10"/>
+          </p:nvPr>
+        </p:nvSpPr>
+        <p:spPr/>
+        <p:txBody>
+          <a:bodyPr/>
+          <a:lstStyle/>
+          <a:p>
+            <a:endParaRPr lang="en-US"/>
+          </a:p>
+        </p:txBody>
+      </p:sp>
+      <p:pic>
+        <p:nvPicPr>
+          <p:cNvPr id="9" name="Imagem 8" descr="planta.gif"/>
+          <p:cNvPicPr>
+            <a:picLocks noChangeAspect="1"/>
+          </p:cNvPicPr>
+          <p:nvPr/>
+        </p:nvPicPr>
+        <p:blipFill>
+          <a:blip r:embed="rId3"/>
+          <a:stretch>
+            <a:fillRect/>
+          </a:stretch>
+        </p:blipFill>
+        <p:spPr>
+          <a:xfrm>
+            <a:off x="642911" y="2991084"/>
+            <a:ext cx="3000396" cy="3295436"/>
+          </a:xfrm>
+          <a:prstGeom prst="rect">
+            <a:avLst/>
+          </a:prstGeom>
+          <a:ln>
+            <a:noFill/>
+          </a:ln>
+          <a:effectLst>
+            <a:outerShdw blurRad="190500" algn="tl" rotWithShape="0">
+              <a:srgbClr val="000000">
+                <a:alpha val="70000"/>
+              </a:srgbClr>
+            </a:outerShdw>
+          </a:effectLst>
+        </p:spPr>
+      </p:pic>
+      <p:pic>
+        <p:nvPicPr>
+          <p:cNvPr id="10" name="Imagem 9" descr="Helpmate.jpg"/>
+          <p:cNvPicPr>
+            <a:picLocks noChangeAspect="1"/>
+          </p:cNvPicPr>
+          <p:nvPr/>
+        </p:nvPicPr>
+        <p:blipFill>
+          <a:blip r:embed="rId4"/>
+          <a:stretch>
+            <a:fillRect/>
+          </a:stretch>
+        </p:blipFill>
+        <p:spPr>
+          <a:xfrm>
+            <a:off x="6000760" y="2928934"/>
+            <a:ext cx="2344494" cy="2166312"/>
+          </a:xfrm>
+          <a:prstGeom prst="rect">
+            <a:avLst/>
+          </a:prstGeom>
+          <a:ln>
+            <a:noFill/>
+          </a:ln>
+          <a:effectLst>
+            <a:outerShdw blurRad="190500" algn="tl" rotWithShape="0">
+              <a:srgbClr val="000000">
+                <a:alpha val="70000"/>
+              </a:srgbClr>
+            </a:outerShdw>
+          </a:effectLst>
+        </p:spPr>
+      </p:pic>
+    </p:spTree>
+  </p:cSld>
+  <p:clrMapOvr>
+    <a:masterClrMapping/>
+  </p:clrMapOvr>
+  <p:timing>
+    <p:tnLst>
+      <p:par>
+        <p:cTn id="1" dur="indefinite" restart="never" nodeType="tmRoot"/>
+      </p:par>
+    </p:tnLst>
+  </p:timing>
+</p:sld>
+</file>
+
+<file path=ppt/slides/slide11.xml><?xml version="1.0" encoding="utf-8"?>
+<p:sld xmlns:a="http://schemas.openxmlformats.org/drawingml/2006/main" xmlns:r="http://schemas.openxmlformats.org/officeDocument/2006/relationships" xmlns:p="http://schemas.openxmlformats.org/presentationml/2006/main">
+  <p:cSld>
+    <p:spTree>
+      <p:nvGrpSpPr>
+        <p:cNvPr id="1" name=""/>
+        <p:cNvGrpSpPr/>
+        <p:nvPr/>
+      </p:nvGrpSpPr>
+      <p:grpSpPr>
+        <a:xfrm>
+          <a:off x="0" y="0"/>
+          <a:ext cx="0" cy="0"/>
+          <a:chOff x="0" y="0"/>
+          <a:chExt cx="0" cy="0"/>
+        </a:xfrm>
+      </p:grpSpPr>
+      <p:sp>
+        <p:nvSpPr>
+          <p:cNvPr id="2" name="Título 1"/>
+          <p:cNvSpPr>
+            <a:spLocks noGrp="1"/>
+          </p:cNvSpPr>
+          <p:nvPr>
+            <p:ph type="title"/>
+          </p:nvPr>
+        </p:nvSpPr>
+        <p:spPr/>
+        <p:txBody>
+          <a:bodyPr/>
+          <a:lstStyle/>
+          <a:p>
+            <a:r>
+              <a:rPr lang="pt-BR" smtClean="0"/>
+              <a:t>Projeto - Aplicações	</a:t>
+            </a:r>
+            <a:endParaRPr lang="pt-BR"/>
+          </a:p>
+        </p:txBody>
+      </p:sp>
+      <p:sp>
+        <p:nvSpPr>
+          <p:cNvPr id="3" name="Espaço Reservado para Conteúdo 2"/>
+          <p:cNvSpPr>
+            <a:spLocks noGrp="1"/>
+          </p:cNvSpPr>
+          <p:nvPr>
+            <p:ph idx="1"/>
+          </p:nvPr>
+        </p:nvSpPr>
+        <p:spPr>
+          <a:xfrm>
+            <a:off x="457200" y="1600200"/>
+            <a:ext cx="4043362" cy="4519613"/>
+          </a:xfrm>
+        </p:spPr>
+        <p:txBody>
+          <a:bodyPr/>
+          <a:lstStyle/>
+          <a:p>
+            <a:r>
+              <a:rPr lang="pt-BR" smtClean="0"/>
+              <a:t>Hospitais</a:t>
+            </a:r>
+          </a:p>
+          <a:p>
+            <a:pPr lvl="1"/>
+            <a:r>
+              <a:rPr lang="pt-BR" smtClean="0"/>
+              <a:t>Refeições</a:t>
+            </a:r>
+          </a:p>
+          <a:p>
+            <a:pPr lvl="1"/>
+            <a:r>
+              <a:rPr lang="pt-BR" smtClean="0"/>
+              <a:t>Remédios</a:t>
+            </a:r>
+            <a:endParaRPr lang="pt-BR"/>
+          </a:p>
+        </p:txBody>
+      </p:sp>
+      <p:sp>
+        <p:nvSpPr>
+          <p:cNvPr id="6" name="Espaço Reservado para Rodapé 5"/>
+          <p:cNvSpPr>
+            <a:spLocks noGrp="1"/>
+          </p:cNvSpPr>
+          <p:nvPr>
+            <p:ph type="ftr" idx="10"/>
+          </p:nvPr>
+        </p:nvSpPr>
+        <p:spPr/>
+        <p:txBody>
+          <a:bodyPr/>
+          <a:lstStyle/>
+          <a:p>
+            <a:endParaRPr lang="en-US"/>
+          </a:p>
+        </p:txBody>
+      </p:sp>
+      <p:pic>
+        <p:nvPicPr>
+          <p:cNvPr id="9" name="Imagem 8" descr="planta.gif"/>
+          <p:cNvPicPr>
+            <a:picLocks noChangeAspect="1"/>
+          </p:cNvPicPr>
+          <p:nvPr/>
+        </p:nvPicPr>
+        <p:blipFill>
+          <a:blip r:embed="rId3"/>
+          <a:stretch>
+            <a:fillRect/>
+          </a:stretch>
+        </p:blipFill>
+        <p:spPr>
+          <a:xfrm>
+            <a:off x="3143240" y="1857364"/>
+            <a:ext cx="5558147" cy="2976905"/>
+          </a:xfrm>
+          <a:prstGeom prst="rect">
+            <a:avLst/>
+          </a:prstGeom>
+          <a:ln>
+            <a:noFill/>
+          </a:ln>
+          <a:effectLst>
+            <a:outerShdw blurRad="190500" algn="tl" rotWithShape="0">
+              <a:srgbClr val="000000">
+                <a:alpha val="70000"/>
+              </a:srgbClr>
+            </a:outerShdw>
+          </a:effectLst>
+        </p:spPr>
+      </p:pic>
+      <p:pic>
+        <p:nvPicPr>
+          <p:cNvPr id="7" name="Imagem 6" descr="Helpmate.jpg"/>
+          <p:cNvPicPr>
+            <a:picLocks noChangeAspect="1"/>
+          </p:cNvPicPr>
+          <p:nvPr/>
+        </p:nvPicPr>
+        <p:blipFill>
+          <a:blip r:embed="rId4"/>
+          <a:stretch>
+            <a:fillRect/>
+          </a:stretch>
+        </p:blipFill>
+        <p:spPr>
+          <a:xfrm>
+            <a:off x="571472" y="3357562"/>
+            <a:ext cx="2004016" cy="2674926"/>
+          </a:xfrm>
+          <a:prstGeom prst="rect">
+            <a:avLst/>
+          </a:prstGeom>
+          <a:ln>
+            <a:noFill/>
+          </a:ln>
+          <a:effectLst>
+            <a:outerShdw blurRad="190500" algn="tl" rotWithShape="0">
+              <a:srgbClr val="000000">
+                <a:alpha val="70000"/>
+              </a:srgbClr>
+            </a:outerShdw>
+          </a:effectLst>
+        </p:spPr>
+      </p:pic>
+    </p:spTree>
+  </p:cSld>
+  <p:clrMapOvr>
+    <a:masterClrMapping/>
+  </p:clrMapOvr>
+  <p:timing>
+    <p:tnLst>
+      <p:par>
+        <p:cTn id="1" dur="indefinite" restart="never" nodeType="tmRoot"/>
+      </p:par>
+    </p:tnLst>
+  </p:timing>
+</p:sld>
+</file>
+
+<file path=ppt/slides/slide12.xml><?xml version="1.0" encoding="utf-8"?>
+<p:sld xmlns:a="http://schemas.openxmlformats.org/drawingml/2006/main" xmlns:r="http://schemas.openxmlformats.org/officeDocument/2006/relationships" xmlns:p="http://schemas.openxmlformats.org/presentationml/2006/main">
+  <p:cSld>
+    <p:spTree>
+      <p:nvGrpSpPr>
+        <p:cNvPr id="1" name=""/>
+        <p:cNvGrpSpPr/>
+        <p:nvPr/>
+      </p:nvGrpSpPr>
+      <p:grpSpPr>
+        <a:xfrm>
+          <a:off x="0" y="0"/>
+          <a:ext cx="0" cy="0"/>
+          <a:chOff x="0" y="0"/>
+          <a:chExt cx="0" cy="0"/>
+        </a:xfrm>
+      </p:grpSpPr>
+      <p:sp>
+        <p:nvSpPr>
+          <p:cNvPr id="2" name="Título 1"/>
+          <p:cNvSpPr>
+            <a:spLocks noGrp="1"/>
+          </p:cNvSpPr>
+          <p:nvPr>
+            <p:ph type="title"/>
+          </p:nvPr>
+        </p:nvSpPr>
+        <p:spPr/>
+        <p:txBody>
+          <a:bodyPr/>
+          <a:lstStyle/>
+          <a:p>
+            <a:r>
+              <a:rPr lang="pt-BR" smtClean="0"/>
+              <a:t>Projeto - Aplicações	</a:t>
             </a:r>
             <a:endParaRPr lang="pt-BR"/>
           </a:p>
@@ -9966,7 +10499,7 @@
 </p:sld>
 </file>
 
-<file path=ppt/slides/slide11.xml><?xml version="1.0" encoding="utf-8"?>
+<file path=ppt/slides/slide13.xml><?xml version="1.0" encoding="utf-8"?>
 <p:sld xmlns:a="http://schemas.openxmlformats.org/drawingml/2006/main" xmlns:r="http://schemas.openxmlformats.org/officeDocument/2006/relationships" xmlns:p="http://schemas.openxmlformats.org/presentationml/2006/main">
   <p:cSld>
     <p:spTree>
@@ -10000,11 +10533,7 @@
           <a:p>
             <a:r>
               <a:rPr lang="pt-BR" smtClean="0"/>
-              <a:t>Projeto - Aplicações</a:t>
-            </a:r>
-            <a:r>
-              <a:rPr lang="pt-BR" smtClean="0"/>
-              <a:t>	</a:t>
+              <a:t>Projeto - Aplicações	</a:t>
             </a:r>
             <a:endParaRPr lang="pt-BR"/>
           </a:p>
@@ -10147,7 +10676,7 @@
 </p:sld>
 </file>
 
-<file path=ppt/slides/slide12.xml><?xml version="1.0" encoding="utf-8"?>
+<file path=ppt/slides/slide14.xml><?xml version="1.0" encoding="utf-8"?>
 <p:sld xmlns:a="http://schemas.openxmlformats.org/drawingml/2006/main" xmlns:r="http://schemas.openxmlformats.org/officeDocument/2006/relationships" xmlns:p="http://schemas.openxmlformats.org/presentationml/2006/main">
   <p:cSld>
     <p:spTree>
@@ -10181,11 +10710,7 @@
           <a:p>
             <a:r>
               <a:rPr lang="pt-BR" smtClean="0"/>
-              <a:t>Projeto - Aplicações</a:t>
-            </a:r>
-            <a:r>
-              <a:rPr lang="pt-BR" smtClean="0"/>
-              <a:t>	</a:t>
+              <a:t>Projeto - Aplicações	</a:t>
             </a:r>
             <a:endParaRPr lang="pt-BR"/>
           </a:p>
@@ -10335,221 +10860,6 @@
 </p:sld>
 </file>
 
-<file path=ppt/slides/slide13.xml><?xml version="1.0" encoding="utf-8"?>
-<p:sld xmlns:a="http://schemas.openxmlformats.org/drawingml/2006/main" xmlns:r="http://schemas.openxmlformats.org/officeDocument/2006/relationships" xmlns:p="http://schemas.openxmlformats.org/presentationml/2006/main">
-  <p:cSld>
-    <p:spTree>
-      <p:nvGrpSpPr>
-        <p:cNvPr id="1" name=""/>
-        <p:cNvGrpSpPr/>
-        <p:nvPr/>
-      </p:nvGrpSpPr>
-      <p:grpSpPr>
-        <a:xfrm>
-          <a:off x="0" y="0"/>
-          <a:ext cx="0" cy="0"/>
-          <a:chOff x="0" y="0"/>
-          <a:chExt cx="0" cy="0"/>
-        </a:xfrm>
-      </p:grpSpPr>
-      <p:sp>
-        <p:nvSpPr>
-          <p:cNvPr id="2" name="Título 1"/>
-          <p:cNvSpPr>
-            <a:spLocks noGrp="1"/>
-          </p:cNvSpPr>
-          <p:nvPr>
-            <p:ph type="title"/>
-          </p:nvPr>
-        </p:nvSpPr>
-        <p:spPr/>
-        <p:txBody>
-          <a:bodyPr/>
-          <a:lstStyle/>
-          <a:p>
-            <a:r>
-              <a:rPr lang="pt-BR" smtClean="0"/>
-              <a:t>Problemas Relacionados</a:t>
-            </a:r>
-            <a:endParaRPr lang="pt-BR"/>
-          </a:p>
-        </p:txBody>
-      </p:sp>
-      <p:sp>
-        <p:nvSpPr>
-          <p:cNvPr id="3" name="Espaço Reservado para Conteúdo 2"/>
-          <p:cNvSpPr>
-            <a:spLocks noGrp="1"/>
-          </p:cNvSpPr>
-          <p:nvPr>
-            <p:ph idx="1"/>
-          </p:nvPr>
-        </p:nvSpPr>
-        <p:spPr>
-          <a:xfrm>
-            <a:off x="457200" y="1600200"/>
-            <a:ext cx="6329378" cy="4519613"/>
-          </a:xfrm>
-        </p:spPr>
-        <p:txBody>
-          <a:bodyPr/>
-          <a:lstStyle/>
-          <a:p>
-            <a:endParaRPr lang="pt-BR" smtClean="0"/>
-          </a:p>
-          <a:p>
-            <a:r>
-              <a:rPr lang="pt-BR" smtClean="0"/>
-              <a:t>Caixeiro-Viajante</a:t>
-            </a:r>
-          </a:p>
-          <a:p>
-            <a:endParaRPr lang="pt-BR" smtClean="0"/>
-          </a:p>
-          <a:p>
-            <a:r>
-              <a:rPr lang="pt-BR" smtClean="0"/>
-              <a:t>Roteamento de Veículos (VRP)</a:t>
-            </a:r>
-            <a:endParaRPr lang="pt-BR" smtClean="0"/>
-          </a:p>
-          <a:p>
-            <a:endParaRPr lang="pt-BR"/>
-          </a:p>
-        </p:txBody>
-      </p:sp>
-      <p:sp>
-        <p:nvSpPr>
-          <p:cNvPr id="6" name="Espaço Reservado para Rodapé 5"/>
-          <p:cNvSpPr>
-            <a:spLocks noGrp="1"/>
-          </p:cNvSpPr>
-          <p:nvPr>
-            <p:ph type="ftr" idx="10"/>
-          </p:nvPr>
-        </p:nvSpPr>
-        <p:spPr/>
-        <p:txBody>
-          <a:bodyPr/>
-          <a:lstStyle/>
-          <a:p>
-            <a:endParaRPr lang="en-US"/>
-          </a:p>
-        </p:txBody>
-      </p:sp>
-    </p:spTree>
-  </p:cSld>
-  <p:clrMapOvr>
-    <a:masterClrMapping/>
-  </p:clrMapOvr>
-  <p:timing>
-    <p:tnLst>
-      <p:par>
-        <p:cTn id="1" dur="indefinite" restart="never" nodeType="tmRoot"/>
-      </p:par>
-    </p:tnLst>
-  </p:timing>
-</p:sld>
-</file>
-
-<file path=ppt/slides/slide14.xml><?xml version="1.0" encoding="utf-8"?>
-<p:sld xmlns:a="http://schemas.openxmlformats.org/drawingml/2006/main" xmlns:r="http://schemas.openxmlformats.org/officeDocument/2006/relationships" xmlns:p="http://schemas.openxmlformats.org/presentationml/2006/main">
-  <p:cSld>
-    <p:spTree>
-      <p:nvGrpSpPr>
-        <p:cNvPr id="1" name=""/>
-        <p:cNvGrpSpPr/>
-        <p:nvPr/>
-      </p:nvGrpSpPr>
-      <p:grpSpPr>
-        <a:xfrm>
-          <a:off x="0" y="0"/>
-          <a:ext cx="0" cy="0"/>
-          <a:chOff x="0" y="0"/>
-          <a:chExt cx="0" cy="0"/>
-        </a:xfrm>
-      </p:grpSpPr>
-      <p:sp>
-        <p:nvSpPr>
-          <p:cNvPr id="2" name="Título 1"/>
-          <p:cNvSpPr>
-            <a:spLocks noGrp="1"/>
-          </p:cNvSpPr>
-          <p:nvPr>
-            <p:ph type="title"/>
-          </p:nvPr>
-        </p:nvSpPr>
-        <p:spPr/>
-        <p:txBody>
-          <a:bodyPr/>
-          <a:lstStyle/>
-          <a:p>
-            <a:r>
-              <a:rPr lang="pt-BR" smtClean="0"/>
-              <a:t>Caixeiro Viajante</a:t>
-            </a:r>
-            <a:endParaRPr lang="pt-BR"/>
-          </a:p>
-        </p:txBody>
-      </p:sp>
-      <p:sp>
-        <p:nvSpPr>
-          <p:cNvPr id="3" name="Espaço Reservado para Conteúdo 2"/>
-          <p:cNvSpPr>
-            <a:spLocks noGrp="1"/>
-          </p:cNvSpPr>
-          <p:nvPr>
-            <p:ph idx="1"/>
-          </p:nvPr>
-        </p:nvSpPr>
-        <p:spPr>
-          <a:xfrm>
-            <a:off x="457200" y="1600200"/>
-            <a:ext cx="6329378" cy="4519613"/>
-          </a:xfrm>
-        </p:spPr>
-        <p:txBody>
-          <a:bodyPr/>
-          <a:lstStyle/>
-          <a:p>
-            <a:endParaRPr lang="pt-BR"/>
-          </a:p>
-        </p:txBody>
-      </p:sp>
-      <p:sp>
-        <p:nvSpPr>
-          <p:cNvPr id="6" name="Espaço Reservado para Rodapé 5"/>
-          <p:cNvSpPr>
-            <a:spLocks noGrp="1"/>
-          </p:cNvSpPr>
-          <p:nvPr>
-            <p:ph type="ftr" idx="10"/>
-          </p:nvPr>
-        </p:nvSpPr>
-        <p:spPr/>
-        <p:txBody>
-          <a:bodyPr/>
-          <a:lstStyle/>
-          <a:p>
-            <a:endParaRPr lang="en-US"/>
-          </a:p>
-        </p:txBody>
-      </p:sp>
-    </p:spTree>
-  </p:cSld>
-  <p:clrMapOvr>
-    <a:masterClrMapping/>
-  </p:clrMapOvr>
-  <p:timing>
-    <p:tnLst>
-      <p:par>
-        <p:cTn id="1" dur="indefinite" restart="never" nodeType="tmRoot"/>
-      </p:par>
-    </p:tnLst>
-  </p:timing>
-</p:sld>
-</file>
-
 <file path=ppt/slides/slide15.xml><?xml version="1.0" encoding="utf-8"?>
 <p:sld xmlns:a="http://schemas.openxmlformats.org/drawingml/2006/main" xmlns:r="http://schemas.openxmlformats.org/officeDocument/2006/relationships" xmlns:p="http://schemas.openxmlformats.org/presentationml/2006/main">
   <p:cSld>
@@ -10584,7 +10894,7 @@
           <a:p>
             <a:r>
               <a:rPr lang="pt-BR" smtClean="0"/>
-              <a:t>Roteamento de Veículos</a:t>
+              <a:t>Problemas Relacionados</a:t>
             </a:r>
             <a:endParaRPr lang="pt-BR"/>
           </a:p>
@@ -10609,6 +10919,24 @@
         <p:txBody>
           <a:bodyPr/>
           <a:lstStyle/>
+          <a:p>
+            <a:endParaRPr lang="pt-BR" smtClean="0"/>
+          </a:p>
+          <a:p>
+            <a:r>
+              <a:rPr lang="pt-BR" smtClean="0"/>
+              <a:t>Caixeiro-Viajante</a:t>
+            </a:r>
+          </a:p>
+          <a:p>
+            <a:endParaRPr lang="pt-BR" smtClean="0"/>
+          </a:p>
+          <a:p>
+            <a:r>
+              <a:rPr lang="pt-BR" smtClean="0"/>
+              <a:t>Roteamento de Veículos (VRP)</a:t>
+            </a:r>
+          </a:p>
           <a:p>
             <a:endParaRPr lang="pt-BR"/>
           </a:p>
@@ -10667,6 +10995,764 @@
       </p:grpSpPr>
       <p:sp>
         <p:nvSpPr>
+          <p:cNvPr id="12" name="Espaço Reservado para Conteúdo 2"/>
+          <p:cNvSpPr txBox="1">
+            <a:spLocks/>
+          </p:cNvSpPr>
+          <p:nvPr/>
+        </p:nvSpPr>
+        <p:spPr bwMode="auto">
+          <a:xfrm>
+            <a:off x="457200" y="1600200"/>
+            <a:ext cx="4757742" cy="4519613"/>
+          </a:xfrm>
+          <a:prstGeom prst="rect">
+            <a:avLst/>
+          </a:prstGeom>
+          <a:noFill/>
+          <a:ln w="9525">
+            <a:noFill/>
+            <a:round/>
+            <a:headEnd/>
+            <a:tailEnd/>
+          </a:ln>
+          <a:effectLst/>
+        </p:spPr>
+        <p:txBody>
+          <a:bodyPr vert="horz" wrap="square" lIns="90000" tIns="46800" rIns="90000" bIns="46800" numCol="1" anchor="t" anchorCtr="0" compatLnSpc="1">
+            <a:prstTxWarp prst="textNoShape">
+              <a:avLst/>
+            </a:prstTxWarp>
+          </a:bodyPr>
+          <a:lstStyle/>
+          <a:p>
+            <a:pPr marL="336550" marR="0" lvl="0" indent="-336550" algn="l" defTabSz="457200" rtl="0" eaLnBrk="1" fontAlgn="base" latinLnBrk="0" hangingPunct="1">
+              <a:lnSpc>
+                <a:spcPct val="100000"/>
+              </a:lnSpc>
+              <a:spcBef>
+                <a:spcPts val="800"/>
+              </a:spcBef>
+              <a:spcAft>
+                <a:spcPct val="0"/>
+              </a:spcAft>
+              <a:buClr>
+                <a:srgbClr val="000000"/>
+              </a:buClr>
+              <a:buSzPct val="100000"/>
+              <a:buFont typeface="Arial" charset="0"/>
+              <a:buChar char="•"/>
+              <a:tabLst/>
+              <a:defRPr/>
+            </a:pPr>
+            <a:r>
+              <a:rPr kumimoji="0" lang="pt-BR" sz="3200" b="0" i="0" u="none" strike="noStrike" kern="0" cap="none" spc="0" normalizeH="0" baseline="0" noProof="0" smtClean="0">
+                <a:ln>
+                  <a:noFill/>
+                </a:ln>
+                <a:solidFill>
+                  <a:srgbClr val="000000"/>
+                </a:solidFill>
+                <a:effectLst/>
+                <a:uLnTx/>
+                <a:uFillTx/>
+                <a:latin typeface="+mn-lt"/>
+                <a:ea typeface="+mn-ea"/>
+                <a:cs typeface="+mn-cs"/>
+              </a:rPr>
+              <a:t>Um caixeiro deve visitar </a:t>
+            </a:r>
+            <a:r>
+              <a:rPr kumimoji="0" lang="pt-BR" sz="3200" b="0" i="1" u="none" strike="noStrike" kern="0" cap="none" spc="0" normalizeH="0" baseline="0" noProof="0" smtClean="0">
+                <a:ln>
+                  <a:noFill/>
+                </a:ln>
+                <a:solidFill>
+                  <a:srgbClr val="000000"/>
+                </a:solidFill>
+                <a:effectLst/>
+                <a:uLnTx/>
+                <a:uFillTx/>
+                <a:latin typeface="+mn-lt"/>
+                <a:ea typeface="+mn-ea"/>
+                <a:cs typeface="+mn-cs"/>
+              </a:rPr>
+              <a:t>N</a:t>
+            </a:r>
+            <a:r>
+              <a:rPr kumimoji="0" lang="pt-BR" sz="3200" b="0" i="0" u="none" strike="noStrike" kern="0" cap="none" spc="0" normalizeH="0" baseline="0" noProof="0" smtClean="0">
+                <a:ln>
+                  <a:noFill/>
+                </a:ln>
+                <a:solidFill>
+                  <a:srgbClr val="000000"/>
+                </a:solidFill>
+                <a:effectLst/>
+                <a:uLnTx/>
+                <a:uFillTx/>
+                <a:latin typeface="+mn-lt"/>
+                <a:ea typeface="+mn-ea"/>
+                <a:cs typeface="+mn-cs"/>
+              </a:rPr>
+              <a:t> cidades somente uma vez</a:t>
+            </a:r>
+          </a:p>
+          <a:p>
+            <a:pPr marL="336550" marR="0" lvl="0" indent="-336550" algn="l" defTabSz="457200" rtl="0" eaLnBrk="1" fontAlgn="base" latinLnBrk="0" hangingPunct="1">
+              <a:lnSpc>
+                <a:spcPct val="100000"/>
+              </a:lnSpc>
+              <a:spcBef>
+                <a:spcPts val="800"/>
+              </a:spcBef>
+              <a:spcAft>
+                <a:spcPct val="0"/>
+              </a:spcAft>
+              <a:buClr>
+                <a:srgbClr val="000000"/>
+              </a:buClr>
+              <a:buSzPct val="100000"/>
+              <a:buFont typeface="Arial" charset="0"/>
+              <a:buChar char="•"/>
+              <a:tabLst/>
+              <a:defRPr/>
+            </a:pPr>
+            <a:endParaRPr kumimoji="0" lang="pt-BR" sz="3200" b="0" i="0" u="none" strike="noStrike" kern="0" cap="none" spc="0" normalizeH="0" baseline="0" noProof="0" smtClean="0">
+              <a:ln>
+                <a:noFill/>
+              </a:ln>
+              <a:solidFill>
+                <a:srgbClr val="000000"/>
+              </a:solidFill>
+              <a:effectLst/>
+              <a:uLnTx/>
+              <a:uFillTx/>
+              <a:latin typeface="+mn-lt"/>
+              <a:ea typeface="+mn-ea"/>
+              <a:cs typeface="+mn-cs"/>
+            </a:endParaRPr>
+          </a:p>
+          <a:p>
+            <a:pPr marL="336550" marR="0" lvl="0" indent="-336550" algn="l" defTabSz="457200" rtl="0" eaLnBrk="1" fontAlgn="base" latinLnBrk="0" hangingPunct="1">
+              <a:lnSpc>
+                <a:spcPct val="100000"/>
+              </a:lnSpc>
+              <a:spcBef>
+                <a:spcPts val="800"/>
+              </a:spcBef>
+              <a:spcAft>
+                <a:spcPct val="0"/>
+              </a:spcAft>
+              <a:buClr>
+                <a:srgbClr val="000000"/>
+              </a:buClr>
+              <a:buSzPct val="100000"/>
+              <a:buFont typeface="Arial" charset="0"/>
+              <a:buChar char="•"/>
+              <a:tabLst/>
+              <a:defRPr/>
+            </a:pPr>
+            <a:r>
+              <a:rPr kumimoji="0" lang="pt-BR" sz="3200" b="0" i="0" u="none" strike="noStrike" kern="0" cap="none" spc="0" normalizeH="0" baseline="0" noProof="0" smtClean="0">
+                <a:ln>
+                  <a:noFill/>
+                </a:ln>
+                <a:solidFill>
+                  <a:srgbClr val="000000"/>
+                </a:solidFill>
+                <a:effectLst/>
+                <a:uLnTx/>
+                <a:uFillTx/>
+                <a:latin typeface="+mn-lt"/>
+                <a:ea typeface="+mn-ea"/>
+                <a:cs typeface="+mn-cs"/>
+              </a:rPr>
+              <a:t>Grafo</a:t>
+            </a:r>
+          </a:p>
+          <a:p>
+            <a:pPr marL="736600" marR="0" lvl="1" indent="-279400" algn="l" defTabSz="457200" rtl="0" eaLnBrk="1" fontAlgn="base" latinLnBrk="0" hangingPunct="1">
+              <a:lnSpc>
+                <a:spcPct val="100000"/>
+              </a:lnSpc>
+              <a:spcBef>
+                <a:spcPts val="700"/>
+              </a:spcBef>
+              <a:spcAft>
+                <a:spcPct val="0"/>
+              </a:spcAft>
+              <a:buClr>
+                <a:srgbClr val="000000"/>
+              </a:buClr>
+              <a:buSzPct val="100000"/>
+              <a:buFont typeface="Arial" charset="0"/>
+              <a:buChar char="–"/>
+              <a:tabLst/>
+              <a:defRPr/>
+            </a:pPr>
+            <a:r>
+              <a:rPr kumimoji="0" lang="pt-BR" sz="2800" b="0" i="0" u="none" strike="noStrike" kern="0" cap="none" spc="0" normalizeH="0" baseline="0" noProof="0" smtClean="0">
+                <a:ln>
+                  <a:noFill/>
+                </a:ln>
+                <a:solidFill>
+                  <a:srgbClr val="000000"/>
+                </a:solidFill>
+                <a:effectLst/>
+                <a:uLnTx/>
+                <a:uFillTx/>
+                <a:latin typeface="+mn-lt"/>
+                <a:cs typeface="+mn-cs"/>
+              </a:rPr>
+              <a:t>Vértices são as cidades</a:t>
+            </a:r>
+          </a:p>
+          <a:p>
+            <a:pPr marL="736600" marR="0" lvl="1" indent="-279400" algn="l" defTabSz="457200" rtl="0" eaLnBrk="1" fontAlgn="base" latinLnBrk="0" hangingPunct="1">
+              <a:lnSpc>
+                <a:spcPct val="100000"/>
+              </a:lnSpc>
+              <a:spcBef>
+                <a:spcPts val="700"/>
+              </a:spcBef>
+              <a:spcAft>
+                <a:spcPct val="0"/>
+              </a:spcAft>
+              <a:buClr>
+                <a:srgbClr val="000000"/>
+              </a:buClr>
+              <a:buSzPct val="100000"/>
+              <a:buFont typeface="Arial" charset="0"/>
+              <a:buChar char="–"/>
+              <a:tabLst/>
+              <a:defRPr/>
+            </a:pPr>
+            <a:r>
+              <a:rPr kumimoji="0" lang="pt-BR" sz="2800" b="0" i="0" u="none" strike="noStrike" kern="0" cap="none" spc="0" normalizeH="0" baseline="0" noProof="0" smtClean="0">
+                <a:ln>
+                  <a:noFill/>
+                </a:ln>
+                <a:solidFill>
+                  <a:srgbClr val="000000"/>
+                </a:solidFill>
+                <a:effectLst/>
+                <a:uLnTx/>
+                <a:uFillTx/>
+                <a:latin typeface="+mn-lt"/>
+                <a:cs typeface="+mn-cs"/>
+              </a:rPr>
+              <a:t>Arestas são os caminhos entre as cidades</a:t>
+            </a:r>
+          </a:p>
+        </p:txBody>
+      </p:sp>
+      <p:sp>
+        <p:nvSpPr>
+          <p:cNvPr id="2" name="Título 1"/>
+          <p:cNvSpPr>
+            <a:spLocks noGrp="1"/>
+          </p:cNvSpPr>
+          <p:nvPr>
+            <p:ph type="title"/>
+          </p:nvPr>
+        </p:nvSpPr>
+        <p:spPr/>
+        <p:txBody>
+          <a:bodyPr/>
+          <a:lstStyle/>
+          <a:p>
+            <a:r>
+              <a:rPr lang="pt-BR" smtClean="0"/>
+              <a:t>Caixeiro Viajante</a:t>
+            </a:r>
+            <a:endParaRPr lang="pt-BR"/>
+          </a:p>
+        </p:txBody>
+      </p:sp>
+      <p:pic>
+        <p:nvPicPr>
+          <p:cNvPr id="8" name="Espaço Reservado para Conteúdo 7" descr="pcv.gif"/>
+          <p:cNvPicPr>
+            <a:picLocks noGrp="1" noChangeAspect="1"/>
+          </p:cNvPicPr>
+          <p:nvPr>
+            <p:ph idx="1"/>
+          </p:nvPr>
+        </p:nvPicPr>
+        <p:blipFill>
+          <a:blip r:embed="rId3"/>
+          <a:stretch>
+            <a:fillRect/>
+          </a:stretch>
+        </p:blipFill>
+        <p:spPr>
+          <a:xfrm>
+            <a:off x="5286380" y="1500174"/>
+            <a:ext cx="3590925" cy="3352800"/>
+          </a:xfrm>
+        </p:spPr>
+      </p:pic>
+      <p:sp>
+        <p:nvSpPr>
+          <p:cNvPr id="6" name="Espaço Reservado para Rodapé 5"/>
+          <p:cNvSpPr>
+            <a:spLocks noGrp="1"/>
+          </p:cNvSpPr>
+          <p:nvPr>
+            <p:ph type="ftr" idx="10"/>
+          </p:nvPr>
+        </p:nvSpPr>
+        <p:spPr/>
+        <p:txBody>
+          <a:bodyPr/>
+          <a:lstStyle/>
+          <a:p>
+            <a:endParaRPr lang="en-US"/>
+          </a:p>
+        </p:txBody>
+      </p:sp>
+    </p:spTree>
+  </p:cSld>
+  <p:clrMapOvr>
+    <a:masterClrMapping/>
+  </p:clrMapOvr>
+  <p:timing>
+    <p:tnLst>
+      <p:par>
+        <p:cTn id="1" dur="indefinite" restart="never" nodeType="tmRoot"/>
+      </p:par>
+    </p:tnLst>
+  </p:timing>
+</p:sld>
+</file>
+
+<file path=ppt/slides/slide17.xml><?xml version="1.0" encoding="utf-8"?>
+<p:sld xmlns:a="http://schemas.openxmlformats.org/drawingml/2006/main" xmlns:r="http://schemas.openxmlformats.org/officeDocument/2006/relationships" xmlns:p="http://schemas.openxmlformats.org/presentationml/2006/main">
+  <p:cSld>
+    <p:spTree>
+      <p:nvGrpSpPr>
+        <p:cNvPr id="1" name=""/>
+        <p:cNvGrpSpPr/>
+        <p:nvPr/>
+      </p:nvGrpSpPr>
+      <p:grpSpPr>
+        <a:xfrm>
+          <a:off x="0" y="0"/>
+          <a:ext cx="0" cy="0"/>
+          <a:chOff x="0" y="0"/>
+          <a:chExt cx="0" cy="0"/>
+        </a:xfrm>
+      </p:grpSpPr>
+      <p:sp>
+        <p:nvSpPr>
+          <p:cNvPr id="2" name="Título 1"/>
+          <p:cNvSpPr>
+            <a:spLocks noGrp="1"/>
+          </p:cNvSpPr>
+          <p:nvPr>
+            <p:ph type="title"/>
+          </p:nvPr>
+        </p:nvSpPr>
+        <p:spPr/>
+        <p:txBody>
+          <a:bodyPr/>
+          <a:lstStyle/>
+          <a:p>
+            <a:r>
+              <a:rPr lang="pt-BR" smtClean="0"/>
+              <a:t>Caixeiro </a:t>
+            </a:r>
+            <a:r>
+              <a:rPr lang="pt-BR" smtClean="0"/>
+              <a:t>Viajante - Fórmulas</a:t>
+            </a:r>
+            <a:endParaRPr lang="pt-BR"/>
+          </a:p>
+        </p:txBody>
+      </p:sp>
+      <p:sp>
+        <p:nvSpPr>
+          <p:cNvPr id="3" name="Espaço Reservado para Conteúdo 2"/>
+          <p:cNvSpPr>
+            <a:spLocks noGrp="1"/>
+          </p:cNvSpPr>
+          <p:nvPr>
+            <p:ph idx="1"/>
+          </p:nvPr>
+        </p:nvSpPr>
+        <p:spPr/>
+        <p:txBody>
+          <a:bodyPr/>
+          <a:lstStyle/>
+          <a:p>
+            <a:r>
+              <a:rPr lang="pt-BR" smtClean="0"/>
+              <a:t>Menor percurso</a:t>
+            </a:r>
+          </a:p>
+          <a:p>
+            <a:endParaRPr lang="pt-BR" smtClean="0"/>
+          </a:p>
+          <a:p>
+            <a:endParaRPr lang="pt-BR" smtClean="0"/>
+          </a:p>
+          <a:p>
+            <a:r>
+              <a:rPr lang="pt-BR" smtClean="0"/>
+              <a:t>Restrição</a:t>
+            </a:r>
+          </a:p>
+          <a:p>
+            <a:pPr lvl="1"/>
+            <a:r>
+              <a:rPr lang="pt-BR" smtClean="0"/>
+              <a:t>A cidade só pode ser visitada uma vez</a:t>
+            </a:r>
+            <a:endParaRPr lang="pt-BR"/>
+          </a:p>
+        </p:txBody>
+      </p:sp>
+      <p:sp>
+        <p:nvSpPr>
+          <p:cNvPr id="4" name="Espaço Reservado para Rodapé 3"/>
+          <p:cNvSpPr>
+            <a:spLocks noGrp="1"/>
+          </p:cNvSpPr>
+          <p:nvPr>
+            <p:ph type="ftr" idx="10"/>
+          </p:nvPr>
+        </p:nvSpPr>
+        <p:spPr/>
+        <p:txBody>
+          <a:bodyPr/>
+          <a:lstStyle/>
+          <a:p>
+            <a:endParaRPr lang="en-US"/>
+          </a:p>
+        </p:txBody>
+      </p:sp>
+      <p:pic>
+        <p:nvPicPr>
+          <p:cNvPr id="6" name="Picture 3"/>
+          <p:cNvPicPr>
+            <a:picLocks noChangeAspect="1" noChangeArrowheads="1"/>
+          </p:cNvPicPr>
+          <p:nvPr/>
+        </p:nvPicPr>
+        <p:blipFill>
+          <a:blip r:embed="rId3"/>
+          <a:srcRect/>
+          <a:stretch>
+            <a:fillRect/>
+          </a:stretch>
+        </p:blipFill>
+        <p:spPr bwMode="auto">
+          <a:xfrm>
+            <a:off x="1071538" y="2071678"/>
+            <a:ext cx="2143125" cy="998537"/>
+          </a:xfrm>
+          <a:prstGeom prst="rect">
+            <a:avLst/>
+          </a:prstGeom>
+          <a:noFill/>
+          <a:ln w="9525">
+            <a:noFill/>
+            <a:miter lim="800000"/>
+            <a:headEnd/>
+            <a:tailEnd/>
+          </a:ln>
+          <a:effectLst/>
+        </p:spPr>
+      </p:pic>
+      <p:pic>
+        <p:nvPicPr>
+          <p:cNvPr id="7" name="Picture 4"/>
+          <p:cNvPicPr>
+            <a:picLocks noChangeAspect="1" noChangeArrowheads="1"/>
+          </p:cNvPicPr>
+          <p:nvPr/>
+        </p:nvPicPr>
+        <p:blipFill>
+          <a:blip r:embed="rId4"/>
+          <a:srcRect/>
+          <a:stretch>
+            <a:fillRect/>
+          </a:stretch>
+        </p:blipFill>
+        <p:spPr bwMode="auto">
+          <a:xfrm>
+            <a:off x="1071538" y="4714884"/>
+            <a:ext cx="3930650" cy="788987"/>
+          </a:xfrm>
+          <a:prstGeom prst="rect">
+            <a:avLst/>
+          </a:prstGeom>
+          <a:noFill/>
+          <a:ln w="9525">
+            <a:noFill/>
+            <a:miter lim="800000"/>
+            <a:headEnd/>
+            <a:tailEnd/>
+          </a:ln>
+          <a:effectLst/>
+        </p:spPr>
+      </p:pic>
+      <p:pic>
+        <p:nvPicPr>
+          <p:cNvPr id="4099" name="Picture 3"/>
+          <p:cNvPicPr>
+            <a:picLocks noChangeAspect="1" noChangeArrowheads="1"/>
+          </p:cNvPicPr>
+          <p:nvPr/>
+        </p:nvPicPr>
+        <p:blipFill>
+          <a:blip r:embed="rId5"/>
+          <a:srcRect/>
+          <a:stretch>
+            <a:fillRect/>
+          </a:stretch>
+        </p:blipFill>
+        <p:spPr bwMode="auto">
+          <a:xfrm>
+            <a:off x="4071934" y="2214554"/>
+            <a:ext cx="341313" cy="1077913"/>
+          </a:xfrm>
+          <a:prstGeom prst="rect">
+            <a:avLst/>
+          </a:prstGeom>
+          <a:noFill/>
+          <a:ln w="9525">
+            <a:noFill/>
+            <a:miter lim="800000"/>
+            <a:headEnd/>
+            <a:tailEnd/>
+          </a:ln>
+          <a:effectLst/>
+        </p:spPr>
+      </p:pic>
+      <p:sp>
+        <p:nvSpPr>
+          <p:cNvPr id="11" name="CaixaDeTexto 10"/>
+          <p:cNvSpPr txBox="1"/>
+          <p:nvPr/>
+        </p:nvSpPr>
+        <p:spPr>
+          <a:xfrm>
+            <a:off x="4429124" y="2143116"/>
+            <a:ext cx="4394152" cy="646331"/>
+          </a:xfrm>
+          <a:prstGeom prst="rect">
+            <a:avLst/>
+          </a:prstGeom>
+          <a:noFill/>
+        </p:spPr>
+        <p:txBody>
+          <a:bodyPr wrap="none" rtlCol="0">
+            <a:spAutoFit/>
+          </a:bodyPr>
+          <a:lstStyle/>
+          <a:p>
+            <a:pPr>
+              <a:buFont typeface="Wingdings" pitchFamily="2" charset="2"/>
+              <a:buChar char="Ø"/>
+            </a:pPr>
+            <a:r>
+              <a:rPr lang="pt-BR" smtClean="0">
+                <a:solidFill>
+                  <a:schemeClr val="tx1"/>
+                </a:solidFill>
+              </a:rPr>
+              <a:t>1 se o caixeiro foi da cidade i à cidade j</a:t>
+            </a:r>
+          </a:p>
+          <a:p>
+            <a:pPr>
+              <a:buFont typeface="Wingdings" pitchFamily="2" charset="2"/>
+              <a:buChar char="Ø"/>
+            </a:pPr>
+            <a:r>
+              <a:rPr lang="pt-BR" smtClean="0">
+                <a:solidFill>
+                  <a:schemeClr val="tx1"/>
+                </a:solidFill>
+              </a:rPr>
+              <a:t>0 caso contrário</a:t>
+            </a:r>
+            <a:endParaRPr lang="pt-BR">
+              <a:solidFill>
+                <a:schemeClr val="tx1"/>
+              </a:solidFill>
+            </a:endParaRPr>
+          </a:p>
+        </p:txBody>
+      </p:sp>
+      <p:sp>
+        <p:nvSpPr>
+          <p:cNvPr id="12" name="CaixaDeTexto 11"/>
+          <p:cNvSpPr txBox="1"/>
+          <p:nvPr/>
+        </p:nvSpPr>
+        <p:spPr>
+          <a:xfrm>
+            <a:off x="4429124" y="2928934"/>
+            <a:ext cx="3919663" cy="369332"/>
+          </a:xfrm>
+          <a:prstGeom prst="rect">
+            <a:avLst/>
+          </a:prstGeom>
+          <a:noFill/>
+        </p:spPr>
+        <p:txBody>
+          <a:bodyPr wrap="none" rtlCol="0">
+            <a:spAutoFit/>
+          </a:bodyPr>
+          <a:lstStyle/>
+          <a:p>
+            <a:pPr>
+              <a:buFont typeface="Wingdings" pitchFamily="2" charset="2"/>
+              <a:buChar char="Ø"/>
+            </a:pPr>
+            <a:r>
+              <a:rPr lang="pt-BR" smtClean="0">
+                <a:solidFill>
+                  <a:schemeClr val="tx1"/>
+                </a:solidFill>
+              </a:rPr>
+              <a:t>Custo para ir da cidade i à cidade j</a:t>
+            </a:r>
+            <a:endParaRPr lang="pt-BR">
+              <a:solidFill>
+                <a:schemeClr val="tx1"/>
+              </a:solidFill>
+            </a:endParaRPr>
+          </a:p>
+        </p:txBody>
+      </p:sp>
+    </p:spTree>
+  </p:cSld>
+  <p:clrMapOvr>
+    <a:masterClrMapping/>
+  </p:clrMapOvr>
+</p:sld>
+</file>
+
+<file path=ppt/slides/slide18.xml><?xml version="1.0" encoding="utf-8"?>
+<p:sld xmlns:a="http://schemas.openxmlformats.org/drawingml/2006/main" xmlns:r="http://schemas.openxmlformats.org/officeDocument/2006/relationships" xmlns:p="http://schemas.openxmlformats.org/presentationml/2006/main">
+  <p:cSld>
+    <p:spTree>
+      <p:nvGrpSpPr>
+        <p:cNvPr id="1" name=""/>
+        <p:cNvGrpSpPr/>
+        <p:nvPr/>
+      </p:nvGrpSpPr>
+      <p:grpSpPr>
+        <a:xfrm>
+          <a:off x="0" y="0"/>
+          <a:ext cx="0" cy="0"/>
+          <a:chOff x="0" y="0"/>
+          <a:chExt cx="0" cy="0"/>
+        </a:xfrm>
+      </p:grpSpPr>
+      <p:sp>
+        <p:nvSpPr>
+          <p:cNvPr id="2" name="Título 1"/>
+          <p:cNvSpPr>
+            <a:spLocks noGrp="1"/>
+          </p:cNvSpPr>
+          <p:nvPr>
+            <p:ph type="title"/>
+          </p:nvPr>
+        </p:nvSpPr>
+        <p:spPr/>
+        <p:txBody>
+          <a:bodyPr/>
+          <a:lstStyle/>
+          <a:p>
+            <a:r>
+              <a:rPr lang="pt-BR" smtClean="0"/>
+              <a:t>Roteamento de Veículos</a:t>
+            </a:r>
+            <a:endParaRPr lang="pt-BR"/>
+          </a:p>
+        </p:txBody>
+      </p:sp>
+      <p:sp>
+        <p:nvSpPr>
+          <p:cNvPr id="3" name="Espaço Reservado para Conteúdo 2"/>
+          <p:cNvSpPr>
+            <a:spLocks noGrp="1"/>
+          </p:cNvSpPr>
+          <p:nvPr>
+            <p:ph idx="1"/>
+          </p:nvPr>
+        </p:nvSpPr>
+        <p:spPr>
+          <a:xfrm>
+            <a:off x="457200" y="1600200"/>
+            <a:ext cx="6329378" cy="4519613"/>
+          </a:xfrm>
+        </p:spPr>
+        <p:txBody>
+          <a:bodyPr/>
+          <a:lstStyle/>
+          <a:p>
+            <a:endParaRPr lang="pt-BR"/>
+          </a:p>
+        </p:txBody>
+      </p:sp>
+      <p:sp>
+        <p:nvSpPr>
+          <p:cNvPr id="6" name="Espaço Reservado para Rodapé 5"/>
+          <p:cNvSpPr>
+            <a:spLocks noGrp="1"/>
+          </p:cNvSpPr>
+          <p:nvPr>
+            <p:ph type="ftr" idx="10"/>
+          </p:nvPr>
+        </p:nvSpPr>
+        <p:spPr/>
+        <p:txBody>
+          <a:bodyPr/>
+          <a:lstStyle/>
+          <a:p>
+            <a:endParaRPr lang="en-US"/>
+          </a:p>
+        </p:txBody>
+      </p:sp>
+    </p:spTree>
+  </p:cSld>
+  <p:clrMapOvr>
+    <a:masterClrMapping/>
+  </p:clrMapOvr>
+  <p:timing>
+    <p:tnLst>
+      <p:par>
+        <p:cTn id="1" dur="indefinite" restart="never" nodeType="tmRoot"/>
+      </p:par>
+    </p:tnLst>
+  </p:timing>
+</p:sld>
+</file>
+
+<file path=ppt/slides/slide19.xml><?xml version="1.0" encoding="utf-8"?>
+<p:sld xmlns:a="http://schemas.openxmlformats.org/drawingml/2006/main" xmlns:r="http://schemas.openxmlformats.org/officeDocument/2006/relationships" xmlns:p="http://schemas.openxmlformats.org/presentationml/2006/main">
+  <p:cSld>
+    <p:spTree>
+      <p:nvGrpSpPr>
+        <p:cNvPr id="1" name=""/>
+        <p:cNvGrpSpPr/>
+        <p:nvPr/>
+      </p:nvGrpSpPr>
+      <p:grpSpPr>
+        <a:xfrm>
+          <a:off x="0" y="0"/>
+          <a:ext cx="0" cy="0"/>
+          <a:chOff x="0" y="0"/>
+          <a:chExt cx="0" cy="0"/>
+        </a:xfrm>
+      </p:grpSpPr>
+      <p:sp>
+        <p:nvSpPr>
           <p:cNvPr id="2" name="Título 1"/>
           <p:cNvSpPr>
             <a:spLocks noGrp="1"/>
@@ -10742,11 +11828,7 @@
             </a:r>
             <a:r>
               <a:rPr lang="pt-BR" smtClean="0"/>
-              <a:t>(</a:t>
-            </a:r>
-            <a:r>
-              <a:rPr lang="pt-BR" smtClean="0"/>
-              <a:t>VFH)</a:t>
+              <a:t>(VFH)</a:t>
             </a:r>
           </a:p>
         </p:txBody>
@@ -10813,482 +11895,6 @@
 </p:sld>
 </file>
 
-<file path=ppt/slides/slide17.xml><?xml version="1.0" encoding="utf-8"?>
-<p:sld xmlns:a="http://schemas.openxmlformats.org/drawingml/2006/main" xmlns:r="http://schemas.openxmlformats.org/officeDocument/2006/relationships" xmlns:p="http://schemas.openxmlformats.org/presentationml/2006/main">
-  <p:cSld>
-    <p:spTree>
-      <p:nvGrpSpPr>
-        <p:cNvPr id="1" name=""/>
-        <p:cNvGrpSpPr/>
-        <p:nvPr/>
-      </p:nvGrpSpPr>
-      <p:grpSpPr>
-        <a:xfrm>
-          <a:off x="0" y="0"/>
-          <a:ext cx="0" cy="0"/>
-          <a:chOff x="0" y="0"/>
-          <a:chExt cx="0" cy="0"/>
-        </a:xfrm>
-      </p:grpSpPr>
-      <p:sp>
-        <p:nvSpPr>
-          <p:cNvPr id="2" name="Título 1"/>
-          <p:cNvSpPr>
-            <a:spLocks noGrp="1"/>
-          </p:cNvSpPr>
-          <p:nvPr>
-            <p:ph type="title"/>
-          </p:nvPr>
-        </p:nvSpPr>
-        <p:spPr/>
-        <p:txBody>
-          <a:bodyPr/>
-          <a:lstStyle/>
-          <a:p>
-            <a:endParaRPr lang="pt-BR"/>
-          </a:p>
-        </p:txBody>
-      </p:sp>
-      <p:sp>
-        <p:nvSpPr>
-          <p:cNvPr id="3" name="Espaço Reservado para Conteúdo 2"/>
-          <p:cNvSpPr>
-            <a:spLocks noGrp="1"/>
-          </p:cNvSpPr>
-          <p:nvPr>
-            <p:ph idx="1"/>
-          </p:nvPr>
-        </p:nvSpPr>
-        <p:spPr/>
-        <p:txBody>
-          <a:bodyPr/>
-          <a:lstStyle/>
-          <a:p>
-            <a:endParaRPr lang="pt-BR" smtClean="0"/>
-          </a:p>
-          <a:p>
-            <a:r>
-              <a:rPr lang="pt-BR" sz="4000" b="1" smtClean="0"/>
-              <a:t>Novo</a:t>
-            </a:r>
-            <a:endParaRPr lang="pt-BR" sz="4000" b="1" smtClean="0"/>
-          </a:p>
-          <a:p>
-            <a:endParaRPr lang="pt-BR" sz="4000" b="1" smtClean="0"/>
-          </a:p>
-          <a:p>
-            <a:r>
-              <a:rPr lang="pt-BR" sz="4000" b="1" smtClean="0"/>
-              <a:t>=========================</a:t>
-            </a:r>
-          </a:p>
-          <a:p>
-            <a:endParaRPr lang="pt-BR" sz="4000" b="1" smtClean="0"/>
-          </a:p>
-          <a:p>
-            <a:r>
-              <a:rPr lang="pt-BR" sz="4000" b="1" smtClean="0"/>
-              <a:t>Velho</a:t>
-            </a:r>
-            <a:endParaRPr lang="pt-BR" sz="4000" b="1"/>
-          </a:p>
-        </p:txBody>
-      </p:sp>
-      <p:sp>
-        <p:nvSpPr>
-          <p:cNvPr id="4" name="Espaço Reservado para Rodapé 3"/>
-          <p:cNvSpPr>
-            <a:spLocks noGrp="1"/>
-          </p:cNvSpPr>
-          <p:nvPr>
-            <p:ph type="ftr" idx="10"/>
-          </p:nvPr>
-        </p:nvSpPr>
-        <p:spPr/>
-        <p:txBody>
-          <a:bodyPr/>
-          <a:lstStyle/>
-          <a:p>
-            <a:endParaRPr lang="en-US"/>
-          </a:p>
-        </p:txBody>
-      </p:sp>
-    </p:spTree>
-  </p:cSld>
-  <p:clrMapOvr>
-    <a:masterClrMapping/>
-  </p:clrMapOvr>
-</p:sld>
-</file>
-
-<file path=ppt/slides/slide18.xml><?xml version="1.0" encoding="utf-8"?>
-<p:sld xmlns:a="http://schemas.openxmlformats.org/drawingml/2006/main" xmlns:r="http://schemas.openxmlformats.org/officeDocument/2006/relationships" xmlns:p="http://schemas.openxmlformats.org/presentationml/2006/main">
-  <p:cSld>
-    <p:spTree>
-      <p:nvGrpSpPr>
-        <p:cNvPr id="1" name=""/>
-        <p:cNvGrpSpPr/>
-        <p:nvPr/>
-      </p:nvGrpSpPr>
-      <p:grpSpPr>
-        <a:xfrm>
-          <a:off x="0" y="0"/>
-          <a:ext cx="0" cy="0"/>
-          <a:chOff x="0" y="0"/>
-          <a:chExt cx="0" cy="0"/>
-        </a:xfrm>
-      </p:grpSpPr>
-      <p:sp>
-        <p:nvSpPr>
-          <p:cNvPr id="2" name="Título 1"/>
-          <p:cNvSpPr>
-            <a:spLocks noGrp="1"/>
-          </p:cNvSpPr>
-          <p:nvPr>
-            <p:ph type="title"/>
-          </p:nvPr>
-        </p:nvSpPr>
-        <p:spPr/>
-        <p:txBody>
-          <a:bodyPr/>
-          <a:lstStyle/>
-          <a:p>
-            <a:r>
-              <a:rPr lang="pt-BR" smtClean="0"/>
-              <a:t>Projeto</a:t>
-            </a:r>
-            <a:endParaRPr lang="pt-BR"/>
-          </a:p>
-        </p:txBody>
-      </p:sp>
-      <p:sp>
-        <p:nvSpPr>
-          <p:cNvPr id="3" name="Espaço Reservado para Conteúdo 2"/>
-          <p:cNvSpPr>
-            <a:spLocks noGrp="1"/>
-          </p:cNvSpPr>
-          <p:nvPr>
-            <p:ph idx="1"/>
-          </p:nvPr>
-        </p:nvSpPr>
-        <p:spPr>
-          <a:xfrm>
-            <a:off x="457200" y="1571612"/>
-            <a:ext cx="8223250" cy="4519613"/>
-          </a:xfrm>
-        </p:spPr>
-        <p:txBody>
-          <a:bodyPr/>
-          <a:lstStyle/>
-          <a:p>
-            <a:r>
-              <a:rPr lang="pt-BR" smtClean="0"/>
-              <a:t>Critérios de avaliação</a:t>
-            </a:r>
-          </a:p>
-          <a:p>
-            <a:pPr lvl="1"/>
-            <a:r>
-              <a:rPr lang="pt-BR" smtClean="0"/>
-              <a:t>Freqüência relativa</a:t>
-            </a:r>
-          </a:p>
-          <a:p>
-            <a:pPr lvl="1"/>
-            <a:endParaRPr lang="pt-BR" smtClean="0"/>
-          </a:p>
-          <a:p>
-            <a:pPr lvl="1"/>
-            <a:endParaRPr lang="pt-BR" smtClean="0"/>
-          </a:p>
-          <a:p>
-            <a:pPr lvl="1"/>
-            <a:r>
-              <a:rPr lang="pt-BR" smtClean="0"/>
-              <a:t>Gráfico de Urgência total</a:t>
-            </a:r>
-          </a:p>
-          <a:p>
-            <a:pPr lvl="1">
-              <a:buNone/>
-            </a:pPr>
-            <a:endParaRPr lang="pt-BR"/>
-          </a:p>
-        </p:txBody>
-      </p:sp>
-      <p:pic>
-        <p:nvPicPr>
-          <p:cNvPr id="4" name="Imagem 3" descr="freq_relativa.gif"/>
-          <p:cNvPicPr>
-            <a:picLocks noChangeAspect="1"/>
-          </p:cNvPicPr>
-          <p:nvPr/>
-        </p:nvPicPr>
-        <p:blipFill>
-          <a:blip r:embed="rId3"/>
-          <a:stretch>
-            <a:fillRect/>
-          </a:stretch>
-        </p:blipFill>
-        <p:spPr>
-          <a:xfrm>
-            <a:off x="2786050" y="2714620"/>
-            <a:ext cx="1643074" cy="821537"/>
-          </a:xfrm>
-          <a:prstGeom prst="rect">
-            <a:avLst/>
-          </a:prstGeom>
-        </p:spPr>
-      </p:pic>
-      <p:pic>
-        <p:nvPicPr>
-          <p:cNvPr id="5" name="Imagem 4" descr="grau_de_urgencia.gif"/>
-          <p:cNvPicPr>
-            <a:picLocks noChangeAspect="1"/>
-          </p:cNvPicPr>
-          <p:nvPr/>
-        </p:nvPicPr>
-        <p:blipFill>
-          <a:blip r:embed="rId4"/>
-          <a:stretch>
-            <a:fillRect/>
-          </a:stretch>
-        </p:blipFill>
-        <p:spPr>
-          <a:xfrm>
-            <a:off x="3357554" y="4714884"/>
-            <a:ext cx="1905013" cy="357190"/>
-          </a:xfrm>
-          <a:prstGeom prst="rect">
-            <a:avLst/>
-          </a:prstGeom>
-        </p:spPr>
-      </p:pic>
-      <p:pic>
-        <p:nvPicPr>
-          <p:cNvPr id="6" name="Imagem 5" descr="urgencia_total.gif"/>
-          <p:cNvPicPr>
-            <a:picLocks noChangeAspect="1"/>
-          </p:cNvPicPr>
-          <p:nvPr/>
-        </p:nvPicPr>
-        <p:blipFill>
-          <a:blip r:embed="rId5"/>
-          <a:stretch>
-            <a:fillRect/>
-          </a:stretch>
-        </p:blipFill>
-        <p:spPr>
-          <a:xfrm>
-            <a:off x="1357290" y="4500570"/>
-            <a:ext cx="1143008" cy="900119"/>
-          </a:xfrm>
-          <a:prstGeom prst="rect">
-            <a:avLst/>
-          </a:prstGeom>
-        </p:spPr>
-      </p:pic>
-      <p:sp>
-        <p:nvSpPr>
-          <p:cNvPr id="7" name="Espaço Reservado para Rodapé 6"/>
-          <p:cNvSpPr>
-            <a:spLocks noGrp="1"/>
-          </p:cNvSpPr>
-          <p:nvPr>
-            <p:ph type="ftr" idx="10"/>
-          </p:nvPr>
-        </p:nvSpPr>
-        <p:spPr/>
-        <p:txBody>
-          <a:bodyPr/>
-          <a:lstStyle/>
-          <a:p>
-            <a:endParaRPr lang="en-US"/>
-          </a:p>
-        </p:txBody>
-      </p:sp>
-    </p:spTree>
-  </p:cSld>
-  <p:clrMapOvr>
-    <a:masterClrMapping/>
-  </p:clrMapOvr>
-  <p:timing>
-    <p:tnLst>
-      <p:par>
-        <p:cTn id="1" dur="indefinite" restart="never" nodeType="tmRoot"/>
-      </p:par>
-    </p:tnLst>
-  </p:timing>
-</p:sld>
-</file>
-
-<file path=ppt/slides/slide19.xml><?xml version="1.0" encoding="utf-8"?>
-<p:sld xmlns:a="http://schemas.openxmlformats.org/drawingml/2006/main" xmlns:r="http://schemas.openxmlformats.org/officeDocument/2006/relationships" xmlns:p="http://schemas.openxmlformats.org/presentationml/2006/main">
-  <p:cSld>
-    <p:spTree>
-      <p:nvGrpSpPr>
-        <p:cNvPr id="1" name=""/>
-        <p:cNvGrpSpPr/>
-        <p:nvPr/>
-      </p:nvGrpSpPr>
-      <p:grpSpPr>
-        <a:xfrm>
-          <a:off x="0" y="0"/>
-          <a:ext cx="0" cy="0"/>
-          <a:chOff x="0" y="0"/>
-          <a:chExt cx="0" cy="0"/>
-        </a:xfrm>
-      </p:grpSpPr>
-      <p:sp>
-        <p:nvSpPr>
-          <p:cNvPr id="2" name="Título 1"/>
-          <p:cNvSpPr>
-            <a:spLocks noGrp="1"/>
-          </p:cNvSpPr>
-          <p:nvPr>
-            <p:ph type="title"/>
-          </p:nvPr>
-        </p:nvSpPr>
-        <p:spPr/>
-        <p:txBody>
-          <a:bodyPr/>
-          <a:lstStyle/>
-          <a:p>
-            <a:r>
-              <a:rPr lang="pt-BR" smtClean="0"/>
-              <a:t>Projeto	</a:t>
-            </a:r>
-            <a:endParaRPr lang="pt-BR"/>
-          </a:p>
-        </p:txBody>
-      </p:sp>
-      <p:sp>
-        <p:nvSpPr>
-          <p:cNvPr id="3" name="Espaço Reservado para Conteúdo 2"/>
-          <p:cNvSpPr>
-            <a:spLocks noGrp="1"/>
-          </p:cNvSpPr>
-          <p:nvPr>
-            <p:ph idx="1"/>
-          </p:nvPr>
-        </p:nvSpPr>
-        <p:spPr/>
-        <p:txBody>
-          <a:bodyPr/>
-          <a:lstStyle/>
-          <a:p>
-            <a:r>
-              <a:rPr lang="pt-BR" smtClean="0"/>
-              <a:t>Metodologia</a:t>
-            </a:r>
-          </a:p>
-          <a:p>
-            <a:pPr lvl="1"/>
-            <a:r>
-              <a:rPr lang="pt-BR" smtClean="0"/>
-              <a:t>Mapa topológico</a:t>
-            </a:r>
-          </a:p>
-          <a:p>
-            <a:pPr lvl="2"/>
-            <a:r>
-              <a:rPr lang="pt-BR" smtClean="0"/>
-              <a:t>Diagrama de Voronoi</a:t>
-            </a:r>
-          </a:p>
-          <a:p>
-            <a:pPr lvl="2"/>
-            <a:r>
-              <a:rPr lang="pt-BR" smtClean="0"/>
-              <a:t>Dijkstra</a:t>
-            </a:r>
-          </a:p>
-          <a:p>
-            <a:pPr lvl="2"/>
-            <a:endParaRPr lang="pt-BR" smtClean="0"/>
-          </a:p>
-          <a:p>
-            <a:pPr lvl="1"/>
-            <a:r>
-              <a:rPr lang="pt-BR" smtClean="0"/>
-              <a:t>Grafo auxiliar</a:t>
-            </a:r>
-          </a:p>
-          <a:p>
-            <a:pPr lvl="2"/>
-            <a:r>
-              <a:rPr lang="pt-BR" smtClean="0"/>
-              <a:t>Somenta Salas</a:t>
-            </a:r>
-          </a:p>
-          <a:p>
-            <a:pPr lvl="2"/>
-            <a:r>
-              <a:rPr lang="pt-BR" smtClean="0"/>
-              <a:t>Grafo Completo</a:t>
-            </a:r>
-            <a:endParaRPr lang="pt-BR"/>
-          </a:p>
-        </p:txBody>
-      </p:sp>
-      <p:pic>
-        <p:nvPicPr>
-          <p:cNvPr id="4" name="Imagem 3" descr="exemplo_voronoi.jpg"/>
-          <p:cNvPicPr>
-            <a:picLocks noChangeAspect="1"/>
-          </p:cNvPicPr>
-          <p:nvPr/>
-        </p:nvPicPr>
-        <p:blipFill>
-          <a:blip r:embed="rId3"/>
-          <a:stretch>
-            <a:fillRect/>
-          </a:stretch>
-        </p:blipFill>
-        <p:spPr>
-          <a:xfrm>
-            <a:off x="4572000" y="3500438"/>
-            <a:ext cx="3538539" cy="2402962"/>
-          </a:xfrm>
-          <a:prstGeom prst="rect">
-            <a:avLst/>
-          </a:prstGeom>
-        </p:spPr>
-      </p:pic>
-      <p:sp>
-        <p:nvSpPr>
-          <p:cNvPr id="5" name="Espaço Reservado para Rodapé 4"/>
-          <p:cNvSpPr>
-            <a:spLocks noGrp="1"/>
-          </p:cNvSpPr>
-          <p:nvPr>
-            <p:ph type="ftr" idx="10"/>
-          </p:nvPr>
-        </p:nvSpPr>
-        <p:spPr/>
-        <p:txBody>
-          <a:bodyPr/>
-          <a:lstStyle/>
-          <a:p>
-            <a:endParaRPr lang="en-US"/>
-          </a:p>
-        </p:txBody>
-      </p:sp>
-    </p:spTree>
-  </p:cSld>
-  <p:clrMapOvr>
-    <a:masterClrMapping/>
-  </p:clrMapOvr>
-  <p:timing>
-    <p:tnLst>
-      <p:par>
-        <p:cTn id="1" dur="indefinite" restart="never" nodeType="tmRoot"/>
-      </p:par>
-    </p:tnLst>
-  </p:timing>
-</p:sld>
-</file>
-
 <file path=ppt/slides/slide2.xml><?xml version="1.0" encoding="utf-8"?>
 <p:sld xmlns:a="http://schemas.openxmlformats.org/drawingml/2006/main" xmlns:r="http://schemas.openxmlformats.org/officeDocument/2006/relationships" xmlns:p="http://schemas.openxmlformats.org/presentationml/2006/main">
   <p:cSld>
@@ -11429,6 +12035,280 @@
           <a:bodyPr/>
           <a:lstStyle/>
           <a:p>
+            <a:endParaRPr lang="pt-BR"/>
+          </a:p>
+        </p:txBody>
+      </p:sp>
+      <p:sp>
+        <p:nvSpPr>
+          <p:cNvPr id="3" name="Espaço Reservado para Conteúdo 2"/>
+          <p:cNvSpPr>
+            <a:spLocks noGrp="1"/>
+          </p:cNvSpPr>
+          <p:nvPr>
+            <p:ph idx="1"/>
+          </p:nvPr>
+        </p:nvSpPr>
+        <p:spPr/>
+        <p:txBody>
+          <a:bodyPr/>
+          <a:lstStyle/>
+          <a:p>
+            <a:endParaRPr lang="pt-BR" smtClean="0"/>
+          </a:p>
+          <a:p>
+            <a:r>
+              <a:rPr lang="pt-BR" sz="4000" b="1" smtClean="0"/>
+              <a:t>Novo</a:t>
+            </a:r>
+          </a:p>
+          <a:p>
+            <a:endParaRPr lang="pt-BR" sz="4000" b="1" smtClean="0"/>
+          </a:p>
+          <a:p>
+            <a:r>
+              <a:rPr lang="pt-BR" sz="4000" b="1" smtClean="0"/>
+              <a:t>=========================</a:t>
+            </a:r>
+          </a:p>
+          <a:p>
+            <a:endParaRPr lang="pt-BR" sz="4000" b="1" smtClean="0"/>
+          </a:p>
+          <a:p>
+            <a:r>
+              <a:rPr lang="pt-BR" sz="4000" b="1" smtClean="0"/>
+              <a:t>Velho</a:t>
+            </a:r>
+            <a:endParaRPr lang="pt-BR" sz="4000" b="1"/>
+          </a:p>
+        </p:txBody>
+      </p:sp>
+      <p:sp>
+        <p:nvSpPr>
+          <p:cNvPr id="4" name="Espaço Reservado para Rodapé 3"/>
+          <p:cNvSpPr>
+            <a:spLocks noGrp="1"/>
+          </p:cNvSpPr>
+          <p:nvPr>
+            <p:ph type="ftr" idx="10"/>
+          </p:nvPr>
+        </p:nvSpPr>
+        <p:spPr/>
+        <p:txBody>
+          <a:bodyPr/>
+          <a:lstStyle/>
+          <a:p>
+            <a:endParaRPr lang="en-US"/>
+          </a:p>
+        </p:txBody>
+      </p:sp>
+    </p:spTree>
+  </p:cSld>
+  <p:clrMapOvr>
+    <a:masterClrMapping/>
+  </p:clrMapOvr>
+</p:sld>
+</file>
+
+<file path=ppt/slides/slide21.xml><?xml version="1.0" encoding="utf-8"?>
+<p:sld xmlns:a="http://schemas.openxmlformats.org/drawingml/2006/main" xmlns:r="http://schemas.openxmlformats.org/officeDocument/2006/relationships" xmlns:p="http://schemas.openxmlformats.org/presentationml/2006/main">
+  <p:cSld>
+    <p:spTree>
+      <p:nvGrpSpPr>
+        <p:cNvPr id="1" name=""/>
+        <p:cNvGrpSpPr/>
+        <p:nvPr/>
+      </p:nvGrpSpPr>
+      <p:grpSpPr>
+        <a:xfrm>
+          <a:off x="0" y="0"/>
+          <a:ext cx="0" cy="0"/>
+          <a:chOff x="0" y="0"/>
+          <a:chExt cx="0" cy="0"/>
+        </a:xfrm>
+      </p:grpSpPr>
+      <p:sp>
+        <p:nvSpPr>
+          <p:cNvPr id="2" name="Título 1"/>
+          <p:cNvSpPr>
+            <a:spLocks noGrp="1"/>
+          </p:cNvSpPr>
+          <p:nvPr>
+            <p:ph type="title"/>
+          </p:nvPr>
+        </p:nvSpPr>
+        <p:spPr/>
+        <p:txBody>
+          <a:bodyPr/>
+          <a:lstStyle/>
+          <a:p>
+            <a:r>
+              <a:rPr lang="pt-BR" smtClean="0"/>
+              <a:t>Projeto	</a:t>
+            </a:r>
+            <a:endParaRPr lang="pt-BR"/>
+          </a:p>
+        </p:txBody>
+      </p:sp>
+      <p:sp>
+        <p:nvSpPr>
+          <p:cNvPr id="3" name="Espaço Reservado para Conteúdo 2"/>
+          <p:cNvSpPr>
+            <a:spLocks noGrp="1"/>
+          </p:cNvSpPr>
+          <p:nvPr>
+            <p:ph idx="1"/>
+          </p:nvPr>
+        </p:nvSpPr>
+        <p:spPr/>
+        <p:txBody>
+          <a:bodyPr/>
+          <a:lstStyle/>
+          <a:p>
+            <a:r>
+              <a:rPr lang="pt-BR" smtClean="0"/>
+              <a:t>Metodologia</a:t>
+            </a:r>
+          </a:p>
+          <a:p>
+            <a:pPr lvl="1"/>
+            <a:r>
+              <a:rPr lang="pt-BR" smtClean="0"/>
+              <a:t>Mapa topológico</a:t>
+            </a:r>
+          </a:p>
+          <a:p>
+            <a:pPr lvl="2"/>
+            <a:r>
+              <a:rPr lang="pt-BR" smtClean="0"/>
+              <a:t>Diagrama de Voronoi</a:t>
+            </a:r>
+          </a:p>
+          <a:p>
+            <a:pPr lvl="2"/>
+            <a:r>
+              <a:rPr lang="pt-BR" smtClean="0"/>
+              <a:t>Dijkstra</a:t>
+            </a:r>
+          </a:p>
+          <a:p>
+            <a:pPr lvl="2"/>
+            <a:endParaRPr lang="pt-BR" smtClean="0"/>
+          </a:p>
+          <a:p>
+            <a:pPr lvl="1"/>
+            <a:r>
+              <a:rPr lang="pt-BR" smtClean="0"/>
+              <a:t>Grafo auxiliar</a:t>
+            </a:r>
+          </a:p>
+          <a:p>
+            <a:pPr lvl="2"/>
+            <a:r>
+              <a:rPr lang="pt-BR" smtClean="0"/>
+              <a:t>Somenta Salas</a:t>
+            </a:r>
+          </a:p>
+          <a:p>
+            <a:pPr lvl="2"/>
+            <a:r>
+              <a:rPr lang="pt-BR" smtClean="0"/>
+              <a:t>Grafo Completo</a:t>
+            </a:r>
+            <a:endParaRPr lang="pt-BR"/>
+          </a:p>
+        </p:txBody>
+      </p:sp>
+      <p:pic>
+        <p:nvPicPr>
+          <p:cNvPr id="4" name="Imagem 3" descr="exemplo_voronoi.jpg"/>
+          <p:cNvPicPr>
+            <a:picLocks noChangeAspect="1"/>
+          </p:cNvPicPr>
+          <p:nvPr/>
+        </p:nvPicPr>
+        <p:blipFill>
+          <a:blip r:embed="rId3"/>
+          <a:stretch>
+            <a:fillRect/>
+          </a:stretch>
+        </p:blipFill>
+        <p:spPr>
+          <a:xfrm>
+            <a:off x="4572000" y="3500438"/>
+            <a:ext cx="3538539" cy="2402962"/>
+          </a:xfrm>
+          <a:prstGeom prst="rect">
+            <a:avLst/>
+          </a:prstGeom>
+        </p:spPr>
+      </p:pic>
+      <p:sp>
+        <p:nvSpPr>
+          <p:cNvPr id="5" name="Espaço Reservado para Rodapé 4"/>
+          <p:cNvSpPr>
+            <a:spLocks noGrp="1"/>
+          </p:cNvSpPr>
+          <p:nvPr>
+            <p:ph type="ftr" idx="10"/>
+          </p:nvPr>
+        </p:nvSpPr>
+        <p:spPr/>
+        <p:txBody>
+          <a:bodyPr/>
+          <a:lstStyle/>
+          <a:p>
+            <a:endParaRPr lang="en-US"/>
+          </a:p>
+        </p:txBody>
+      </p:sp>
+    </p:spTree>
+  </p:cSld>
+  <p:clrMapOvr>
+    <a:masterClrMapping/>
+  </p:clrMapOvr>
+  <p:timing>
+    <p:tnLst>
+      <p:par>
+        <p:cTn id="1" dur="indefinite" restart="never" nodeType="tmRoot"/>
+      </p:par>
+    </p:tnLst>
+  </p:timing>
+</p:sld>
+</file>
+
+<file path=ppt/slides/slide22.xml><?xml version="1.0" encoding="utf-8"?>
+<p:sld xmlns:a="http://schemas.openxmlformats.org/drawingml/2006/main" xmlns:r="http://schemas.openxmlformats.org/officeDocument/2006/relationships" xmlns:p="http://schemas.openxmlformats.org/presentationml/2006/main">
+  <p:cSld>
+    <p:spTree>
+      <p:nvGrpSpPr>
+        <p:cNvPr id="1" name=""/>
+        <p:cNvGrpSpPr/>
+        <p:nvPr/>
+      </p:nvGrpSpPr>
+      <p:grpSpPr>
+        <a:xfrm>
+          <a:off x="0" y="0"/>
+          <a:ext cx="0" cy="0"/>
+          <a:chOff x="0" y="0"/>
+          <a:chExt cx="0" cy="0"/>
+        </a:xfrm>
+      </p:grpSpPr>
+      <p:sp>
+        <p:nvSpPr>
+          <p:cNvPr id="2" name="Título 1"/>
+          <p:cNvSpPr>
+            <a:spLocks noGrp="1"/>
+          </p:cNvSpPr>
+          <p:nvPr>
+            <p:ph type="title"/>
+          </p:nvPr>
+        </p:nvSpPr>
+        <p:spPr/>
+        <p:txBody>
+          <a:bodyPr/>
+          <a:lstStyle/>
+          <a:p>
             <a:r>
               <a:rPr lang="pt-BR" smtClean="0"/>
               <a:t>Projeto	</a:t>
@@ -11690,7 +12570,7 @@
 </p:sld>
 </file>
 
-<file path=ppt/slides/slide21.xml><?xml version="1.0" encoding="utf-8"?>
+<file path=ppt/slides/slide23.xml><?xml version="1.0" encoding="utf-8"?>
 <p:sld xmlns:a="http://schemas.openxmlformats.org/drawingml/2006/main" xmlns:r="http://schemas.openxmlformats.org/officeDocument/2006/relationships" xmlns:p="http://schemas.openxmlformats.org/presentationml/2006/main">
   <p:cSld>
     <p:spTree>
@@ -11915,7 +12795,7 @@
 </p:sld>
 </file>
 
-<file path=ppt/slides/slide22.xml><?xml version="1.0" encoding="utf-8"?>
+<file path=ppt/slides/slide24.xml><?xml version="1.0" encoding="utf-8"?>
 <p:sld xmlns:a="http://schemas.openxmlformats.org/drawingml/2006/main" xmlns:r="http://schemas.openxmlformats.org/officeDocument/2006/relationships" xmlns:p="http://schemas.openxmlformats.org/presentationml/2006/main">
   <p:cSld>
     <p:spTree>
@@ -12035,54 +12915,6 @@
           </a:prstGeom>
         </p:spPr>
       </p:pic>
-      <p:pic>
-        <p:nvPicPr>
-          <p:cNvPr id="5" name="Imagem 4" descr="cv01.jpg"/>
-          <p:cNvPicPr>
-            <a:picLocks noChangeAspect="1"/>
-          </p:cNvPicPr>
-          <p:nvPr/>
-        </p:nvPicPr>
-        <p:blipFill>
-          <a:blip r:embed="rId4"/>
-          <a:stretch>
-            <a:fillRect/>
-          </a:stretch>
-        </p:blipFill>
-        <p:spPr>
-          <a:xfrm>
-            <a:off x="2571736" y="3714752"/>
-            <a:ext cx="1828800" cy="638175"/>
-          </a:xfrm>
-          <a:prstGeom prst="rect">
-            <a:avLst/>
-          </a:prstGeom>
-        </p:spPr>
-      </p:pic>
-      <p:pic>
-        <p:nvPicPr>
-          <p:cNvPr id="6" name="Imagem 5" descr="cv02.jpg"/>
-          <p:cNvPicPr>
-            <a:picLocks noChangeAspect="1"/>
-          </p:cNvPicPr>
-          <p:nvPr/>
-        </p:nvPicPr>
-        <p:blipFill>
-          <a:blip r:embed="rId5"/>
-          <a:stretch>
-            <a:fillRect/>
-          </a:stretch>
-        </p:blipFill>
-        <p:spPr>
-          <a:xfrm>
-            <a:off x="2143108" y="4714884"/>
-            <a:ext cx="2971800" cy="533400"/>
-          </a:xfrm>
-          <a:prstGeom prst="rect">
-            <a:avLst/>
-          </a:prstGeom>
-        </p:spPr>
-      </p:pic>
       <p:sp>
         <p:nvSpPr>
           <p:cNvPr id="8" name="Espaço Reservado para Rodapé 7"/>
@@ -12117,7 +12949,7 @@
 </p:sld>
 </file>
 
-<file path=ppt/slides/slide23.xml><?xml version="1.0" encoding="utf-8"?>
+<file path=ppt/slides/slide25.xml><?xml version="1.0" encoding="utf-8"?>
 <p:sld xmlns:a="http://schemas.openxmlformats.org/drawingml/2006/main" xmlns:r="http://schemas.openxmlformats.org/officeDocument/2006/relationships" xmlns:p="http://schemas.openxmlformats.org/presentationml/2006/main">
   <p:cSld>
     <p:spTree>
@@ -12275,7 +13107,7 @@
 </p:sld>
 </file>
 
-<file path=ppt/slides/slide24.xml><?xml version="1.0" encoding="utf-8"?>
+<file path=ppt/slides/slide26.xml><?xml version="1.0" encoding="utf-8"?>
 <p:sld xmlns:a="http://schemas.openxmlformats.org/drawingml/2006/main" xmlns:r="http://schemas.openxmlformats.org/officeDocument/2006/relationships" xmlns:p="http://schemas.openxmlformats.org/presentationml/2006/main">
   <p:cSld>
     <p:spTree>
@@ -12396,7 +13228,7 @@
 </p:sld>
 </file>
 
-<file path=ppt/slides/slide25.xml><?xml version="1.0" encoding="utf-8"?>
+<file path=ppt/slides/slide27.xml><?xml version="1.0" encoding="utf-8"?>
 <p:sld xmlns:a="http://schemas.openxmlformats.org/drawingml/2006/main" xmlns:r="http://schemas.openxmlformats.org/officeDocument/2006/relationships" xmlns:p="http://schemas.openxmlformats.org/presentationml/2006/main">
   <p:cSld>
     <p:spTree>
@@ -12541,7 +13373,7 @@
 </p:sld>
 </file>
 
-<file path=ppt/slides/slide26.xml><?xml version="1.0" encoding="utf-8"?>
+<file path=ppt/slides/slide28.xml><?xml version="1.0" encoding="utf-8"?>
 <p:sld xmlns:a="http://schemas.openxmlformats.org/drawingml/2006/main" xmlns:r="http://schemas.openxmlformats.org/officeDocument/2006/relationships" xmlns:p="http://schemas.openxmlformats.org/presentationml/2006/main">
   <p:cSld>
     <p:spTree>
@@ -12661,7 +13493,7 @@
 </p:sld>
 </file>
 
-<file path=ppt/slides/slide27.xml><?xml version="1.0" encoding="utf-8"?>
+<file path=ppt/slides/slide29.xml><?xml version="1.0" encoding="utf-8"?>
 <p:sld xmlns:a="http://schemas.openxmlformats.org/drawingml/2006/main" xmlns:r="http://schemas.openxmlformats.org/officeDocument/2006/relationships" xmlns:p="http://schemas.openxmlformats.org/presentationml/2006/main">
   <p:cSld>
     <p:spTree>
@@ -13050,7 +13882,6 @@
               <a:rPr lang="pt-BR" smtClean="0"/>
               <a:t>Execução</a:t>
             </a:r>
-            <a:endParaRPr lang="pt-BR" smtClean="0"/>
           </a:p>
         </p:txBody>
       </p:sp>
@@ -13152,7 +13983,6 @@
               <a:rPr lang="pt-BR" smtClean="0"/>
               <a:t>Aplicações</a:t>
             </a:r>
-            <a:endParaRPr lang="pt-BR" smtClean="0"/>
           </a:p>
           <a:p>
             <a:pPr lvl="1"/>
@@ -13478,11 +14308,7 @@
           <a:p>
             <a:r>
               <a:rPr lang="pt-BR" smtClean="0"/>
-              <a:t>Monitorar </a:t>
-            </a:r>
-            <a:r>
-              <a:rPr lang="pt-BR" smtClean="0"/>
-              <a:t>ambientes internos</a:t>
+              <a:t>Monitorar ambientes internos</a:t>
             </a:r>
           </a:p>
           <a:p>
@@ -13609,11 +14435,7 @@
           <a:p>
             <a:r>
               <a:rPr lang="pt-BR" smtClean="0"/>
-              <a:t>Projeto - Objetivo</a:t>
-            </a:r>
-            <a:r>
-              <a:rPr lang="pt-BR" smtClean="0"/>
-              <a:t>	</a:t>
+              <a:t>Projeto - Objetivo	</a:t>
             </a:r>
             <a:endParaRPr lang="pt-BR"/>
           </a:p>
@@ -14209,11 +15031,7 @@
           <a:p>
             <a:r>
               <a:rPr lang="pt-BR" smtClean="0"/>
-              <a:t>Projeto - Aplicações</a:t>
-            </a:r>
-            <a:r>
-              <a:rPr lang="pt-BR" smtClean="0"/>
-              <a:t>	</a:t>
+              <a:t>Projeto – Critérios de Avaliação</a:t>
             </a:r>
             <a:endParaRPr lang="pt-BR"/>
           </a:p>
@@ -14231,8 +15049,8 @@
         </p:nvSpPr>
         <p:spPr>
           <a:xfrm>
-            <a:off x="457200" y="1600200"/>
-            <a:ext cx="6186502" cy="4519613"/>
+            <a:off x="457200" y="1571612"/>
+            <a:ext cx="8401080" cy="4519613"/>
           </a:xfrm>
         </p:spPr>
         <p:txBody>
@@ -14241,22 +15059,36 @@
           <a:p>
             <a:r>
               <a:rPr lang="pt-BR" smtClean="0"/>
-              <a:t>Zoológico</a:t>
+              <a:t>Freqüência relativa</a:t>
             </a:r>
           </a:p>
           <a:p>
             <a:pPr lvl="1"/>
             <a:r>
               <a:rPr lang="pt-BR" smtClean="0"/>
-              <a:t>Refeições</a:t>
-            </a:r>
+              <a:t>A freqüência relativa deve ser proporsional à prioridade relativa</a:t>
+            </a:r>
+            <a:endParaRPr lang="pt-BR" smtClean="0"/>
+          </a:p>
+          <a:p>
+            <a:pPr lvl="1"/>
+            <a:endParaRPr lang="pt-BR" smtClean="0"/>
+          </a:p>
+          <a:p>
+            <a:pPr lvl="1"/>
+            <a:endParaRPr lang="pt-BR" smtClean="0"/>
+          </a:p>
+          <a:p>
+            <a:pPr lvl="1">
+              <a:buNone/>
+            </a:pPr>
             <a:endParaRPr lang="pt-BR"/>
           </a:p>
         </p:txBody>
       </p:sp>
       <p:sp>
         <p:nvSpPr>
-          <p:cNvPr id="6" name="Espaço Reservado para Rodapé 5"/>
+          <p:cNvPr id="7" name="Espaço Reservado para Rodapé 6"/>
           <p:cNvSpPr>
             <a:spLocks noGrp="1"/>
           </p:cNvSpPr>
@@ -14275,7 +15107,7 @@
       </p:sp>
       <p:pic>
         <p:nvPicPr>
-          <p:cNvPr id="9" name="Imagem 8" descr="planta.gif"/>
+          <p:cNvPr id="28" name="Imagem 27" descr="significado1.jpg"/>
           <p:cNvPicPr>
             <a:picLocks noChangeAspect="1"/>
           </p:cNvPicPr>
@@ -14289,56 +15121,45 @@
         </p:blipFill>
         <p:spPr>
           <a:xfrm>
-            <a:off x="642911" y="2991084"/>
-            <a:ext cx="3000396" cy="3295436"/>
+            <a:off x="217428" y="4000504"/>
+            <a:ext cx="8926572" cy="2299137"/>
           </a:xfrm>
           <a:prstGeom prst="rect">
             <a:avLst/>
           </a:prstGeom>
-          <a:ln>
-            <a:noFill/>
-          </a:ln>
-          <a:effectLst>
-            <a:outerShdw blurRad="190500" algn="tl" rotWithShape="0">
-              <a:srgbClr val="000000">
-                <a:alpha val="70000"/>
-              </a:srgbClr>
-            </a:outerShdw>
-          </a:effectLst>
         </p:spPr>
       </p:pic>
       <p:pic>
         <p:nvPicPr>
-          <p:cNvPr id="10" name="Imagem 9" descr="Helpmate.jpg"/>
+          <p:cNvPr id="2059" name="Picture 11"/>
           <p:cNvPicPr>
-            <a:picLocks noChangeAspect="1"/>
+            <a:picLocks noChangeAspect="1" noChangeArrowheads="1"/>
           </p:cNvPicPr>
           <p:nvPr/>
         </p:nvPicPr>
         <p:blipFill>
           <a:blip r:embed="rId4"/>
+          <a:srcRect/>
           <a:stretch>
             <a:fillRect/>
           </a:stretch>
         </p:blipFill>
-        <p:spPr>
+        <p:spPr bwMode="auto">
           <a:xfrm>
-            <a:off x="6000760" y="2928934"/>
-            <a:ext cx="2344494" cy="2166312"/>
+            <a:off x="3286116" y="3143248"/>
+            <a:ext cx="1787525" cy="946150"/>
           </a:xfrm>
           <a:prstGeom prst="rect">
             <a:avLst/>
           </a:prstGeom>
-          <a:ln>
+          <a:noFill/>
+          <a:ln w="9525">
             <a:noFill/>
+            <a:miter lim="800000"/>
+            <a:headEnd/>
+            <a:tailEnd/>
           </a:ln>
-          <a:effectLst>
-            <a:outerShdw blurRad="190500" algn="tl" rotWithShape="0">
-              <a:srgbClr val="000000">
-                <a:alpha val="70000"/>
-              </a:srgbClr>
-            </a:outerShdw>
-          </a:effectLst>
+          <a:effectLst/>
         </p:spPr>
       </p:pic>
     </p:spTree>
@@ -14390,11 +15211,7 @@
           <a:p>
             <a:r>
               <a:rPr lang="pt-BR" smtClean="0"/>
-              <a:t>Projeto - Aplicações</a:t>
-            </a:r>
-            <a:r>
-              <a:rPr lang="pt-BR" smtClean="0"/>
-              <a:t>	</a:t>
+              <a:t>Projeto – Critérios de Avaliação</a:t>
             </a:r>
             <a:endParaRPr lang="pt-BR"/>
           </a:p>
@@ -14413,7 +15230,7 @@
         <p:spPr>
           <a:xfrm>
             <a:off x="457200" y="1600200"/>
-            <a:ext cx="4043362" cy="4519613"/>
+            <a:ext cx="8258204" cy="4519613"/>
           </a:xfrm>
         </p:spPr>
         <p:txBody>
@@ -14422,21 +15239,26 @@
           <a:p>
             <a:r>
               <a:rPr lang="pt-BR" smtClean="0"/>
-              <a:t>Hospitais</a:t>
+              <a:t>Grau de </a:t>
+            </a:r>
+            <a:r>
+              <a:rPr lang="pt-BR" smtClean="0"/>
+              <a:t>Urgência Total</a:t>
             </a:r>
           </a:p>
           <a:p>
             <a:pPr lvl="1"/>
             <a:r>
               <a:rPr lang="pt-BR" smtClean="0"/>
-              <a:t>Refeições</a:t>
-            </a:r>
+              <a:t>Gráfico</a:t>
+            </a:r>
+            <a:endParaRPr lang="pt-BR" smtClean="0"/>
           </a:p>
           <a:p>
             <a:pPr lvl="1"/>
             <a:r>
               <a:rPr lang="pt-BR" smtClean="0"/>
-              <a:t>Remédios</a:t>
+              <a:t>Menor Grau de Urgência Total</a:t>
             </a:r>
             <a:endParaRPr lang="pt-BR"/>
           </a:p>
@@ -14463,72 +15285,328 @@
       </p:sp>
       <p:pic>
         <p:nvPicPr>
-          <p:cNvPr id="9" name="Imagem 8" descr="planta.gif"/>
+          <p:cNvPr id="1030" name="Picture 6"/>
           <p:cNvPicPr>
-            <a:picLocks noChangeAspect="1"/>
+            <a:picLocks noChangeAspect="1" noChangeArrowheads="1"/>
           </p:cNvPicPr>
           <p:nvPr/>
         </p:nvPicPr>
         <p:blipFill>
           <a:blip r:embed="rId3"/>
+          <a:srcRect/>
           <a:stretch>
             <a:fillRect/>
           </a:stretch>
         </p:blipFill>
-        <p:spPr>
+        <p:spPr bwMode="auto">
           <a:xfrm>
-            <a:off x="3143240" y="1857364"/>
-            <a:ext cx="5558147" cy="2976905"/>
+            <a:off x="714348" y="4643446"/>
+            <a:ext cx="1511300" cy="447675"/>
           </a:xfrm>
           <a:prstGeom prst="rect">
             <a:avLst/>
           </a:prstGeom>
-          <a:ln>
+          <a:noFill/>
+          <a:ln w="9525">
             <a:noFill/>
+            <a:miter lim="800000"/>
+            <a:headEnd/>
+            <a:tailEnd/>
           </a:ln>
-          <a:effectLst>
-            <a:outerShdw blurRad="190500" algn="tl" rotWithShape="0">
-              <a:srgbClr val="000000">
-                <a:alpha val="70000"/>
-              </a:srgbClr>
-            </a:outerShdw>
-          </a:effectLst>
+          <a:effectLst/>
         </p:spPr>
       </p:pic>
       <p:pic>
         <p:nvPicPr>
-          <p:cNvPr id="7" name="Imagem 6" descr="Helpmate.jpg"/>
+          <p:cNvPr id="1032" name="Picture 8"/>
           <p:cNvPicPr>
-            <a:picLocks noChangeAspect="1"/>
+            <a:picLocks noChangeAspect="1" noChangeArrowheads="1"/>
           </p:cNvPicPr>
           <p:nvPr/>
         </p:nvPicPr>
         <p:blipFill>
           <a:blip r:embed="rId4"/>
+          <a:srcRect/>
           <a:stretch>
             <a:fillRect/>
           </a:stretch>
         </p:blipFill>
-        <p:spPr>
+        <p:spPr bwMode="auto">
           <a:xfrm>
-            <a:off x="571472" y="3357562"/>
-            <a:ext cx="2004016" cy="2674926"/>
+            <a:off x="714348" y="3571876"/>
+            <a:ext cx="1630363" cy="946150"/>
           </a:xfrm>
           <a:prstGeom prst="rect">
             <a:avLst/>
           </a:prstGeom>
-          <a:ln>
+          <a:noFill/>
+          <a:ln w="9525">
             <a:noFill/>
+            <a:miter lim="800000"/>
+            <a:headEnd/>
+            <a:tailEnd/>
           </a:ln>
-          <a:effectLst>
-            <a:outerShdw blurRad="190500" algn="tl" rotWithShape="0">
-              <a:srgbClr val="000000">
-                <a:alpha val="70000"/>
-              </a:srgbClr>
-            </a:outerShdw>
-          </a:effectLst>
+          <a:effectLst/>
         </p:spPr>
       </p:pic>
+      <p:pic>
+        <p:nvPicPr>
+          <p:cNvPr id="1035" name="Picture 11"/>
+          <p:cNvPicPr>
+            <a:picLocks noChangeAspect="1" noChangeArrowheads="1"/>
+          </p:cNvPicPr>
+          <p:nvPr/>
+        </p:nvPicPr>
+        <p:blipFill>
+          <a:blip r:embed="rId5"/>
+          <a:srcRect/>
+          <a:stretch>
+            <a:fillRect/>
+          </a:stretch>
+        </p:blipFill>
+        <p:spPr bwMode="auto">
+          <a:xfrm>
+            <a:off x="2714612" y="2214554"/>
+            <a:ext cx="881063" cy="433387"/>
+          </a:xfrm>
+          <a:prstGeom prst="rect">
+            <a:avLst/>
+          </a:prstGeom>
+          <a:noFill/>
+          <a:ln w="9525">
+            <a:noFill/>
+            <a:miter lim="800000"/>
+            <a:headEnd/>
+            <a:tailEnd/>
+          </a:ln>
+          <a:effectLst/>
+        </p:spPr>
+      </p:pic>
+      <p:sp>
+        <p:nvSpPr>
+          <p:cNvPr id="30" name="CaixaDeTexto 29"/>
+          <p:cNvSpPr txBox="1"/>
+          <p:nvPr/>
+        </p:nvSpPr>
+        <p:spPr>
+          <a:xfrm>
+            <a:off x="2428860" y="3786190"/>
+            <a:ext cx="2735749" cy="369332"/>
+          </a:xfrm>
+          <a:prstGeom prst="rect">
+            <a:avLst/>
+          </a:prstGeom>
+          <a:noFill/>
+        </p:spPr>
+        <p:txBody>
+          <a:bodyPr wrap="none" rtlCol="0">
+            <a:spAutoFit/>
+          </a:bodyPr>
+          <a:lstStyle/>
+          <a:p>
+            <a:pPr>
+              <a:buFont typeface="Wingdings" pitchFamily="2" charset="2"/>
+              <a:buChar char="Ø"/>
+            </a:pPr>
+            <a:r>
+              <a:rPr lang="pt-BR" smtClean="0">
+                <a:solidFill>
+                  <a:schemeClr val="tx1"/>
+                </a:solidFill>
+              </a:rPr>
+              <a:t>Grau de Urgência Total</a:t>
+            </a:r>
+            <a:endParaRPr lang="pt-BR">
+              <a:solidFill>
+                <a:schemeClr val="tx1"/>
+              </a:solidFill>
+            </a:endParaRPr>
+          </a:p>
+        </p:txBody>
+      </p:sp>
+      <p:sp>
+        <p:nvSpPr>
+          <p:cNvPr id="31" name="CaixaDeTexto 30"/>
+          <p:cNvSpPr txBox="1"/>
+          <p:nvPr/>
+        </p:nvSpPr>
+        <p:spPr>
+          <a:xfrm>
+            <a:off x="2428860" y="4714884"/>
+            <a:ext cx="3111749" cy="369332"/>
+          </a:xfrm>
+          <a:prstGeom prst="rect">
+            <a:avLst/>
+          </a:prstGeom>
+          <a:noFill/>
+        </p:spPr>
+        <p:txBody>
+          <a:bodyPr wrap="none" rtlCol="0">
+            <a:spAutoFit/>
+          </a:bodyPr>
+          <a:lstStyle/>
+          <a:p>
+            <a:pPr>
+              <a:buFont typeface="Wingdings" pitchFamily="2" charset="2"/>
+              <a:buChar char="Ø"/>
+            </a:pPr>
+            <a:r>
+              <a:rPr lang="pt-BR" smtClean="0">
+                <a:solidFill>
+                  <a:schemeClr val="tx1"/>
+                </a:solidFill>
+              </a:rPr>
+              <a:t>Grau de Urgência da sala </a:t>
+            </a:r>
+            <a:r>
+              <a:rPr lang="pt-BR" i="1" smtClean="0">
+                <a:solidFill>
+                  <a:schemeClr val="tx1"/>
+                </a:solidFill>
+              </a:rPr>
+              <a:t>i</a:t>
+            </a:r>
+            <a:endParaRPr lang="pt-BR">
+              <a:solidFill>
+                <a:schemeClr val="tx1"/>
+              </a:solidFill>
+            </a:endParaRPr>
+          </a:p>
+        </p:txBody>
+      </p:sp>
+      <p:pic>
+        <p:nvPicPr>
+          <p:cNvPr id="1036" name="Picture 12"/>
+          <p:cNvPicPr>
+            <a:picLocks noChangeAspect="1" noChangeArrowheads="1"/>
+          </p:cNvPicPr>
+          <p:nvPr/>
+        </p:nvPicPr>
+        <p:blipFill>
+          <a:blip r:embed="rId6"/>
+          <a:srcRect/>
+          <a:stretch>
+            <a:fillRect/>
+          </a:stretch>
+        </p:blipFill>
+        <p:spPr bwMode="auto">
+          <a:xfrm>
+            <a:off x="714348" y="5214950"/>
+            <a:ext cx="288925" cy="998537"/>
+          </a:xfrm>
+          <a:prstGeom prst="rect">
+            <a:avLst/>
+          </a:prstGeom>
+          <a:noFill/>
+          <a:ln w="9525">
+            <a:noFill/>
+            <a:miter lim="800000"/>
+            <a:headEnd/>
+            <a:tailEnd/>
+          </a:ln>
+          <a:effectLst/>
+        </p:spPr>
+      </p:pic>
+      <p:sp>
+        <p:nvSpPr>
+          <p:cNvPr id="33" name="CaixaDeTexto 32"/>
+          <p:cNvSpPr txBox="1"/>
+          <p:nvPr/>
+        </p:nvSpPr>
+        <p:spPr>
+          <a:xfrm>
+            <a:off x="1142976" y="5786454"/>
+            <a:ext cx="4137736" cy="369332"/>
+          </a:xfrm>
+          <a:prstGeom prst="rect">
+            <a:avLst/>
+          </a:prstGeom>
+          <a:noFill/>
+        </p:spPr>
+        <p:txBody>
+          <a:bodyPr wrap="none" rtlCol="0">
+            <a:spAutoFit/>
+          </a:bodyPr>
+          <a:lstStyle/>
+          <a:p>
+            <a:pPr>
+              <a:buFont typeface="Wingdings" pitchFamily="2" charset="2"/>
+              <a:buChar char="Ø"/>
+            </a:pPr>
+            <a:r>
+              <a:rPr lang="pt-BR" smtClean="0">
+                <a:solidFill>
+                  <a:schemeClr val="tx1"/>
+                </a:solidFill>
+              </a:rPr>
+              <a:t>Tempo desde a última visita da sala </a:t>
+            </a:r>
+            <a:r>
+              <a:rPr lang="pt-BR" i="1" smtClean="0">
+                <a:solidFill>
+                  <a:schemeClr val="tx1"/>
+                </a:solidFill>
+              </a:rPr>
+              <a:t>i</a:t>
+            </a:r>
+            <a:endParaRPr lang="pt-BR">
+              <a:solidFill>
+                <a:schemeClr val="tx1"/>
+              </a:solidFill>
+            </a:endParaRPr>
+          </a:p>
+        </p:txBody>
+      </p:sp>
+      <p:sp>
+        <p:nvSpPr>
+          <p:cNvPr id="34" name="CaixaDeTexto 33"/>
+          <p:cNvSpPr txBox="1"/>
+          <p:nvPr/>
+        </p:nvSpPr>
+        <p:spPr>
+          <a:xfrm>
+            <a:off x="1142976" y="5214950"/>
+            <a:ext cx="2342308" cy="369332"/>
+          </a:xfrm>
+          <a:prstGeom prst="rect">
+            <a:avLst/>
+          </a:prstGeom>
+          <a:noFill/>
+        </p:spPr>
+        <p:txBody>
+          <a:bodyPr wrap="none" rtlCol="0">
+            <a:spAutoFit/>
+          </a:bodyPr>
+          <a:lstStyle/>
+          <a:p>
+            <a:pPr>
+              <a:buFont typeface="Wingdings" pitchFamily="2" charset="2"/>
+              <a:buChar char="Ø"/>
+            </a:pPr>
+            <a:r>
+              <a:rPr lang="pt-BR" smtClean="0">
+                <a:solidFill>
+                  <a:schemeClr val="tx1"/>
+                </a:solidFill>
+              </a:rPr>
+              <a:t>Prioridade da sala </a:t>
+            </a:r>
+            <a:r>
+              <a:rPr lang="pt-BR" i="1" smtClean="0">
+                <a:solidFill>
+                  <a:schemeClr val="tx1"/>
+                </a:solidFill>
+              </a:rPr>
+              <a:t>i</a:t>
+            </a:r>
+            <a:endParaRPr lang="pt-BR">
+              <a:solidFill>
+                <a:schemeClr val="tx1"/>
+              </a:solidFill>
+            </a:endParaRPr>
+          </a:p>
+        </p:txBody>
+      </p:sp>
     </p:spTree>
   </p:cSld>
   <p:clrMapOvr>

--- a/documentos/Apresentação Março.pptx
+++ b/documentos/Apresentação Março.pptx
@@ -2,70 +2,70 @@
 <file path=ppt/presentation.xml><?xml version="1.0" encoding="utf-8"?>
 <p:presentation xmlns:a="http://schemas.openxmlformats.org/drawingml/2006/main" xmlns:r="http://schemas.openxmlformats.org/officeDocument/2006/relationships" xmlns:p="http://schemas.openxmlformats.org/presentationml/2006/main" showSpecialPlsOnTitleSld="0" strictFirstAndLastChars="0" saveSubsetFonts="1">
   <p:sldMasterIdLst>
-    <p:sldMasterId id="2147483648" r:id="rId1"/>
-    <p:sldMasterId id="2147483649" r:id="rId2"/>
+    <p:sldMasterId id="2147483648" r:id="rId2"/>
+    <p:sldMasterId id="2147483649" r:id="rId3"/>
   </p:sldMasterIdLst>
   <p:notesMasterIdLst>
-    <p:notesMasterId r:id="rId57"/>
+    <p:notesMasterId r:id="rId58"/>
   </p:notesMasterIdLst>
   <p:handoutMasterIdLst>
-    <p:handoutMasterId r:id="rId58"/>
+    <p:handoutMasterId r:id="rId59"/>
   </p:handoutMasterIdLst>
   <p:sldIdLst>
-    <p:sldId id="256" r:id="rId3"/>
-    <p:sldId id="311" r:id="rId4"/>
-    <p:sldId id="350" r:id="rId5"/>
-    <p:sldId id="295" r:id="rId6"/>
-    <p:sldId id="297" r:id="rId7"/>
-    <p:sldId id="296" r:id="rId8"/>
-    <p:sldId id="351" r:id="rId9"/>
-    <p:sldId id="298" r:id="rId10"/>
-    <p:sldId id="299" r:id="rId11"/>
-    <p:sldId id="346" r:id="rId12"/>
-    <p:sldId id="347" r:id="rId13"/>
-    <p:sldId id="283" r:id="rId14"/>
-    <p:sldId id="312" r:id="rId15"/>
-    <p:sldId id="302" r:id="rId16"/>
-    <p:sldId id="304" r:id="rId17"/>
-    <p:sldId id="303" r:id="rId18"/>
-    <p:sldId id="305" r:id="rId19"/>
-    <p:sldId id="308" r:id="rId20"/>
-    <p:sldId id="307" r:id="rId21"/>
-    <p:sldId id="309" r:id="rId22"/>
-    <p:sldId id="313" r:id="rId23"/>
-    <p:sldId id="310" r:id="rId24"/>
-    <p:sldId id="314" r:id="rId25"/>
-    <p:sldId id="301" r:id="rId26"/>
-    <p:sldId id="316" r:id="rId27"/>
-    <p:sldId id="317" r:id="rId28"/>
-    <p:sldId id="319" r:id="rId29"/>
-    <p:sldId id="320" r:id="rId30"/>
-    <p:sldId id="322" r:id="rId31"/>
-    <p:sldId id="321" r:id="rId32"/>
-    <p:sldId id="332" r:id="rId33"/>
-    <p:sldId id="333" r:id="rId34"/>
-    <p:sldId id="334" r:id="rId35"/>
-    <p:sldId id="335" r:id="rId36"/>
-    <p:sldId id="336" r:id="rId37"/>
-    <p:sldId id="337" r:id="rId38"/>
-    <p:sldId id="338" r:id="rId39"/>
-    <p:sldId id="324" r:id="rId40"/>
-    <p:sldId id="325" r:id="rId41"/>
-    <p:sldId id="352" r:id="rId42"/>
-    <p:sldId id="326" r:id="rId43"/>
-    <p:sldId id="327" r:id="rId44"/>
-    <p:sldId id="340" r:id="rId45"/>
-    <p:sldId id="328" r:id="rId46"/>
-    <p:sldId id="329" r:id="rId47"/>
-    <p:sldId id="285" r:id="rId48"/>
-    <p:sldId id="331" r:id="rId49"/>
-    <p:sldId id="330" r:id="rId50"/>
-    <p:sldId id="353" r:id="rId51"/>
-    <p:sldId id="349" r:id="rId52"/>
-    <p:sldId id="341" r:id="rId53"/>
-    <p:sldId id="342" r:id="rId54"/>
-    <p:sldId id="343" r:id="rId55"/>
-    <p:sldId id="345" r:id="rId56"/>
+    <p:sldId id="256" r:id="rId4"/>
+    <p:sldId id="311" r:id="rId5"/>
+    <p:sldId id="350" r:id="rId6"/>
+    <p:sldId id="295" r:id="rId7"/>
+    <p:sldId id="297" r:id="rId8"/>
+    <p:sldId id="296" r:id="rId9"/>
+    <p:sldId id="351" r:id="rId10"/>
+    <p:sldId id="298" r:id="rId11"/>
+    <p:sldId id="299" r:id="rId12"/>
+    <p:sldId id="346" r:id="rId13"/>
+    <p:sldId id="347" r:id="rId14"/>
+    <p:sldId id="283" r:id="rId15"/>
+    <p:sldId id="312" r:id="rId16"/>
+    <p:sldId id="302" r:id="rId17"/>
+    <p:sldId id="304" r:id="rId18"/>
+    <p:sldId id="303" r:id="rId19"/>
+    <p:sldId id="305" r:id="rId20"/>
+    <p:sldId id="308" r:id="rId21"/>
+    <p:sldId id="307" r:id="rId22"/>
+    <p:sldId id="309" r:id="rId23"/>
+    <p:sldId id="313" r:id="rId24"/>
+    <p:sldId id="310" r:id="rId25"/>
+    <p:sldId id="314" r:id="rId26"/>
+    <p:sldId id="301" r:id="rId27"/>
+    <p:sldId id="316" r:id="rId28"/>
+    <p:sldId id="317" r:id="rId29"/>
+    <p:sldId id="319" r:id="rId30"/>
+    <p:sldId id="320" r:id="rId31"/>
+    <p:sldId id="322" r:id="rId32"/>
+    <p:sldId id="321" r:id="rId33"/>
+    <p:sldId id="332" r:id="rId34"/>
+    <p:sldId id="333" r:id="rId35"/>
+    <p:sldId id="334" r:id="rId36"/>
+    <p:sldId id="335" r:id="rId37"/>
+    <p:sldId id="336" r:id="rId38"/>
+    <p:sldId id="337" r:id="rId39"/>
+    <p:sldId id="338" r:id="rId40"/>
+    <p:sldId id="324" r:id="rId41"/>
+    <p:sldId id="325" r:id="rId42"/>
+    <p:sldId id="352" r:id="rId43"/>
+    <p:sldId id="326" r:id="rId44"/>
+    <p:sldId id="327" r:id="rId45"/>
+    <p:sldId id="340" r:id="rId46"/>
+    <p:sldId id="328" r:id="rId47"/>
+    <p:sldId id="329" r:id="rId48"/>
+    <p:sldId id="285" r:id="rId49"/>
+    <p:sldId id="331" r:id="rId50"/>
+    <p:sldId id="330" r:id="rId51"/>
+    <p:sldId id="353" r:id="rId52"/>
+    <p:sldId id="349" r:id="rId53"/>
+    <p:sldId id="341" r:id="rId54"/>
+    <p:sldId id="342" r:id="rId55"/>
+    <p:sldId id="343" r:id="rId56"/>
+    <p:sldId id="345" r:id="rId57"/>
   </p:sldIdLst>
   <p:sldSz cx="9144000" cy="6858000" type="screen4x3"/>
   <p:notesSz cx="6858000" cy="9144000"/>
@@ -81,7 +81,7 @@
         <a:spcPct val="0"/>
       </a:spcAft>
       <a:buClr>
-        <a:srgbClr val="000000"/>
+        <a:srgbClr xmlns:mc="http://schemas.openxmlformats.org/markup-compatibility/2006" xmlns:a14="http://schemas.microsoft.com/office/drawing/2007/7/7/main" val="000000" mc:Ignorable=""/>
       </a:buClr>
       <a:buSzPct val="100000"/>
       <a:buFont typeface="Arial" charset="0"/>
@@ -102,7 +102,7 @@
         <a:spcPct val="0"/>
       </a:spcAft>
       <a:buClr>
-        <a:srgbClr val="000000"/>
+        <a:srgbClr xmlns:mc="http://schemas.openxmlformats.org/markup-compatibility/2006" xmlns:a14="http://schemas.microsoft.com/office/drawing/2007/7/7/main" val="000000" mc:Ignorable=""/>
       </a:buClr>
       <a:buSzPct val="100000"/>
       <a:buFont typeface="Arial" charset="0"/>
@@ -123,7 +123,7 @@
         <a:spcPct val="0"/>
       </a:spcAft>
       <a:buClr>
-        <a:srgbClr val="000000"/>
+        <a:srgbClr xmlns:mc="http://schemas.openxmlformats.org/markup-compatibility/2006" xmlns:a14="http://schemas.microsoft.com/office/drawing/2007/7/7/main" val="000000" mc:Ignorable=""/>
       </a:buClr>
       <a:buSzPct val="100000"/>
       <a:buFont typeface="Arial" charset="0"/>
@@ -144,7 +144,7 @@
         <a:spcPct val="0"/>
       </a:spcAft>
       <a:buClr>
-        <a:srgbClr val="000000"/>
+        <a:srgbClr xmlns:mc="http://schemas.openxmlformats.org/markup-compatibility/2006" xmlns:a14="http://schemas.microsoft.com/office/drawing/2007/7/7/main" val="000000" mc:Ignorable=""/>
       </a:buClr>
       <a:buSzPct val="100000"/>
       <a:buFont typeface="Arial" charset="0"/>
@@ -165,7 +165,7 @@
         <a:spcPct val="0"/>
       </a:spcAft>
       <a:buClr>
-        <a:srgbClr val="000000"/>
+        <a:srgbClr xmlns:mc="http://schemas.openxmlformats.org/markup-compatibility/2006" xmlns:a14="http://schemas.microsoft.com/office/drawing/2007/7/7/main" val="000000" mc:Ignorable=""/>
       </a:buClr>
       <a:buSzPct val="100000"/>
       <a:buFont typeface="Arial" charset="0"/>
@@ -305,7 +305,7 @@
             <a:fld id="{49C5135E-E75A-4093-B747-6CD3BA9E37A5}" type="datetimeFigureOut">
               <a:rPr lang="pt-BR" smtClean="0"/>
               <a:pPr/>
-              <a:t>17/3/2009</a:t>
+              <a:t>29/03/2010</a:t>
             </a:fld>
             <a:endParaRPr lang="pt-BR" dirty="0"/>
           </a:p>
@@ -372,13 +372,18 @@
             <a:fld id="{0A8E0A9D-86D0-4B9C-9C13-1268201F201F}" type="slidenum">
               <a:rPr lang="pt-BR" smtClean="0"/>
               <a:pPr/>
-              <a:t>‹nº›</a:t>
+              <a:t>‹#›</a:t>
             </a:fld>
             <a:endParaRPr lang="pt-BR" dirty="0"/>
           </a:p>
         </p:txBody>
       </p:sp>
     </p:spTree>
+    <p:extLst>
+      <p:ext uri="{BB962C8B-B14F-4D97-AF65-F5344CB8AC3E}">
+        <p14:creationId xmlns:p14="http://schemas.microsoft.com/office/powerpoint/2007/7/12/main" val="3010947945"/>
+      </p:ext>
+    </p:extLst>
   </p:cSld>
   <p:clrMap bg1="lt1" tx1="dk1" bg2="lt2" tx2="dk2" accent1="accent1" accent2="accent2" accent3="accent3" accent4="accent4" accent5="accent5" accent6="accent6" hlink="hlink" folHlink="folHlink"/>
 </p:handoutMaster>
@@ -390,7 +395,7 @@
     <p:bg>
       <p:bgPr>
         <a:solidFill>
-          <a:srgbClr val="FFFFFF"/>
+          <a:srgbClr xmlns:mc="http://schemas.openxmlformats.org/markup-compatibility/2006" xmlns:a14="http://schemas.microsoft.com/office/drawing/2007/7/7/main" val="FFFFFF" mc:Ignorable=""/>
         </a:solidFill>
         <a:effectLst/>
       </p:bgPr>
@@ -428,7 +433,7 @@
             </a:avLst>
           </a:prstGeom>
           <a:solidFill>
-            <a:srgbClr val="FFFFFF"/>
+            <a:srgbClr xmlns:mc="http://schemas.openxmlformats.org/markup-compatibility/2006" xmlns:a14="http://schemas.microsoft.com/office/drawing/2007/7/7/main" val="FFFFFF" mc:Ignorable=""/>
           </a:solidFill>
           <a:ln w="9360">
             <a:noFill/>
@@ -465,7 +470,7 @@
             </a:avLst>
           </a:prstGeom>
           <a:solidFill>
-            <a:srgbClr val="FFFFFF"/>
+            <a:srgbClr xmlns:mc="http://schemas.openxmlformats.org/markup-compatibility/2006" xmlns:a14="http://schemas.microsoft.com/office/drawing/2007/7/7/main" val="FFFFFF" mc:Ignorable=""/>
           </a:solidFill>
           <a:ln w="9525">
             <a:noFill/>
@@ -502,7 +507,7 @@
             </a:avLst>
           </a:prstGeom>
           <a:solidFill>
-            <a:srgbClr val="FFFFFF"/>
+            <a:srgbClr xmlns:mc="http://schemas.openxmlformats.org/markup-compatibility/2006" xmlns:a14="http://schemas.microsoft.com/office/drawing/2007/7/7/main" val="FFFFFF" mc:Ignorable=""/>
           </a:solidFill>
           <a:ln w="9525">
             <a:noFill/>
@@ -539,7 +544,7 @@
             </a:avLst>
           </a:prstGeom>
           <a:solidFill>
-            <a:srgbClr val="FFFFFF"/>
+            <a:srgbClr xmlns:mc="http://schemas.openxmlformats.org/markup-compatibility/2006" xmlns:a14="http://schemas.microsoft.com/office/drawing/2007/7/7/main" val="FFFFFF" mc:Ignorable=""/>
           </a:solidFill>
           <a:ln w="9525">
             <a:noFill/>
@@ -603,7 +608,7 @@
               </a:tabLst>
               <a:defRPr sz="1200">
                 <a:solidFill>
-                  <a:srgbClr val="000000"/>
+                  <a:srgbClr xmlns:mc="http://schemas.openxmlformats.org/markup-compatibility/2006" xmlns:a14="http://schemas.microsoft.com/office/drawing/2007/7/7/main" val="000000" mc:Ignorable=""/>
                 </a:solidFill>
                 <a:latin typeface="Times New Roman" pitchFamily="16" charset="0"/>
               </a:defRPr>
@@ -660,7 +665,7 @@
               </a:tabLst>
               <a:defRPr sz="1200">
                 <a:solidFill>
-                  <a:srgbClr val="000000"/>
+                  <a:srgbClr xmlns:mc="http://schemas.openxmlformats.org/markup-compatibility/2006" xmlns:a14="http://schemas.microsoft.com/office/drawing/2007/7/7/main" val="000000" mc:Ignorable=""/>
                 </a:solidFill>
                 <a:latin typeface="Times New Roman" pitchFamily="16" charset="0"/>
               </a:defRPr>
@@ -690,11 +695,11 @@
             <a:avLst/>
           </a:prstGeom>
           <a:solidFill>
-            <a:srgbClr val="FFFFFF"/>
+            <a:srgbClr xmlns:mc="http://schemas.openxmlformats.org/markup-compatibility/2006" xmlns:a14="http://schemas.microsoft.com/office/drawing/2007/7/7/main" val="FFFFFF" mc:Ignorable=""/>
           </a:solidFill>
           <a:ln w="9360">
             <a:solidFill>
-              <a:srgbClr val="000000"/>
+              <a:srgbClr xmlns:mc="http://schemas.openxmlformats.org/markup-compatibility/2006" xmlns:a14="http://schemas.microsoft.com/office/drawing/2007/7/7/main" val="000000" mc:Ignorable=""/>
             </a:solidFill>
             <a:miter lim="800000"/>
             <a:headEnd/>
@@ -789,7 +794,7 @@
               </a:tabLst>
               <a:defRPr sz="1200">
                 <a:solidFill>
-                  <a:srgbClr val="000000"/>
+                  <a:srgbClr xmlns:mc="http://schemas.openxmlformats.org/markup-compatibility/2006" xmlns:a14="http://schemas.microsoft.com/office/drawing/2007/7/7/main" val="000000" mc:Ignorable=""/>
                 </a:solidFill>
                 <a:latin typeface="Times New Roman" pitchFamily="16" charset="0"/>
               </a:defRPr>
@@ -846,7 +851,7 @@
               </a:tabLst>
               <a:defRPr sz="1200">
                 <a:solidFill>
-                  <a:srgbClr val="000000"/>
+                  <a:srgbClr xmlns:mc="http://schemas.openxmlformats.org/markup-compatibility/2006" xmlns:a14="http://schemas.microsoft.com/office/drawing/2007/7/7/main" val="000000" mc:Ignorable=""/>
                 </a:solidFill>
                 <a:latin typeface="Times New Roman" pitchFamily="16" charset="0"/>
               </a:defRPr>
@@ -856,13 +861,18 @@
             <a:fld id="{DF92680C-B850-4000-9DFE-8BD8A3C7E027}" type="slidenum">
               <a:rPr lang="en-US"/>
               <a:pPr/>
-              <a:t>‹nº›</a:t>
+              <a:t>‹#›</a:t>
             </a:fld>
             <a:endParaRPr lang="en-US" dirty="0"/>
           </a:p>
         </p:txBody>
       </p:sp>
     </p:spTree>
+    <p:extLst>
+      <p:ext uri="{BB962C8B-B14F-4D97-AF65-F5344CB8AC3E}">
+        <p14:creationId xmlns:p14="http://schemas.microsoft.com/office/powerpoint/2007/7/12/main" val="2416093612"/>
+      </p:ext>
+    </p:extLst>
   </p:cSld>
   <p:clrMap bg1="lt1" tx1="dk1" bg2="lt2" tx2="dk2" accent1="accent1" accent2="accent2" accent3="accent3" accent4="accent4" accent5="accent5" accent6="accent6" hlink="hlink" folHlink="folHlink"/>
   <p:notesStyle>
@@ -874,13 +884,13 @@
         <a:spcPct val="0"/>
       </a:spcAft>
       <a:buClr>
-        <a:srgbClr val="000000"/>
+        <a:srgbClr xmlns:mc="http://schemas.openxmlformats.org/markup-compatibility/2006" xmlns:a14="http://schemas.microsoft.com/office/drawing/2007/7/7/main" val="000000" mc:Ignorable=""/>
       </a:buClr>
       <a:buSzPct val="100000"/>
       <a:buFont typeface="Times New Roman" pitchFamily="16" charset="0"/>
       <a:defRPr sz="1200" kern="1200">
         <a:solidFill>
-          <a:srgbClr val="000000"/>
+          <a:srgbClr xmlns:mc="http://schemas.openxmlformats.org/markup-compatibility/2006" xmlns:a14="http://schemas.microsoft.com/office/drawing/2007/7/7/main" val="000000" mc:Ignorable=""/>
         </a:solidFill>
         <a:latin typeface="Times New Roman" pitchFamily="16" charset="0"/>
         <a:ea typeface="+mn-ea"/>
@@ -895,13 +905,13 @@
         <a:spcPct val="0"/>
       </a:spcAft>
       <a:buClr>
-        <a:srgbClr val="000000"/>
+        <a:srgbClr xmlns:mc="http://schemas.openxmlformats.org/markup-compatibility/2006" xmlns:a14="http://schemas.microsoft.com/office/drawing/2007/7/7/main" val="000000" mc:Ignorable=""/>
       </a:buClr>
       <a:buSzPct val="100000"/>
       <a:buFont typeface="Times New Roman" pitchFamily="16" charset="0"/>
       <a:defRPr sz="1200" kern="1200">
         <a:solidFill>
-          <a:srgbClr val="000000"/>
+          <a:srgbClr xmlns:mc="http://schemas.openxmlformats.org/markup-compatibility/2006" xmlns:a14="http://schemas.microsoft.com/office/drawing/2007/7/7/main" val="000000" mc:Ignorable=""/>
         </a:solidFill>
         <a:latin typeface="Times New Roman" pitchFamily="16" charset="0"/>
         <a:ea typeface="+mn-ea"/>
@@ -916,13 +926,13 @@
         <a:spcPct val="0"/>
       </a:spcAft>
       <a:buClr>
-        <a:srgbClr val="000000"/>
+        <a:srgbClr xmlns:mc="http://schemas.openxmlformats.org/markup-compatibility/2006" xmlns:a14="http://schemas.microsoft.com/office/drawing/2007/7/7/main" val="000000" mc:Ignorable=""/>
       </a:buClr>
       <a:buSzPct val="100000"/>
       <a:buFont typeface="Times New Roman" pitchFamily="16" charset="0"/>
       <a:defRPr sz="1200" kern="1200">
         <a:solidFill>
-          <a:srgbClr val="000000"/>
+          <a:srgbClr xmlns:mc="http://schemas.openxmlformats.org/markup-compatibility/2006" xmlns:a14="http://schemas.microsoft.com/office/drawing/2007/7/7/main" val="000000" mc:Ignorable=""/>
         </a:solidFill>
         <a:latin typeface="Times New Roman" pitchFamily="16" charset="0"/>
         <a:ea typeface="+mn-ea"/>
@@ -937,13 +947,13 @@
         <a:spcPct val="0"/>
       </a:spcAft>
       <a:buClr>
-        <a:srgbClr val="000000"/>
+        <a:srgbClr xmlns:mc="http://schemas.openxmlformats.org/markup-compatibility/2006" xmlns:a14="http://schemas.microsoft.com/office/drawing/2007/7/7/main" val="000000" mc:Ignorable=""/>
       </a:buClr>
       <a:buSzPct val="100000"/>
       <a:buFont typeface="Times New Roman" pitchFamily="16" charset="0"/>
       <a:defRPr sz="1200" kern="1200">
         <a:solidFill>
-          <a:srgbClr val="000000"/>
+          <a:srgbClr xmlns:mc="http://schemas.openxmlformats.org/markup-compatibility/2006" xmlns:a14="http://schemas.microsoft.com/office/drawing/2007/7/7/main" val="000000" mc:Ignorable=""/>
         </a:solidFill>
         <a:latin typeface="Times New Roman" pitchFamily="16" charset="0"/>
         <a:ea typeface="+mn-ea"/>
@@ -958,13 +968,13 @@
         <a:spcPct val="0"/>
       </a:spcAft>
       <a:buClr>
-        <a:srgbClr val="000000"/>
+        <a:srgbClr xmlns:mc="http://schemas.openxmlformats.org/markup-compatibility/2006" xmlns:a14="http://schemas.microsoft.com/office/drawing/2007/7/7/main" val="000000" mc:Ignorable=""/>
       </a:buClr>
       <a:buSzPct val="100000"/>
       <a:buFont typeface="Times New Roman" pitchFamily="16" charset="0"/>
       <a:defRPr sz="1200" kern="1200">
         <a:solidFill>
-          <a:srgbClr val="000000"/>
+          <a:srgbClr xmlns:mc="http://schemas.openxmlformats.org/markup-compatibility/2006" xmlns:a14="http://schemas.microsoft.com/office/drawing/2007/7/7/main" val="000000" mc:Ignorable=""/>
         </a:solidFill>
         <a:latin typeface="Times New Roman" pitchFamily="16" charset="0"/>
         <a:ea typeface="+mn-ea"/>
@@ -1021,7 +1031,7 @@
     <p:bg>
       <p:bgPr>
         <a:solidFill>
-          <a:srgbClr val="FFFFFF"/>
+          <a:srgbClr xmlns:mc="http://schemas.openxmlformats.org/markup-compatibility/2006" xmlns:a14="http://schemas.microsoft.com/office/drawing/2007/7/7/main" val="FFFFFF" mc:Ignorable=""/>
         </a:solidFill>
         <a:effectLst/>
       </p:bgPr>
@@ -1083,11 +1093,11 @@
             <a:avLst/>
           </a:prstGeom>
           <a:solidFill>
-            <a:srgbClr val="FFFFFF"/>
+            <a:srgbClr xmlns:mc="http://schemas.openxmlformats.org/markup-compatibility/2006" xmlns:a14="http://schemas.microsoft.com/office/drawing/2007/7/7/main" val="FFFFFF" mc:Ignorable=""/>
           </a:solidFill>
           <a:ln w="9360">
             <a:solidFill>
-              <a:srgbClr val="000000"/>
+              <a:srgbClr xmlns:mc="http://schemas.openxmlformats.org/markup-compatibility/2006" xmlns:a14="http://schemas.microsoft.com/office/drawing/2007/7/7/main" val="000000" mc:Ignorable=""/>
             </a:solidFill>
             <a:miter lim="800000"/>
             <a:headEnd/>
@@ -10384,11 +10394,11 @@
             <a:avLst/>
           </a:prstGeom>
           <a:solidFill>
-            <a:srgbClr val="FFFFFF"/>
+            <a:srgbClr xmlns:mc="http://schemas.openxmlformats.org/markup-compatibility/2006" xmlns:a14="http://schemas.microsoft.com/office/drawing/2007/7/7/main" val="FFFFFF" mc:Ignorable=""/>
           </a:solidFill>
           <a:ln w="9360">
             <a:solidFill>
-              <a:srgbClr val="000000"/>
+              <a:srgbClr xmlns:mc="http://schemas.openxmlformats.org/markup-compatibility/2006" xmlns:a14="http://schemas.microsoft.com/office/drawing/2007/7/7/main" val="000000" mc:Ignorable=""/>
             </a:solidFill>
             <a:miter lim="800000"/>
             <a:headEnd/>
@@ -10606,7 +10616,7 @@
               </a:tabLst>
               <a:defRPr sz="1200" i="1">
                 <a:solidFill>
-                  <a:srgbClr val="000000"/>
+                  <a:srgbClr xmlns:mc="http://schemas.openxmlformats.org/markup-compatibility/2006" xmlns:a14="http://schemas.microsoft.com/office/drawing/2007/7/7/main" val="000000" mc:Ignorable=""/>
                 </a:solidFill>
               </a:defRPr>
             </a:lvl1pPr>
@@ -10671,11 +10681,11 @@
                 </a:avLst>
               </a:prstGeom>
               <a:solidFill>
-                <a:srgbClr val="FFFFFF"/>
+                <a:srgbClr xmlns:mc="http://schemas.openxmlformats.org/markup-compatibility/2006" xmlns:a14="http://schemas.microsoft.com/office/drawing/2007/7/7/main" val="FFFFFF" mc:Ignorable=""/>
               </a:solidFill>
               <a:ln w="9360">
                 <a:solidFill>
-                  <a:srgbClr val="000000"/>
+                  <a:srgbClr xmlns:mc="http://schemas.openxmlformats.org/markup-compatibility/2006" xmlns:a14="http://schemas.microsoft.com/office/drawing/2007/7/7/main" val="000000" mc:Ignorable=""/>
                 </a:solidFill>
                 <a:miter lim="800000"/>
                 <a:headEnd/>
@@ -10789,7 +10799,7 @@
                 </a:solidFill>
               </a:rPr>
               <a:pPr algn="r"/>
-              <a:t>‹nº›</a:t>
+              <a:t>‹#›</a:t>
             </a:fld>
             <a:endParaRPr lang="pt-BR" dirty="0">
               <a:solidFill>
@@ -10830,13 +10840,13 @@
           <a:spcPct val="0"/>
         </a:spcAft>
         <a:buClr>
-          <a:srgbClr val="FFFFFF"/>
+          <a:srgbClr xmlns:mc="http://schemas.openxmlformats.org/markup-compatibility/2006" xmlns:a14="http://schemas.microsoft.com/office/drawing/2007/7/7/main" val="FFFFFF" mc:Ignorable=""/>
         </a:buClr>
         <a:buSzPct val="100000"/>
         <a:buFont typeface="Arial" charset="0"/>
         <a:defRPr sz="4400">
           <a:solidFill>
-            <a:srgbClr val="FFFFFF"/>
+            <a:srgbClr xmlns:mc="http://schemas.openxmlformats.org/markup-compatibility/2006" xmlns:a14="http://schemas.microsoft.com/office/drawing/2007/7/7/main" val="FFFFFF" mc:Ignorable=""/>
           </a:solidFill>
           <a:latin typeface="+mj-lt"/>
           <a:ea typeface="+mj-ea"/>
@@ -10851,13 +10861,13 @@
           <a:spcPct val="0"/>
         </a:spcAft>
         <a:buClr>
-          <a:srgbClr val="FFFFFF"/>
+          <a:srgbClr xmlns:mc="http://schemas.openxmlformats.org/markup-compatibility/2006" xmlns:a14="http://schemas.microsoft.com/office/drawing/2007/7/7/main" val="FFFFFF" mc:Ignorable=""/>
         </a:buClr>
         <a:buSzPct val="100000"/>
         <a:buFont typeface="Arial" charset="0"/>
         <a:defRPr sz="4400">
           <a:solidFill>
-            <a:srgbClr val="FFFFFF"/>
+            <a:srgbClr xmlns:mc="http://schemas.openxmlformats.org/markup-compatibility/2006" xmlns:a14="http://schemas.microsoft.com/office/drawing/2007/7/7/main" val="FFFFFF" mc:Ignorable=""/>
           </a:solidFill>
           <a:latin typeface="Arial" charset="0"/>
           <a:cs typeface="Arial" charset="0"/>
@@ -10871,13 +10881,13 @@
           <a:spcPct val="0"/>
         </a:spcAft>
         <a:buClr>
-          <a:srgbClr val="FFFFFF"/>
+          <a:srgbClr xmlns:mc="http://schemas.openxmlformats.org/markup-compatibility/2006" xmlns:a14="http://schemas.microsoft.com/office/drawing/2007/7/7/main" val="FFFFFF" mc:Ignorable=""/>
         </a:buClr>
         <a:buSzPct val="100000"/>
         <a:buFont typeface="Arial" charset="0"/>
         <a:defRPr sz="4400">
           <a:solidFill>
-            <a:srgbClr val="FFFFFF"/>
+            <a:srgbClr xmlns:mc="http://schemas.openxmlformats.org/markup-compatibility/2006" xmlns:a14="http://schemas.microsoft.com/office/drawing/2007/7/7/main" val="FFFFFF" mc:Ignorable=""/>
           </a:solidFill>
           <a:latin typeface="Arial" charset="0"/>
           <a:cs typeface="Arial" charset="0"/>
@@ -10891,13 +10901,13 @@
           <a:spcPct val="0"/>
         </a:spcAft>
         <a:buClr>
-          <a:srgbClr val="FFFFFF"/>
+          <a:srgbClr xmlns:mc="http://schemas.openxmlformats.org/markup-compatibility/2006" xmlns:a14="http://schemas.microsoft.com/office/drawing/2007/7/7/main" val="FFFFFF" mc:Ignorable=""/>
         </a:buClr>
         <a:buSzPct val="100000"/>
         <a:buFont typeface="Arial" charset="0"/>
         <a:defRPr sz="4400">
           <a:solidFill>
-            <a:srgbClr val="FFFFFF"/>
+            <a:srgbClr xmlns:mc="http://schemas.openxmlformats.org/markup-compatibility/2006" xmlns:a14="http://schemas.microsoft.com/office/drawing/2007/7/7/main" val="FFFFFF" mc:Ignorable=""/>
           </a:solidFill>
           <a:latin typeface="Arial" charset="0"/>
           <a:cs typeface="Arial" charset="0"/>
@@ -10911,13 +10921,13 @@
           <a:spcPct val="0"/>
         </a:spcAft>
         <a:buClr>
-          <a:srgbClr val="FFFFFF"/>
+          <a:srgbClr xmlns:mc="http://schemas.openxmlformats.org/markup-compatibility/2006" xmlns:a14="http://schemas.microsoft.com/office/drawing/2007/7/7/main" val="FFFFFF" mc:Ignorable=""/>
         </a:buClr>
         <a:buSzPct val="100000"/>
         <a:buFont typeface="Arial" charset="0"/>
         <a:defRPr sz="4400">
           <a:solidFill>
-            <a:srgbClr val="FFFFFF"/>
+            <a:srgbClr xmlns:mc="http://schemas.openxmlformats.org/markup-compatibility/2006" xmlns:a14="http://schemas.microsoft.com/office/drawing/2007/7/7/main" val="FFFFFF" mc:Ignorable=""/>
           </a:solidFill>
           <a:latin typeface="Arial" charset="0"/>
           <a:cs typeface="Arial" charset="0"/>
@@ -10931,13 +10941,13 @@
           <a:spcPct val="0"/>
         </a:spcAft>
         <a:buClr>
-          <a:srgbClr val="FFFFFF"/>
+          <a:srgbClr xmlns:mc="http://schemas.openxmlformats.org/markup-compatibility/2006" xmlns:a14="http://schemas.microsoft.com/office/drawing/2007/7/7/main" val="FFFFFF" mc:Ignorable=""/>
         </a:buClr>
         <a:buSzPct val="100000"/>
         <a:buFont typeface="Arial" charset="0"/>
         <a:defRPr sz="4400">
           <a:solidFill>
-            <a:srgbClr val="FFFFFF"/>
+            <a:srgbClr xmlns:mc="http://schemas.openxmlformats.org/markup-compatibility/2006" xmlns:a14="http://schemas.microsoft.com/office/drawing/2007/7/7/main" val="FFFFFF" mc:Ignorable=""/>
           </a:solidFill>
           <a:latin typeface="Arial" charset="0"/>
           <a:cs typeface="Arial" charset="0"/>
@@ -10951,13 +10961,13 @@
           <a:spcPct val="0"/>
         </a:spcAft>
         <a:buClr>
-          <a:srgbClr val="FFFFFF"/>
+          <a:srgbClr xmlns:mc="http://schemas.openxmlformats.org/markup-compatibility/2006" xmlns:a14="http://schemas.microsoft.com/office/drawing/2007/7/7/main" val="FFFFFF" mc:Ignorable=""/>
         </a:buClr>
         <a:buSzPct val="100000"/>
         <a:buFont typeface="Arial" charset="0"/>
         <a:defRPr sz="4400">
           <a:solidFill>
-            <a:srgbClr val="FFFFFF"/>
+            <a:srgbClr xmlns:mc="http://schemas.openxmlformats.org/markup-compatibility/2006" xmlns:a14="http://schemas.microsoft.com/office/drawing/2007/7/7/main" val="FFFFFF" mc:Ignorable=""/>
           </a:solidFill>
           <a:latin typeface="Arial" charset="0"/>
           <a:cs typeface="Arial" charset="0"/>
@@ -10971,13 +10981,13 @@
           <a:spcPct val="0"/>
         </a:spcAft>
         <a:buClr>
-          <a:srgbClr val="FFFFFF"/>
+          <a:srgbClr xmlns:mc="http://schemas.openxmlformats.org/markup-compatibility/2006" xmlns:a14="http://schemas.microsoft.com/office/drawing/2007/7/7/main" val="FFFFFF" mc:Ignorable=""/>
         </a:buClr>
         <a:buSzPct val="100000"/>
         <a:buFont typeface="Arial" charset="0"/>
         <a:defRPr sz="4400">
           <a:solidFill>
-            <a:srgbClr val="FFFFFF"/>
+            <a:srgbClr xmlns:mc="http://schemas.openxmlformats.org/markup-compatibility/2006" xmlns:a14="http://schemas.microsoft.com/office/drawing/2007/7/7/main" val="FFFFFF" mc:Ignorable=""/>
           </a:solidFill>
           <a:latin typeface="Arial" charset="0"/>
           <a:cs typeface="Arial" charset="0"/>
@@ -10991,13 +11001,13 @@
           <a:spcPct val="0"/>
         </a:spcAft>
         <a:buClr>
-          <a:srgbClr val="FFFFFF"/>
+          <a:srgbClr xmlns:mc="http://schemas.openxmlformats.org/markup-compatibility/2006" xmlns:a14="http://schemas.microsoft.com/office/drawing/2007/7/7/main" val="FFFFFF" mc:Ignorable=""/>
         </a:buClr>
         <a:buSzPct val="100000"/>
         <a:buFont typeface="Arial" charset="0"/>
         <a:defRPr sz="4400">
           <a:solidFill>
-            <a:srgbClr val="FFFFFF"/>
+            <a:srgbClr xmlns:mc="http://schemas.openxmlformats.org/markup-compatibility/2006" xmlns:a14="http://schemas.microsoft.com/office/drawing/2007/7/7/main" val="FFFFFF" mc:Ignorable=""/>
           </a:solidFill>
           <a:latin typeface="Arial" charset="0"/>
           <a:cs typeface="Arial" charset="0"/>
@@ -11013,14 +11023,14 @@
           <a:spcPct val="0"/>
         </a:spcAft>
         <a:buClr>
-          <a:srgbClr val="000000"/>
+          <a:srgbClr xmlns:mc="http://schemas.openxmlformats.org/markup-compatibility/2006" xmlns:a14="http://schemas.microsoft.com/office/drawing/2007/7/7/main" val="000000" mc:Ignorable=""/>
         </a:buClr>
         <a:buSzPct val="100000"/>
         <a:buFont typeface="Arial" charset="0"/>
         <a:buChar char="•"/>
         <a:defRPr sz="3200">
           <a:solidFill>
-            <a:srgbClr val="000000"/>
+            <a:srgbClr xmlns:mc="http://schemas.openxmlformats.org/markup-compatibility/2006" xmlns:a14="http://schemas.microsoft.com/office/drawing/2007/7/7/main" val="000000" mc:Ignorable=""/>
           </a:solidFill>
           <a:latin typeface="+mn-lt"/>
           <a:ea typeface="+mn-ea"/>
@@ -11035,14 +11045,14 @@
           <a:spcPct val="0"/>
         </a:spcAft>
         <a:buClr>
-          <a:srgbClr val="000000"/>
+          <a:srgbClr xmlns:mc="http://schemas.openxmlformats.org/markup-compatibility/2006" xmlns:a14="http://schemas.microsoft.com/office/drawing/2007/7/7/main" val="000000" mc:Ignorable=""/>
         </a:buClr>
         <a:buSzPct val="100000"/>
         <a:buFont typeface="Arial" charset="0"/>
         <a:buChar char="–"/>
         <a:defRPr sz="2800">
           <a:solidFill>
-            <a:srgbClr val="000000"/>
+            <a:srgbClr xmlns:mc="http://schemas.openxmlformats.org/markup-compatibility/2006" xmlns:a14="http://schemas.microsoft.com/office/drawing/2007/7/7/main" val="000000" mc:Ignorable=""/>
           </a:solidFill>
           <a:latin typeface="+mn-lt"/>
           <a:cs typeface="+mn-cs"/>
@@ -11056,14 +11066,14 @@
           <a:spcPct val="0"/>
         </a:spcAft>
         <a:buClr>
-          <a:srgbClr val="000000"/>
+          <a:srgbClr xmlns:mc="http://schemas.openxmlformats.org/markup-compatibility/2006" xmlns:a14="http://schemas.microsoft.com/office/drawing/2007/7/7/main" val="000000" mc:Ignorable=""/>
         </a:buClr>
         <a:buSzPct val="100000"/>
         <a:buFont typeface="Arial" charset="0"/>
         <a:buChar char="•"/>
         <a:defRPr sz="2400">
           <a:solidFill>
-            <a:srgbClr val="000000"/>
+            <a:srgbClr xmlns:mc="http://schemas.openxmlformats.org/markup-compatibility/2006" xmlns:a14="http://schemas.microsoft.com/office/drawing/2007/7/7/main" val="000000" mc:Ignorable=""/>
           </a:solidFill>
           <a:latin typeface="+mn-lt"/>
           <a:cs typeface="+mn-cs"/>
@@ -11077,14 +11087,14 @@
           <a:spcPct val="0"/>
         </a:spcAft>
         <a:buClr>
-          <a:srgbClr val="000000"/>
+          <a:srgbClr xmlns:mc="http://schemas.openxmlformats.org/markup-compatibility/2006" xmlns:a14="http://schemas.microsoft.com/office/drawing/2007/7/7/main" val="000000" mc:Ignorable=""/>
         </a:buClr>
         <a:buSzPct val="100000"/>
         <a:buFont typeface="Arial" charset="0"/>
         <a:buChar char="–"/>
         <a:defRPr sz="2000">
           <a:solidFill>
-            <a:srgbClr val="000000"/>
+            <a:srgbClr xmlns:mc="http://schemas.openxmlformats.org/markup-compatibility/2006" xmlns:a14="http://schemas.microsoft.com/office/drawing/2007/7/7/main" val="000000" mc:Ignorable=""/>
           </a:solidFill>
           <a:latin typeface="+mn-lt"/>
           <a:cs typeface="+mn-cs"/>
@@ -11098,14 +11108,14 @@
           <a:spcPct val="0"/>
         </a:spcAft>
         <a:buClr>
-          <a:srgbClr val="000000"/>
+          <a:srgbClr xmlns:mc="http://schemas.openxmlformats.org/markup-compatibility/2006" xmlns:a14="http://schemas.microsoft.com/office/drawing/2007/7/7/main" val="000000" mc:Ignorable=""/>
         </a:buClr>
         <a:buSzPct val="100000"/>
         <a:buFont typeface="Arial" charset="0"/>
         <a:buChar char="»"/>
         <a:defRPr sz="2000">
           <a:solidFill>
-            <a:srgbClr val="000000"/>
+            <a:srgbClr xmlns:mc="http://schemas.openxmlformats.org/markup-compatibility/2006" xmlns:a14="http://schemas.microsoft.com/office/drawing/2007/7/7/main" val="000000" mc:Ignorable=""/>
           </a:solidFill>
           <a:latin typeface="+mn-lt"/>
           <a:cs typeface="+mn-cs"/>
@@ -11119,14 +11129,14 @@
           <a:spcPct val="0"/>
         </a:spcAft>
         <a:buClr>
-          <a:srgbClr val="000000"/>
+          <a:srgbClr xmlns:mc="http://schemas.openxmlformats.org/markup-compatibility/2006" xmlns:a14="http://schemas.microsoft.com/office/drawing/2007/7/7/main" val="000000" mc:Ignorable=""/>
         </a:buClr>
         <a:buSzPct val="100000"/>
         <a:buFont typeface="Arial" charset="0"/>
         <a:buChar char="»"/>
         <a:defRPr sz="2000">
           <a:solidFill>
-            <a:srgbClr val="000000"/>
+            <a:srgbClr xmlns:mc="http://schemas.openxmlformats.org/markup-compatibility/2006" xmlns:a14="http://schemas.microsoft.com/office/drawing/2007/7/7/main" val="000000" mc:Ignorable=""/>
           </a:solidFill>
           <a:latin typeface="+mn-lt"/>
           <a:cs typeface="+mn-cs"/>
@@ -11140,14 +11150,14 @@
           <a:spcPct val="0"/>
         </a:spcAft>
         <a:buClr>
-          <a:srgbClr val="000000"/>
+          <a:srgbClr xmlns:mc="http://schemas.openxmlformats.org/markup-compatibility/2006" xmlns:a14="http://schemas.microsoft.com/office/drawing/2007/7/7/main" val="000000" mc:Ignorable=""/>
         </a:buClr>
         <a:buSzPct val="100000"/>
         <a:buFont typeface="Arial" charset="0"/>
         <a:buChar char="»"/>
         <a:defRPr sz="2000">
           <a:solidFill>
-            <a:srgbClr val="000000"/>
+            <a:srgbClr xmlns:mc="http://schemas.openxmlformats.org/markup-compatibility/2006" xmlns:a14="http://schemas.microsoft.com/office/drawing/2007/7/7/main" val="000000" mc:Ignorable=""/>
           </a:solidFill>
           <a:latin typeface="+mn-lt"/>
           <a:cs typeface="+mn-cs"/>
@@ -11161,14 +11171,14 @@
           <a:spcPct val="0"/>
         </a:spcAft>
         <a:buClr>
-          <a:srgbClr val="000000"/>
+          <a:srgbClr xmlns:mc="http://schemas.openxmlformats.org/markup-compatibility/2006" xmlns:a14="http://schemas.microsoft.com/office/drawing/2007/7/7/main" val="000000" mc:Ignorable=""/>
         </a:buClr>
         <a:buSzPct val="100000"/>
         <a:buFont typeface="Arial" charset="0"/>
         <a:buChar char="»"/>
         <a:defRPr sz="2000">
           <a:solidFill>
-            <a:srgbClr val="000000"/>
+            <a:srgbClr xmlns:mc="http://schemas.openxmlformats.org/markup-compatibility/2006" xmlns:a14="http://schemas.microsoft.com/office/drawing/2007/7/7/main" val="000000" mc:Ignorable=""/>
           </a:solidFill>
           <a:latin typeface="+mn-lt"/>
           <a:cs typeface="+mn-cs"/>
@@ -11182,14 +11192,14 @@
           <a:spcPct val="0"/>
         </a:spcAft>
         <a:buClr>
-          <a:srgbClr val="000000"/>
+          <a:srgbClr xmlns:mc="http://schemas.openxmlformats.org/markup-compatibility/2006" xmlns:a14="http://schemas.microsoft.com/office/drawing/2007/7/7/main" val="000000" mc:Ignorable=""/>
         </a:buClr>
         <a:buSzPct val="100000"/>
         <a:buFont typeface="Arial" charset="0"/>
         <a:buChar char="»"/>
         <a:defRPr sz="2000">
           <a:solidFill>
-            <a:srgbClr val="000000"/>
+            <a:srgbClr xmlns:mc="http://schemas.openxmlformats.org/markup-compatibility/2006" xmlns:a14="http://schemas.microsoft.com/office/drawing/2007/7/7/main" val="000000" mc:Ignorable=""/>
           </a:solidFill>
           <a:latin typeface="+mn-lt"/>
           <a:cs typeface="+mn-cs"/>
@@ -11339,11 +11349,11 @@
             <a:avLst/>
           </a:prstGeom>
           <a:solidFill>
-            <a:srgbClr val="FFFFFF"/>
+            <a:srgbClr xmlns:mc="http://schemas.openxmlformats.org/markup-compatibility/2006" xmlns:a14="http://schemas.microsoft.com/office/drawing/2007/7/7/main" val="FFFFFF" mc:Ignorable=""/>
           </a:solidFill>
           <a:ln w="9360">
             <a:solidFill>
-              <a:srgbClr val="000000"/>
+              <a:srgbClr xmlns:mc="http://schemas.openxmlformats.org/markup-compatibility/2006" xmlns:a14="http://schemas.microsoft.com/office/drawing/2007/7/7/main" val="000000" mc:Ignorable=""/>
             </a:solidFill>
             <a:miter lim="800000"/>
             <a:headEnd/>
@@ -11438,7 +11448,7 @@
                 <a:spcPts val="1500"/>
               </a:spcBef>
               <a:buClr>
-                <a:srgbClr val="FFFFFF"/>
+                <a:srgbClr xmlns:mc="http://schemas.openxmlformats.org/markup-compatibility/2006" xmlns:a14="http://schemas.microsoft.com/office/drawing/2007/7/7/main" val="FFFFFF" mc:Ignorable=""/>
               </a:buClr>
               <a:tabLst>
                 <a:tab pos="0" algn="l"/>
@@ -11467,7 +11477,7 @@
             <a:r>
               <a:rPr lang="pt-BR" sz="2400" b="1" dirty="0">
                 <a:solidFill>
-                  <a:srgbClr val="FFFFFF"/>
+                  <a:srgbClr xmlns:mc="http://schemas.openxmlformats.org/markup-compatibility/2006" xmlns:a14="http://schemas.microsoft.com/office/drawing/2007/7/7/main" val="FFFFFF" mc:Ignorable=""/>
                 </a:solidFill>
               </a:rPr>
               <a:t>Laboratório de Robótica </a:t>
@@ -11475,7 +11485,7 @@
             <a:r>
               <a:rPr lang="pt-BR" sz="2400" b="1" dirty="0" smtClean="0">
                 <a:solidFill>
-                  <a:srgbClr val="FFFFFF"/>
+                  <a:srgbClr xmlns:mc="http://schemas.openxmlformats.org/markup-compatibility/2006" xmlns:a14="http://schemas.microsoft.com/office/drawing/2007/7/7/main" val="FFFFFF" mc:Ignorable=""/>
                 </a:solidFill>
               </a:rPr>
               <a:t>Móvel</a:t>
@@ -11487,7 +11497,7 @@
                 <a:spcPts val="1500"/>
               </a:spcBef>
               <a:buClr>
-                <a:srgbClr val="FFFFFF"/>
+                <a:srgbClr xmlns:mc="http://schemas.openxmlformats.org/markup-compatibility/2006" xmlns:a14="http://schemas.microsoft.com/office/drawing/2007/7/7/main" val="FFFFFF" mc:Ignorable=""/>
               </a:buClr>
               <a:tabLst>
                 <a:tab pos="0" algn="l"/>
@@ -11516,14 +11526,14 @@
             <a:r>
               <a:rPr lang="pt-BR" sz="2400" b="1" dirty="0" smtClean="0">
                 <a:solidFill>
-                  <a:srgbClr val="FFFFFF"/>
+                  <a:srgbClr xmlns:mc="http://schemas.openxmlformats.org/markup-compatibility/2006" xmlns:a14="http://schemas.microsoft.com/office/drawing/2007/7/7/main" val="FFFFFF" mc:Ignorable=""/>
                 </a:solidFill>
               </a:rPr>
               <a:t>http://www.icmc.usp.br/~lrm/</a:t>
             </a:r>
             <a:endParaRPr lang="pt-BR" sz="2400" b="1" dirty="0">
               <a:solidFill>
-                <a:srgbClr val="FFFFFF"/>
+                <a:srgbClr xmlns:mc="http://schemas.openxmlformats.org/markup-compatibility/2006" xmlns:a14="http://schemas.microsoft.com/office/drawing/2007/7/7/main" val="FFFFFF" mc:Ignorable=""/>
               </a:solidFill>
             </a:endParaRPr>
           </a:p>
@@ -11580,11 +11590,11 @@
                 </a:avLst>
               </a:prstGeom>
               <a:solidFill>
-                <a:srgbClr val="FFFFFF"/>
+                <a:srgbClr xmlns:mc="http://schemas.openxmlformats.org/markup-compatibility/2006" xmlns:a14="http://schemas.microsoft.com/office/drawing/2007/7/7/main" val="FFFFFF" mc:Ignorable=""/>
               </a:solidFill>
               <a:ln w="9360">
                 <a:solidFill>
-                  <a:srgbClr val="000000"/>
+                  <a:srgbClr xmlns:mc="http://schemas.openxmlformats.org/markup-compatibility/2006" xmlns:a14="http://schemas.microsoft.com/office/drawing/2007/7/7/main" val="000000" mc:Ignorable=""/>
                 </a:solidFill>
                 <a:miter lim="800000"/>
                 <a:headEnd/>
@@ -11795,13 +11805,13 @@
           <a:spcPct val="0"/>
         </a:spcAft>
         <a:buClr>
-          <a:srgbClr val="FFFFFF"/>
+          <a:srgbClr xmlns:mc="http://schemas.openxmlformats.org/markup-compatibility/2006" xmlns:a14="http://schemas.microsoft.com/office/drawing/2007/7/7/main" val="FFFFFF" mc:Ignorable=""/>
         </a:buClr>
         <a:buSzPct val="100000"/>
         <a:buFont typeface="Arial" charset="0"/>
         <a:defRPr sz="4400">
           <a:solidFill>
-            <a:srgbClr val="FFFFFF"/>
+            <a:srgbClr xmlns:mc="http://schemas.openxmlformats.org/markup-compatibility/2006" xmlns:a14="http://schemas.microsoft.com/office/drawing/2007/7/7/main" val="FFFFFF" mc:Ignorable=""/>
           </a:solidFill>
           <a:latin typeface="+mj-lt"/>
           <a:ea typeface="+mj-ea"/>
@@ -11816,13 +11826,13 @@
           <a:spcPct val="0"/>
         </a:spcAft>
         <a:buClr>
-          <a:srgbClr val="FFFFFF"/>
+          <a:srgbClr xmlns:mc="http://schemas.openxmlformats.org/markup-compatibility/2006" xmlns:a14="http://schemas.microsoft.com/office/drawing/2007/7/7/main" val="FFFFFF" mc:Ignorable=""/>
         </a:buClr>
         <a:buSzPct val="100000"/>
         <a:buFont typeface="Arial" charset="0"/>
         <a:defRPr sz="4400">
           <a:solidFill>
-            <a:srgbClr val="FFFFFF"/>
+            <a:srgbClr xmlns:mc="http://schemas.openxmlformats.org/markup-compatibility/2006" xmlns:a14="http://schemas.microsoft.com/office/drawing/2007/7/7/main" val="FFFFFF" mc:Ignorable=""/>
           </a:solidFill>
           <a:latin typeface="Arial" charset="0"/>
           <a:cs typeface="Arial" charset="0"/>
@@ -11836,13 +11846,13 @@
           <a:spcPct val="0"/>
         </a:spcAft>
         <a:buClr>
-          <a:srgbClr val="FFFFFF"/>
+          <a:srgbClr xmlns:mc="http://schemas.openxmlformats.org/markup-compatibility/2006" xmlns:a14="http://schemas.microsoft.com/office/drawing/2007/7/7/main" val="FFFFFF" mc:Ignorable=""/>
         </a:buClr>
         <a:buSzPct val="100000"/>
         <a:buFont typeface="Arial" charset="0"/>
         <a:defRPr sz="4400">
           <a:solidFill>
-            <a:srgbClr val="FFFFFF"/>
+            <a:srgbClr xmlns:mc="http://schemas.openxmlformats.org/markup-compatibility/2006" xmlns:a14="http://schemas.microsoft.com/office/drawing/2007/7/7/main" val="FFFFFF" mc:Ignorable=""/>
           </a:solidFill>
           <a:latin typeface="Arial" charset="0"/>
           <a:cs typeface="Arial" charset="0"/>
@@ -11856,13 +11866,13 @@
           <a:spcPct val="0"/>
         </a:spcAft>
         <a:buClr>
-          <a:srgbClr val="FFFFFF"/>
+          <a:srgbClr xmlns:mc="http://schemas.openxmlformats.org/markup-compatibility/2006" xmlns:a14="http://schemas.microsoft.com/office/drawing/2007/7/7/main" val="FFFFFF" mc:Ignorable=""/>
         </a:buClr>
         <a:buSzPct val="100000"/>
         <a:buFont typeface="Arial" charset="0"/>
         <a:defRPr sz="4400">
           <a:solidFill>
-            <a:srgbClr val="FFFFFF"/>
+            <a:srgbClr xmlns:mc="http://schemas.openxmlformats.org/markup-compatibility/2006" xmlns:a14="http://schemas.microsoft.com/office/drawing/2007/7/7/main" val="FFFFFF" mc:Ignorable=""/>
           </a:solidFill>
           <a:latin typeface="Arial" charset="0"/>
           <a:cs typeface="Arial" charset="0"/>
@@ -11876,13 +11886,13 @@
           <a:spcPct val="0"/>
         </a:spcAft>
         <a:buClr>
-          <a:srgbClr val="FFFFFF"/>
+          <a:srgbClr xmlns:mc="http://schemas.openxmlformats.org/markup-compatibility/2006" xmlns:a14="http://schemas.microsoft.com/office/drawing/2007/7/7/main" val="FFFFFF" mc:Ignorable=""/>
         </a:buClr>
         <a:buSzPct val="100000"/>
         <a:buFont typeface="Arial" charset="0"/>
         <a:defRPr sz="4400">
           <a:solidFill>
-            <a:srgbClr val="FFFFFF"/>
+            <a:srgbClr xmlns:mc="http://schemas.openxmlformats.org/markup-compatibility/2006" xmlns:a14="http://schemas.microsoft.com/office/drawing/2007/7/7/main" val="FFFFFF" mc:Ignorable=""/>
           </a:solidFill>
           <a:latin typeface="Arial" charset="0"/>
           <a:cs typeface="Arial" charset="0"/>
@@ -11896,13 +11906,13 @@
           <a:spcPct val="0"/>
         </a:spcAft>
         <a:buClr>
-          <a:srgbClr val="FFFFFF"/>
+          <a:srgbClr xmlns:mc="http://schemas.openxmlformats.org/markup-compatibility/2006" xmlns:a14="http://schemas.microsoft.com/office/drawing/2007/7/7/main" val="FFFFFF" mc:Ignorable=""/>
         </a:buClr>
         <a:buSzPct val="100000"/>
         <a:buFont typeface="Arial" charset="0"/>
         <a:defRPr sz="4400">
           <a:solidFill>
-            <a:srgbClr val="FFFFFF"/>
+            <a:srgbClr xmlns:mc="http://schemas.openxmlformats.org/markup-compatibility/2006" xmlns:a14="http://schemas.microsoft.com/office/drawing/2007/7/7/main" val="FFFFFF" mc:Ignorable=""/>
           </a:solidFill>
           <a:latin typeface="Arial" charset="0"/>
           <a:cs typeface="Arial" charset="0"/>
@@ -11916,13 +11926,13 @@
           <a:spcPct val="0"/>
         </a:spcAft>
         <a:buClr>
-          <a:srgbClr val="FFFFFF"/>
+          <a:srgbClr xmlns:mc="http://schemas.openxmlformats.org/markup-compatibility/2006" xmlns:a14="http://schemas.microsoft.com/office/drawing/2007/7/7/main" val="FFFFFF" mc:Ignorable=""/>
         </a:buClr>
         <a:buSzPct val="100000"/>
         <a:buFont typeface="Arial" charset="0"/>
         <a:defRPr sz="4400">
           <a:solidFill>
-            <a:srgbClr val="FFFFFF"/>
+            <a:srgbClr xmlns:mc="http://schemas.openxmlformats.org/markup-compatibility/2006" xmlns:a14="http://schemas.microsoft.com/office/drawing/2007/7/7/main" val="FFFFFF" mc:Ignorable=""/>
           </a:solidFill>
           <a:latin typeface="Arial" charset="0"/>
           <a:cs typeface="Arial" charset="0"/>
@@ -11936,13 +11946,13 @@
           <a:spcPct val="0"/>
         </a:spcAft>
         <a:buClr>
-          <a:srgbClr val="FFFFFF"/>
+          <a:srgbClr xmlns:mc="http://schemas.openxmlformats.org/markup-compatibility/2006" xmlns:a14="http://schemas.microsoft.com/office/drawing/2007/7/7/main" val="FFFFFF" mc:Ignorable=""/>
         </a:buClr>
         <a:buSzPct val="100000"/>
         <a:buFont typeface="Arial" charset="0"/>
         <a:defRPr sz="4400">
           <a:solidFill>
-            <a:srgbClr val="FFFFFF"/>
+            <a:srgbClr xmlns:mc="http://schemas.openxmlformats.org/markup-compatibility/2006" xmlns:a14="http://schemas.microsoft.com/office/drawing/2007/7/7/main" val="FFFFFF" mc:Ignorable=""/>
           </a:solidFill>
           <a:latin typeface="Arial" charset="0"/>
           <a:cs typeface="Arial" charset="0"/>
@@ -11956,13 +11966,13 @@
           <a:spcPct val="0"/>
         </a:spcAft>
         <a:buClr>
-          <a:srgbClr val="FFFFFF"/>
+          <a:srgbClr xmlns:mc="http://schemas.openxmlformats.org/markup-compatibility/2006" xmlns:a14="http://schemas.microsoft.com/office/drawing/2007/7/7/main" val="FFFFFF" mc:Ignorable=""/>
         </a:buClr>
         <a:buSzPct val="100000"/>
         <a:buFont typeface="Arial" charset="0"/>
         <a:defRPr sz="4400">
           <a:solidFill>
-            <a:srgbClr val="FFFFFF"/>
+            <a:srgbClr xmlns:mc="http://schemas.openxmlformats.org/markup-compatibility/2006" xmlns:a14="http://schemas.microsoft.com/office/drawing/2007/7/7/main" val="FFFFFF" mc:Ignorable=""/>
           </a:solidFill>
           <a:latin typeface="Arial" charset="0"/>
           <a:cs typeface="Arial" charset="0"/>
@@ -11978,14 +11988,14 @@
           <a:spcPct val="0"/>
         </a:spcAft>
         <a:buClr>
-          <a:srgbClr val="000000"/>
+          <a:srgbClr xmlns:mc="http://schemas.openxmlformats.org/markup-compatibility/2006" xmlns:a14="http://schemas.microsoft.com/office/drawing/2007/7/7/main" val="000000" mc:Ignorable=""/>
         </a:buClr>
         <a:buSzPct val="100000"/>
         <a:buFont typeface="Arial" charset="0"/>
         <a:buChar char="•"/>
         <a:defRPr sz="3200">
           <a:solidFill>
-            <a:srgbClr val="000000"/>
+            <a:srgbClr xmlns:mc="http://schemas.openxmlformats.org/markup-compatibility/2006" xmlns:a14="http://schemas.microsoft.com/office/drawing/2007/7/7/main" val="000000" mc:Ignorable=""/>
           </a:solidFill>
           <a:latin typeface="+mn-lt"/>
           <a:ea typeface="+mn-ea"/>
@@ -12000,14 +12010,14 @@
           <a:spcPct val="0"/>
         </a:spcAft>
         <a:buClr>
-          <a:srgbClr val="000000"/>
+          <a:srgbClr xmlns:mc="http://schemas.openxmlformats.org/markup-compatibility/2006" xmlns:a14="http://schemas.microsoft.com/office/drawing/2007/7/7/main" val="000000" mc:Ignorable=""/>
         </a:buClr>
         <a:buSzPct val="100000"/>
         <a:buFont typeface="Arial" charset="0"/>
         <a:buChar char="–"/>
         <a:defRPr sz="2800">
           <a:solidFill>
-            <a:srgbClr val="000000"/>
+            <a:srgbClr xmlns:mc="http://schemas.openxmlformats.org/markup-compatibility/2006" xmlns:a14="http://schemas.microsoft.com/office/drawing/2007/7/7/main" val="000000" mc:Ignorable=""/>
           </a:solidFill>
           <a:latin typeface="+mn-lt"/>
           <a:cs typeface="+mn-cs"/>
@@ -12021,14 +12031,14 @@
           <a:spcPct val="0"/>
         </a:spcAft>
         <a:buClr>
-          <a:srgbClr val="000000"/>
+          <a:srgbClr xmlns:mc="http://schemas.openxmlformats.org/markup-compatibility/2006" xmlns:a14="http://schemas.microsoft.com/office/drawing/2007/7/7/main" val="000000" mc:Ignorable=""/>
         </a:buClr>
         <a:buSzPct val="100000"/>
         <a:buFont typeface="Arial" charset="0"/>
         <a:buChar char="•"/>
         <a:defRPr sz="2400">
           <a:solidFill>
-            <a:srgbClr val="000000"/>
+            <a:srgbClr xmlns:mc="http://schemas.openxmlformats.org/markup-compatibility/2006" xmlns:a14="http://schemas.microsoft.com/office/drawing/2007/7/7/main" val="000000" mc:Ignorable=""/>
           </a:solidFill>
           <a:latin typeface="+mn-lt"/>
           <a:cs typeface="+mn-cs"/>
@@ -12042,14 +12052,14 @@
           <a:spcPct val="0"/>
         </a:spcAft>
         <a:buClr>
-          <a:srgbClr val="000000"/>
+          <a:srgbClr xmlns:mc="http://schemas.openxmlformats.org/markup-compatibility/2006" xmlns:a14="http://schemas.microsoft.com/office/drawing/2007/7/7/main" val="000000" mc:Ignorable=""/>
         </a:buClr>
         <a:buSzPct val="100000"/>
         <a:buFont typeface="Arial" charset="0"/>
         <a:buChar char="–"/>
         <a:defRPr sz="2000">
           <a:solidFill>
-            <a:srgbClr val="000000"/>
+            <a:srgbClr xmlns:mc="http://schemas.openxmlformats.org/markup-compatibility/2006" xmlns:a14="http://schemas.microsoft.com/office/drawing/2007/7/7/main" val="000000" mc:Ignorable=""/>
           </a:solidFill>
           <a:latin typeface="+mn-lt"/>
           <a:cs typeface="+mn-cs"/>
@@ -12063,14 +12073,14 @@
           <a:spcPct val="0"/>
         </a:spcAft>
         <a:buClr>
-          <a:srgbClr val="000000"/>
+          <a:srgbClr xmlns:mc="http://schemas.openxmlformats.org/markup-compatibility/2006" xmlns:a14="http://schemas.microsoft.com/office/drawing/2007/7/7/main" val="000000" mc:Ignorable=""/>
         </a:buClr>
         <a:buSzPct val="100000"/>
         <a:buFont typeface="Arial" charset="0"/>
         <a:buChar char="»"/>
         <a:defRPr sz="2000">
           <a:solidFill>
-            <a:srgbClr val="000000"/>
+            <a:srgbClr xmlns:mc="http://schemas.openxmlformats.org/markup-compatibility/2006" xmlns:a14="http://schemas.microsoft.com/office/drawing/2007/7/7/main" val="000000" mc:Ignorable=""/>
           </a:solidFill>
           <a:latin typeface="+mn-lt"/>
           <a:cs typeface="+mn-cs"/>
@@ -12084,14 +12094,14 @@
           <a:spcPct val="0"/>
         </a:spcAft>
         <a:buClr>
-          <a:srgbClr val="000000"/>
+          <a:srgbClr xmlns:mc="http://schemas.openxmlformats.org/markup-compatibility/2006" xmlns:a14="http://schemas.microsoft.com/office/drawing/2007/7/7/main" val="000000" mc:Ignorable=""/>
         </a:buClr>
         <a:buSzPct val="100000"/>
         <a:buFont typeface="Arial" charset="0"/>
         <a:buChar char="»"/>
         <a:defRPr sz="2000">
           <a:solidFill>
-            <a:srgbClr val="000000"/>
+            <a:srgbClr xmlns:mc="http://schemas.openxmlformats.org/markup-compatibility/2006" xmlns:a14="http://schemas.microsoft.com/office/drawing/2007/7/7/main" val="000000" mc:Ignorable=""/>
           </a:solidFill>
           <a:latin typeface="+mn-lt"/>
           <a:cs typeface="+mn-cs"/>
@@ -12105,14 +12115,14 @@
           <a:spcPct val="0"/>
         </a:spcAft>
         <a:buClr>
-          <a:srgbClr val="000000"/>
+          <a:srgbClr xmlns:mc="http://schemas.openxmlformats.org/markup-compatibility/2006" xmlns:a14="http://schemas.microsoft.com/office/drawing/2007/7/7/main" val="000000" mc:Ignorable=""/>
         </a:buClr>
         <a:buSzPct val="100000"/>
         <a:buFont typeface="Arial" charset="0"/>
         <a:buChar char="»"/>
         <a:defRPr sz="2000">
           <a:solidFill>
-            <a:srgbClr val="000000"/>
+            <a:srgbClr xmlns:mc="http://schemas.openxmlformats.org/markup-compatibility/2006" xmlns:a14="http://schemas.microsoft.com/office/drawing/2007/7/7/main" val="000000" mc:Ignorable=""/>
           </a:solidFill>
           <a:latin typeface="+mn-lt"/>
           <a:cs typeface="+mn-cs"/>
@@ -12126,14 +12136,14 @@
           <a:spcPct val="0"/>
         </a:spcAft>
         <a:buClr>
-          <a:srgbClr val="000000"/>
+          <a:srgbClr xmlns:mc="http://schemas.openxmlformats.org/markup-compatibility/2006" xmlns:a14="http://schemas.microsoft.com/office/drawing/2007/7/7/main" val="000000" mc:Ignorable=""/>
         </a:buClr>
         <a:buSzPct val="100000"/>
         <a:buFont typeface="Arial" charset="0"/>
         <a:buChar char="»"/>
         <a:defRPr sz="2000">
           <a:solidFill>
-            <a:srgbClr val="000000"/>
+            <a:srgbClr xmlns:mc="http://schemas.openxmlformats.org/markup-compatibility/2006" xmlns:a14="http://schemas.microsoft.com/office/drawing/2007/7/7/main" val="000000" mc:Ignorable=""/>
           </a:solidFill>
           <a:latin typeface="+mn-lt"/>
           <a:cs typeface="+mn-cs"/>
@@ -12147,14 +12157,14 @@
           <a:spcPct val="0"/>
         </a:spcAft>
         <a:buClr>
-          <a:srgbClr val="000000"/>
+          <a:srgbClr xmlns:mc="http://schemas.openxmlformats.org/markup-compatibility/2006" xmlns:a14="http://schemas.microsoft.com/office/drawing/2007/7/7/main" val="000000" mc:Ignorable=""/>
         </a:buClr>
         <a:buSzPct val="100000"/>
         <a:buFont typeface="Arial" charset="0"/>
         <a:buChar char="»"/>
         <a:defRPr sz="2000">
           <a:solidFill>
-            <a:srgbClr val="000000"/>
+            <a:srgbClr xmlns:mc="http://schemas.openxmlformats.org/markup-compatibility/2006" xmlns:a14="http://schemas.microsoft.com/office/drawing/2007/7/7/main" val="000000" mc:Ignorable=""/>
           </a:solidFill>
           <a:latin typeface="+mn-lt"/>
           <a:cs typeface="+mn-cs"/>
@@ -12294,11 +12304,11 @@
             <a:avLst/>
           </a:prstGeom>
           <a:solidFill>
-            <a:srgbClr val="FFFFFF"/>
+            <a:srgbClr xmlns:mc="http://schemas.openxmlformats.org/markup-compatibility/2006" xmlns:a14="http://schemas.microsoft.com/office/drawing/2007/7/7/main" val="FFFFFF" mc:Ignorable=""/>
           </a:solidFill>
           <a:ln w="9360">
             <a:solidFill>
-              <a:srgbClr val="000000"/>
+              <a:srgbClr xmlns:mc="http://schemas.openxmlformats.org/markup-compatibility/2006" xmlns:a14="http://schemas.microsoft.com/office/drawing/2007/7/7/main" val="000000" mc:Ignorable=""/>
             </a:solidFill>
             <a:miter lim="800000"/>
             <a:headEnd/>
@@ -12373,7 +12383,7 @@
             <a:r>
               <a:rPr lang="pt-BR" i="1" dirty="0">
                 <a:solidFill>
-                  <a:srgbClr val="000000"/>
+                  <a:srgbClr xmlns:mc="http://schemas.openxmlformats.org/markup-compatibility/2006" xmlns:a14="http://schemas.microsoft.com/office/drawing/2007/7/7/main" val="000000" mc:Ignorable=""/>
                 </a:solidFill>
               </a:rPr>
               <a:t>Heitor Luis Polidoro</a:t>
@@ -12408,7 +12418,7 @@
             <a:r>
               <a:rPr lang="pt-BR" dirty="0">
                 <a:solidFill>
-                  <a:srgbClr val="000000"/>
+                  <a:srgbClr xmlns:mc="http://schemas.openxmlformats.org/markup-compatibility/2006" xmlns:a14="http://schemas.microsoft.com/office/drawing/2007/7/7/main" val="000000" mc:Ignorable=""/>
                 </a:solidFill>
               </a:rPr>
               <a:t>Supervisor: Dr. Denis Fernando Wolf</a:t>
@@ -12439,7 +12449,7 @@
           <a:p>
             <a:pPr algn="ctr">
               <a:buClr>
-                <a:srgbClr val="000000"/>
+                <a:srgbClr xmlns:mc="http://schemas.openxmlformats.org/markup-compatibility/2006" xmlns:a14="http://schemas.microsoft.com/office/drawing/2007/7/7/main" val="000000" mc:Ignorable=""/>
               </a:buClr>
               <a:tabLst>
                 <a:tab pos="0" algn="l"/>
@@ -12468,7 +12478,7 @@
             <a:r>
               <a:rPr lang="pt-BR" sz="3600" b="1" dirty="0" smtClean="0">
                 <a:solidFill>
-                  <a:srgbClr val="000000"/>
+                  <a:srgbClr xmlns:mc="http://schemas.openxmlformats.org/markup-compatibility/2006" xmlns:a14="http://schemas.microsoft.com/office/drawing/2007/7/7/main" val="000000" mc:Ignorable=""/>
                 </a:solidFill>
               </a:rPr>
               <a:t>Navegação e Monitoramento de Ambientes Internos Utilizando Robôs Móveis</a:t>
@@ -12476,14 +12486,14 @@
             <a:r>
               <a:rPr lang="pt-BR" sz="3600" dirty="0" smtClean="0">
                 <a:solidFill>
-                  <a:srgbClr val="000000"/>
+                  <a:srgbClr xmlns:mc="http://schemas.openxmlformats.org/markup-compatibility/2006" xmlns:a14="http://schemas.microsoft.com/office/drawing/2007/7/7/main" val="000000" mc:Ignorable=""/>
                 </a:solidFill>
               </a:rPr>
               <a:t> </a:t>
             </a:r>
             <a:endParaRPr lang="pt-BR" sz="3600" dirty="0">
               <a:solidFill>
-                <a:srgbClr val="000000"/>
+                <a:srgbClr xmlns:mc="http://schemas.openxmlformats.org/markup-compatibility/2006" xmlns:a14="http://schemas.microsoft.com/office/drawing/2007/7/7/main" val="000000" mc:Ignorable=""/>
               </a:solidFill>
             </a:endParaRPr>
           </a:p>
@@ -12494,11 +12504,11 @@
   <p:clrMapOvr>
     <a:masterClrMapping/>
   </p:clrMapOvr>
-  <p:transition spd="med"/>
+  <p:transition xmlns:p14="http://schemas.microsoft.com/office/powerpoint/2007/7/12/main" spd="med"/>
   <p:timing>
     <p:tnLst>
       <p:par>
-        <p:cTn id="1" dur="indefinite" restart="never" nodeType="tmRoot">
+        <p:cTn xmlns:p14="http://schemas.microsoft.com/office/powerpoint/2007/7/12/main" id="1" dur="indefinite" restart="never" nodeType="tmRoot">
           <p:childTnLst>
             <p:seq concurrent="1" nextAc="seek">
               <p:cTn id="2" dur="indefinite" nodeType="mainSeq"/>
@@ -12656,7 +12666,7 @@
   <p:timing>
     <p:tnLst>
       <p:par>
-        <p:cTn id="1" dur="indefinite" restart="never" nodeType="tmRoot"/>
+        <p:cTn xmlns:p14="http://schemas.microsoft.com/office/powerpoint/2007/7/12/main" id="1" dur="indefinite" restart="never" nodeType="tmRoot"/>
       </p:par>
     </p:tnLst>
   </p:timing>
@@ -12753,7 +12763,7 @@
           </a:ln>
           <a:effectLst>
             <a:outerShdw blurRad="190500" algn="tl" rotWithShape="0">
-              <a:srgbClr val="000000">
+              <a:srgbClr xmlns:mc="http://schemas.openxmlformats.org/markup-compatibility/2006" xmlns:a14="http://schemas.microsoft.com/office/drawing/2007/7/7/main" val="000000" mc:Ignorable="">
                 <a:alpha val="70000"/>
               </a:srgbClr>
             </a:outerShdw>
@@ -12788,7 +12798,7 @@
           </a:ln>
           <a:effectLst>
             <a:outerShdw blurRad="190500" algn="tl" rotWithShape="0">
-              <a:srgbClr val="000000">
+              <a:srgbClr xmlns:mc="http://schemas.openxmlformats.org/markup-compatibility/2006" xmlns:a14="http://schemas.microsoft.com/office/drawing/2007/7/7/main" val="000000" mc:Ignorable="">
                 <a:alpha val="70000"/>
               </a:srgbClr>
             </a:outerShdw>
@@ -12879,7 +12889,7 @@
   <p:timing>
     <p:tnLst>
       <p:par>
-        <p:cTn id="1" dur="indefinite" restart="never" nodeType="tmRoot"/>
+        <p:cTn xmlns:p14="http://schemas.microsoft.com/office/powerpoint/2007/7/12/main" id="1" dur="indefinite" restart="never" nodeType="tmRoot"/>
       </p:par>
     </p:tnLst>
   </p:timing>
@@ -13066,7 +13076,7 @@
   <p:timing>
     <p:tnLst>
       <p:par>
-        <p:cTn id="1" dur="indefinite" restart="never" nodeType="tmRoot"/>
+        <p:cTn xmlns:p14="http://schemas.microsoft.com/office/powerpoint/2007/7/12/main" id="1" dur="indefinite" restart="never" nodeType="tmRoot"/>
       </p:par>
     </p:tnLst>
   </p:timing>
@@ -13514,7 +13524,7 @@
   <p:timing>
     <p:tnLst>
       <p:par>
-        <p:cTn id="1" dur="indefinite" restart="never" nodeType="tmRoot"/>
+        <p:cTn xmlns:p14="http://schemas.microsoft.com/office/powerpoint/2007/7/12/main" id="1" dur="indefinite" restart="never" nodeType="tmRoot"/>
       </p:par>
     </p:tnLst>
   </p:timing>
@@ -13650,7 +13660,7 @@
           </a:ln>
           <a:effectLst>
             <a:outerShdw blurRad="190500" algn="tl" rotWithShape="0">
-              <a:srgbClr val="000000">
+              <a:srgbClr xmlns:mc="http://schemas.openxmlformats.org/markup-compatibility/2006" xmlns:a14="http://schemas.microsoft.com/office/drawing/2007/7/7/main" val="000000" mc:Ignorable="">
                 <a:alpha val="70000"/>
               </a:srgbClr>
             </a:outerShdw>
@@ -13684,7 +13694,7 @@
           </a:ln>
           <a:effectLst>
             <a:outerShdw blurRad="190500" algn="tl" rotWithShape="0">
-              <a:srgbClr val="000000">
+              <a:srgbClr xmlns:mc="http://schemas.openxmlformats.org/markup-compatibility/2006" xmlns:a14="http://schemas.microsoft.com/office/drawing/2007/7/7/main" val="000000" mc:Ignorable="">
                 <a:alpha val="70000"/>
               </a:srgbClr>
             </a:outerShdw>
@@ -13699,7 +13709,7 @@
   <p:timing>
     <p:tnLst>
       <p:par>
-        <p:cTn id="1" dur="indefinite" restart="never" nodeType="tmRoot"/>
+        <p:cTn xmlns:p14="http://schemas.microsoft.com/office/powerpoint/2007/7/12/main" id="1" dur="indefinite" restart="never" nodeType="tmRoot"/>
       </p:par>
     </p:tnLst>
   </p:timing>
@@ -13842,7 +13852,7 @@
           </a:ln>
           <a:effectLst>
             <a:outerShdw blurRad="190500" algn="tl" rotWithShape="0">
-              <a:srgbClr val="000000">
+              <a:srgbClr xmlns:mc="http://schemas.openxmlformats.org/markup-compatibility/2006" xmlns:a14="http://schemas.microsoft.com/office/drawing/2007/7/7/main" val="000000" mc:Ignorable="">
                 <a:alpha val="70000"/>
               </a:srgbClr>
             </a:outerShdw>
@@ -13876,7 +13886,7 @@
           </a:ln>
           <a:effectLst>
             <a:outerShdw blurRad="190500" algn="tl" rotWithShape="0">
-              <a:srgbClr val="000000">
+              <a:srgbClr xmlns:mc="http://schemas.openxmlformats.org/markup-compatibility/2006" xmlns:a14="http://schemas.microsoft.com/office/drawing/2007/7/7/main" val="000000" mc:Ignorable="">
                 <a:alpha val="70000"/>
               </a:srgbClr>
             </a:outerShdw>
@@ -13891,7 +13901,7 @@
   <p:timing>
     <p:tnLst>
       <p:par>
-        <p:cTn id="1" dur="indefinite" restart="never" nodeType="tmRoot"/>
+        <p:cTn xmlns:p14="http://schemas.microsoft.com/office/powerpoint/2007/7/12/main" id="1" dur="indefinite" restart="never" nodeType="tmRoot"/>
       </p:par>
     </p:tnLst>
   </p:timing>
@@ -14020,7 +14030,7 @@
           </a:ln>
           <a:effectLst>
             <a:outerShdw blurRad="190500" algn="tl" rotWithShape="0">
-              <a:srgbClr val="000000">
+              <a:srgbClr xmlns:mc="http://schemas.openxmlformats.org/markup-compatibility/2006" xmlns:a14="http://schemas.microsoft.com/office/drawing/2007/7/7/main" val="000000" mc:Ignorable="">
                 <a:alpha val="70000"/>
               </a:srgbClr>
             </a:outerShdw>
@@ -14054,7 +14064,7 @@
           </a:ln>
           <a:effectLst>
             <a:outerShdw blurRad="190500" algn="tl" rotWithShape="0">
-              <a:srgbClr val="000000">
+              <a:srgbClr xmlns:mc="http://schemas.openxmlformats.org/markup-compatibility/2006" xmlns:a14="http://schemas.microsoft.com/office/drawing/2007/7/7/main" val="000000" mc:Ignorable="">
                 <a:alpha val="70000"/>
               </a:srgbClr>
             </a:outerShdw>
@@ -14069,7 +14079,7 @@
   <p:timing>
     <p:tnLst>
       <p:par>
-        <p:cTn id="1" dur="indefinite" restart="never" nodeType="tmRoot"/>
+        <p:cTn xmlns:p14="http://schemas.microsoft.com/office/powerpoint/2007/7/12/main" id="1" dur="indefinite" restart="never" nodeType="tmRoot"/>
       </p:par>
     </p:tnLst>
   </p:timing>
@@ -14205,7 +14215,7 @@
           </a:ln>
           <a:effectLst>
             <a:outerShdw blurRad="190500" algn="tl" rotWithShape="0">
-              <a:srgbClr val="000000">
+              <a:srgbClr xmlns:mc="http://schemas.openxmlformats.org/markup-compatibility/2006" xmlns:a14="http://schemas.microsoft.com/office/drawing/2007/7/7/main" val="000000" mc:Ignorable="">
                 <a:alpha val="70000"/>
               </a:srgbClr>
             </a:outerShdw>
@@ -14239,7 +14249,7 @@
           </a:ln>
           <a:effectLst>
             <a:outerShdw blurRad="190500" algn="tl" rotWithShape="0">
-              <a:srgbClr val="000000">
+              <a:srgbClr xmlns:mc="http://schemas.openxmlformats.org/markup-compatibility/2006" xmlns:a14="http://schemas.microsoft.com/office/drawing/2007/7/7/main" val="000000" mc:Ignorable="">
                 <a:alpha val="70000"/>
               </a:srgbClr>
             </a:outerShdw>
@@ -14254,7 +14264,7 @@
   <p:timing>
     <p:tnLst>
       <p:par>
-        <p:cTn id="1" dur="indefinite" restart="never" nodeType="tmRoot"/>
+        <p:cTn xmlns:p14="http://schemas.microsoft.com/office/powerpoint/2007/7/12/main" id="1" dur="indefinite" restart="never" nodeType="tmRoot"/>
       </p:par>
     </p:tnLst>
   </p:timing>
@@ -14397,7 +14407,7 @@
           </a:ln>
           <a:effectLst>
             <a:outerShdw blurRad="190500" algn="tl" rotWithShape="0">
-              <a:srgbClr val="000000">
+              <a:srgbClr xmlns:mc="http://schemas.openxmlformats.org/markup-compatibility/2006" xmlns:a14="http://schemas.microsoft.com/office/drawing/2007/7/7/main" val="000000" mc:Ignorable="">
                 <a:alpha val="70000"/>
               </a:srgbClr>
             </a:outerShdw>
@@ -14431,7 +14441,7 @@
           </a:ln>
           <a:effectLst>
             <a:outerShdw blurRad="190500" algn="tl" rotWithShape="0">
-              <a:srgbClr val="000000">
+              <a:srgbClr xmlns:mc="http://schemas.openxmlformats.org/markup-compatibility/2006" xmlns:a14="http://schemas.microsoft.com/office/drawing/2007/7/7/main" val="000000" mc:Ignorable="">
                 <a:alpha val="70000"/>
               </a:srgbClr>
             </a:outerShdw>
@@ -14446,7 +14456,7 @@
   <p:timing>
     <p:tnLst>
       <p:par>
-        <p:cTn id="1" dur="indefinite" restart="never" nodeType="tmRoot"/>
+        <p:cTn xmlns:p14="http://schemas.microsoft.com/office/powerpoint/2007/7/12/main" id="1" dur="indefinite" restart="never" nodeType="tmRoot"/>
       </p:par>
     </p:tnLst>
   </p:timing>
@@ -14566,7 +14576,7 @@
   <p:timing>
     <p:tnLst>
       <p:par>
-        <p:cTn id="1" dur="indefinite" restart="never" nodeType="tmRoot"/>
+        <p:cTn xmlns:p14="http://schemas.microsoft.com/office/powerpoint/2007/7/12/main" id="1" dur="indefinite" restart="never" nodeType="tmRoot"/>
       </p:par>
     </p:tnLst>
   </p:timing>
@@ -14709,7 +14719,7 @@
   <p:timing>
     <p:tnLst>
       <p:par>
-        <p:cTn id="1" dur="indefinite" restart="never" nodeType="tmRoot"/>
+        <p:cTn xmlns:p14="http://schemas.microsoft.com/office/powerpoint/2007/7/12/main" id="1" dur="indefinite" restart="never" nodeType="tmRoot"/>
       </p:par>
     </p:tnLst>
   </p:timing>
@@ -14777,7 +14787,7 @@
                 <a:spcPct val="0"/>
               </a:spcAft>
               <a:buClr>
-                <a:srgbClr val="000000"/>
+                <a:srgbClr xmlns:mc="http://schemas.openxmlformats.org/markup-compatibility/2006" xmlns:a14="http://schemas.microsoft.com/office/drawing/2007/7/7/main" val="000000" mc:Ignorable=""/>
               </a:buClr>
               <a:buSzPct val="100000"/>
               <a:buFont typeface="Arial" charset="0"/>
@@ -14791,7 +14801,7 @@
                   <a:noFill/>
                 </a:ln>
                 <a:solidFill>
-                  <a:srgbClr val="000000"/>
+                  <a:srgbClr xmlns:mc="http://schemas.openxmlformats.org/markup-compatibility/2006" xmlns:a14="http://schemas.microsoft.com/office/drawing/2007/7/7/main" val="000000" mc:Ignorable=""/>
                 </a:solidFill>
                 <a:effectLst/>
                 <a:uLnTx/>
@@ -14808,7 +14818,7 @@
                   <a:noFill/>
                 </a:ln>
                 <a:solidFill>
-                  <a:srgbClr val="000000"/>
+                  <a:srgbClr xmlns:mc="http://schemas.openxmlformats.org/markup-compatibility/2006" xmlns:a14="http://schemas.microsoft.com/office/drawing/2007/7/7/main" val="000000" mc:Ignorable=""/>
                 </a:solidFill>
                 <a:effectLst/>
                 <a:uLnTx/>
@@ -14825,7 +14835,7 @@
                   <a:noFill/>
                 </a:ln>
                 <a:solidFill>
-                  <a:srgbClr val="000000"/>
+                  <a:srgbClr xmlns:mc="http://schemas.openxmlformats.org/markup-compatibility/2006" xmlns:a14="http://schemas.microsoft.com/office/drawing/2007/7/7/main" val="000000" mc:Ignorable=""/>
                 </a:solidFill>
                 <a:effectLst/>
                 <a:uLnTx/>
@@ -14849,7 +14859,7 @@
                 <a:spcPct val="0"/>
               </a:spcAft>
               <a:buClr>
-                <a:srgbClr val="000000"/>
+                <a:srgbClr xmlns:mc="http://schemas.openxmlformats.org/markup-compatibility/2006" xmlns:a14="http://schemas.microsoft.com/office/drawing/2007/7/7/main" val="000000" mc:Ignorable=""/>
               </a:buClr>
               <a:buSzPct val="100000"/>
               <a:buFont typeface="Arial" charset="0"/>
@@ -14862,7 +14872,7 @@
                 <a:noFill/>
               </a:ln>
               <a:solidFill>
-                <a:srgbClr val="000000"/>
+                <a:srgbClr xmlns:mc="http://schemas.openxmlformats.org/markup-compatibility/2006" xmlns:a14="http://schemas.microsoft.com/office/drawing/2007/7/7/main" val="000000" mc:Ignorable=""/>
               </a:solidFill>
               <a:effectLst/>
               <a:uLnTx/>
@@ -14884,7 +14894,7 @@
                 <a:spcPct val="0"/>
               </a:spcAft>
               <a:buClr>
-                <a:srgbClr val="000000"/>
+                <a:srgbClr xmlns:mc="http://schemas.openxmlformats.org/markup-compatibility/2006" xmlns:a14="http://schemas.microsoft.com/office/drawing/2007/7/7/main" val="000000" mc:Ignorable=""/>
               </a:buClr>
               <a:buSzPct val="100000"/>
               <a:buFont typeface="Arial" charset="0"/>
@@ -14898,7 +14908,7 @@
                   <a:noFill/>
                 </a:ln>
                 <a:solidFill>
-                  <a:srgbClr val="000000"/>
+                  <a:srgbClr xmlns:mc="http://schemas.openxmlformats.org/markup-compatibility/2006" xmlns:a14="http://schemas.microsoft.com/office/drawing/2007/7/7/main" val="000000" mc:Ignorable=""/>
                 </a:solidFill>
                 <a:effectLst/>
                 <a:uLnTx/>
@@ -14922,7 +14932,7 @@
                 <a:spcPct val="0"/>
               </a:spcAft>
               <a:buClr>
-                <a:srgbClr val="000000"/>
+                <a:srgbClr xmlns:mc="http://schemas.openxmlformats.org/markup-compatibility/2006" xmlns:a14="http://schemas.microsoft.com/office/drawing/2007/7/7/main" val="000000" mc:Ignorable=""/>
               </a:buClr>
               <a:buSzPct val="100000"/>
               <a:buFont typeface="Arial" charset="0"/>
@@ -14936,7 +14946,7 @@
                   <a:noFill/>
                 </a:ln>
                 <a:solidFill>
-                  <a:srgbClr val="000000"/>
+                  <a:srgbClr xmlns:mc="http://schemas.openxmlformats.org/markup-compatibility/2006" xmlns:a14="http://schemas.microsoft.com/office/drawing/2007/7/7/main" val="000000" mc:Ignorable=""/>
                 </a:solidFill>
                 <a:effectLst/>
                 <a:uLnTx/>
@@ -14959,7 +14969,7 @@
                 <a:spcPct val="0"/>
               </a:spcAft>
               <a:buClr>
-                <a:srgbClr val="000000"/>
+                <a:srgbClr xmlns:mc="http://schemas.openxmlformats.org/markup-compatibility/2006" xmlns:a14="http://schemas.microsoft.com/office/drawing/2007/7/7/main" val="000000" mc:Ignorable=""/>
               </a:buClr>
               <a:buSzPct val="100000"/>
               <a:buFont typeface="Arial" charset="0"/>
@@ -14973,7 +14983,7 @@
                   <a:noFill/>
                 </a:ln>
                 <a:solidFill>
-                  <a:srgbClr val="000000"/>
+                  <a:srgbClr xmlns:mc="http://schemas.openxmlformats.org/markup-compatibility/2006" xmlns:a14="http://schemas.microsoft.com/office/drawing/2007/7/7/main" val="000000" mc:Ignorable=""/>
                 </a:solidFill>
                 <a:effectLst/>
                 <a:uLnTx/>
@@ -15063,7 +15073,7 @@
   <p:timing>
     <p:tnLst>
       <p:par>
-        <p:cTn id="1" dur="indefinite" restart="never" nodeType="tmRoot"/>
+        <p:cTn xmlns:p14="http://schemas.microsoft.com/office/powerpoint/2007/7/12/main" id="1" dur="indefinite" restart="never" nodeType="tmRoot"/>
       </p:par>
     </p:tnLst>
   </p:timing>
@@ -15380,7 +15390,7 @@
   <p:timing>
     <p:tnLst>
       <p:par>
-        <p:cTn id="1" dur="indefinite" restart="never" nodeType="tmRoot"/>
+        <p:cTn xmlns:p14="http://schemas.microsoft.com/office/powerpoint/2007/7/12/main" id="1" dur="indefinite" restart="never" nodeType="tmRoot"/>
       </p:par>
     </p:tnLst>
   </p:timing>
@@ -15543,7 +15553,7 @@
   <p:timing>
     <p:tnLst>
       <p:par>
-        <p:cTn id="1" dur="indefinite" restart="never" nodeType="tmRoot"/>
+        <p:cTn xmlns:p14="http://schemas.microsoft.com/office/powerpoint/2007/7/12/main" id="1" dur="indefinite" restart="never" nodeType="tmRoot"/>
       </p:par>
     </p:tnLst>
   </p:timing>
@@ -15619,7 +15629,7 @@
           </a:ln>
           <a:effectLst>
             <a:outerShdw blurRad="190500" algn="tl" rotWithShape="0">
-              <a:srgbClr val="000000">
+              <a:srgbClr xmlns:mc="http://schemas.openxmlformats.org/markup-compatibility/2006" xmlns:a14="http://schemas.microsoft.com/office/drawing/2007/7/7/main" val="000000" mc:Ignorable="">
                 <a:alpha val="70000"/>
               </a:srgbClr>
             </a:outerShdw>
@@ -15676,7 +15686,7 @@
           </a:ln>
           <a:effectLst>
             <a:outerShdw blurRad="190500" algn="tl" rotWithShape="0">
-              <a:srgbClr val="000000">
+              <a:srgbClr xmlns:mc="http://schemas.openxmlformats.org/markup-compatibility/2006" xmlns:a14="http://schemas.microsoft.com/office/drawing/2007/7/7/main" val="000000" mc:Ignorable="">
                 <a:alpha val="70000"/>
               </a:srgbClr>
             </a:outerShdw>
@@ -15767,7 +15777,7 @@
   <p:timing>
     <p:tnLst>
       <p:par>
-        <p:cTn id="1" dur="indefinite" restart="never" nodeType="tmRoot"/>
+        <p:cTn xmlns:p14="http://schemas.microsoft.com/office/powerpoint/2007/7/12/main" id="1" dur="indefinite" restart="never" nodeType="tmRoot"/>
       </p:par>
     </p:tnLst>
   </p:timing>
@@ -15909,7 +15919,7 @@
   <p:timing>
     <p:tnLst>
       <p:par>
-        <p:cTn id="1" dur="indefinite" restart="never" nodeType="tmRoot"/>
+        <p:cTn xmlns:p14="http://schemas.microsoft.com/office/powerpoint/2007/7/12/main" id="1" dur="indefinite" restart="never" nodeType="tmRoot"/>
       </p:par>
     </p:tnLst>
   </p:timing>
@@ -16043,7 +16053,7 @@
           </a:ln>
           <a:effectLst>
             <a:outerShdw blurRad="190500" algn="tl" rotWithShape="0">
-              <a:srgbClr val="000000">
+              <a:srgbClr xmlns:mc="http://schemas.openxmlformats.org/markup-compatibility/2006" xmlns:a14="http://schemas.microsoft.com/office/drawing/2007/7/7/main" val="000000" mc:Ignorable="">
                 <a:alpha val="70000"/>
               </a:srgbClr>
             </a:outerShdw>
@@ -16058,7 +16068,7 @@
   <p:timing>
     <p:tnLst>
       <p:par>
-        <p:cTn id="1" dur="indefinite" restart="never" nodeType="tmRoot"/>
+        <p:cTn xmlns:p14="http://schemas.microsoft.com/office/powerpoint/2007/7/12/main" id="1" dur="indefinite" restart="never" nodeType="tmRoot"/>
       </p:par>
     </p:tnLst>
   </p:timing>
@@ -16199,7 +16209,7 @@
           </a:ln>
           <a:effectLst>
             <a:outerShdw blurRad="190500" algn="tl" rotWithShape="0">
-              <a:srgbClr val="000000">
+              <a:srgbClr xmlns:mc="http://schemas.openxmlformats.org/markup-compatibility/2006" xmlns:a14="http://schemas.microsoft.com/office/drawing/2007/7/7/main" val="000000" mc:Ignorable="">
                 <a:alpha val="70000"/>
               </a:srgbClr>
             </a:outerShdw>
@@ -16214,7 +16224,7 @@
   <p:timing>
     <p:tnLst>
       <p:par>
-        <p:cTn id="1" dur="indefinite" restart="never" nodeType="tmRoot"/>
+        <p:cTn xmlns:p14="http://schemas.microsoft.com/office/powerpoint/2007/7/12/main" id="1" dur="indefinite" restart="never" nodeType="tmRoot"/>
       </p:par>
     </p:tnLst>
   </p:timing>
@@ -16349,7 +16359,7 @@
           </a:ln>
           <a:effectLst>
             <a:outerShdw blurRad="190500" algn="tl" rotWithShape="0">
-              <a:srgbClr val="000000">
+              <a:srgbClr xmlns:mc="http://schemas.openxmlformats.org/markup-compatibility/2006" xmlns:a14="http://schemas.microsoft.com/office/drawing/2007/7/7/main" val="000000" mc:Ignorable="">
                 <a:alpha val="70000"/>
               </a:srgbClr>
             </a:outerShdw>
@@ -16364,7 +16374,7 @@
   <p:timing>
     <p:tnLst>
       <p:par>
-        <p:cTn id="1" dur="indefinite" restart="never" nodeType="tmRoot"/>
+        <p:cTn xmlns:p14="http://schemas.microsoft.com/office/powerpoint/2007/7/12/main" id="1" dur="indefinite" restart="never" nodeType="tmRoot"/>
       </p:par>
     </p:tnLst>
   </p:timing>
@@ -16499,7 +16509,7 @@
           </a:ln>
           <a:effectLst>
             <a:outerShdw blurRad="190500" algn="tl" rotWithShape="0">
-              <a:srgbClr val="000000">
+              <a:srgbClr xmlns:mc="http://schemas.openxmlformats.org/markup-compatibility/2006" xmlns:a14="http://schemas.microsoft.com/office/drawing/2007/7/7/main" val="000000" mc:Ignorable="">
                 <a:alpha val="70000"/>
               </a:srgbClr>
             </a:outerShdw>
@@ -16514,7 +16524,7 @@
   <p:timing>
     <p:tnLst>
       <p:par>
-        <p:cTn id="1" dur="indefinite" restart="never" nodeType="tmRoot"/>
+        <p:cTn xmlns:p14="http://schemas.microsoft.com/office/powerpoint/2007/7/12/main" id="1" dur="indefinite" restart="never" nodeType="tmRoot"/>
       </p:par>
     </p:tnLst>
   </p:timing>
@@ -16654,7 +16664,7 @@
   <p:timing>
     <p:tnLst>
       <p:par>
-        <p:cTn id="1" dur="indefinite" restart="never" nodeType="tmRoot">
+        <p:cTn xmlns:p14="http://schemas.microsoft.com/office/powerpoint/2007/7/12/main" id="1" dur="indefinite" restart="never" nodeType="tmRoot">
           <p:childTnLst>
             <p:seq concurrent="1" nextAc="seek">
               <p:cTn id="2" restart="whenNotActive" fill="hold" evtFilter="cancelBubble" nodeType="interactiveSeq">
@@ -16852,7 +16862,7 @@
   <p:timing>
     <p:tnLst>
       <p:par>
-        <p:cTn id="1" dur="indefinite" restart="never" nodeType="tmRoot"/>
+        <p:cTn xmlns:p14="http://schemas.microsoft.com/office/powerpoint/2007/7/12/main" id="1" dur="indefinite" restart="never" nodeType="tmRoot"/>
       </p:par>
     </p:tnLst>
   </p:timing>
@@ -16993,7 +17003,7 @@
   <p:timing>
     <p:tnLst>
       <p:par>
-        <p:cTn id="1" dur="indefinite" restart="never" nodeType="tmRoot">
+        <p:cTn xmlns:p14="http://schemas.microsoft.com/office/powerpoint/2007/7/12/main" id="1" dur="indefinite" restart="never" nodeType="tmRoot">
           <p:childTnLst>
             <p:seq concurrent="1" nextAc="seek">
               <p:cTn id="2" dur="indefinite" nodeType="mainSeq">
@@ -17324,7 +17334,7 @@
           </a:ln>
           <a:effectLst>
             <a:outerShdw blurRad="190500" algn="tl" rotWithShape="0">
-              <a:srgbClr val="000000">
+              <a:srgbClr xmlns:mc="http://schemas.openxmlformats.org/markup-compatibility/2006" xmlns:a14="http://schemas.microsoft.com/office/drawing/2007/7/7/main" val="000000" mc:Ignorable="">
                 <a:alpha val="70000"/>
               </a:srgbClr>
             </a:outerShdw>
@@ -17359,7 +17369,7 @@
           </a:ln>
           <a:effectLst>
             <a:outerShdw blurRad="190500" algn="tl" rotWithShape="0">
-              <a:srgbClr val="000000">
+              <a:srgbClr xmlns:mc="http://schemas.openxmlformats.org/markup-compatibility/2006" xmlns:a14="http://schemas.microsoft.com/office/drawing/2007/7/7/main" val="000000" mc:Ignorable="">
                 <a:alpha val="70000"/>
               </a:srgbClr>
             </a:outerShdw>
@@ -17374,7 +17384,7 @@
   <p:timing>
     <p:tnLst>
       <p:par>
-        <p:cTn id="1" dur="indefinite" restart="never" nodeType="tmRoot"/>
+        <p:cTn xmlns:p14="http://schemas.microsoft.com/office/powerpoint/2007/7/12/main" id="1" dur="indefinite" restart="never" nodeType="tmRoot"/>
       </p:par>
     </p:tnLst>
   </p:timing>
@@ -17655,7 +17665,7 @@
             <a:avLst/>
           </a:prstGeom>
           <a:solidFill>
-            <a:srgbClr val="00CCFF"/>
+            <a:srgbClr xmlns:mc="http://schemas.openxmlformats.org/markup-compatibility/2006" xmlns:a14="http://schemas.microsoft.com/office/drawing/2007/7/7/main" val="00CCFF" mc:Ignorable=""/>
           </a:solidFill>
           <a:ln w="9525">
             <a:solidFill>
@@ -17891,7 +17901,7 @@
             <a:avLst/>
           </a:prstGeom>
           <a:solidFill>
-            <a:srgbClr val="FFFF99"/>
+            <a:srgbClr xmlns:mc="http://schemas.openxmlformats.org/markup-compatibility/2006" xmlns:a14="http://schemas.microsoft.com/office/drawing/2007/7/7/main" val="FFFF99" mc:Ignorable=""/>
           </a:solidFill>
           <a:ln w="9525">
             <a:solidFill>
@@ -18807,7 +18817,7 @@
   <p:timing>
     <p:tnLst>
       <p:par>
-        <p:cTn id="1" dur="indefinite" restart="never" nodeType="tmRoot"/>
+        <p:cTn xmlns:p14="http://schemas.microsoft.com/office/powerpoint/2007/7/12/main" id="1" dur="indefinite" restart="never" nodeType="tmRoot"/>
       </p:par>
     </p:tnLst>
   </p:timing>
@@ -18880,7 +18890,7 @@
             <a:avLst/>
           </a:prstGeom>
           <a:solidFill>
-            <a:srgbClr val="CC99FF"/>
+            <a:srgbClr xmlns:mc="http://schemas.openxmlformats.org/markup-compatibility/2006" xmlns:a14="http://schemas.microsoft.com/office/drawing/2007/7/7/main" val="CC99FF" mc:Ignorable=""/>
           </a:solidFill>
           <a:ln w="9525">
             <a:solidFill>
@@ -19283,7 +19293,7 @@
             <a:avLst/>
           </a:prstGeom>
           <a:solidFill>
-            <a:srgbClr val="00CCFF"/>
+            <a:srgbClr xmlns:mc="http://schemas.openxmlformats.org/markup-compatibility/2006" xmlns:a14="http://schemas.microsoft.com/office/drawing/2007/7/7/main" val="00CCFF" mc:Ignorable=""/>
           </a:solidFill>
           <a:ln w="9525">
             <a:solidFill>
@@ -19519,7 +19529,7 @@
             <a:avLst/>
           </a:prstGeom>
           <a:solidFill>
-            <a:srgbClr val="FFFF99"/>
+            <a:srgbClr xmlns:mc="http://schemas.openxmlformats.org/markup-compatibility/2006" xmlns:a14="http://schemas.microsoft.com/office/drawing/2007/7/7/main" val="FFFF99" mc:Ignorable=""/>
           </a:solidFill>
           <a:ln w="9525">
             <a:solidFill>
@@ -19718,7 +19728,7 @@
             <a:avLst/>
           </a:prstGeom>
           <a:solidFill>
-            <a:srgbClr val="FF99CC"/>
+            <a:srgbClr xmlns:mc="http://schemas.openxmlformats.org/markup-compatibility/2006" xmlns:a14="http://schemas.microsoft.com/office/drawing/2007/7/7/main" val="FF99CC" mc:Ignorable=""/>
           </a:solidFill>
           <a:ln w="9525">
             <a:solidFill>
@@ -19790,7 +19800,7 @@
             <a:avLst/>
           </a:prstGeom>
           <a:solidFill>
-            <a:srgbClr val="FF99CC"/>
+            <a:srgbClr xmlns:mc="http://schemas.openxmlformats.org/markup-compatibility/2006" xmlns:a14="http://schemas.microsoft.com/office/drawing/2007/7/7/main" val="FF99CC" mc:Ignorable=""/>
           </a:solidFill>
           <a:ln w="9525">
             <a:solidFill>
@@ -20440,25 +20450,6 @@
           </a:p>
         </p:txBody>
       </p:sp>
-      <p:sp>
-        <p:nvSpPr>
-          <p:cNvPr id="33" name="Espaço Reservado para Conteúdo 32"/>
-          <p:cNvSpPr>
-            <a:spLocks noGrp="1"/>
-          </p:cNvSpPr>
-          <p:nvPr>
-            <p:ph idx="1"/>
-          </p:nvPr>
-        </p:nvSpPr>
-        <p:spPr/>
-        <p:txBody>
-          <a:bodyPr/>
-          <a:lstStyle/>
-          <a:p>
-            <a:endParaRPr lang="pt-BR"/>
-          </a:p>
-        </p:txBody>
-      </p:sp>
     </p:spTree>
   </p:cSld>
   <p:clrMapOvr>
@@ -20467,7 +20458,7 @@
   <p:timing>
     <p:tnLst>
       <p:par>
-        <p:cTn id="1" dur="indefinite" restart="never" nodeType="tmRoot"/>
+        <p:cTn xmlns:p14="http://schemas.microsoft.com/office/powerpoint/2007/7/12/main" id="1" dur="indefinite" restart="never" nodeType="tmRoot"/>
       </p:par>
     </p:tnLst>
   </p:timing>
@@ -20508,7 +20499,7 @@
             <a:avLst/>
           </a:prstGeom>
           <a:solidFill>
-            <a:srgbClr val="FFFF99"/>
+            <a:srgbClr xmlns:mc="http://schemas.openxmlformats.org/markup-compatibility/2006" xmlns:a14="http://schemas.microsoft.com/office/drawing/2007/7/7/main" val="FFFF99" mc:Ignorable=""/>
           </a:solidFill>
           <a:ln w="9525">
             <a:solidFill>
@@ -20762,7 +20753,7 @@
             <a:avLst/>
           </a:prstGeom>
           <a:solidFill>
-            <a:srgbClr val="99CCFF"/>
+            <a:srgbClr xmlns:mc="http://schemas.openxmlformats.org/markup-compatibility/2006" xmlns:a14="http://schemas.microsoft.com/office/drawing/2007/7/7/main" val="99CCFF" mc:Ignorable=""/>
           </a:solidFill>
           <a:ln w="9525">
             <a:solidFill>
@@ -21192,7 +21183,7 @@
             <a:avLst/>
           </a:prstGeom>
           <a:solidFill>
-            <a:srgbClr val="00CCFF"/>
+            <a:srgbClr xmlns:mc="http://schemas.openxmlformats.org/markup-compatibility/2006" xmlns:a14="http://schemas.microsoft.com/office/drawing/2007/7/7/main" val="00CCFF" mc:Ignorable=""/>
           </a:solidFill>
           <a:ln w="9525">
             <a:solidFill>
@@ -21299,7 +21290,7 @@
             <a:avLst/>
           </a:prstGeom>
           <a:solidFill>
-            <a:srgbClr val="FFCC99"/>
+            <a:srgbClr xmlns:mc="http://schemas.openxmlformats.org/markup-compatibility/2006" xmlns:a14="http://schemas.microsoft.com/office/drawing/2007/7/7/main" val="FFCC99" mc:Ignorable=""/>
           </a:solidFill>
           <a:ln w="9525">
             <a:solidFill>
@@ -21345,7 +21336,7 @@
             <a:avLst/>
           </a:prstGeom>
           <a:solidFill>
-            <a:srgbClr val="C0C0C0"/>
+            <a:srgbClr xmlns:mc="http://schemas.openxmlformats.org/markup-compatibility/2006" xmlns:a14="http://schemas.microsoft.com/office/drawing/2007/7/7/main" val="C0C0C0" mc:Ignorable=""/>
           </a:solidFill>
           <a:ln w="9525">
             <a:solidFill>
@@ -21441,7 +21432,7 @@
             </a:avLst>
           </a:prstGeom>
           <a:solidFill>
-            <a:srgbClr val="FFCC00"/>
+            <a:srgbClr xmlns:mc="http://schemas.openxmlformats.org/markup-compatibility/2006" xmlns:a14="http://schemas.microsoft.com/office/drawing/2007/7/7/main" val="FFCC00" mc:Ignorable=""/>
           </a:solidFill>
           <a:ln w="9525">
             <a:solidFill>
@@ -21547,7 +21538,7 @@
             </a:avLst>
           </a:prstGeom>
           <a:solidFill>
-            <a:srgbClr val="00CCFF"/>
+            <a:srgbClr xmlns:mc="http://schemas.openxmlformats.org/markup-compatibility/2006" xmlns:a14="http://schemas.microsoft.com/office/drawing/2007/7/7/main" val="00CCFF" mc:Ignorable=""/>
           </a:solidFill>
           <a:ln w="9525">
             <a:solidFill>
@@ -21595,7 +21586,7 @@
             </a:avLst>
           </a:prstGeom>
           <a:solidFill>
-            <a:srgbClr val="FFCC99"/>
+            <a:srgbClr xmlns:mc="http://schemas.openxmlformats.org/markup-compatibility/2006" xmlns:a14="http://schemas.microsoft.com/office/drawing/2007/7/7/main" val="FFCC99" mc:Ignorable=""/>
           </a:solidFill>
           <a:ln w="9525">
             <a:solidFill>
@@ -21643,7 +21634,7 @@
             </a:avLst>
           </a:prstGeom>
           <a:solidFill>
-            <a:srgbClr val="C0C0C0"/>
+            <a:srgbClr xmlns:mc="http://schemas.openxmlformats.org/markup-compatibility/2006" xmlns:a14="http://schemas.microsoft.com/office/drawing/2007/7/7/main" val="C0C0C0" mc:Ignorable=""/>
           </a:solidFill>
           <a:ln w="9525">
             <a:solidFill>
@@ -21776,7 +21767,7 @@
             <a:avLst/>
           </a:prstGeom>
           <a:solidFill>
-            <a:srgbClr val="FF99CC"/>
+            <a:srgbClr xmlns:mc="http://schemas.openxmlformats.org/markup-compatibility/2006" xmlns:a14="http://schemas.microsoft.com/office/drawing/2007/7/7/main" val="FF99CC" mc:Ignorable=""/>
           </a:solidFill>
           <a:ln w="9525">
             <a:solidFill>
@@ -21851,7 +21842,7 @@
             <a:avLst/>
           </a:prstGeom>
           <a:solidFill>
-            <a:srgbClr val="FF99CC"/>
+            <a:srgbClr xmlns:mc="http://schemas.openxmlformats.org/markup-compatibility/2006" xmlns:a14="http://schemas.microsoft.com/office/drawing/2007/7/7/main" val="FF99CC" mc:Ignorable=""/>
           </a:solidFill>
           <a:ln w="9525">
             <a:solidFill>
@@ -21926,7 +21917,7 @@
             <a:avLst/>
           </a:prstGeom>
           <a:solidFill>
-            <a:srgbClr val="CCFFCC"/>
+            <a:srgbClr xmlns:mc="http://schemas.openxmlformats.org/markup-compatibility/2006" xmlns:a14="http://schemas.microsoft.com/office/drawing/2007/7/7/main" val="CCFFCC" mc:Ignorable=""/>
           </a:solidFill>
           <a:ln w="9525">
             <a:solidFill>
@@ -22001,7 +21992,7 @@
             <a:avLst/>
           </a:prstGeom>
           <a:solidFill>
-            <a:srgbClr val="CCFFCC"/>
+            <a:srgbClr xmlns:mc="http://schemas.openxmlformats.org/markup-compatibility/2006" xmlns:a14="http://schemas.microsoft.com/office/drawing/2007/7/7/main" val="CCFFCC" mc:Ignorable=""/>
           </a:solidFill>
           <a:ln w="9525">
             <a:solidFill>
@@ -22076,7 +22067,7 @@
             <a:avLst/>
           </a:prstGeom>
           <a:solidFill>
-            <a:srgbClr val="CCFFCC"/>
+            <a:srgbClr xmlns:mc="http://schemas.openxmlformats.org/markup-compatibility/2006" xmlns:a14="http://schemas.microsoft.com/office/drawing/2007/7/7/main" val="CCFFCC" mc:Ignorable=""/>
           </a:solidFill>
           <a:ln w="9525">
             <a:solidFill>
@@ -22439,7 +22430,7 @@
             </a:avLst>
           </a:prstGeom>
           <a:solidFill>
-            <a:srgbClr val="CC99FF"/>
+            <a:srgbClr xmlns:mc="http://schemas.openxmlformats.org/markup-compatibility/2006" xmlns:a14="http://schemas.microsoft.com/office/drawing/2007/7/7/main" val="CC99FF" mc:Ignorable=""/>
           </a:solidFill>
           <a:ln w="9525">
             <a:solidFill>
@@ -22488,7 +22479,7 @@
             </a:avLst>
           </a:prstGeom>
           <a:solidFill>
-            <a:srgbClr val="CC99FF"/>
+            <a:srgbClr xmlns:mc="http://schemas.openxmlformats.org/markup-compatibility/2006" xmlns:a14="http://schemas.microsoft.com/office/drawing/2007/7/7/main" val="CC99FF" mc:Ignorable=""/>
           </a:solidFill>
           <a:ln w="9525">
             <a:solidFill>
@@ -22548,7 +22539,7 @@
   <p:timing>
     <p:tnLst>
       <p:par>
-        <p:cTn id="1" dur="indefinite" restart="never" nodeType="tmRoot"/>
+        <p:cTn xmlns:p14="http://schemas.microsoft.com/office/powerpoint/2007/7/12/main" id="1" dur="indefinite" restart="never" nodeType="tmRoot"/>
       </p:par>
     </p:tnLst>
   </p:timing>
@@ -22589,7 +22580,7 @@
         </p:blipFill>
         <p:spPr bwMode="auto">
           <a:xfrm>
-            <a:off x="1928794" y="4786322"/>
+            <a:off x="1357290" y="4786322"/>
             <a:ext cx="1871662" cy="1584325"/>
           </a:xfrm>
           <a:prstGeom prst="rect">
@@ -22621,7 +22612,7 @@
         </p:blipFill>
         <p:spPr bwMode="auto">
           <a:xfrm>
-            <a:off x="1928794" y="3429000"/>
+            <a:off x="1357290" y="3429000"/>
             <a:ext cx="1871662" cy="1295400"/>
           </a:xfrm>
           <a:prstGeom prst="rect">
@@ -22653,7 +22644,7 @@
             <a:avLst/>
           </a:prstGeom>
           <a:solidFill>
-            <a:srgbClr val="FFFF99"/>
+            <a:srgbClr xmlns:mc="http://schemas.openxmlformats.org/markup-compatibility/2006" xmlns:a14="http://schemas.microsoft.com/office/drawing/2007/7/7/main" val="FFFF99" mc:Ignorable=""/>
           </a:solidFill>
           <a:ln w="9525">
             <a:solidFill>
@@ -22737,7 +22728,7 @@
             <a:avLst/>
           </a:prstGeom>
           <a:solidFill>
-            <a:srgbClr val="99CCFF"/>
+            <a:srgbClr xmlns:mc="http://schemas.openxmlformats.org/markup-compatibility/2006" xmlns:a14="http://schemas.microsoft.com/office/drawing/2007/7/7/main" val="99CCFF" mc:Ignorable=""/>
           </a:solidFill>
           <a:ln w="9525">
             <a:solidFill>
@@ -23099,7 +23090,7 @@
         </p:nvSpPr>
         <p:spPr bwMode="auto">
           <a:xfrm>
-            <a:off x="735013" y="2525713"/>
+            <a:off x="163509" y="2525713"/>
             <a:ext cx="1090612" cy="581025"/>
           </a:xfrm>
           <a:prstGeom prst="rect">
@@ -23156,7 +23147,7 @@
         </p:nvSpPr>
         <p:spPr bwMode="auto">
           <a:xfrm>
-            <a:off x="776288" y="3784600"/>
+            <a:off x="204784" y="3784600"/>
             <a:ext cx="1069975" cy="581025"/>
           </a:xfrm>
           <a:prstGeom prst="rect">
@@ -23213,7 +23204,7 @@
         </p:nvSpPr>
         <p:spPr bwMode="auto">
           <a:xfrm>
-            <a:off x="755650" y="5224463"/>
+            <a:off x="184146" y="5224463"/>
             <a:ext cx="1069975" cy="581025"/>
           </a:xfrm>
           <a:prstGeom prst="rect">
@@ -23277,7 +23268,7 @@
             <a:avLst/>
           </a:prstGeom>
           <a:solidFill>
-            <a:srgbClr val="FFFF99"/>
+            <a:srgbClr xmlns:mc="http://schemas.openxmlformats.org/markup-compatibility/2006" xmlns:a14="http://schemas.microsoft.com/office/drawing/2007/7/7/main" val="FFFF99" mc:Ignorable=""/>
           </a:solidFill>
           <a:ln w="9525">
             <a:solidFill>
@@ -23336,7 +23327,7 @@
             <a:avLst/>
           </a:prstGeom>
           <a:solidFill>
-            <a:srgbClr val="FFFF99"/>
+            <a:srgbClr xmlns:mc="http://schemas.openxmlformats.org/markup-compatibility/2006" xmlns:a14="http://schemas.microsoft.com/office/drawing/2007/7/7/main" val="FFFF99" mc:Ignorable=""/>
           </a:solidFill>
           <a:ln w="9525">
             <a:solidFill>
@@ -23387,23 +23378,32 @@
           <p:nvPr/>
         </p:nvSpPr>
         <p:spPr bwMode="auto">
-          <a:xfrm>
-            <a:off x="2987675" y="2636838"/>
-            <a:ext cx="720725" cy="0"/>
+          <a:xfrm flipV="1">
+            <a:off x="2357422" y="2643182"/>
+            <a:ext cx="1357321" cy="0"/>
           </a:xfrm>
           <a:prstGeom prst="line">
             <a:avLst/>
           </a:prstGeom>
-          <a:noFill/>
-          <a:ln w="25400">
-            <a:solidFill>
-              <a:schemeClr val="hlink"/>
-            </a:solidFill>
-            <a:round/>
+          <a:ln>
             <a:headEnd type="triangle" w="med" len="med"/>
             <a:tailEnd type="triangle" w="med" len="med"/>
           </a:ln>
         </p:spPr>
+        <p:style>
+          <a:lnRef idx="1">
+            <a:schemeClr val="dk1"/>
+          </a:lnRef>
+          <a:fillRef idx="0">
+            <a:schemeClr val="dk1"/>
+          </a:fillRef>
+          <a:effectRef idx="0">
+            <a:schemeClr val="dk1"/>
+          </a:effectRef>
+          <a:fontRef idx="minor">
+            <a:schemeClr val="tx1"/>
+          </a:fontRef>
+        </p:style>
         <p:txBody>
           <a:bodyPr/>
           <a:lstStyle/>
@@ -23436,7 +23436,7 @@
             </a:avLst>
           </a:prstGeom>
           <a:solidFill>
-            <a:srgbClr val="CC99FF"/>
+            <a:srgbClr xmlns:mc="http://schemas.openxmlformats.org/markup-compatibility/2006" xmlns:a14="http://schemas.microsoft.com/office/drawing/2007/7/7/main" val="CC99FF" mc:Ignorable=""/>
           </a:solidFill>
           <a:ln w="9525">
             <a:solidFill>
@@ -23479,7 +23479,7 @@
             </a:avLst>
           </a:prstGeom>
           <a:solidFill>
-            <a:srgbClr val="CC99FF"/>
+            <a:srgbClr xmlns:mc="http://schemas.openxmlformats.org/markup-compatibility/2006" xmlns:a14="http://schemas.microsoft.com/office/drawing/2007/7/7/main" val="CC99FF" mc:Ignorable=""/>
           </a:solidFill>
           <a:ln w="9525">
             <a:solidFill>
@@ -23522,7 +23522,7 @@
             </a:avLst>
           </a:prstGeom>
           <a:solidFill>
-            <a:srgbClr val="CC99FF"/>
+            <a:srgbClr xmlns:mc="http://schemas.openxmlformats.org/markup-compatibility/2006" xmlns:a14="http://schemas.microsoft.com/office/drawing/2007/7/7/main" val="CC99FF" mc:Ignorable=""/>
           </a:solidFill>
           <a:ln w="9525">
             <a:solidFill>
@@ -23554,23 +23554,32 @@
           <p:nvPr/>
         </p:nvSpPr>
         <p:spPr bwMode="auto">
-          <a:xfrm flipV="1">
-            <a:off x="2755900" y="3933825"/>
-            <a:ext cx="1023938" cy="11113"/>
+          <a:xfrm>
+            <a:off x="3286116" y="3929066"/>
+            <a:ext cx="500066" cy="0"/>
           </a:xfrm>
           <a:prstGeom prst="line">
             <a:avLst/>
           </a:prstGeom>
-          <a:noFill/>
-          <a:ln w="25400">
-            <a:solidFill>
-              <a:schemeClr val="hlink"/>
-            </a:solidFill>
-            <a:round/>
+          <a:ln>
             <a:headEnd type="triangle" w="med" len="med"/>
             <a:tailEnd type="triangle" w="med" len="med"/>
           </a:ln>
         </p:spPr>
+        <p:style>
+          <a:lnRef idx="1">
+            <a:schemeClr val="dk1"/>
+          </a:lnRef>
+          <a:fillRef idx="0">
+            <a:schemeClr val="dk1"/>
+          </a:fillRef>
+          <a:effectRef idx="0">
+            <a:schemeClr val="dk1"/>
+          </a:effectRef>
+          <a:fontRef idx="minor">
+            <a:schemeClr val="tx1"/>
+          </a:fontRef>
+        </p:style>
         <p:txBody>
           <a:bodyPr/>
           <a:lstStyle/>
@@ -23592,23 +23601,32 @@
           <p:nvPr/>
         </p:nvSpPr>
         <p:spPr bwMode="auto">
-          <a:xfrm flipV="1">
-            <a:off x="3059113" y="5661025"/>
-            <a:ext cx="720725" cy="0"/>
+          <a:xfrm>
+            <a:off x="3286116" y="5643579"/>
+            <a:ext cx="500066" cy="0"/>
           </a:xfrm>
           <a:prstGeom prst="line">
             <a:avLst/>
           </a:prstGeom>
-          <a:noFill/>
-          <a:ln w="25400">
-            <a:solidFill>
-              <a:schemeClr val="hlink"/>
-            </a:solidFill>
-            <a:round/>
+          <a:ln>
             <a:headEnd type="triangle" w="med" len="med"/>
             <a:tailEnd type="triangle" w="med" len="med"/>
           </a:ln>
         </p:spPr>
+        <p:style>
+          <a:lnRef idx="1">
+            <a:schemeClr val="dk1"/>
+          </a:lnRef>
+          <a:fillRef idx="0">
+            <a:schemeClr val="dk1"/>
+          </a:fillRef>
+          <a:effectRef idx="0">
+            <a:schemeClr val="dk1"/>
+          </a:effectRef>
+          <a:fontRef idx="minor">
+            <a:schemeClr val="tx1"/>
+          </a:fontRef>
+        </p:style>
         <p:txBody>
           <a:bodyPr/>
           <a:lstStyle/>
@@ -23641,25 +23659,6 @@
               <a:t>Navegação e Monitoramento de Ambientes Internos Utilizando Robôs Móveis </a:t>
             </a:r>
             <a:endParaRPr lang="en-US" dirty="0"/>
-          </a:p>
-        </p:txBody>
-      </p:sp>
-      <p:sp>
-        <p:nvSpPr>
-          <p:cNvPr id="23" name="Espaço Reservado para Conteúdo 22"/>
-          <p:cNvSpPr>
-            <a:spLocks noGrp="1"/>
-          </p:cNvSpPr>
-          <p:nvPr>
-            <p:ph idx="1"/>
-          </p:nvPr>
-        </p:nvSpPr>
-        <p:spPr/>
-        <p:txBody>
-          <a:bodyPr/>
-          <a:lstStyle/>
-          <a:p>
-            <a:endParaRPr lang="pt-BR"/>
           </a:p>
         </p:txBody>
       </p:sp>
@@ -23679,7 +23678,7 @@
         </p:blipFill>
         <p:spPr bwMode="auto">
           <a:xfrm>
-            <a:off x="2071670" y="2214554"/>
+            <a:off x="1500166" y="2214554"/>
             <a:ext cx="857256" cy="1137350"/>
           </a:xfrm>
           <a:prstGeom prst="rect">
@@ -23703,7 +23702,7 @@
   <p:timing>
     <p:tnLst>
       <p:par>
-        <p:cTn id="1" dur="indefinite" restart="never" nodeType="tmRoot"/>
+        <p:cTn xmlns:p14="http://schemas.microsoft.com/office/powerpoint/2007/7/12/main" id="1" dur="indefinite" restart="never" nodeType="tmRoot"/>
       </p:par>
     </p:tnLst>
   </p:timing>
@@ -23754,7 +23753,7 @@
         <p:nvGraphicFramePr>
           <p:cNvPr id="1026" name="Object 2"/>
           <p:cNvGraphicFramePr>
-            <a:graphicFrameLocks noChangeAspect="1"/>
+            <a:graphicFrameLocks noGrp="1" noChangeAspect="1"/>
           </p:cNvGraphicFramePr>
           <p:nvPr>
             <p:ph idx="1"/>
@@ -23766,9 +23765,77 @@
         </p:xfrm>
         <a:graphic>
           <a:graphicData uri="http://schemas.openxmlformats.org/presentationml/2006/ole">
-            <p:oleObj spid="_x0000_s7170" name="Bitmap Image" r:id="rId4" imgW="5409524" imgH="2448267" progId="PBrush">
-              <p:embed/>
-            </p:oleObj>
+            <mc:AlternateContent xmlns:mc="http://schemas.openxmlformats.org/markup-compatibility/2006">
+              <mc:Choice xmlns:v="urn:schemas-microsoft-com:vml" Requires="v">
+                <p:oleObj spid="_x0000_s7171" name="Bitmap Image" r:id="rId4" imgW="5409524" imgH="2448267" progId="PBrush">
+                  <p:embed/>
+                </p:oleObj>
+              </mc:Choice>
+              <mc:Fallback>
+                <p:oleObj name="Bitmap Image" r:id="rId4" imgW="5409524" imgH="2448267" progId="PBrush">
+                  <p:embed/>
+                  <p:pic>
+                    <p:nvPicPr>
+                      <p:cNvPr id="0" name="Object 2"/>
+                      <p:cNvPicPr>
+                        <a:picLocks noChangeAspect="1" noChangeArrowheads="1"/>
+                      </p:cNvPicPr>
+                      <p:nvPr/>
+                    </p:nvPicPr>
+                    <p:blipFill>
+                      <a:blip r:embed="rId5">
+                        <a:extLst>
+                          <a:ext uri="28A0092B-C50C-407e-A947-70E740481C1C">
+                            <a14:useLocalDpi xmlns:a14="http://schemas.microsoft.com/office/drawing/2007/7/7/main" val="0"/>
+                          </a:ext>
+                        </a:extLst>
+                      </a:blip>
+                      <a:srcRect/>
+                      <a:stretch>
+                        <a:fillRect/>
+                      </a:stretch>
+                    </p:blipFill>
+                    <p:spPr bwMode="auto">
+                      <a:xfrm>
+                        <a:off x="0" y="0"/>
+                        <a:ext cx="7867650" cy="3559175"/>
+                      </a:xfrm>
+                      <a:prstGeom prst="rect">
+                        <a:avLst/>
+                      </a:prstGeom>
+                      <a:extLst>
+                        <a:ext uri="{909E8E84-426E-40dd-AFC4-6F175D3DCCD1}">
+                          <a14:hiddenFill xmlns:a14="http://schemas.microsoft.com/office/drawing/2007/7/7/main">
+                            <a:solidFill>
+                              <a:schemeClr val="accent1"/>
+                            </a:solidFill>
+                          </a14:hiddenFill>
+                        </a:ext>
+                        <a:ext uri="{91240B29-F687-4f45-9708-019B960494DF}">
+                          <a14:hiddenLine xmlns:a14="http://schemas.microsoft.com/office/drawing/2007/7/7/main" w="9525">
+                            <a:solidFill>
+                              <a:schemeClr val="tx1"/>
+                            </a:solidFill>
+                            <a:miter lim="800000"/>
+                            <a:headEnd/>
+                            <a:tailEnd/>
+                          </a14:hiddenLine>
+                        </a:ext>
+                        <a:ext uri="{AF507438-7753-43e0-B8FC-AC1667EBCBE1}">
+                          <a14:hiddenEffects xmlns:a14="http://schemas.microsoft.com/office/drawing/2007/7/7/main">
+                            <a:effectLst>
+                              <a:outerShdw blurRad="63500" dist="35921" dir="2700000" algn="ctr" rotWithShape="0">
+                                <a:schemeClr val="bg2"/>
+                              </a:outerShdw>
+                            </a:effectLst>
+                          </a14:hiddenEffects>
+                        </a:ext>
+                      </a:extLst>
+                    </p:spPr>
+                  </p:pic>
+                </p:oleObj>
+              </mc:Fallback>
+            </mc:AlternateContent>
           </a:graphicData>
         </a:graphic>
       </p:graphicFrame>
@@ -23938,7 +24005,7 @@
   <p:timing>
     <p:tnLst>
       <p:par>
-        <p:cTn id="1" dur="indefinite" restart="never" nodeType="tmRoot"/>
+        <p:cTn xmlns:p14="http://schemas.microsoft.com/office/powerpoint/2007/7/12/main" id="1" dur="indefinite" restart="never" nodeType="tmRoot"/>
       </p:par>
     </p:tnLst>
   </p:timing>
@@ -24045,7 +24112,7 @@
   <p:timing>
     <p:tnLst>
       <p:par>
-        <p:cTn id="1" dur="indefinite" restart="never" nodeType="tmRoot">
+        <p:cTn xmlns:p14="http://schemas.microsoft.com/office/powerpoint/2007/7/12/main" id="1" dur="indefinite" restart="never" nodeType="tmRoot">
           <p:childTnLst>
             <p:seq concurrent="1" nextAc="seek">
               <p:cTn id="2" restart="whenNotActive" fill="hold" evtFilter="cancelBubble" nodeType="interactiveSeq">
@@ -24252,7 +24319,7 @@
   <p:timing>
     <p:tnLst>
       <p:par>
-        <p:cTn id="1" dur="indefinite" restart="never" nodeType="tmRoot"/>
+        <p:cTn xmlns:p14="http://schemas.microsoft.com/office/powerpoint/2007/7/12/main" id="1" dur="indefinite" restart="never" nodeType="tmRoot"/>
       </p:par>
     </p:tnLst>
   </p:timing>
@@ -24349,7 +24416,7 @@
           </a:ln>
           <a:effectLst>
             <a:outerShdw blurRad="190500" algn="tl" rotWithShape="0">
-              <a:srgbClr val="000000">
+              <a:srgbClr xmlns:mc="http://schemas.openxmlformats.org/markup-compatibility/2006" xmlns:a14="http://schemas.microsoft.com/office/drawing/2007/7/7/main" val="000000" mc:Ignorable="">
                 <a:alpha val="70000"/>
               </a:srgbClr>
             </a:outerShdw>
@@ -24383,7 +24450,7 @@
           </a:ln>
           <a:effectLst>
             <a:outerShdw blurRad="190500" algn="tl" rotWithShape="0">
-              <a:srgbClr val="000000">
+              <a:srgbClr xmlns:mc="http://schemas.openxmlformats.org/markup-compatibility/2006" xmlns:a14="http://schemas.microsoft.com/office/drawing/2007/7/7/main" val="000000" mc:Ignorable="">
                 <a:alpha val="70000"/>
               </a:srgbClr>
             </a:outerShdw>
@@ -24421,7 +24488,7 @@
   <p:timing>
     <p:tnLst>
       <p:par>
-        <p:cTn id="1" dur="indefinite" restart="never" nodeType="tmRoot"/>
+        <p:cTn xmlns:p14="http://schemas.microsoft.com/office/powerpoint/2007/7/12/main" id="1" dur="indefinite" restart="never" nodeType="tmRoot"/>
       </p:par>
     </p:tnLst>
   </p:timing>
@@ -24571,7 +24638,7 @@
   <p:timing>
     <p:tnLst>
       <p:par>
-        <p:cTn id="1" dur="indefinite" restart="never" nodeType="tmRoot"/>
+        <p:cTn xmlns:p14="http://schemas.microsoft.com/office/powerpoint/2007/7/12/main" id="1" dur="indefinite" restart="never" nodeType="tmRoot"/>
       </p:par>
     </p:tnLst>
   </p:timing>
@@ -24663,11 +24730,7 @@
             </a:r>
             <a:r>
               <a:rPr lang="pt-BR" smtClean="0"/>
-              <a:t>o </a:t>
-            </a:r>
-            <a:r>
-              <a:rPr lang="pt-BR" smtClean="0"/>
-              <a:t>problema</a:t>
+              <a:t>o problema</a:t>
             </a:r>
             <a:endParaRPr lang="pt-BR" dirty="0" smtClean="0"/>
           </a:p>
@@ -24704,7 +24767,7 @@
   <p:timing>
     <p:tnLst>
       <p:par>
-        <p:cTn id="1" dur="indefinite" restart="never" nodeType="tmRoot"/>
+        <p:cTn xmlns:p14="http://schemas.microsoft.com/office/powerpoint/2007/7/12/main" id="1" dur="indefinite" restart="never" nodeType="tmRoot"/>
       </p:par>
     </p:tnLst>
   </p:timing>
@@ -24829,7 +24892,7 @@
   <p:timing>
     <p:tnLst>
       <p:par>
-        <p:cTn id="1" dur="indefinite" restart="never" nodeType="tmRoot"/>
+        <p:cTn xmlns:p14="http://schemas.microsoft.com/office/powerpoint/2007/7/12/main" id="1" dur="indefinite" restart="never" nodeType="tmRoot"/>
       </p:par>
     </p:tnLst>
   </p:timing>
@@ -24978,7 +25041,7 @@
   <p:timing>
     <p:tnLst>
       <p:par>
-        <p:cTn id="1" dur="indefinite" restart="never" nodeType="tmRoot"/>
+        <p:cTn xmlns:p14="http://schemas.microsoft.com/office/powerpoint/2007/7/12/main" id="1" dur="indefinite" restart="never" nodeType="tmRoot"/>
       </p:par>
     </p:tnLst>
   </p:timing>
@@ -25209,7 +25272,7 @@
   <p:timing>
     <p:tnLst>
       <p:par>
-        <p:cTn id="1" dur="indefinite" restart="never" nodeType="tmRoot"/>
+        <p:cTn xmlns:p14="http://schemas.microsoft.com/office/powerpoint/2007/7/12/main" id="1" dur="indefinite" restart="never" nodeType="tmRoot"/>
       </p:par>
     </p:tnLst>
   </p:timing>
@@ -25250,11 +25313,7 @@
           <a:p>
             <a:r>
               <a:rPr lang="pt-BR" smtClean="0"/>
-              <a:t>Resultados </a:t>
-            </a:r>
-            <a:r>
-              <a:rPr lang="pt-BR" smtClean="0"/>
-              <a:t>parciais</a:t>
+              <a:t>Resultados parciais</a:t>
             </a:r>
             <a:endParaRPr lang="pt-BR" dirty="0"/>
           </a:p>
@@ -25425,7 +25484,7 @@
   <p:timing>
     <p:tnLst>
       <p:par>
-        <p:cTn id="1" dur="indefinite" restart="never" nodeType="tmRoot"/>
+        <p:cTn xmlns:p14="http://schemas.microsoft.com/office/powerpoint/2007/7/12/main" id="1" dur="indefinite" restart="never" nodeType="tmRoot"/>
       </p:par>
     </p:tnLst>
   </p:timing>
@@ -25466,11 +25525,7 @@
           <a:p>
             <a:r>
               <a:rPr lang="pt-BR" smtClean="0"/>
-              <a:t>Resultados </a:t>
-            </a:r>
-            <a:r>
-              <a:rPr lang="pt-BR" smtClean="0"/>
-              <a:t>parciais</a:t>
+              <a:t>Resultados parciais</a:t>
             </a:r>
             <a:endParaRPr lang="pt-BR" dirty="0"/>
           </a:p>
@@ -25639,11 +25694,11 @@
             <a:avLst/>
           </a:prstGeom>
           <a:solidFill>
-            <a:srgbClr val="00B8FF"/>
+            <a:srgbClr xmlns:mc="http://schemas.openxmlformats.org/markup-compatibility/2006" xmlns:a14="http://schemas.microsoft.com/office/drawing/2007/7/7/main" val="00B8FF" mc:Ignorable=""/>
           </a:solidFill>
           <a:ln w="19050" cap="flat" cmpd="sng" algn="ctr">
             <a:solidFill>
-              <a:srgbClr val="C00000"/>
+              <a:srgbClr xmlns:mc="http://schemas.openxmlformats.org/markup-compatibility/2006" xmlns:a14="http://schemas.microsoft.com/office/drawing/2007/7/7/main" val="C00000" mc:Ignorable=""/>
             </a:solidFill>
             <a:prstDash val="solid"/>
             <a:round/>
@@ -25670,11 +25725,11 @@
             <a:avLst/>
           </a:prstGeom>
           <a:solidFill>
-            <a:srgbClr val="00B8FF"/>
+            <a:srgbClr xmlns:mc="http://schemas.openxmlformats.org/markup-compatibility/2006" xmlns:a14="http://schemas.microsoft.com/office/drawing/2007/7/7/main" val="00B8FF" mc:Ignorable=""/>
           </a:solidFill>
           <a:ln w="19050" cap="flat" cmpd="sng" algn="ctr">
             <a:solidFill>
-              <a:srgbClr val="C00000"/>
+              <a:srgbClr xmlns:mc="http://schemas.openxmlformats.org/markup-compatibility/2006" xmlns:a14="http://schemas.microsoft.com/office/drawing/2007/7/7/main" val="C00000" mc:Ignorable=""/>
             </a:solidFill>
             <a:prstDash val="solid"/>
             <a:round/>
@@ -25701,11 +25756,11 @@
             <a:avLst/>
           </a:prstGeom>
           <a:solidFill>
-            <a:srgbClr val="00B8FF"/>
+            <a:srgbClr xmlns:mc="http://schemas.openxmlformats.org/markup-compatibility/2006" xmlns:a14="http://schemas.microsoft.com/office/drawing/2007/7/7/main" val="00B8FF" mc:Ignorable=""/>
           </a:solidFill>
           <a:ln w="19050" cap="flat" cmpd="sng" algn="ctr">
             <a:solidFill>
-              <a:srgbClr val="00B050"/>
+              <a:srgbClr xmlns:mc="http://schemas.openxmlformats.org/markup-compatibility/2006" xmlns:a14="http://schemas.microsoft.com/office/drawing/2007/7/7/main" val="00B050" mc:Ignorable=""/>
             </a:solidFill>
             <a:prstDash val="solid"/>
             <a:round/>
@@ -25732,11 +25787,11 @@
             <a:avLst/>
           </a:prstGeom>
           <a:solidFill>
-            <a:srgbClr val="00B8FF"/>
+            <a:srgbClr xmlns:mc="http://schemas.openxmlformats.org/markup-compatibility/2006" xmlns:a14="http://schemas.microsoft.com/office/drawing/2007/7/7/main" val="00B8FF" mc:Ignorable=""/>
           </a:solidFill>
           <a:ln w="19050" cap="flat" cmpd="sng" algn="ctr">
             <a:solidFill>
-              <a:srgbClr val="00B050"/>
+              <a:srgbClr xmlns:mc="http://schemas.openxmlformats.org/markup-compatibility/2006" xmlns:a14="http://schemas.microsoft.com/office/drawing/2007/7/7/main" val="00B050" mc:Ignorable=""/>
             </a:solidFill>
             <a:prstDash val="solid"/>
             <a:round/>
@@ -25754,7 +25809,7 @@
   <p:timing>
     <p:tnLst>
       <p:par>
-        <p:cTn id="1" dur="indefinite" restart="never" nodeType="tmRoot"/>
+        <p:cTn xmlns:p14="http://schemas.microsoft.com/office/powerpoint/2007/7/12/main" id="1" dur="indefinite" restart="never" nodeType="tmRoot"/>
       </p:par>
     </p:tnLst>
   </p:timing>
@@ -26138,7 +26193,7 @@
   <p:timing>
     <p:tnLst>
       <p:par>
-        <p:cTn id="1" dur="indefinite" restart="never" nodeType="tmRoot"/>
+        <p:cTn xmlns:p14="http://schemas.microsoft.com/office/powerpoint/2007/7/12/main" id="1" dur="indefinite" restart="never" nodeType="tmRoot"/>
       </p:par>
     </p:tnLst>
   </p:timing>
@@ -26611,7 +26666,7 @@
   <p:timing>
     <p:tnLst>
       <p:par>
-        <p:cTn id="1" dur="indefinite" restart="never" nodeType="tmRoot"/>
+        <p:cTn xmlns:p14="http://schemas.microsoft.com/office/powerpoint/2007/7/12/main" id="1" dur="indefinite" restart="never" nodeType="tmRoot"/>
       </p:par>
     </p:tnLst>
   </p:timing>
@@ -26864,7 +26919,7 @@
   <p:timing>
     <p:tnLst>
       <p:par>
-        <p:cTn id="1" dur="indefinite" restart="never" nodeType="tmRoot"/>
+        <p:cTn xmlns:p14="http://schemas.microsoft.com/office/powerpoint/2007/7/12/main" id="1" dur="indefinite" restart="never" nodeType="tmRoot"/>
       </p:par>
     </p:tnLst>
   </p:timing>
@@ -26986,7 +27041,7 @@
   <p:timing>
     <p:tnLst>
       <p:par>
-        <p:cTn id="1" dur="indefinite" restart="never" nodeType="tmRoot"/>
+        <p:cTn xmlns:p14="http://schemas.microsoft.com/office/powerpoint/2007/7/12/main" id="1" dur="indefinite" restart="never" nodeType="tmRoot"/>
       </p:par>
     </p:tnLst>
   </p:timing>
@@ -27145,7 +27200,7 @@
   <p:timing>
     <p:tnLst>
       <p:par>
-        <p:cTn id="1" dur="indefinite" restart="never" nodeType="tmRoot"/>
+        <p:cTn xmlns:p14="http://schemas.microsoft.com/office/powerpoint/2007/7/12/main" id="1" dur="indefinite" restart="never" nodeType="tmRoot"/>
       </p:par>
     </p:tnLst>
   </p:timing>
@@ -27209,11 +27264,7 @@
           <a:p>
             <a:r>
               <a:rPr lang="pt-BR" smtClean="0"/>
-              <a:t>Representação do </a:t>
-            </a:r>
-            <a:r>
-              <a:rPr lang="pt-BR" smtClean="0"/>
-              <a:t>Ambiente </a:t>
+              <a:t>Representação do Ambiente </a:t>
             </a:r>
             <a:r>
               <a:rPr lang="pt-BR" smtClean="0">
@@ -27229,25 +27280,17 @@
           <a:p>
             <a:r>
               <a:rPr lang="pt-BR" smtClean="0"/>
-              <a:t>Definição </a:t>
-            </a:r>
+              <a:t>Definição de Trajetória</a:t>
+            </a:r>
+            <a:endParaRPr lang="pt-BR" dirty="0" smtClean="0"/>
+          </a:p>
+          <a:p>
+            <a:endParaRPr lang="pt-BR" smtClean="0"/>
+          </a:p>
+          <a:p>
             <a:r>
               <a:rPr lang="pt-BR" smtClean="0"/>
-              <a:t>de Trajetória</a:t>
-            </a:r>
-            <a:endParaRPr lang="pt-BR" dirty="0" smtClean="0"/>
-          </a:p>
-          <a:p>
-            <a:endParaRPr lang="pt-BR" smtClean="0"/>
-          </a:p>
-          <a:p>
-            <a:r>
-              <a:rPr lang="pt-BR" smtClean="0"/>
-              <a:t>Desvio de </a:t>
-            </a:r>
-            <a:r>
-              <a:rPr lang="pt-BR" smtClean="0"/>
-              <a:t>Obstáculos </a:t>
+              <a:t>Desvio de Obstáculos </a:t>
             </a:r>
             <a:r>
               <a:rPr lang="pt-BR" smtClean="0">
@@ -27271,11 +27314,7 @@
             </a:r>
             <a:r>
               <a:rPr lang="pt-BR" smtClean="0"/>
-              <a:t>e </a:t>
-            </a:r>
-            <a:r>
-              <a:rPr lang="pt-BR" smtClean="0"/>
-              <a:t>teste </a:t>
+              <a:t>e teste </a:t>
             </a:r>
             <a:r>
               <a:rPr lang="pt-BR" smtClean="0">
@@ -27318,7 +27357,7 @@
   <p:timing>
     <p:tnLst>
       <p:par>
-        <p:cTn id="1" dur="indefinite" restart="never" nodeType="tmRoot"/>
+        <p:cTn xmlns:p14="http://schemas.microsoft.com/office/powerpoint/2007/7/12/main" id="1" dur="indefinite" restart="never" nodeType="tmRoot"/>
       </p:par>
     </p:tnLst>
   </p:timing>
@@ -27462,7 +27501,7 @@
   <p:timing>
     <p:tnLst>
       <p:par>
-        <p:cTn id="1" dur="indefinite" restart="never" nodeType="tmRoot"/>
+        <p:cTn xmlns:p14="http://schemas.microsoft.com/office/powerpoint/2007/7/12/main" id="1" dur="indefinite" restart="never" nodeType="tmRoot"/>
       </p:par>
     </p:tnLst>
   </p:timing>
@@ -27606,7 +27645,7 @@
   <p:timing>
     <p:tnLst>
       <p:par>
-        <p:cTn id="1" dur="indefinite" restart="never" nodeType="tmRoot"/>
+        <p:cTn xmlns:p14="http://schemas.microsoft.com/office/powerpoint/2007/7/12/main" id="1" dur="indefinite" restart="never" nodeType="tmRoot"/>
       </p:par>
     </p:tnLst>
   </p:timing>
@@ -27707,7 +27746,7 @@
   <p:timing>
     <p:tnLst>
       <p:par>
-        <p:cTn id="1" dur="indefinite" restart="never" nodeType="tmRoot"/>
+        <p:cTn xmlns:p14="http://schemas.microsoft.com/office/powerpoint/2007/7/12/main" id="1" dur="indefinite" restart="never" nodeType="tmRoot"/>
       </p:par>
     </p:tnLst>
   </p:timing>
@@ -27832,7 +27871,7 @@
   <p:timing>
     <p:tnLst>
       <p:par>
-        <p:cTn id="1" dur="indefinite" restart="never" nodeType="tmRoot"/>
+        <p:cTn xmlns:p14="http://schemas.microsoft.com/office/powerpoint/2007/7/12/main" id="1" dur="indefinite" restart="never" nodeType="tmRoot"/>
       </p:par>
     </p:tnLst>
   </p:timing>
@@ -27982,7 +28021,7 @@
           </a:ln>
           <a:effectLst>
             <a:outerShdw blurRad="190500" algn="tl" rotWithShape="0">
-              <a:srgbClr val="000000">
+              <a:srgbClr xmlns:mc="http://schemas.openxmlformats.org/markup-compatibility/2006" xmlns:a14="http://schemas.microsoft.com/office/drawing/2007/7/7/main" val="000000" mc:Ignorable="">
                 <a:alpha val="70000"/>
               </a:srgbClr>
             </a:outerShdw>
@@ -28016,7 +28055,7 @@
           </a:ln>
           <a:effectLst>
             <a:outerShdw blurRad="190500" algn="tl" rotWithShape="0">
-              <a:srgbClr val="000000">
+              <a:srgbClr xmlns:mc="http://schemas.openxmlformats.org/markup-compatibility/2006" xmlns:a14="http://schemas.microsoft.com/office/drawing/2007/7/7/main" val="000000" mc:Ignorable="">
                 <a:alpha val="70000"/>
               </a:srgbClr>
             </a:outerShdw>
@@ -28050,7 +28089,7 @@
           </a:ln>
           <a:effectLst>
             <a:outerShdw blurRad="190500" algn="tl" rotWithShape="0">
-              <a:srgbClr val="000000">
+              <a:srgbClr xmlns:mc="http://schemas.openxmlformats.org/markup-compatibility/2006" xmlns:a14="http://schemas.microsoft.com/office/drawing/2007/7/7/main" val="000000" mc:Ignorable="">
                 <a:alpha val="70000"/>
               </a:srgbClr>
             </a:outerShdw>
@@ -28084,7 +28123,7 @@
           </a:ln>
           <a:effectLst>
             <a:outerShdw blurRad="190500" algn="tl" rotWithShape="0">
-              <a:srgbClr val="000000">
+              <a:srgbClr xmlns:mc="http://schemas.openxmlformats.org/markup-compatibility/2006" xmlns:a14="http://schemas.microsoft.com/office/drawing/2007/7/7/main" val="000000" mc:Ignorable="">
                 <a:alpha val="70000"/>
               </a:srgbClr>
             </a:outerShdw>
@@ -28118,7 +28157,7 @@
           </a:ln>
           <a:effectLst>
             <a:outerShdw blurRad="190500" algn="tl" rotWithShape="0">
-              <a:srgbClr val="000000">
+              <a:srgbClr xmlns:mc="http://schemas.openxmlformats.org/markup-compatibility/2006" xmlns:a14="http://schemas.microsoft.com/office/drawing/2007/7/7/main" val="000000" mc:Ignorable="">
                 <a:alpha val="70000"/>
               </a:srgbClr>
             </a:outerShdw>
@@ -28152,7 +28191,7 @@
           </a:ln>
           <a:effectLst>
             <a:outerShdw blurRad="190500" algn="tl" rotWithShape="0">
-              <a:srgbClr val="000000">
+              <a:srgbClr xmlns:mc="http://schemas.openxmlformats.org/markup-compatibility/2006" xmlns:a14="http://schemas.microsoft.com/office/drawing/2007/7/7/main" val="000000" mc:Ignorable="">
                 <a:alpha val="70000"/>
               </a:srgbClr>
             </a:outerShdw>
@@ -28167,7 +28206,7 @@
   <p:timing>
     <p:tnLst>
       <p:par>
-        <p:cTn id="1" dur="indefinite" restart="never" nodeType="tmRoot"/>
+        <p:cTn xmlns:p14="http://schemas.microsoft.com/office/powerpoint/2007/7/12/main" id="1" dur="indefinite" restart="never" nodeType="tmRoot"/>
       </p:par>
     </p:tnLst>
   </p:timing>
@@ -28295,7 +28334,7 @@
   <p:timing>
     <p:tnLst>
       <p:par>
-        <p:cTn id="1" dur="indefinite" restart="never" nodeType="tmRoot"/>
+        <p:cTn xmlns:p14="http://schemas.microsoft.com/office/powerpoint/2007/7/12/main" id="1" dur="indefinite" restart="never" nodeType="tmRoot"/>
       </p:par>
     </p:tnLst>
   </p:timing>
@@ -28447,7 +28486,7 @@
           </a:ln>
           <a:effectLst>
             <a:outerShdw blurRad="190500" algn="tl" rotWithShape="0">
-              <a:srgbClr val="000000">
+              <a:srgbClr xmlns:mc="http://schemas.openxmlformats.org/markup-compatibility/2006" xmlns:a14="http://schemas.microsoft.com/office/drawing/2007/7/7/main" val="000000" mc:Ignorable="">
                 <a:alpha val="70000"/>
               </a:srgbClr>
             </a:outerShdw>
@@ -28628,7 +28667,7 @@
   <p:timing>
     <p:tnLst>
       <p:par>
-        <p:cTn id="1" dur="indefinite" restart="never" nodeType="tmRoot"/>
+        <p:cTn xmlns:p14="http://schemas.microsoft.com/office/powerpoint/2007/7/12/main" id="1" dur="indefinite" restart="never" nodeType="tmRoot"/>
       </p:par>
     </p:tnLst>
   </p:timing>
@@ -29217,7 +29256,7 @@
           </a:ln>
           <a:effectLst>
             <a:outerShdw blurRad="190500" algn="tl" rotWithShape="0">
-              <a:srgbClr val="000000">
+              <a:srgbClr xmlns:mc="http://schemas.openxmlformats.org/markup-compatibility/2006" xmlns:a14="http://schemas.microsoft.com/office/drawing/2007/7/7/main" val="000000" mc:Ignorable="">
                 <a:alpha val="70000"/>
               </a:srgbClr>
             </a:outerShdw>
@@ -29232,7 +29271,7 @@
   <p:timing>
     <p:tnLst>
       <p:par>
-        <p:cTn id="1" dur="indefinite" restart="never" nodeType="tmRoot"/>
+        <p:cTn xmlns:p14="http://schemas.microsoft.com/office/powerpoint/2007/7/12/main" id="1" dur="indefinite" restart="never" nodeType="tmRoot"/>
       </p:par>
     </p:tnLst>
   </p:timing>
@@ -29244,40 +29283,40 @@
   <a:themeElements>
     <a:clrScheme name="Tema do Office 1">
       <a:dk1>
-        <a:srgbClr val="000000"/>
+        <a:srgbClr xmlns:mc="http://schemas.openxmlformats.org/markup-compatibility/2006" xmlns:a14="http://schemas.microsoft.com/office/drawing/2007/7/7/main" val="000000" mc:Ignorable=""/>
       </a:dk1>
       <a:lt1>
-        <a:srgbClr val="FFFFFF"/>
+        <a:srgbClr xmlns:mc="http://schemas.openxmlformats.org/markup-compatibility/2006" xmlns:a14="http://schemas.microsoft.com/office/drawing/2007/7/7/main" val="FFFFFF" mc:Ignorable=""/>
       </a:lt1>
       <a:dk2>
-        <a:srgbClr val="000000"/>
+        <a:srgbClr xmlns:mc="http://schemas.openxmlformats.org/markup-compatibility/2006" xmlns:a14="http://schemas.microsoft.com/office/drawing/2007/7/7/main" val="000000" mc:Ignorable=""/>
       </a:dk2>
       <a:lt2>
-        <a:srgbClr val="808080"/>
+        <a:srgbClr xmlns:mc="http://schemas.openxmlformats.org/markup-compatibility/2006" xmlns:a14="http://schemas.microsoft.com/office/drawing/2007/7/7/main" val="808080" mc:Ignorable=""/>
       </a:lt2>
       <a:accent1>
-        <a:srgbClr val="00CC99"/>
+        <a:srgbClr xmlns:mc="http://schemas.openxmlformats.org/markup-compatibility/2006" xmlns:a14="http://schemas.microsoft.com/office/drawing/2007/7/7/main" val="00CC99" mc:Ignorable=""/>
       </a:accent1>
       <a:accent2>
-        <a:srgbClr val="3333CC"/>
+        <a:srgbClr xmlns:mc="http://schemas.openxmlformats.org/markup-compatibility/2006" xmlns:a14="http://schemas.microsoft.com/office/drawing/2007/7/7/main" val="3333CC" mc:Ignorable=""/>
       </a:accent2>
       <a:accent3>
-        <a:srgbClr val="FFFFFF"/>
+        <a:srgbClr xmlns:mc="http://schemas.openxmlformats.org/markup-compatibility/2006" xmlns:a14="http://schemas.microsoft.com/office/drawing/2007/7/7/main" val="FFFFFF" mc:Ignorable=""/>
       </a:accent3>
       <a:accent4>
-        <a:srgbClr val="000000"/>
+        <a:srgbClr xmlns:mc="http://schemas.openxmlformats.org/markup-compatibility/2006" xmlns:a14="http://schemas.microsoft.com/office/drawing/2007/7/7/main" val="000000" mc:Ignorable=""/>
       </a:accent4>
       <a:accent5>
-        <a:srgbClr val="AAE2CA"/>
+        <a:srgbClr xmlns:mc="http://schemas.openxmlformats.org/markup-compatibility/2006" xmlns:a14="http://schemas.microsoft.com/office/drawing/2007/7/7/main" val="AAE2CA" mc:Ignorable=""/>
       </a:accent5>
       <a:accent6>
-        <a:srgbClr val="2D2DB9"/>
+        <a:srgbClr xmlns:mc="http://schemas.openxmlformats.org/markup-compatibility/2006" xmlns:a14="http://schemas.microsoft.com/office/drawing/2007/7/7/main" val="2D2DB9" mc:Ignorable=""/>
       </a:accent6>
       <a:hlink>
-        <a:srgbClr val="CCCCFF"/>
+        <a:srgbClr xmlns:mc="http://schemas.openxmlformats.org/markup-compatibility/2006" xmlns:a14="http://schemas.microsoft.com/office/drawing/2007/7/7/main" val="CCCCFF" mc:Ignorable=""/>
       </a:hlink>
       <a:folHlink>
-        <a:srgbClr val="B2B2B2"/>
+        <a:srgbClr xmlns:mc="http://schemas.openxmlformats.org/markup-compatibility/2006" xmlns:a14="http://schemas.microsoft.com/office/drawing/2007/7/7/main" val="B2B2B2" mc:Ignorable=""/>
       </a:folHlink>
     </a:clrScheme>
     <a:fontScheme name="Tema do Office">
@@ -29371,7 +29410,7 @@
         <a:effectStyle>
           <a:effectLst>
             <a:outerShdw blurRad="40000" dist="20000" dir="5400000" rotWithShape="0">
-              <a:srgbClr val="000000">
+              <a:srgbClr xmlns:mc="http://schemas.openxmlformats.org/markup-compatibility/2006" xmlns:a14="http://schemas.microsoft.com/office/drawing/2007/7/7/main" val="000000" mc:Ignorable="">
                 <a:alpha val="38000"/>
               </a:srgbClr>
             </a:outerShdw>
@@ -29380,7 +29419,7 @@
         <a:effectStyle>
           <a:effectLst>
             <a:outerShdw blurRad="40000" dist="23000" dir="5400000" rotWithShape="0">
-              <a:srgbClr val="000000">
+              <a:srgbClr xmlns:mc="http://schemas.openxmlformats.org/markup-compatibility/2006" xmlns:a14="http://schemas.microsoft.com/office/drawing/2007/7/7/main" val="000000" mc:Ignorable="">
                 <a:alpha val="35000"/>
               </a:srgbClr>
             </a:outerShdw>
@@ -29389,7 +29428,7 @@
         <a:effectStyle>
           <a:effectLst>
             <a:outerShdw blurRad="40000" dist="23000" dir="5400000" rotWithShape="0">
-              <a:srgbClr val="000000">
+              <a:srgbClr xmlns:mc="http://schemas.openxmlformats.org/markup-compatibility/2006" xmlns:a14="http://schemas.microsoft.com/office/drawing/2007/7/7/main" val="000000" mc:Ignorable="">
                 <a:alpha val="35000"/>
               </a:srgbClr>
             </a:outerShdw>
@@ -29475,7 +29514,7 @@
           <a:pathLst/>
         </a:custGeom>
         <a:solidFill>
-          <a:srgbClr val="00B8FF"/>
+          <a:srgbClr xmlns:mc="http://schemas.openxmlformats.org/markup-compatibility/2006" xmlns:a14="http://schemas.microsoft.com/office/drawing/2007/7/7/main" val="00B8FF" mc:Ignorable=""/>
         </a:solidFill>
         <a:ln w="9525" cap="flat" cmpd="sng" algn="ctr">
           <a:solidFill>
@@ -29505,7 +29544,7 @@
             <a:spcPct val="0"/>
           </a:spcAft>
           <a:buClr>
-            <a:srgbClr val="000000"/>
+            <a:srgbClr xmlns:mc="http://schemas.openxmlformats.org/markup-compatibility/2006" xmlns:a14="http://schemas.microsoft.com/office/drawing/2007/7/7/main" val="000000" mc:Ignorable=""/>
           </a:buClr>
           <a:buSzPct val="100000"/>
           <a:buFont typeface="Arial" charset="0"/>
@@ -29540,7 +29579,7 @@
           <a:pathLst/>
         </a:custGeom>
         <a:solidFill>
-          <a:srgbClr val="00B8FF"/>
+          <a:srgbClr xmlns:mc="http://schemas.openxmlformats.org/markup-compatibility/2006" xmlns:a14="http://schemas.microsoft.com/office/drawing/2007/7/7/main" val="00B8FF" mc:Ignorable=""/>
         </a:solidFill>
         <a:ln w="9525" cap="flat" cmpd="sng" algn="ctr">
           <a:solidFill>
@@ -29570,7 +29609,7 @@
             <a:spcPct val="0"/>
           </a:spcAft>
           <a:buClr>
-            <a:srgbClr val="000000"/>
+            <a:srgbClr xmlns:mc="http://schemas.openxmlformats.org/markup-compatibility/2006" xmlns:a14="http://schemas.microsoft.com/office/drawing/2007/7/7/main" val="000000" mc:Ignorable=""/>
           </a:buClr>
           <a:buSzPct val="100000"/>
           <a:buFont typeface="Arial" charset="0"/>
@@ -29595,40 +29634,40 @@
     <a:extraClrScheme>
       <a:clrScheme name="Tema do Office 1">
         <a:dk1>
-          <a:srgbClr val="000000"/>
+          <a:srgbClr xmlns:mc="http://schemas.openxmlformats.org/markup-compatibility/2006" xmlns:a14="http://schemas.microsoft.com/office/drawing/2007/7/7/main" val="000000" mc:Ignorable=""/>
         </a:dk1>
         <a:lt1>
-          <a:srgbClr val="FFFFFF"/>
+          <a:srgbClr xmlns:mc="http://schemas.openxmlformats.org/markup-compatibility/2006" xmlns:a14="http://schemas.microsoft.com/office/drawing/2007/7/7/main" val="FFFFFF" mc:Ignorable=""/>
         </a:lt1>
         <a:dk2>
-          <a:srgbClr val="000000"/>
+          <a:srgbClr xmlns:mc="http://schemas.openxmlformats.org/markup-compatibility/2006" xmlns:a14="http://schemas.microsoft.com/office/drawing/2007/7/7/main" val="000000" mc:Ignorable=""/>
         </a:dk2>
         <a:lt2>
-          <a:srgbClr val="808080"/>
+          <a:srgbClr xmlns:mc="http://schemas.openxmlformats.org/markup-compatibility/2006" xmlns:a14="http://schemas.microsoft.com/office/drawing/2007/7/7/main" val="808080" mc:Ignorable=""/>
         </a:lt2>
         <a:accent1>
-          <a:srgbClr val="00CC99"/>
+          <a:srgbClr xmlns:mc="http://schemas.openxmlformats.org/markup-compatibility/2006" xmlns:a14="http://schemas.microsoft.com/office/drawing/2007/7/7/main" val="00CC99" mc:Ignorable=""/>
         </a:accent1>
         <a:accent2>
-          <a:srgbClr val="3333CC"/>
+          <a:srgbClr xmlns:mc="http://schemas.openxmlformats.org/markup-compatibility/2006" xmlns:a14="http://schemas.microsoft.com/office/drawing/2007/7/7/main" val="3333CC" mc:Ignorable=""/>
         </a:accent2>
         <a:accent3>
-          <a:srgbClr val="FFFFFF"/>
+          <a:srgbClr xmlns:mc="http://schemas.openxmlformats.org/markup-compatibility/2006" xmlns:a14="http://schemas.microsoft.com/office/drawing/2007/7/7/main" val="FFFFFF" mc:Ignorable=""/>
         </a:accent3>
         <a:accent4>
-          <a:srgbClr val="000000"/>
+          <a:srgbClr xmlns:mc="http://schemas.openxmlformats.org/markup-compatibility/2006" xmlns:a14="http://schemas.microsoft.com/office/drawing/2007/7/7/main" val="000000" mc:Ignorable=""/>
         </a:accent4>
         <a:accent5>
-          <a:srgbClr val="AAE2CA"/>
+          <a:srgbClr xmlns:mc="http://schemas.openxmlformats.org/markup-compatibility/2006" xmlns:a14="http://schemas.microsoft.com/office/drawing/2007/7/7/main" val="AAE2CA" mc:Ignorable=""/>
         </a:accent5>
         <a:accent6>
-          <a:srgbClr val="2D2DB9"/>
+          <a:srgbClr xmlns:mc="http://schemas.openxmlformats.org/markup-compatibility/2006" xmlns:a14="http://schemas.microsoft.com/office/drawing/2007/7/7/main" val="2D2DB9" mc:Ignorable=""/>
         </a:accent6>
         <a:hlink>
-          <a:srgbClr val="CCCCFF"/>
+          <a:srgbClr xmlns:mc="http://schemas.openxmlformats.org/markup-compatibility/2006" xmlns:a14="http://schemas.microsoft.com/office/drawing/2007/7/7/main" val="CCCCFF" mc:Ignorable=""/>
         </a:hlink>
         <a:folHlink>
-          <a:srgbClr val="B2B2B2"/>
+          <a:srgbClr xmlns:mc="http://schemas.openxmlformats.org/markup-compatibility/2006" xmlns:a14="http://schemas.microsoft.com/office/drawing/2007/7/7/main" val="B2B2B2" mc:Ignorable=""/>
         </a:folHlink>
       </a:clrScheme>
       <a:clrMap bg1="lt1" tx1="dk1" bg2="lt2" tx2="dk2" accent1="accent1" accent2="accent2" accent3="accent3" accent4="accent4" accent5="accent5" accent6="accent6" hlink="hlink" folHlink="folHlink"/>
@@ -29636,40 +29675,40 @@
     <a:extraClrScheme>
       <a:clrScheme name="Tema do Office 2">
         <a:dk1>
-          <a:srgbClr val="000000"/>
+          <a:srgbClr xmlns:mc="http://schemas.openxmlformats.org/markup-compatibility/2006" xmlns:a14="http://schemas.microsoft.com/office/drawing/2007/7/7/main" val="000000" mc:Ignorable=""/>
         </a:dk1>
         <a:lt1>
-          <a:srgbClr val="FFFFFF"/>
+          <a:srgbClr xmlns:mc="http://schemas.openxmlformats.org/markup-compatibility/2006" xmlns:a14="http://schemas.microsoft.com/office/drawing/2007/7/7/main" val="FFFFFF" mc:Ignorable=""/>
         </a:lt1>
         <a:dk2>
-          <a:srgbClr val="0000FF"/>
+          <a:srgbClr xmlns:mc="http://schemas.openxmlformats.org/markup-compatibility/2006" xmlns:a14="http://schemas.microsoft.com/office/drawing/2007/7/7/main" val="0000FF" mc:Ignorable=""/>
         </a:dk2>
         <a:lt2>
-          <a:srgbClr val="FFFF00"/>
+          <a:srgbClr xmlns:mc="http://schemas.openxmlformats.org/markup-compatibility/2006" xmlns:a14="http://schemas.microsoft.com/office/drawing/2007/7/7/main" val="FFFF00" mc:Ignorable=""/>
         </a:lt2>
         <a:accent1>
-          <a:srgbClr val="FF9900"/>
+          <a:srgbClr xmlns:mc="http://schemas.openxmlformats.org/markup-compatibility/2006" xmlns:a14="http://schemas.microsoft.com/office/drawing/2007/7/7/main" val="FF9900" mc:Ignorable=""/>
         </a:accent1>
         <a:accent2>
-          <a:srgbClr val="00FFFF"/>
+          <a:srgbClr xmlns:mc="http://schemas.openxmlformats.org/markup-compatibility/2006" xmlns:a14="http://schemas.microsoft.com/office/drawing/2007/7/7/main" val="00FFFF" mc:Ignorable=""/>
         </a:accent2>
         <a:accent3>
-          <a:srgbClr val="AAAAFF"/>
+          <a:srgbClr xmlns:mc="http://schemas.openxmlformats.org/markup-compatibility/2006" xmlns:a14="http://schemas.microsoft.com/office/drawing/2007/7/7/main" val="AAAAFF" mc:Ignorable=""/>
         </a:accent3>
         <a:accent4>
-          <a:srgbClr val="DADADA"/>
+          <a:srgbClr xmlns:mc="http://schemas.openxmlformats.org/markup-compatibility/2006" xmlns:a14="http://schemas.microsoft.com/office/drawing/2007/7/7/main" val="DADADA" mc:Ignorable=""/>
         </a:accent4>
         <a:accent5>
-          <a:srgbClr val="FFCAAA"/>
+          <a:srgbClr xmlns:mc="http://schemas.openxmlformats.org/markup-compatibility/2006" xmlns:a14="http://schemas.microsoft.com/office/drawing/2007/7/7/main" val="FFCAAA" mc:Ignorable=""/>
         </a:accent5>
         <a:accent6>
-          <a:srgbClr val="00E7E7"/>
+          <a:srgbClr xmlns:mc="http://schemas.openxmlformats.org/markup-compatibility/2006" xmlns:a14="http://schemas.microsoft.com/office/drawing/2007/7/7/main" val="00E7E7" mc:Ignorable=""/>
         </a:accent6>
         <a:hlink>
-          <a:srgbClr val="FF0000"/>
+          <a:srgbClr xmlns:mc="http://schemas.openxmlformats.org/markup-compatibility/2006" xmlns:a14="http://schemas.microsoft.com/office/drawing/2007/7/7/main" val="FF0000" mc:Ignorable=""/>
         </a:hlink>
         <a:folHlink>
-          <a:srgbClr val="969696"/>
+          <a:srgbClr xmlns:mc="http://schemas.openxmlformats.org/markup-compatibility/2006" xmlns:a14="http://schemas.microsoft.com/office/drawing/2007/7/7/main" val="969696" mc:Ignorable=""/>
         </a:folHlink>
       </a:clrScheme>
       <a:clrMap bg1="dk2" tx1="lt1" bg2="dk1" tx2="lt2" accent1="accent1" accent2="accent2" accent3="accent3" accent4="accent4" accent5="accent5" accent6="accent6" hlink="hlink" folHlink="folHlink"/>
@@ -29677,40 +29716,40 @@
     <a:extraClrScheme>
       <a:clrScheme name="Tema do Office 3">
         <a:dk1>
-          <a:srgbClr val="000000"/>
+          <a:srgbClr xmlns:mc="http://schemas.openxmlformats.org/markup-compatibility/2006" xmlns:a14="http://schemas.microsoft.com/office/drawing/2007/7/7/main" val="000000" mc:Ignorable=""/>
         </a:dk1>
         <a:lt1>
-          <a:srgbClr val="FFFFCC"/>
+          <a:srgbClr xmlns:mc="http://schemas.openxmlformats.org/markup-compatibility/2006" xmlns:a14="http://schemas.microsoft.com/office/drawing/2007/7/7/main" val="FFFFCC" mc:Ignorable=""/>
         </a:lt1>
         <a:dk2>
-          <a:srgbClr val="808000"/>
+          <a:srgbClr xmlns:mc="http://schemas.openxmlformats.org/markup-compatibility/2006" xmlns:a14="http://schemas.microsoft.com/office/drawing/2007/7/7/main" val="808000" mc:Ignorable=""/>
         </a:dk2>
         <a:lt2>
-          <a:srgbClr val="666633"/>
+          <a:srgbClr xmlns:mc="http://schemas.openxmlformats.org/markup-compatibility/2006" xmlns:a14="http://schemas.microsoft.com/office/drawing/2007/7/7/main" val="666633" mc:Ignorable=""/>
         </a:lt2>
         <a:accent1>
-          <a:srgbClr val="339933"/>
+          <a:srgbClr xmlns:mc="http://schemas.openxmlformats.org/markup-compatibility/2006" xmlns:a14="http://schemas.microsoft.com/office/drawing/2007/7/7/main" val="339933" mc:Ignorable=""/>
         </a:accent1>
         <a:accent2>
-          <a:srgbClr val="800000"/>
+          <a:srgbClr xmlns:mc="http://schemas.openxmlformats.org/markup-compatibility/2006" xmlns:a14="http://schemas.microsoft.com/office/drawing/2007/7/7/main" val="800000" mc:Ignorable=""/>
         </a:accent2>
         <a:accent3>
-          <a:srgbClr val="FFFFE2"/>
+          <a:srgbClr xmlns:mc="http://schemas.openxmlformats.org/markup-compatibility/2006" xmlns:a14="http://schemas.microsoft.com/office/drawing/2007/7/7/main" val="FFFFE2" mc:Ignorable=""/>
         </a:accent3>
         <a:accent4>
-          <a:srgbClr val="000000"/>
+          <a:srgbClr xmlns:mc="http://schemas.openxmlformats.org/markup-compatibility/2006" xmlns:a14="http://schemas.microsoft.com/office/drawing/2007/7/7/main" val="000000" mc:Ignorable=""/>
         </a:accent4>
         <a:accent5>
-          <a:srgbClr val="ADCAAD"/>
+          <a:srgbClr xmlns:mc="http://schemas.openxmlformats.org/markup-compatibility/2006" xmlns:a14="http://schemas.microsoft.com/office/drawing/2007/7/7/main" val="ADCAAD" mc:Ignorable=""/>
         </a:accent5>
         <a:accent6>
-          <a:srgbClr val="730000"/>
+          <a:srgbClr xmlns:mc="http://schemas.openxmlformats.org/markup-compatibility/2006" xmlns:a14="http://schemas.microsoft.com/office/drawing/2007/7/7/main" val="730000" mc:Ignorable=""/>
         </a:accent6>
         <a:hlink>
-          <a:srgbClr val="0033CC"/>
+          <a:srgbClr xmlns:mc="http://schemas.openxmlformats.org/markup-compatibility/2006" xmlns:a14="http://schemas.microsoft.com/office/drawing/2007/7/7/main" val="0033CC" mc:Ignorable=""/>
         </a:hlink>
         <a:folHlink>
-          <a:srgbClr val="FFCC66"/>
+          <a:srgbClr xmlns:mc="http://schemas.openxmlformats.org/markup-compatibility/2006" xmlns:a14="http://schemas.microsoft.com/office/drawing/2007/7/7/main" val="FFCC66" mc:Ignorable=""/>
         </a:folHlink>
       </a:clrScheme>
       <a:clrMap bg1="lt1" tx1="dk1" bg2="lt2" tx2="dk2" accent1="accent1" accent2="accent2" accent3="accent3" accent4="accent4" accent5="accent5" accent6="accent6" hlink="hlink" folHlink="folHlink"/>
@@ -29718,40 +29757,40 @@
     <a:extraClrScheme>
       <a:clrScheme name="Tema do Office 4">
         <a:dk1>
-          <a:srgbClr val="000000"/>
+          <a:srgbClr xmlns:mc="http://schemas.openxmlformats.org/markup-compatibility/2006" xmlns:a14="http://schemas.microsoft.com/office/drawing/2007/7/7/main" val="000000" mc:Ignorable=""/>
         </a:dk1>
         <a:lt1>
-          <a:srgbClr val="FFFFFF"/>
+          <a:srgbClr xmlns:mc="http://schemas.openxmlformats.org/markup-compatibility/2006" xmlns:a14="http://schemas.microsoft.com/office/drawing/2007/7/7/main" val="FFFFFF" mc:Ignorable=""/>
         </a:lt1>
         <a:dk2>
-          <a:srgbClr val="000000"/>
+          <a:srgbClr xmlns:mc="http://schemas.openxmlformats.org/markup-compatibility/2006" xmlns:a14="http://schemas.microsoft.com/office/drawing/2007/7/7/main" val="000000" mc:Ignorable=""/>
         </a:dk2>
         <a:lt2>
-          <a:srgbClr val="333333"/>
+          <a:srgbClr xmlns:mc="http://schemas.openxmlformats.org/markup-compatibility/2006" xmlns:a14="http://schemas.microsoft.com/office/drawing/2007/7/7/main" val="333333" mc:Ignorable=""/>
         </a:lt2>
         <a:accent1>
-          <a:srgbClr val="DDDDDD"/>
+          <a:srgbClr xmlns:mc="http://schemas.openxmlformats.org/markup-compatibility/2006" xmlns:a14="http://schemas.microsoft.com/office/drawing/2007/7/7/main" val="DDDDDD" mc:Ignorable=""/>
         </a:accent1>
         <a:accent2>
-          <a:srgbClr val="808080"/>
+          <a:srgbClr xmlns:mc="http://schemas.openxmlformats.org/markup-compatibility/2006" xmlns:a14="http://schemas.microsoft.com/office/drawing/2007/7/7/main" val="808080" mc:Ignorable=""/>
         </a:accent2>
         <a:accent3>
-          <a:srgbClr val="FFFFFF"/>
+          <a:srgbClr xmlns:mc="http://schemas.openxmlformats.org/markup-compatibility/2006" xmlns:a14="http://schemas.microsoft.com/office/drawing/2007/7/7/main" val="FFFFFF" mc:Ignorable=""/>
         </a:accent3>
         <a:accent4>
-          <a:srgbClr val="000000"/>
+          <a:srgbClr xmlns:mc="http://schemas.openxmlformats.org/markup-compatibility/2006" xmlns:a14="http://schemas.microsoft.com/office/drawing/2007/7/7/main" val="000000" mc:Ignorable=""/>
         </a:accent4>
         <a:accent5>
-          <a:srgbClr val="EBEBEB"/>
+          <a:srgbClr xmlns:mc="http://schemas.openxmlformats.org/markup-compatibility/2006" xmlns:a14="http://schemas.microsoft.com/office/drawing/2007/7/7/main" val="EBEBEB" mc:Ignorable=""/>
         </a:accent5>
         <a:accent6>
-          <a:srgbClr val="737373"/>
+          <a:srgbClr xmlns:mc="http://schemas.openxmlformats.org/markup-compatibility/2006" xmlns:a14="http://schemas.microsoft.com/office/drawing/2007/7/7/main" val="737373" mc:Ignorable=""/>
         </a:accent6>
         <a:hlink>
-          <a:srgbClr val="4D4D4D"/>
+          <a:srgbClr xmlns:mc="http://schemas.openxmlformats.org/markup-compatibility/2006" xmlns:a14="http://schemas.microsoft.com/office/drawing/2007/7/7/main" val="4D4D4D" mc:Ignorable=""/>
         </a:hlink>
         <a:folHlink>
-          <a:srgbClr val="EAEAEA"/>
+          <a:srgbClr xmlns:mc="http://schemas.openxmlformats.org/markup-compatibility/2006" xmlns:a14="http://schemas.microsoft.com/office/drawing/2007/7/7/main" val="EAEAEA" mc:Ignorable=""/>
         </a:folHlink>
       </a:clrScheme>
       <a:clrMap bg1="lt1" tx1="dk1" bg2="lt2" tx2="dk2" accent1="accent1" accent2="accent2" accent3="accent3" accent4="accent4" accent5="accent5" accent6="accent6" hlink="hlink" folHlink="folHlink"/>
@@ -29759,40 +29798,40 @@
     <a:extraClrScheme>
       <a:clrScheme name="Tema do Office 5">
         <a:dk1>
-          <a:srgbClr val="000000"/>
+          <a:srgbClr xmlns:mc="http://schemas.openxmlformats.org/markup-compatibility/2006" xmlns:a14="http://schemas.microsoft.com/office/drawing/2007/7/7/main" val="000000" mc:Ignorable=""/>
         </a:dk1>
         <a:lt1>
-          <a:srgbClr val="FFFFFF"/>
+          <a:srgbClr xmlns:mc="http://schemas.openxmlformats.org/markup-compatibility/2006" xmlns:a14="http://schemas.microsoft.com/office/drawing/2007/7/7/main" val="FFFFFF" mc:Ignorable=""/>
         </a:lt1>
         <a:dk2>
-          <a:srgbClr val="000000"/>
+          <a:srgbClr xmlns:mc="http://schemas.openxmlformats.org/markup-compatibility/2006" xmlns:a14="http://schemas.microsoft.com/office/drawing/2007/7/7/main" val="000000" mc:Ignorable=""/>
         </a:dk2>
         <a:lt2>
-          <a:srgbClr val="808080"/>
+          <a:srgbClr xmlns:mc="http://schemas.openxmlformats.org/markup-compatibility/2006" xmlns:a14="http://schemas.microsoft.com/office/drawing/2007/7/7/main" val="808080" mc:Ignorable=""/>
         </a:lt2>
         <a:accent1>
-          <a:srgbClr val="FFCC66"/>
+          <a:srgbClr xmlns:mc="http://schemas.openxmlformats.org/markup-compatibility/2006" xmlns:a14="http://schemas.microsoft.com/office/drawing/2007/7/7/main" val="FFCC66" mc:Ignorable=""/>
         </a:accent1>
         <a:accent2>
-          <a:srgbClr val="0000FF"/>
+          <a:srgbClr xmlns:mc="http://schemas.openxmlformats.org/markup-compatibility/2006" xmlns:a14="http://schemas.microsoft.com/office/drawing/2007/7/7/main" val="0000FF" mc:Ignorable=""/>
         </a:accent2>
         <a:accent3>
-          <a:srgbClr val="FFFFFF"/>
+          <a:srgbClr xmlns:mc="http://schemas.openxmlformats.org/markup-compatibility/2006" xmlns:a14="http://schemas.microsoft.com/office/drawing/2007/7/7/main" val="FFFFFF" mc:Ignorable=""/>
         </a:accent3>
         <a:accent4>
-          <a:srgbClr val="000000"/>
+          <a:srgbClr xmlns:mc="http://schemas.openxmlformats.org/markup-compatibility/2006" xmlns:a14="http://schemas.microsoft.com/office/drawing/2007/7/7/main" val="000000" mc:Ignorable=""/>
         </a:accent4>
         <a:accent5>
-          <a:srgbClr val="FFE2B8"/>
+          <a:srgbClr xmlns:mc="http://schemas.openxmlformats.org/markup-compatibility/2006" xmlns:a14="http://schemas.microsoft.com/office/drawing/2007/7/7/main" val="FFE2B8" mc:Ignorable=""/>
         </a:accent5>
         <a:accent6>
-          <a:srgbClr val="0000E7"/>
+          <a:srgbClr xmlns:mc="http://schemas.openxmlformats.org/markup-compatibility/2006" xmlns:a14="http://schemas.microsoft.com/office/drawing/2007/7/7/main" val="0000E7" mc:Ignorable=""/>
         </a:accent6>
         <a:hlink>
-          <a:srgbClr val="CC00CC"/>
+          <a:srgbClr xmlns:mc="http://schemas.openxmlformats.org/markup-compatibility/2006" xmlns:a14="http://schemas.microsoft.com/office/drawing/2007/7/7/main" val="CC00CC" mc:Ignorable=""/>
         </a:hlink>
         <a:folHlink>
-          <a:srgbClr val="C0C0C0"/>
+          <a:srgbClr xmlns:mc="http://schemas.openxmlformats.org/markup-compatibility/2006" xmlns:a14="http://schemas.microsoft.com/office/drawing/2007/7/7/main" val="C0C0C0" mc:Ignorable=""/>
         </a:folHlink>
       </a:clrScheme>
       <a:clrMap bg1="lt1" tx1="dk1" bg2="lt2" tx2="dk2" accent1="accent1" accent2="accent2" accent3="accent3" accent4="accent4" accent5="accent5" accent6="accent6" hlink="hlink" folHlink="folHlink"/>
@@ -29800,40 +29839,40 @@
     <a:extraClrScheme>
       <a:clrScheme name="Tema do Office 6">
         <a:dk1>
-          <a:srgbClr val="000000"/>
+          <a:srgbClr xmlns:mc="http://schemas.openxmlformats.org/markup-compatibility/2006" xmlns:a14="http://schemas.microsoft.com/office/drawing/2007/7/7/main" val="000000" mc:Ignorable=""/>
         </a:dk1>
         <a:lt1>
-          <a:srgbClr val="FFFFFF"/>
+          <a:srgbClr xmlns:mc="http://schemas.openxmlformats.org/markup-compatibility/2006" xmlns:a14="http://schemas.microsoft.com/office/drawing/2007/7/7/main" val="FFFFFF" mc:Ignorable=""/>
         </a:lt1>
         <a:dk2>
-          <a:srgbClr val="000000"/>
+          <a:srgbClr xmlns:mc="http://schemas.openxmlformats.org/markup-compatibility/2006" xmlns:a14="http://schemas.microsoft.com/office/drawing/2007/7/7/main" val="000000" mc:Ignorable=""/>
         </a:dk2>
         <a:lt2>
-          <a:srgbClr val="808080"/>
+          <a:srgbClr xmlns:mc="http://schemas.openxmlformats.org/markup-compatibility/2006" xmlns:a14="http://schemas.microsoft.com/office/drawing/2007/7/7/main" val="808080" mc:Ignorable=""/>
         </a:lt2>
         <a:accent1>
-          <a:srgbClr val="C0C0C0"/>
+          <a:srgbClr xmlns:mc="http://schemas.openxmlformats.org/markup-compatibility/2006" xmlns:a14="http://schemas.microsoft.com/office/drawing/2007/7/7/main" val="C0C0C0" mc:Ignorable=""/>
         </a:accent1>
         <a:accent2>
-          <a:srgbClr val="0066FF"/>
+          <a:srgbClr xmlns:mc="http://schemas.openxmlformats.org/markup-compatibility/2006" xmlns:a14="http://schemas.microsoft.com/office/drawing/2007/7/7/main" val="0066FF" mc:Ignorable=""/>
         </a:accent2>
         <a:accent3>
-          <a:srgbClr val="FFFFFF"/>
+          <a:srgbClr xmlns:mc="http://schemas.openxmlformats.org/markup-compatibility/2006" xmlns:a14="http://schemas.microsoft.com/office/drawing/2007/7/7/main" val="FFFFFF" mc:Ignorable=""/>
         </a:accent3>
         <a:accent4>
-          <a:srgbClr val="000000"/>
+          <a:srgbClr xmlns:mc="http://schemas.openxmlformats.org/markup-compatibility/2006" xmlns:a14="http://schemas.microsoft.com/office/drawing/2007/7/7/main" val="000000" mc:Ignorable=""/>
         </a:accent4>
         <a:accent5>
-          <a:srgbClr val="DCDCDC"/>
+          <a:srgbClr xmlns:mc="http://schemas.openxmlformats.org/markup-compatibility/2006" xmlns:a14="http://schemas.microsoft.com/office/drawing/2007/7/7/main" val="DCDCDC" mc:Ignorable=""/>
         </a:accent5>
         <a:accent6>
-          <a:srgbClr val="005CE7"/>
+          <a:srgbClr xmlns:mc="http://schemas.openxmlformats.org/markup-compatibility/2006" xmlns:a14="http://schemas.microsoft.com/office/drawing/2007/7/7/main" val="005CE7" mc:Ignorable=""/>
         </a:accent6>
         <a:hlink>
-          <a:srgbClr val="FF0000"/>
+          <a:srgbClr xmlns:mc="http://schemas.openxmlformats.org/markup-compatibility/2006" xmlns:a14="http://schemas.microsoft.com/office/drawing/2007/7/7/main" val="FF0000" mc:Ignorable=""/>
         </a:hlink>
         <a:folHlink>
-          <a:srgbClr val="009900"/>
+          <a:srgbClr xmlns:mc="http://schemas.openxmlformats.org/markup-compatibility/2006" xmlns:a14="http://schemas.microsoft.com/office/drawing/2007/7/7/main" val="009900" mc:Ignorable=""/>
         </a:folHlink>
       </a:clrScheme>
       <a:clrMap bg1="lt1" tx1="dk1" bg2="lt2" tx2="dk2" accent1="accent1" accent2="accent2" accent3="accent3" accent4="accent4" accent5="accent5" accent6="accent6" hlink="hlink" folHlink="folHlink"/>
@@ -29841,40 +29880,40 @@
     <a:extraClrScheme>
       <a:clrScheme name="Tema do Office 7">
         <a:dk1>
-          <a:srgbClr val="000000"/>
+          <a:srgbClr xmlns:mc="http://schemas.openxmlformats.org/markup-compatibility/2006" xmlns:a14="http://schemas.microsoft.com/office/drawing/2007/7/7/main" val="000000" mc:Ignorable=""/>
         </a:dk1>
         <a:lt1>
-          <a:srgbClr val="FFFFFF"/>
+          <a:srgbClr xmlns:mc="http://schemas.openxmlformats.org/markup-compatibility/2006" xmlns:a14="http://schemas.microsoft.com/office/drawing/2007/7/7/main" val="FFFFFF" mc:Ignorable=""/>
         </a:lt1>
         <a:dk2>
-          <a:srgbClr val="000000"/>
+          <a:srgbClr xmlns:mc="http://schemas.openxmlformats.org/markup-compatibility/2006" xmlns:a14="http://schemas.microsoft.com/office/drawing/2007/7/7/main" val="000000" mc:Ignorable=""/>
         </a:dk2>
         <a:lt2>
-          <a:srgbClr val="808080"/>
+          <a:srgbClr xmlns:mc="http://schemas.openxmlformats.org/markup-compatibility/2006" xmlns:a14="http://schemas.microsoft.com/office/drawing/2007/7/7/main" val="808080" mc:Ignorable=""/>
         </a:lt2>
         <a:accent1>
-          <a:srgbClr val="3399FF"/>
+          <a:srgbClr xmlns:mc="http://schemas.openxmlformats.org/markup-compatibility/2006" xmlns:a14="http://schemas.microsoft.com/office/drawing/2007/7/7/main" val="3399FF" mc:Ignorable=""/>
         </a:accent1>
         <a:accent2>
-          <a:srgbClr val="99FFCC"/>
+          <a:srgbClr xmlns:mc="http://schemas.openxmlformats.org/markup-compatibility/2006" xmlns:a14="http://schemas.microsoft.com/office/drawing/2007/7/7/main" val="99FFCC" mc:Ignorable=""/>
         </a:accent2>
         <a:accent3>
-          <a:srgbClr val="FFFFFF"/>
+          <a:srgbClr xmlns:mc="http://schemas.openxmlformats.org/markup-compatibility/2006" xmlns:a14="http://schemas.microsoft.com/office/drawing/2007/7/7/main" val="FFFFFF" mc:Ignorable=""/>
         </a:accent3>
         <a:accent4>
-          <a:srgbClr val="000000"/>
+          <a:srgbClr xmlns:mc="http://schemas.openxmlformats.org/markup-compatibility/2006" xmlns:a14="http://schemas.microsoft.com/office/drawing/2007/7/7/main" val="000000" mc:Ignorable=""/>
         </a:accent4>
         <a:accent5>
-          <a:srgbClr val="ADCAFF"/>
+          <a:srgbClr xmlns:mc="http://schemas.openxmlformats.org/markup-compatibility/2006" xmlns:a14="http://schemas.microsoft.com/office/drawing/2007/7/7/main" val="ADCAFF" mc:Ignorable=""/>
         </a:accent5>
         <a:accent6>
-          <a:srgbClr val="8AE7B9"/>
+          <a:srgbClr xmlns:mc="http://schemas.openxmlformats.org/markup-compatibility/2006" xmlns:a14="http://schemas.microsoft.com/office/drawing/2007/7/7/main" val="8AE7B9" mc:Ignorable=""/>
         </a:accent6>
         <a:hlink>
-          <a:srgbClr val="CC00CC"/>
+          <a:srgbClr xmlns:mc="http://schemas.openxmlformats.org/markup-compatibility/2006" xmlns:a14="http://schemas.microsoft.com/office/drawing/2007/7/7/main" val="CC00CC" mc:Ignorable=""/>
         </a:hlink>
         <a:folHlink>
-          <a:srgbClr val="B2B2B2"/>
+          <a:srgbClr xmlns:mc="http://schemas.openxmlformats.org/markup-compatibility/2006" xmlns:a14="http://schemas.microsoft.com/office/drawing/2007/7/7/main" val="B2B2B2" mc:Ignorable=""/>
         </a:folHlink>
       </a:clrScheme>
       <a:clrMap bg1="lt1" tx1="dk1" bg2="lt2" tx2="dk2" accent1="accent1" accent2="accent2" accent3="accent3" accent4="accent4" accent5="accent5" accent6="accent6" hlink="hlink" folHlink="folHlink"/>
@@ -29888,40 +29927,40 @@
   <a:themeElements>
     <a:clrScheme name="Tema do Office 1">
       <a:dk1>
-        <a:srgbClr val="000000"/>
+        <a:srgbClr xmlns:mc="http://schemas.openxmlformats.org/markup-compatibility/2006" xmlns:a14="http://schemas.microsoft.com/office/drawing/2007/7/7/main" val="000000" mc:Ignorable=""/>
       </a:dk1>
       <a:lt1>
-        <a:srgbClr val="FFFFFF"/>
+        <a:srgbClr xmlns:mc="http://schemas.openxmlformats.org/markup-compatibility/2006" xmlns:a14="http://schemas.microsoft.com/office/drawing/2007/7/7/main" val="FFFFFF" mc:Ignorable=""/>
       </a:lt1>
       <a:dk2>
-        <a:srgbClr val="000000"/>
+        <a:srgbClr xmlns:mc="http://schemas.openxmlformats.org/markup-compatibility/2006" xmlns:a14="http://schemas.microsoft.com/office/drawing/2007/7/7/main" val="000000" mc:Ignorable=""/>
       </a:dk2>
       <a:lt2>
-        <a:srgbClr val="808080"/>
+        <a:srgbClr xmlns:mc="http://schemas.openxmlformats.org/markup-compatibility/2006" xmlns:a14="http://schemas.microsoft.com/office/drawing/2007/7/7/main" val="808080" mc:Ignorable=""/>
       </a:lt2>
       <a:accent1>
-        <a:srgbClr val="00CC99"/>
+        <a:srgbClr xmlns:mc="http://schemas.openxmlformats.org/markup-compatibility/2006" xmlns:a14="http://schemas.microsoft.com/office/drawing/2007/7/7/main" val="00CC99" mc:Ignorable=""/>
       </a:accent1>
       <a:accent2>
-        <a:srgbClr val="3333CC"/>
+        <a:srgbClr xmlns:mc="http://schemas.openxmlformats.org/markup-compatibility/2006" xmlns:a14="http://schemas.microsoft.com/office/drawing/2007/7/7/main" val="3333CC" mc:Ignorable=""/>
       </a:accent2>
       <a:accent3>
-        <a:srgbClr val="FFFFFF"/>
+        <a:srgbClr xmlns:mc="http://schemas.openxmlformats.org/markup-compatibility/2006" xmlns:a14="http://schemas.microsoft.com/office/drawing/2007/7/7/main" val="FFFFFF" mc:Ignorable=""/>
       </a:accent3>
       <a:accent4>
-        <a:srgbClr val="000000"/>
+        <a:srgbClr xmlns:mc="http://schemas.openxmlformats.org/markup-compatibility/2006" xmlns:a14="http://schemas.microsoft.com/office/drawing/2007/7/7/main" val="000000" mc:Ignorable=""/>
       </a:accent4>
       <a:accent5>
-        <a:srgbClr val="AAE2CA"/>
+        <a:srgbClr xmlns:mc="http://schemas.openxmlformats.org/markup-compatibility/2006" xmlns:a14="http://schemas.microsoft.com/office/drawing/2007/7/7/main" val="AAE2CA" mc:Ignorable=""/>
       </a:accent5>
       <a:accent6>
-        <a:srgbClr val="2D2DB9"/>
+        <a:srgbClr xmlns:mc="http://schemas.openxmlformats.org/markup-compatibility/2006" xmlns:a14="http://schemas.microsoft.com/office/drawing/2007/7/7/main" val="2D2DB9" mc:Ignorable=""/>
       </a:accent6>
       <a:hlink>
-        <a:srgbClr val="CCCCFF"/>
+        <a:srgbClr xmlns:mc="http://schemas.openxmlformats.org/markup-compatibility/2006" xmlns:a14="http://schemas.microsoft.com/office/drawing/2007/7/7/main" val="CCCCFF" mc:Ignorable=""/>
       </a:hlink>
       <a:folHlink>
-        <a:srgbClr val="B2B2B2"/>
+        <a:srgbClr xmlns:mc="http://schemas.openxmlformats.org/markup-compatibility/2006" xmlns:a14="http://schemas.microsoft.com/office/drawing/2007/7/7/main" val="B2B2B2" mc:Ignorable=""/>
       </a:folHlink>
     </a:clrScheme>
     <a:fontScheme name="Tema do Office">
@@ -30015,7 +30054,7 @@
         <a:effectStyle>
           <a:effectLst>
             <a:outerShdw blurRad="40000" dist="20000" dir="5400000" rotWithShape="0">
-              <a:srgbClr val="000000">
+              <a:srgbClr xmlns:mc="http://schemas.openxmlformats.org/markup-compatibility/2006" xmlns:a14="http://schemas.microsoft.com/office/drawing/2007/7/7/main" val="000000" mc:Ignorable="">
                 <a:alpha val="38000"/>
               </a:srgbClr>
             </a:outerShdw>
@@ -30024,7 +30063,7 @@
         <a:effectStyle>
           <a:effectLst>
             <a:outerShdw blurRad="40000" dist="23000" dir="5400000" rotWithShape="0">
-              <a:srgbClr val="000000">
+              <a:srgbClr xmlns:mc="http://schemas.openxmlformats.org/markup-compatibility/2006" xmlns:a14="http://schemas.microsoft.com/office/drawing/2007/7/7/main" val="000000" mc:Ignorable="">
                 <a:alpha val="35000"/>
               </a:srgbClr>
             </a:outerShdw>
@@ -30033,7 +30072,7 @@
         <a:effectStyle>
           <a:effectLst>
             <a:outerShdw blurRad="40000" dist="23000" dir="5400000" rotWithShape="0">
-              <a:srgbClr val="000000">
+              <a:srgbClr xmlns:mc="http://schemas.openxmlformats.org/markup-compatibility/2006" xmlns:a14="http://schemas.microsoft.com/office/drawing/2007/7/7/main" val="000000" mc:Ignorable="">
                 <a:alpha val="35000"/>
               </a:srgbClr>
             </a:outerShdw>
@@ -30119,7 +30158,7 @@
           <a:pathLst/>
         </a:custGeom>
         <a:solidFill>
-          <a:srgbClr val="00B8FF"/>
+          <a:srgbClr xmlns:mc="http://schemas.openxmlformats.org/markup-compatibility/2006" xmlns:a14="http://schemas.microsoft.com/office/drawing/2007/7/7/main" val="00B8FF" mc:Ignorable=""/>
         </a:solidFill>
         <a:ln w="9525" cap="flat" cmpd="sng" algn="ctr">
           <a:solidFill>
@@ -30149,7 +30188,7 @@
             <a:spcPct val="0"/>
           </a:spcAft>
           <a:buClr>
-            <a:srgbClr val="000000"/>
+            <a:srgbClr xmlns:mc="http://schemas.openxmlformats.org/markup-compatibility/2006" xmlns:a14="http://schemas.microsoft.com/office/drawing/2007/7/7/main" val="000000" mc:Ignorable=""/>
           </a:buClr>
           <a:buSzPct val="100000"/>
           <a:buFont typeface="Arial" charset="0"/>
@@ -30184,7 +30223,7 @@
           <a:pathLst/>
         </a:custGeom>
         <a:solidFill>
-          <a:srgbClr val="00B8FF"/>
+          <a:srgbClr xmlns:mc="http://schemas.openxmlformats.org/markup-compatibility/2006" xmlns:a14="http://schemas.microsoft.com/office/drawing/2007/7/7/main" val="00B8FF" mc:Ignorable=""/>
         </a:solidFill>
         <a:ln w="9525" cap="flat" cmpd="sng" algn="ctr">
           <a:solidFill>
@@ -30214,7 +30253,7 @@
             <a:spcPct val="0"/>
           </a:spcAft>
           <a:buClr>
-            <a:srgbClr val="000000"/>
+            <a:srgbClr xmlns:mc="http://schemas.openxmlformats.org/markup-compatibility/2006" xmlns:a14="http://schemas.microsoft.com/office/drawing/2007/7/7/main" val="000000" mc:Ignorable=""/>
           </a:buClr>
           <a:buSzPct val="100000"/>
           <a:buFont typeface="Arial" charset="0"/>
@@ -30239,40 +30278,40 @@
     <a:extraClrScheme>
       <a:clrScheme name="Tema do Office 1">
         <a:dk1>
-          <a:srgbClr val="000000"/>
+          <a:srgbClr xmlns:mc="http://schemas.openxmlformats.org/markup-compatibility/2006" xmlns:a14="http://schemas.microsoft.com/office/drawing/2007/7/7/main" val="000000" mc:Ignorable=""/>
         </a:dk1>
         <a:lt1>
-          <a:srgbClr val="FFFFFF"/>
+          <a:srgbClr xmlns:mc="http://schemas.openxmlformats.org/markup-compatibility/2006" xmlns:a14="http://schemas.microsoft.com/office/drawing/2007/7/7/main" val="FFFFFF" mc:Ignorable=""/>
         </a:lt1>
         <a:dk2>
-          <a:srgbClr val="000000"/>
+          <a:srgbClr xmlns:mc="http://schemas.openxmlformats.org/markup-compatibility/2006" xmlns:a14="http://schemas.microsoft.com/office/drawing/2007/7/7/main" val="000000" mc:Ignorable=""/>
         </a:dk2>
         <a:lt2>
-          <a:srgbClr val="808080"/>
+          <a:srgbClr xmlns:mc="http://schemas.openxmlformats.org/markup-compatibility/2006" xmlns:a14="http://schemas.microsoft.com/office/drawing/2007/7/7/main" val="808080" mc:Ignorable=""/>
         </a:lt2>
         <a:accent1>
-          <a:srgbClr val="00CC99"/>
+          <a:srgbClr xmlns:mc="http://schemas.openxmlformats.org/markup-compatibility/2006" xmlns:a14="http://schemas.microsoft.com/office/drawing/2007/7/7/main" val="00CC99" mc:Ignorable=""/>
         </a:accent1>
         <a:accent2>
-          <a:srgbClr val="3333CC"/>
+          <a:srgbClr xmlns:mc="http://schemas.openxmlformats.org/markup-compatibility/2006" xmlns:a14="http://schemas.microsoft.com/office/drawing/2007/7/7/main" val="3333CC" mc:Ignorable=""/>
         </a:accent2>
         <a:accent3>
-          <a:srgbClr val="FFFFFF"/>
+          <a:srgbClr xmlns:mc="http://schemas.openxmlformats.org/markup-compatibility/2006" xmlns:a14="http://schemas.microsoft.com/office/drawing/2007/7/7/main" val="FFFFFF" mc:Ignorable=""/>
         </a:accent3>
         <a:accent4>
-          <a:srgbClr val="000000"/>
+          <a:srgbClr xmlns:mc="http://schemas.openxmlformats.org/markup-compatibility/2006" xmlns:a14="http://schemas.microsoft.com/office/drawing/2007/7/7/main" val="000000" mc:Ignorable=""/>
         </a:accent4>
         <a:accent5>
-          <a:srgbClr val="AAE2CA"/>
+          <a:srgbClr xmlns:mc="http://schemas.openxmlformats.org/markup-compatibility/2006" xmlns:a14="http://schemas.microsoft.com/office/drawing/2007/7/7/main" val="AAE2CA" mc:Ignorable=""/>
         </a:accent5>
         <a:accent6>
-          <a:srgbClr val="2D2DB9"/>
+          <a:srgbClr xmlns:mc="http://schemas.openxmlformats.org/markup-compatibility/2006" xmlns:a14="http://schemas.microsoft.com/office/drawing/2007/7/7/main" val="2D2DB9" mc:Ignorable=""/>
         </a:accent6>
         <a:hlink>
-          <a:srgbClr val="CCCCFF"/>
+          <a:srgbClr xmlns:mc="http://schemas.openxmlformats.org/markup-compatibility/2006" xmlns:a14="http://schemas.microsoft.com/office/drawing/2007/7/7/main" val="CCCCFF" mc:Ignorable=""/>
         </a:hlink>
         <a:folHlink>
-          <a:srgbClr val="B2B2B2"/>
+          <a:srgbClr xmlns:mc="http://schemas.openxmlformats.org/markup-compatibility/2006" xmlns:a14="http://schemas.microsoft.com/office/drawing/2007/7/7/main" val="B2B2B2" mc:Ignorable=""/>
         </a:folHlink>
       </a:clrScheme>
       <a:clrMap bg1="lt1" tx1="dk1" bg2="lt2" tx2="dk2" accent1="accent1" accent2="accent2" accent3="accent3" accent4="accent4" accent5="accent5" accent6="accent6" hlink="hlink" folHlink="folHlink"/>
@@ -30280,40 +30319,40 @@
     <a:extraClrScheme>
       <a:clrScheme name="Tema do Office 2">
         <a:dk1>
-          <a:srgbClr val="000000"/>
+          <a:srgbClr xmlns:mc="http://schemas.openxmlformats.org/markup-compatibility/2006" xmlns:a14="http://schemas.microsoft.com/office/drawing/2007/7/7/main" val="000000" mc:Ignorable=""/>
         </a:dk1>
         <a:lt1>
-          <a:srgbClr val="FFFFFF"/>
+          <a:srgbClr xmlns:mc="http://schemas.openxmlformats.org/markup-compatibility/2006" xmlns:a14="http://schemas.microsoft.com/office/drawing/2007/7/7/main" val="FFFFFF" mc:Ignorable=""/>
         </a:lt1>
         <a:dk2>
-          <a:srgbClr val="0000FF"/>
+          <a:srgbClr xmlns:mc="http://schemas.openxmlformats.org/markup-compatibility/2006" xmlns:a14="http://schemas.microsoft.com/office/drawing/2007/7/7/main" val="0000FF" mc:Ignorable=""/>
         </a:dk2>
         <a:lt2>
-          <a:srgbClr val="FFFF00"/>
+          <a:srgbClr xmlns:mc="http://schemas.openxmlformats.org/markup-compatibility/2006" xmlns:a14="http://schemas.microsoft.com/office/drawing/2007/7/7/main" val="FFFF00" mc:Ignorable=""/>
         </a:lt2>
         <a:accent1>
-          <a:srgbClr val="FF9900"/>
+          <a:srgbClr xmlns:mc="http://schemas.openxmlformats.org/markup-compatibility/2006" xmlns:a14="http://schemas.microsoft.com/office/drawing/2007/7/7/main" val="FF9900" mc:Ignorable=""/>
         </a:accent1>
         <a:accent2>
-          <a:srgbClr val="00FFFF"/>
+          <a:srgbClr xmlns:mc="http://schemas.openxmlformats.org/markup-compatibility/2006" xmlns:a14="http://schemas.microsoft.com/office/drawing/2007/7/7/main" val="00FFFF" mc:Ignorable=""/>
         </a:accent2>
         <a:accent3>
-          <a:srgbClr val="AAAAFF"/>
+          <a:srgbClr xmlns:mc="http://schemas.openxmlformats.org/markup-compatibility/2006" xmlns:a14="http://schemas.microsoft.com/office/drawing/2007/7/7/main" val="AAAAFF" mc:Ignorable=""/>
         </a:accent3>
         <a:accent4>
-          <a:srgbClr val="DADADA"/>
+          <a:srgbClr xmlns:mc="http://schemas.openxmlformats.org/markup-compatibility/2006" xmlns:a14="http://schemas.microsoft.com/office/drawing/2007/7/7/main" val="DADADA" mc:Ignorable=""/>
         </a:accent4>
         <a:accent5>
-          <a:srgbClr val="FFCAAA"/>
+          <a:srgbClr xmlns:mc="http://schemas.openxmlformats.org/markup-compatibility/2006" xmlns:a14="http://schemas.microsoft.com/office/drawing/2007/7/7/main" val="FFCAAA" mc:Ignorable=""/>
         </a:accent5>
         <a:accent6>
-          <a:srgbClr val="00E7E7"/>
+          <a:srgbClr xmlns:mc="http://schemas.openxmlformats.org/markup-compatibility/2006" xmlns:a14="http://schemas.microsoft.com/office/drawing/2007/7/7/main" val="00E7E7" mc:Ignorable=""/>
         </a:accent6>
         <a:hlink>
-          <a:srgbClr val="FF0000"/>
+          <a:srgbClr xmlns:mc="http://schemas.openxmlformats.org/markup-compatibility/2006" xmlns:a14="http://schemas.microsoft.com/office/drawing/2007/7/7/main" val="FF0000" mc:Ignorable=""/>
         </a:hlink>
         <a:folHlink>
-          <a:srgbClr val="969696"/>
+          <a:srgbClr xmlns:mc="http://schemas.openxmlformats.org/markup-compatibility/2006" xmlns:a14="http://schemas.microsoft.com/office/drawing/2007/7/7/main" val="969696" mc:Ignorable=""/>
         </a:folHlink>
       </a:clrScheme>
       <a:clrMap bg1="dk2" tx1="lt1" bg2="dk1" tx2="lt2" accent1="accent1" accent2="accent2" accent3="accent3" accent4="accent4" accent5="accent5" accent6="accent6" hlink="hlink" folHlink="folHlink"/>
@@ -30321,40 +30360,40 @@
     <a:extraClrScheme>
       <a:clrScheme name="Tema do Office 3">
         <a:dk1>
-          <a:srgbClr val="000000"/>
+          <a:srgbClr xmlns:mc="http://schemas.openxmlformats.org/markup-compatibility/2006" xmlns:a14="http://schemas.microsoft.com/office/drawing/2007/7/7/main" val="000000" mc:Ignorable=""/>
         </a:dk1>
         <a:lt1>
-          <a:srgbClr val="FFFFCC"/>
+          <a:srgbClr xmlns:mc="http://schemas.openxmlformats.org/markup-compatibility/2006" xmlns:a14="http://schemas.microsoft.com/office/drawing/2007/7/7/main" val="FFFFCC" mc:Ignorable=""/>
         </a:lt1>
         <a:dk2>
-          <a:srgbClr val="808000"/>
+          <a:srgbClr xmlns:mc="http://schemas.openxmlformats.org/markup-compatibility/2006" xmlns:a14="http://schemas.microsoft.com/office/drawing/2007/7/7/main" val="808000" mc:Ignorable=""/>
         </a:dk2>
         <a:lt2>
-          <a:srgbClr val="666633"/>
+          <a:srgbClr xmlns:mc="http://schemas.openxmlformats.org/markup-compatibility/2006" xmlns:a14="http://schemas.microsoft.com/office/drawing/2007/7/7/main" val="666633" mc:Ignorable=""/>
         </a:lt2>
         <a:accent1>
-          <a:srgbClr val="339933"/>
+          <a:srgbClr xmlns:mc="http://schemas.openxmlformats.org/markup-compatibility/2006" xmlns:a14="http://schemas.microsoft.com/office/drawing/2007/7/7/main" val="339933" mc:Ignorable=""/>
         </a:accent1>
         <a:accent2>
-          <a:srgbClr val="800000"/>
+          <a:srgbClr xmlns:mc="http://schemas.openxmlformats.org/markup-compatibility/2006" xmlns:a14="http://schemas.microsoft.com/office/drawing/2007/7/7/main" val="800000" mc:Ignorable=""/>
         </a:accent2>
         <a:accent3>
-          <a:srgbClr val="FFFFE2"/>
+          <a:srgbClr xmlns:mc="http://schemas.openxmlformats.org/markup-compatibility/2006" xmlns:a14="http://schemas.microsoft.com/office/drawing/2007/7/7/main" val="FFFFE2" mc:Ignorable=""/>
         </a:accent3>
         <a:accent4>
-          <a:srgbClr val="000000"/>
+          <a:srgbClr xmlns:mc="http://schemas.openxmlformats.org/markup-compatibility/2006" xmlns:a14="http://schemas.microsoft.com/office/drawing/2007/7/7/main" val="000000" mc:Ignorable=""/>
         </a:accent4>
         <a:accent5>
-          <a:srgbClr val="ADCAAD"/>
+          <a:srgbClr xmlns:mc="http://schemas.openxmlformats.org/markup-compatibility/2006" xmlns:a14="http://schemas.microsoft.com/office/drawing/2007/7/7/main" val="ADCAAD" mc:Ignorable=""/>
         </a:accent5>
         <a:accent6>
-          <a:srgbClr val="730000"/>
+          <a:srgbClr xmlns:mc="http://schemas.openxmlformats.org/markup-compatibility/2006" xmlns:a14="http://schemas.microsoft.com/office/drawing/2007/7/7/main" val="730000" mc:Ignorable=""/>
         </a:accent6>
         <a:hlink>
-          <a:srgbClr val="0033CC"/>
+          <a:srgbClr xmlns:mc="http://schemas.openxmlformats.org/markup-compatibility/2006" xmlns:a14="http://schemas.microsoft.com/office/drawing/2007/7/7/main" val="0033CC" mc:Ignorable=""/>
         </a:hlink>
         <a:folHlink>
-          <a:srgbClr val="FFCC66"/>
+          <a:srgbClr xmlns:mc="http://schemas.openxmlformats.org/markup-compatibility/2006" xmlns:a14="http://schemas.microsoft.com/office/drawing/2007/7/7/main" val="FFCC66" mc:Ignorable=""/>
         </a:folHlink>
       </a:clrScheme>
       <a:clrMap bg1="lt1" tx1="dk1" bg2="lt2" tx2="dk2" accent1="accent1" accent2="accent2" accent3="accent3" accent4="accent4" accent5="accent5" accent6="accent6" hlink="hlink" folHlink="folHlink"/>
@@ -30362,40 +30401,40 @@
     <a:extraClrScheme>
       <a:clrScheme name="Tema do Office 4">
         <a:dk1>
-          <a:srgbClr val="000000"/>
+          <a:srgbClr xmlns:mc="http://schemas.openxmlformats.org/markup-compatibility/2006" xmlns:a14="http://schemas.microsoft.com/office/drawing/2007/7/7/main" val="000000" mc:Ignorable=""/>
         </a:dk1>
         <a:lt1>
-          <a:srgbClr val="FFFFFF"/>
+          <a:srgbClr xmlns:mc="http://schemas.openxmlformats.org/markup-compatibility/2006" xmlns:a14="http://schemas.microsoft.com/office/drawing/2007/7/7/main" val="FFFFFF" mc:Ignorable=""/>
         </a:lt1>
         <a:dk2>
-          <a:srgbClr val="000000"/>
+          <a:srgbClr xmlns:mc="http://schemas.openxmlformats.org/markup-compatibility/2006" xmlns:a14="http://schemas.microsoft.com/office/drawing/2007/7/7/main" val="000000" mc:Ignorable=""/>
         </a:dk2>
         <a:lt2>
-          <a:srgbClr val="333333"/>
+          <a:srgbClr xmlns:mc="http://schemas.openxmlformats.org/markup-compatibility/2006" xmlns:a14="http://schemas.microsoft.com/office/drawing/2007/7/7/main" val="333333" mc:Ignorable=""/>
         </a:lt2>
         <a:accent1>
-          <a:srgbClr val="DDDDDD"/>
+          <a:srgbClr xmlns:mc="http://schemas.openxmlformats.org/markup-compatibility/2006" xmlns:a14="http://schemas.microsoft.com/office/drawing/2007/7/7/main" val="DDDDDD" mc:Ignorable=""/>
         </a:accent1>
         <a:accent2>
-          <a:srgbClr val="808080"/>
+          <a:srgbClr xmlns:mc="http://schemas.openxmlformats.org/markup-compatibility/2006" xmlns:a14="http://schemas.microsoft.com/office/drawing/2007/7/7/main" val="808080" mc:Ignorable=""/>
         </a:accent2>
         <a:accent3>
-          <a:srgbClr val="FFFFFF"/>
+          <a:srgbClr xmlns:mc="http://schemas.openxmlformats.org/markup-compatibility/2006" xmlns:a14="http://schemas.microsoft.com/office/drawing/2007/7/7/main" val="FFFFFF" mc:Ignorable=""/>
         </a:accent3>
         <a:accent4>
-          <a:srgbClr val="000000"/>
+          <a:srgbClr xmlns:mc="http://schemas.openxmlformats.org/markup-compatibility/2006" xmlns:a14="http://schemas.microsoft.com/office/drawing/2007/7/7/main" val="000000" mc:Ignorable=""/>
         </a:accent4>
         <a:accent5>
-          <a:srgbClr val="EBEBEB"/>
+          <a:srgbClr xmlns:mc="http://schemas.openxmlformats.org/markup-compatibility/2006" xmlns:a14="http://schemas.microsoft.com/office/drawing/2007/7/7/main" val="EBEBEB" mc:Ignorable=""/>
         </a:accent5>
         <a:accent6>
-          <a:srgbClr val="737373"/>
+          <a:srgbClr xmlns:mc="http://schemas.openxmlformats.org/markup-compatibility/2006" xmlns:a14="http://schemas.microsoft.com/office/drawing/2007/7/7/main" val="737373" mc:Ignorable=""/>
         </a:accent6>
         <a:hlink>
-          <a:srgbClr val="4D4D4D"/>
+          <a:srgbClr xmlns:mc="http://schemas.openxmlformats.org/markup-compatibility/2006" xmlns:a14="http://schemas.microsoft.com/office/drawing/2007/7/7/main" val="4D4D4D" mc:Ignorable=""/>
         </a:hlink>
         <a:folHlink>
-          <a:srgbClr val="EAEAEA"/>
+          <a:srgbClr xmlns:mc="http://schemas.openxmlformats.org/markup-compatibility/2006" xmlns:a14="http://schemas.microsoft.com/office/drawing/2007/7/7/main" val="EAEAEA" mc:Ignorable=""/>
         </a:folHlink>
       </a:clrScheme>
       <a:clrMap bg1="lt1" tx1="dk1" bg2="lt2" tx2="dk2" accent1="accent1" accent2="accent2" accent3="accent3" accent4="accent4" accent5="accent5" accent6="accent6" hlink="hlink" folHlink="folHlink"/>
@@ -30403,40 +30442,40 @@
     <a:extraClrScheme>
       <a:clrScheme name="Tema do Office 5">
         <a:dk1>
-          <a:srgbClr val="000000"/>
+          <a:srgbClr xmlns:mc="http://schemas.openxmlformats.org/markup-compatibility/2006" xmlns:a14="http://schemas.microsoft.com/office/drawing/2007/7/7/main" val="000000" mc:Ignorable=""/>
         </a:dk1>
         <a:lt1>
-          <a:srgbClr val="FFFFFF"/>
+          <a:srgbClr xmlns:mc="http://schemas.openxmlformats.org/markup-compatibility/2006" xmlns:a14="http://schemas.microsoft.com/office/drawing/2007/7/7/main" val="FFFFFF" mc:Ignorable=""/>
         </a:lt1>
         <a:dk2>
-          <a:srgbClr val="000000"/>
+          <a:srgbClr xmlns:mc="http://schemas.openxmlformats.org/markup-compatibility/2006" xmlns:a14="http://schemas.microsoft.com/office/drawing/2007/7/7/main" val="000000" mc:Ignorable=""/>
         </a:dk2>
         <a:lt2>
-          <a:srgbClr val="808080"/>
+          <a:srgbClr xmlns:mc="http://schemas.openxmlformats.org/markup-compatibility/2006" xmlns:a14="http://schemas.microsoft.com/office/drawing/2007/7/7/main" val="808080" mc:Ignorable=""/>
         </a:lt2>
         <a:accent1>
-          <a:srgbClr val="FFCC66"/>
+          <a:srgbClr xmlns:mc="http://schemas.openxmlformats.org/markup-compatibility/2006" xmlns:a14="http://schemas.microsoft.com/office/drawing/2007/7/7/main" val="FFCC66" mc:Ignorable=""/>
         </a:accent1>
         <a:accent2>
-          <a:srgbClr val="0000FF"/>
+          <a:srgbClr xmlns:mc="http://schemas.openxmlformats.org/markup-compatibility/2006" xmlns:a14="http://schemas.microsoft.com/office/drawing/2007/7/7/main" val="0000FF" mc:Ignorable=""/>
         </a:accent2>
         <a:accent3>
-          <a:srgbClr val="FFFFFF"/>
+          <a:srgbClr xmlns:mc="http://schemas.openxmlformats.org/markup-compatibility/2006" xmlns:a14="http://schemas.microsoft.com/office/drawing/2007/7/7/main" val="FFFFFF" mc:Ignorable=""/>
         </a:accent3>
         <a:accent4>
-          <a:srgbClr val="000000"/>
+          <a:srgbClr xmlns:mc="http://schemas.openxmlformats.org/markup-compatibility/2006" xmlns:a14="http://schemas.microsoft.com/office/drawing/2007/7/7/main" val="000000" mc:Ignorable=""/>
         </a:accent4>
         <a:accent5>
-          <a:srgbClr val="FFE2B8"/>
+          <a:srgbClr xmlns:mc="http://schemas.openxmlformats.org/markup-compatibility/2006" xmlns:a14="http://schemas.microsoft.com/office/drawing/2007/7/7/main" val="FFE2B8" mc:Ignorable=""/>
         </a:accent5>
         <a:accent6>
-          <a:srgbClr val="0000E7"/>
+          <a:srgbClr xmlns:mc="http://schemas.openxmlformats.org/markup-compatibility/2006" xmlns:a14="http://schemas.microsoft.com/office/drawing/2007/7/7/main" val="0000E7" mc:Ignorable=""/>
         </a:accent6>
         <a:hlink>
-          <a:srgbClr val="CC00CC"/>
+          <a:srgbClr xmlns:mc="http://schemas.openxmlformats.org/markup-compatibility/2006" xmlns:a14="http://schemas.microsoft.com/office/drawing/2007/7/7/main" val="CC00CC" mc:Ignorable=""/>
         </a:hlink>
         <a:folHlink>
-          <a:srgbClr val="C0C0C0"/>
+          <a:srgbClr xmlns:mc="http://schemas.openxmlformats.org/markup-compatibility/2006" xmlns:a14="http://schemas.microsoft.com/office/drawing/2007/7/7/main" val="C0C0C0" mc:Ignorable=""/>
         </a:folHlink>
       </a:clrScheme>
       <a:clrMap bg1="lt1" tx1="dk1" bg2="lt2" tx2="dk2" accent1="accent1" accent2="accent2" accent3="accent3" accent4="accent4" accent5="accent5" accent6="accent6" hlink="hlink" folHlink="folHlink"/>
@@ -30444,40 +30483,40 @@
     <a:extraClrScheme>
       <a:clrScheme name="Tema do Office 6">
         <a:dk1>
-          <a:srgbClr val="000000"/>
+          <a:srgbClr xmlns:mc="http://schemas.openxmlformats.org/markup-compatibility/2006" xmlns:a14="http://schemas.microsoft.com/office/drawing/2007/7/7/main" val="000000" mc:Ignorable=""/>
         </a:dk1>
         <a:lt1>
-          <a:srgbClr val="FFFFFF"/>
+          <a:srgbClr xmlns:mc="http://schemas.openxmlformats.org/markup-compatibility/2006" xmlns:a14="http://schemas.microsoft.com/office/drawing/2007/7/7/main" val="FFFFFF" mc:Ignorable=""/>
         </a:lt1>
         <a:dk2>
-          <a:srgbClr val="000000"/>
+          <a:srgbClr xmlns:mc="http://schemas.openxmlformats.org/markup-compatibility/2006" xmlns:a14="http://schemas.microsoft.com/office/drawing/2007/7/7/main" val="000000" mc:Ignorable=""/>
         </a:dk2>
         <a:lt2>
-          <a:srgbClr val="808080"/>
+          <a:srgbClr xmlns:mc="http://schemas.openxmlformats.org/markup-compatibility/2006" xmlns:a14="http://schemas.microsoft.com/office/drawing/2007/7/7/main" val="808080" mc:Ignorable=""/>
         </a:lt2>
         <a:accent1>
-          <a:srgbClr val="C0C0C0"/>
+          <a:srgbClr xmlns:mc="http://schemas.openxmlformats.org/markup-compatibility/2006" xmlns:a14="http://schemas.microsoft.com/office/drawing/2007/7/7/main" val="C0C0C0" mc:Ignorable=""/>
         </a:accent1>
         <a:accent2>
-          <a:srgbClr val="0066FF"/>
+          <a:srgbClr xmlns:mc="http://schemas.openxmlformats.org/markup-compatibility/2006" xmlns:a14="http://schemas.microsoft.com/office/drawing/2007/7/7/main" val="0066FF" mc:Ignorable=""/>
         </a:accent2>
         <a:accent3>
-          <a:srgbClr val="FFFFFF"/>
+          <a:srgbClr xmlns:mc="http://schemas.openxmlformats.org/markup-compatibility/2006" xmlns:a14="http://schemas.microsoft.com/office/drawing/2007/7/7/main" val="FFFFFF" mc:Ignorable=""/>
         </a:accent3>
         <a:accent4>
-          <a:srgbClr val="000000"/>
+          <a:srgbClr xmlns:mc="http://schemas.openxmlformats.org/markup-compatibility/2006" xmlns:a14="http://schemas.microsoft.com/office/drawing/2007/7/7/main" val="000000" mc:Ignorable=""/>
         </a:accent4>
         <a:accent5>
-          <a:srgbClr val="DCDCDC"/>
+          <a:srgbClr xmlns:mc="http://schemas.openxmlformats.org/markup-compatibility/2006" xmlns:a14="http://schemas.microsoft.com/office/drawing/2007/7/7/main" val="DCDCDC" mc:Ignorable=""/>
         </a:accent5>
         <a:accent6>
-          <a:srgbClr val="005CE7"/>
+          <a:srgbClr xmlns:mc="http://schemas.openxmlformats.org/markup-compatibility/2006" xmlns:a14="http://schemas.microsoft.com/office/drawing/2007/7/7/main" val="005CE7" mc:Ignorable=""/>
         </a:accent6>
         <a:hlink>
-          <a:srgbClr val="FF0000"/>
+          <a:srgbClr xmlns:mc="http://schemas.openxmlformats.org/markup-compatibility/2006" xmlns:a14="http://schemas.microsoft.com/office/drawing/2007/7/7/main" val="FF0000" mc:Ignorable=""/>
         </a:hlink>
         <a:folHlink>
-          <a:srgbClr val="009900"/>
+          <a:srgbClr xmlns:mc="http://schemas.openxmlformats.org/markup-compatibility/2006" xmlns:a14="http://schemas.microsoft.com/office/drawing/2007/7/7/main" val="009900" mc:Ignorable=""/>
         </a:folHlink>
       </a:clrScheme>
       <a:clrMap bg1="lt1" tx1="dk1" bg2="lt2" tx2="dk2" accent1="accent1" accent2="accent2" accent3="accent3" accent4="accent4" accent5="accent5" accent6="accent6" hlink="hlink" folHlink="folHlink"/>
@@ -30485,40 +30524,40 @@
     <a:extraClrScheme>
       <a:clrScheme name="Tema do Office 7">
         <a:dk1>
-          <a:srgbClr val="000000"/>
+          <a:srgbClr xmlns:mc="http://schemas.openxmlformats.org/markup-compatibility/2006" xmlns:a14="http://schemas.microsoft.com/office/drawing/2007/7/7/main" val="000000" mc:Ignorable=""/>
         </a:dk1>
         <a:lt1>
-          <a:srgbClr val="FFFFFF"/>
+          <a:srgbClr xmlns:mc="http://schemas.openxmlformats.org/markup-compatibility/2006" xmlns:a14="http://schemas.microsoft.com/office/drawing/2007/7/7/main" val="FFFFFF" mc:Ignorable=""/>
         </a:lt1>
         <a:dk2>
-          <a:srgbClr val="000000"/>
+          <a:srgbClr xmlns:mc="http://schemas.openxmlformats.org/markup-compatibility/2006" xmlns:a14="http://schemas.microsoft.com/office/drawing/2007/7/7/main" val="000000" mc:Ignorable=""/>
         </a:dk2>
         <a:lt2>
-          <a:srgbClr val="808080"/>
+          <a:srgbClr xmlns:mc="http://schemas.openxmlformats.org/markup-compatibility/2006" xmlns:a14="http://schemas.microsoft.com/office/drawing/2007/7/7/main" val="808080" mc:Ignorable=""/>
         </a:lt2>
         <a:accent1>
-          <a:srgbClr val="3399FF"/>
+          <a:srgbClr xmlns:mc="http://schemas.openxmlformats.org/markup-compatibility/2006" xmlns:a14="http://schemas.microsoft.com/office/drawing/2007/7/7/main" val="3399FF" mc:Ignorable=""/>
         </a:accent1>
         <a:accent2>
-          <a:srgbClr val="99FFCC"/>
+          <a:srgbClr xmlns:mc="http://schemas.openxmlformats.org/markup-compatibility/2006" xmlns:a14="http://schemas.microsoft.com/office/drawing/2007/7/7/main" val="99FFCC" mc:Ignorable=""/>
         </a:accent2>
         <a:accent3>
-          <a:srgbClr val="FFFFFF"/>
+          <a:srgbClr xmlns:mc="http://schemas.openxmlformats.org/markup-compatibility/2006" xmlns:a14="http://schemas.microsoft.com/office/drawing/2007/7/7/main" val="FFFFFF" mc:Ignorable=""/>
         </a:accent3>
         <a:accent4>
-          <a:srgbClr val="000000"/>
+          <a:srgbClr xmlns:mc="http://schemas.openxmlformats.org/markup-compatibility/2006" xmlns:a14="http://schemas.microsoft.com/office/drawing/2007/7/7/main" val="000000" mc:Ignorable=""/>
         </a:accent4>
         <a:accent5>
-          <a:srgbClr val="ADCAFF"/>
+          <a:srgbClr xmlns:mc="http://schemas.openxmlformats.org/markup-compatibility/2006" xmlns:a14="http://schemas.microsoft.com/office/drawing/2007/7/7/main" val="ADCAFF" mc:Ignorable=""/>
         </a:accent5>
         <a:accent6>
-          <a:srgbClr val="8AE7B9"/>
+          <a:srgbClr xmlns:mc="http://schemas.openxmlformats.org/markup-compatibility/2006" xmlns:a14="http://schemas.microsoft.com/office/drawing/2007/7/7/main" val="8AE7B9" mc:Ignorable=""/>
         </a:accent6>
         <a:hlink>
-          <a:srgbClr val="CC00CC"/>
+          <a:srgbClr xmlns:mc="http://schemas.openxmlformats.org/markup-compatibility/2006" xmlns:a14="http://schemas.microsoft.com/office/drawing/2007/7/7/main" val="CC00CC" mc:Ignorable=""/>
         </a:hlink>
         <a:folHlink>
-          <a:srgbClr val="B2B2B2"/>
+          <a:srgbClr xmlns:mc="http://schemas.openxmlformats.org/markup-compatibility/2006" xmlns:a14="http://schemas.microsoft.com/office/drawing/2007/7/7/main" val="B2B2B2" mc:Ignorable=""/>
         </a:folHlink>
       </a:clrScheme>
       <a:clrMap bg1="lt1" tx1="dk1" bg2="lt2" tx2="dk2" accent1="accent1" accent2="accent2" accent3="accent3" accent4="accent4" accent5="accent5" accent6="accent6" hlink="hlink" folHlink="folHlink"/>
@@ -30532,40 +30571,40 @@
   <a:themeElements>
     <a:clrScheme name="">
       <a:dk1>
-        <a:srgbClr val="000000"/>
+        <a:srgbClr xmlns:mc="http://schemas.openxmlformats.org/markup-compatibility/2006" xmlns:a14="http://schemas.microsoft.com/office/drawing/2007/7/7/main" val="000000" mc:Ignorable=""/>
       </a:dk1>
       <a:lt1>
-        <a:srgbClr val="FFFFFF"/>
+        <a:srgbClr xmlns:mc="http://schemas.openxmlformats.org/markup-compatibility/2006" xmlns:a14="http://schemas.microsoft.com/office/drawing/2007/7/7/main" val="FFFFFF" mc:Ignorable=""/>
       </a:lt1>
       <a:dk2>
-        <a:srgbClr val="000000"/>
+        <a:srgbClr xmlns:mc="http://schemas.openxmlformats.org/markup-compatibility/2006" xmlns:a14="http://schemas.microsoft.com/office/drawing/2007/7/7/main" val="000000" mc:Ignorable=""/>
       </a:dk2>
       <a:lt2>
-        <a:srgbClr val="808080"/>
+        <a:srgbClr xmlns:mc="http://schemas.openxmlformats.org/markup-compatibility/2006" xmlns:a14="http://schemas.microsoft.com/office/drawing/2007/7/7/main" val="808080" mc:Ignorable=""/>
       </a:lt2>
       <a:accent1>
-        <a:srgbClr val="00CC99"/>
+        <a:srgbClr xmlns:mc="http://schemas.openxmlformats.org/markup-compatibility/2006" xmlns:a14="http://schemas.microsoft.com/office/drawing/2007/7/7/main" val="00CC99" mc:Ignorable=""/>
       </a:accent1>
       <a:accent2>
-        <a:srgbClr val="3333CC"/>
+        <a:srgbClr xmlns:mc="http://schemas.openxmlformats.org/markup-compatibility/2006" xmlns:a14="http://schemas.microsoft.com/office/drawing/2007/7/7/main" val="3333CC" mc:Ignorable=""/>
       </a:accent2>
       <a:accent3>
-        <a:srgbClr val="FFFFFF"/>
+        <a:srgbClr xmlns:mc="http://schemas.openxmlformats.org/markup-compatibility/2006" xmlns:a14="http://schemas.microsoft.com/office/drawing/2007/7/7/main" val="FFFFFF" mc:Ignorable=""/>
       </a:accent3>
       <a:accent4>
-        <a:srgbClr val="000000"/>
+        <a:srgbClr xmlns:mc="http://schemas.openxmlformats.org/markup-compatibility/2006" xmlns:a14="http://schemas.microsoft.com/office/drawing/2007/7/7/main" val="000000" mc:Ignorable=""/>
       </a:accent4>
       <a:accent5>
-        <a:srgbClr val="AAE2CA"/>
+        <a:srgbClr xmlns:mc="http://schemas.openxmlformats.org/markup-compatibility/2006" xmlns:a14="http://schemas.microsoft.com/office/drawing/2007/7/7/main" val="AAE2CA" mc:Ignorable=""/>
       </a:accent5>
       <a:accent6>
-        <a:srgbClr val="2D2DB9"/>
+        <a:srgbClr xmlns:mc="http://schemas.openxmlformats.org/markup-compatibility/2006" xmlns:a14="http://schemas.microsoft.com/office/drawing/2007/7/7/main" val="2D2DB9" mc:Ignorable=""/>
       </a:accent6>
       <a:hlink>
-        <a:srgbClr val="CCCCFF"/>
+        <a:srgbClr xmlns:mc="http://schemas.openxmlformats.org/markup-compatibility/2006" xmlns:a14="http://schemas.microsoft.com/office/drawing/2007/7/7/main" val="CCCCFF" mc:Ignorable=""/>
       </a:hlink>
       <a:folHlink>
-        <a:srgbClr val="B2B2B2"/>
+        <a:srgbClr xmlns:mc="http://schemas.openxmlformats.org/markup-compatibility/2006" xmlns:a14="http://schemas.microsoft.com/office/drawing/2007/7/7/main" val="B2B2B2" mc:Ignorable=""/>
       </a:folHlink>
     </a:clrScheme>
     <a:fontScheme name="Escritório">
@@ -30717,7 +30756,7 @@
         <a:effectStyle>
           <a:effectLst>
             <a:outerShdw blurRad="40000" dist="20000" dir="5400000" rotWithShape="0">
-              <a:srgbClr val="000000">
+              <a:srgbClr xmlns:mc="http://schemas.openxmlformats.org/markup-compatibility/2006" xmlns:a14="http://schemas.microsoft.com/office/drawing/2007/7/7/main" val="000000" mc:Ignorable="">
                 <a:alpha val="38000"/>
               </a:srgbClr>
             </a:outerShdw>
@@ -30726,7 +30765,7 @@
         <a:effectStyle>
           <a:effectLst>
             <a:outerShdw blurRad="40000" dist="23000" dir="5400000" rotWithShape="0">
-              <a:srgbClr val="000000">
+              <a:srgbClr xmlns:mc="http://schemas.openxmlformats.org/markup-compatibility/2006" xmlns:a14="http://schemas.microsoft.com/office/drawing/2007/7/7/main" val="000000" mc:Ignorable="">
                 <a:alpha val="35000"/>
               </a:srgbClr>
             </a:outerShdw>
@@ -30735,7 +30774,7 @@
         <a:effectStyle>
           <a:effectLst>
             <a:outerShdw blurRad="40000" dist="23000" dir="5400000" rotWithShape="0">
-              <a:srgbClr val="000000">
+              <a:srgbClr xmlns:mc="http://schemas.openxmlformats.org/markup-compatibility/2006" xmlns:a14="http://schemas.microsoft.com/office/drawing/2007/7/7/main" val="000000" mc:Ignorable="">
                 <a:alpha val="35000"/>
               </a:srgbClr>
             </a:outerShdw>
@@ -30821,34 +30860,34 @@
         <a:sysClr val="window" lastClr="FFFFFF"/>
       </a:lt1>
       <a:dk2>
-        <a:srgbClr val="1F497D"/>
+        <a:srgbClr xmlns:mc="http://schemas.openxmlformats.org/markup-compatibility/2006" xmlns:a14="http://schemas.microsoft.com/office/drawing/2007/7/7/main" val="1F497D" mc:Ignorable=""/>
       </a:dk2>
       <a:lt2>
-        <a:srgbClr val="EEECE1"/>
+        <a:srgbClr xmlns:mc="http://schemas.openxmlformats.org/markup-compatibility/2006" xmlns:a14="http://schemas.microsoft.com/office/drawing/2007/7/7/main" val="EEECE1" mc:Ignorable=""/>
       </a:lt2>
       <a:accent1>
-        <a:srgbClr val="4F81BD"/>
+        <a:srgbClr xmlns:mc="http://schemas.openxmlformats.org/markup-compatibility/2006" xmlns:a14="http://schemas.microsoft.com/office/drawing/2007/7/7/main" val="4F81BD" mc:Ignorable=""/>
       </a:accent1>
       <a:accent2>
-        <a:srgbClr val="C0504D"/>
+        <a:srgbClr xmlns:mc="http://schemas.openxmlformats.org/markup-compatibility/2006" xmlns:a14="http://schemas.microsoft.com/office/drawing/2007/7/7/main" val="C0504D" mc:Ignorable=""/>
       </a:accent2>
       <a:accent3>
-        <a:srgbClr val="9BBB59"/>
+        <a:srgbClr xmlns:mc="http://schemas.openxmlformats.org/markup-compatibility/2006" xmlns:a14="http://schemas.microsoft.com/office/drawing/2007/7/7/main" val="9BBB59" mc:Ignorable=""/>
       </a:accent3>
       <a:accent4>
-        <a:srgbClr val="8064A2"/>
+        <a:srgbClr xmlns:mc="http://schemas.openxmlformats.org/markup-compatibility/2006" xmlns:a14="http://schemas.microsoft.com/office/drawing/2007/7/7/main" val="8064A2" mc:Ignorable=""/>
       </a:accent4>
       <a:accent5>
-        <a:srgbClr val="4BACC6"/>
+        <a:srgbClr xmlns:mc="http://schemas.openxmlformats.org/markup-compatibility/2006" xmlns:a14="http://schemas.microsoft.com/office/drawing/2007/7/7/main" val="4BACC6" mc:Ignorable=""/>
       </a:accent5>
       <a:accent6>
-        <a:srgbClr val="F79646"/>
+        <a:srgbClr xmlns:mc="http://schemas.openxmlformats.org/markup-compatibility/2006" xmlns:a14="http://schemas.microsoft.com/office/drawing/2007/7/7/main" val="F79646" mc:Ignorable=""/>
       </a:accent6>
       <a:hlink>
-        <a:srgbClr val="0000FF"/>
+        <a:srgbClr xmlns:mc="http://schemas.openxmlformats.org/markup-compatibility/2006" xmlns:a14="http://schemas.microsoft.com/office/drawing/2007/7/7/main" val="0000FF" mc:Ignorable=""/>
       </a:hlink>
       <a:folHlink>
-        <a:srgbClr val="800080"/>
+        <a:srgbClr xmlns:mc="http://schemas.openxmlformats.org/markup-compatibility/2006" xmlns:a14="http://schemas.microsoft.com/office/drawing/2007/7/7/main" val="800080" mc:Ignorable=""/>
       </a:folHlink>
     </a:clrScheme>
     <a:fontScheme name="Escritório">
@@ -31000,7 +31039,7 @@
         <a:effectStyle>
           <a:effectLst>
             <a:outerShdw blurRad="40000" dist="20000" dir="5400000" rotWithShape="0">
-              <a:srgbClr val="000000">
+              <a:srgbClr xmlns:mc="http://schemas.openxmlformats.org/markup-compatibility/2006" xmlns:a14="http://schemas.microsoft.com/office/drawing/2007/7/7/main" val="000000" mc:Ignorable="">
                 <a:alpha val="38000"/>
               </a:srgbClr>
             </a:outerShdw>
@@ -31009,7 +31048,7 @@
         <a:effectStyle>
           <a:effectLst>
             <a:outerShdw blurRad="40000" dist="23000" dir="5400000" rotWithShape="0">
-              <a:srgbClr val="000000">
+              <a:srgbClr xmlns:mc="http://schemas.openxmlformats.org/markup-compatibility/2006" xmlns:a14="http://schemas.microsoft.com/office/drawing/2007/7/7/main" val="000000" mc:Ignorable="">
                 <a:alpha val="35000"/>
               </a:srgbClr>
             </a:outerShdw>
@@ -31018,7 +31057,7 @@
         <a:effectStyle>
           <a:effectLst>
             <a:outerShdw blurRad="40000" dist="23000" dir="5400000" rotWithShape="0">
-              <a:srgbClr val="000000">
+              <a:srgbClr xmlns:mc="http://schemas.openxmlformats.org/markup-compatibility/2006" xmlns:a14="http://schemas.microsoft.com/office/drawing/2007/7/7/main" val="000000" mc:Ignorable="">
                 <a:alpha val="35000"/>
               </a:srgbClr>
             </a:outerShdw>
@@ -31091,4 +31130,174 @@
   <a:objectDefaults/>
   <a:extraClrSchemeLst/>
 </a:theme>
+</file>
+
+<file path=customXml/item1.xml><?xml version="1.0" encoding="utf-8"?>
+<outs:outSpaceData xmlns:outs="http://schemas.microsoft.com/office/2009/outspace/metadata">
+  <outs:relatedDates>
+    <outs:relatedDate>
+      <outs:type>3</outs:type>
+      <outs:displayName>Last Modified</outs:displayName>
+      <outs:dateTime>2009-03-17T16:54:58Z</outs:dateTime>
+      <outs:isPinned>true</outs:isPinned>
+    </outs:relatedDate>
+    <outs:relatedDate>
+      <outs:type>2</outs:type>
+      <outs:displayName>Created</outs:displayName>
+      <outs:dateTime/>
+      <outs:isPinned>true</outs:isPinned>
+    </outs:relatedDate>
+    <outs:relatedDate>
+      <outs:type>4</outs:type>
+      <outs:displayName>Last Printed</outs:displayName>
+      <outs:dateTime/>
+      <outs:isPinned>true</outs:isPinned>
+    </outs:relatedDate>
+  </outs:relatedDates>
+  <outs:relatedDocuments>
+    <outs:relatedDocument>
+      <outs:type>2</outs:type>
+      <outs:displayName>Other documents in current folder</outs:displayName>
+      <outs:uri/>
+      <outs:isPinned>true</outs:isPinned>
+    </outs:relatedDocument>
+  </outs:relatedDocuments>
+  <outs:relatedPeople>
+    <outs:relatedPeopleItem>
+      <outs:category>Author</outs:category>
+      <outs:people>
+        <outs:relatedPerson>
+          <outs:displayName>Neo Malkovitch</outs:displayName>
+          <outs:accountName/>
+        </outs:relatedPerson>
+      </outs:people>
+      <outs:source>0</outs:source>
+      <outs:isPinned>true</outs:isPinned>
+    </outs:relatedPeopleItem>
+    <outs:relatedPeopleItem>
+      <outs:category>Last modified by</outs:category>
+      <outs:people>
+        <outs:relatedPerson>
+          <outs:displayName>Heitor Luis  Polidoro</outs:displayName>
+          <outs:accountName/>
+        </outs:relatedPerson>
+      </outs:people>
+      <outs:source>0</outs:source>
+      <outs:isPinned>true</outs:isPinned>
+    </outs:relatedPeopleItem>
+    <outs:relatedPeopleItem>
+      <outs:category>Manager</outs:category>
+      <outs:people/>
+      <outs:source>0</outs:source>
+      <outs:isPinned>false</outs:isPinned>
+    </outs:relatedPeopleItem>
+  </outs:relatedPeople>
+  <propertyMetadataList xmlns="http://schemas.microsoft.com/office/2009/outspace/metadata">
+    <propertyMetadata>
+      <type>0</type>
+      <propertyId>2228224</propertyId>
+      <propertyName/>
+      <isPinned>true</isPinned>
+    </propertyMetadata>
+    <propertyMetadata>
+      <type>0</type>
+      <propertyId>1114115</propertyId>
+      <propertyName/>
+      <isPinned>true</isPinned>
+    </propertyMetadata>
+    <propertyMetadata>
+      <type>0</type>
+      <propertyId>1114117</propertyId>
+      <propertyName/>
+      <isPinned>true</isPinned>
+    </propertyMetadata>
+    <propertyMetadata>
+      <type>0</type>
+      <propertyId>589825</propertyId>
+      <propertyName/>
+      <isPinned>false</isPinned>
+    </propertyMetadata>
+    <propertyMetadata>
+      <type>0</type>
+      <propertyId>1114116</propertyId>
+      <propertyName/>
+      <isPinned>false</isPinned>
+    </propertyMetadata>
+    <propertyMetadata>
+      <type>0</type>
+      <propertyId>14</propertyId>
+      <propertyName/>
+      <isPinned>true</isPinned>
+    </propertyMetadata>
+    <propertyMetadata>
+      <type>0</type>
+      <propertyId>8</propertyId>
+      <propertyName/>
+      <isPinned>true</isPinned>
+    </propertyMetadata>
+    <propertyMetadata>
+      <type>0</type>
+      <propertyId>6</propertyId>
+      <propertyName/>
+      <isPinned>false</isPinned>
+    </propertyMetadata>
+    <propertyMetadata>
+      <type>0</type>
+      <propertyId>1114118</propertyId>
+      <propertyName/>
+      <isPinned>false</isPinned>
+    </propertyMetadata>
+    <propertyMetadata>
+      <type>0</type>
+      <propertyId>1179649</propertyId>
+      <propertyName/>
+      <isPinned>false</isPinned>
+    </propertyMetadata>
+    <propertyMetadata>
+      <type>0</type>
+      <propertyId>655365</propertyId>
+      <propertyName/>
+      <isPinned>false</isPinned>
+    </propertyMetadata>
+    <propertyMetadata>
+      <type>0</type>
+      <propertyId>1</propertyId>
+      <propertyName/>
+      <isPinned>false</isPinned>
+    </propertyMetadata>
+    <propertyMetadata>
+      <type>0</type>
+      <propertyId>0</propertyId>
+      <propertyName/>
+      <isPinned>true</isPinned>
+    </propertyMetadata>
+    <propertyMetadata>
+      <type>0</type>
+      <propertyId>13</propertyId>
+      <propertyName/>
+      <isPinned>false</isPinned>
+    </propertyMetadata>
+    <propertyMetadata>
+      <type>0</type>
+      <propertyId>1179653</propertyId>
+      <propertyName/>
+      <isPinned>false</isPinned>
+    </propertyMetadata>
+    <propertyMetadata>
+      <type>0</type>
+      <propertyId>22</propertyId>
+      <propertyName/>
+      <isPinned>false</isPinned>
+    </propertyMetadata>
+  </propertyMetadataList>
+  <outs:corruptMetadataWasLost/>
+</outs:outSpaceData>
+</file>
+
+<file path=customXml/itemProps1.xml><?xml version="1.0" encoding="utf-8"?>
+<ds:datastoreItem xmlns:ds="http://schemas.openxmlformats.org/officeDocument/2006/customXml" ds:itemID="{80D18E9F-7168-4A4A-B7FA-ED4CB8FCA6A0}">
+  <ds:schemaRefs>
+    <ds:schemaRef ds:uri="http://schemas.microsoft.com/office/2009/outspace/metadata"/>
+  </ds:schemaRefs>
+</ds:datastoreItem>
 </file>